--- a/presentation-scion-workbench-bat42.pptx
+++ b/presentation-scion-workbench-bat42.pptx
@@ -5,16 +5,22 @@
     <p:sldMasterId id="2147483648" r:id="rId1"/>
   </p:sldMasterIdLst>
   <p:notesMasterIdLst>
-    <p:notesMasterId r:id="rId7"/>
+    <p:notesMasterId r:id="rId13"/>
   </p:notesMasterIdLst>
   <p:sldIdLst>
     <p:sldId id="269" r:id="rId2"/>
     <p:sldId id="270" r:id="rId3"/>
     <p:sldId id="271" r:id="rId4"/>
     <p:sldId id="272" r:id="rId5"/>
-    <p:sldId id="268" r:id="rId6"/>
+    <p:sldId id="273" r:id="rId6"/>
+    <p:sldId id="275" r:id="rId7"/>
+    <p:sldId id="276" r:id="rId8"/>
+    <p:sldId id="274" r:id="rId9"/>
+    <p:sldId id="277" r:id="rId10"/>
+    <p:sldId id="278" r:id="rId11"/>
+    <p:sldId id="268" r:id="rId12"/>
   </p:sldIdLst>
-  <p:sldSz cx="9144000" cy="6858000" type="screen4x3"/>
+  <p:sldSz cx="12192000" cy="6858000"/>
   <p:notesSz cx="6797675" cy="9926638"/>
   <p:defaultTextStyle>
     <a:defPPr>
@@ -113,13 +119,13 @@
   </p:defaultTextStyle>
   <p:extLst>
     <p:ext uri="{EFAFB233-063F-42B5-8137-9DF3F51BA10A}">
-      <p15:sldGuideLst xmlns:p15="http://schemas.microsoft.com/office/powerpoint/2012/main" xmlns="">
-        <p15:guide id="1" orient="horz" pos="2160">
+      <p15:sldGuideLst xmlns:p15="http://schemas.microsoft.com/office/powerpoint/2012/main">
+        <p15:guide id="1" orient="horz" pos="2160" userDrawn="1">
           <p15:clr>
             <a:srgbClr val="A4A3A4"/>
           </p15:clr>
         </p15:guide>
-        <p15:guide id="2" pos="2880">
+        <p15:guide id="2" pos="3840" userDrawn="1">
           <p15:clr>
             <a:srgbClr val="A4A3A4"/>
           </p15:clr>
@@ -212,7 +218,7 @@
           <a:p>
             <a:fld id="{9AC092D3-F097-4195-95C4-3108A32EC641}" type="datetimeFigureOut">
               <a:rPr lang="de-CH" smtClean="0"/>
-              <a:t>04.03.19</a:t>
+              <a:t>04.03.2019</a:t>
             </a:fld>
             <a:endParaRPr lang="de-CH"/>
           </a:p>
@@ -230,8 +236,8 @@
         </p:nvSpPr>
         <p:spPr>
           <a:xfrm>
-            <a:off x="1165225" y="1241425"/>
-            <a:ext cx="4467225" cy="3349625"/>
+            <a:off x="422275" y="1241425"/>
+            <a:ext cx="5953125" cy="3349625"/>
           </a:xfrm>
           <a:prstGeom prst="rect">
             <a:avLst/>
@@ -480,6 +486,631 @@
 </p:notesMaster>
 </file>
 
+<file path=ppt/notesSlides/notesSlide1.xml><?xml version="1.0" encoding="utf-8"?>
+<p:notes xmlns:a="http://schemas.openxmlformats.org/drawingml/2006/main" xmlns:r="http://schemas.openxmlformats.org/officeDocument/2006/relationships" xmlns:p="http://schemas.openxmlformats.org/presentationml/2006/main">
+  <p:cSld>
+    <p:spTree>
+      <p:nvGrpSpPr>
+        <p:cNvPr id="1" name=""/>
+        <p:cNvGrpSpPr/>
+        <p:nvPr/>
+      </p:nvGrpSpPr>
+      <p:grpSpPr>
+        <a:xfrm>
+          <a:off x="0" y="0"/>
+          <a:ext cx="0" cy="0"/>
+          <a:chOff x="0" y="0"/>
+          <a:chExt cx="0" cy="0"/>
+        </a:xfrm>
+      </p:grpSpPr>
+      <p:sp>
+        <p:nvSpPr>
+          <p:cNvPr id="2" name="Folienbildplatzhalter 1"/>
+          <p:cNvSpPr>
+            <a:spLocks noGrp="1" noRot="1" noChangeAspect="1"/>
+          </p:cNvSpPr>
+          <p:nvPr>
+            <p:ph type="sldImg"/>
+          </p:nvPr>
+        </p:nvSpPr>
+        <p:spPr/>
+      </p:sp>
+      <p:sp>
+        <p:nvSpPr>
+          <p:cNvPr id="3" name="Notizenplatzhalter 2"/>
+          <p:cNvSpPr>
+            <a:spLocks noGrp="1"/>
+          </p:cNvSpPr>
+          <p:nvPr>
+            <p:ph type="body" idx="1"/>
+          </p:nvPr>
+        </p:nvSpPr>
+        <p:spPr/>
+        <p:txBody>
+          <a:bodyPr/>
+          <a:lstStyle/>
+          <a:p>
+            <a:r>
+              <a:rPr lang="de-CH" dirty="0"/>
+              <a:t>Das ist unser Startpunkt, alle «Kästchen» werden angefasst. 10 bis 20 Teams (je nach Sichtweise) produzieren SW in unterschiedlicher Granularität mit unterschiedlichen Ziel-Fachbereichen oder Personen.</a:t>
+            </a:r>
+          </a:p>
+          <a:p>
+            <a:endParaRPr lang="de-CH" dirty="0"/>
+          </a:p>
+          <a:p>
+            <a:r>
+              <a:rPr lang="de-CH" dirty="0"/>
+              <a:t>Komplexität erläutern, </a:t>
+            </a:r>
+            <a:r>
+              <a:rPr lang="de-CH" dirty="0" err="1"/>
+              <a:t>einführung</a:t>
+            </a:r>
+            <a:r>
+              <a:rPr lang="de-CH" dirty="0"/>
+              <a:t> über die Grösse des Systems / Projekts</a:t>
+            </a:r>
+          </a:p>
+          <a:p>
+            <a:endParaRPr lang="de-CH" dirty="0"/>
+          </a:p>
+          <a:p>
+            <a:endParaRPr lang="de-CH" dirty="0"/>
+          </a:p>
+          <a:p>
+            <a:r>
+              <a:rPr lang="de-CH" dirty="0"/>
+              <a:t>Ev. Anstelle </a:t>
+            </a:r>
+            <a:r>
+              <a:rPr lang="de-CH" dirty="0" err="1"/>
+              <a:t>Smartrail</a:t>
+            </a:r>
+            <a:r>
+              <a:rPr lang="de-CH" dirty="0"/>
+              <a:t>-Dings Screenshots </a:t>
+            </a:r>
+            <a:r>
+              <a:rPr lang="de-CH" dirty="0" err="1"/>
+              <a:t>NeTS</a:t>
+            </a:r>
+            <a:r>
+              <a:rPr lang="de-CH" dirty="0"/>
+              <a:t> – RCS – Iltis zur Illustration</a:t>
+            </a:r>
+          </a:p>
+        </p:txBody>
+      </p:sp>
+      <p:sp>
+        <p:nvSpPr>
+          <p:cNvPr id="4" name="Foliennummernplatzhalter 3"/>
+          <p:cNvSpPr>
+            <a:spLocks noGrp="1"/>
+          </p:cNvSpPr>
+          <p:nvPr>
+            <p:ph type="sldNum" sz="quarter" idx="10"/>
+          </p:nvPr>
+        </p:nvSpPr>
+        <p:spPr/>
+        <p:txBody>
+          <a:bodyPr/>
+          <a:lstStyle/>
+          <a:p>
+            <a:fld id="{A04FDDDB-F8A1-4327-996A-5B7614E95790}" type="slidenum">
+              <a:rPr lang="de-CH" smtClean="0"/>
+              <a:t>5</a:t>
+            </a:fld>
+            <a:endParaRPr lang="de-CH"/>
+          </a:p>
+        </p:txBody>
+      </p:sp>
+    </p:spTree>
+    <p:extLst>
+      <p:ext uri="{BB962C8B-B14F-4D97-AF65-F5344CB8AC3E}">
+        <p14:creationId xmlns:p14="http://schemas.microsoft.com/office/powerpoint/2010/main" val="1233320568"/>
+      </p:ext>
+    </p:extLst>
+  </p:cSld>
+  <p:clrMapOvr>
+    <a:masterClrMapping/>
+  </p:clrMapOvr>
+</p:notes>
+</file>
+
+<file path=ppt/notesSlides/notesSlide2.xml><?xml version="1.0" encoding="utf-8"?>
+<p:notes xmlns:a="http://schemas.openxmlformats.org/drawingml/2006/main" xmlns:r="http://schemas.openxmlformats.org/officeDocument/2006/relationships" xmlns:p="http://schemas.openxmlformats.org/presentationml/2006/main">
+  <p:cSld>
+    <p:spTree>
+      <p:nvGrpSpPr>
+        <p:cNvPr id="1" name=""/>
+        <p:cNvGrpSpPr/>
+        <p:nvPr/>
+      </p:nvGrpSpPr>
+      <p:grpSpPr>
+        <a:xfrm>
+          <a:off x="0" y="0"/>
+          <a:ext cx="0" cy="0"/>
+          <a:chOff x="0" y="0"/>
+          <a:chExt cx="0" cy="0"/>
+        </a:xfrm>
+      </p:grpSpPr>
+      <p:sp>
+        <p:nvSpPr>
+          <p:cNvPr id="2" name="Folienbildplatzhalter 1"/>
+          <p:cNvSpPr>
+            <a:spLocks noGrp="1" noRot="1" noChangeAspect="1"/>
+          </p:cNvSpPr>
+          <p:nvPr>
+            <p:ph type="sldImg"/>
+          </p:nvPr>
+        </p:nvSpPr>
+        <p:spPr/>
+      </p:sp>
+      <p:sp>
+        <p:nvSpPr>
+          <p:cNvPr id="3" name="Notizenplatzhalter 2"/>
+          <p:cNvSpPr>
+            <a:spLocks noGrp="1"/>
+          </p:cNvSpPr>
+          <p:nvPr>
+            <p:ph type="body" idx="1"/>
+          </p:nvPr>
+        </p:nvSpPr>
+        <p:spPr/>
+        <p:txBody>
+          <a:bodyPr/>
+          <a:lstStyle/>
+          <a:p>
+            <a:r>
+              <a:rPr lang="de-CH" dirty="0"/>
+              <a:t>Voraussetzungen schaffen für: </a:t>
+            </a:r>
+            <a:r>
+              <a:rPr lang="de-CH" dirty="0" err="1"/>
+              <a:t>You</a:t>
+            </a:r>
+            <a:r>
+              <a:rPr lang="de-CH" dirty="0"/>
+              <a:t> </a:t>
+            </a:r>
+            <a:r>
+              <a:rPr lang="de-CH" dirty="0" err="1"/>
+              <a:t>build</a:t>
+            </a:r>
+            <a:r>
+              <a:rPr lang="de-CH" dirty="0"/>
+              <a:t> </a:t>
+            </a:r>
+            <a:r>
+              <a:rPr lang="de-CH" dirty="0" err="1"/>
+              <a:t>it</a:t>
+            </a:r>
+            <a:r>
+              <a:rPr lang="de-CH" dirty="0"/>
+              <a:t>, </a:t>
+            </a:r>
+            <a:r>
+              <a:rPr lang="de-CH" dirty="0" err="1"/>
+              <a:t>you</a:t>
+            </a:r>
+            <a:r>
+              <a:rPr lang="de-CH" dirty="0"/>
+              <a:t> </a:t>
+            </a:r>
+            <a:r>
+              <a:rPr lang="de-CH" dirty="0" err="1"/>
+              <a:t>run</a:t>
+            </a:r>
+            <a:r>
+              <a:rPr lang="de-CH" dirty="0"/>
+              <a:t> </a:t>
+            </a:r>
+            <a:r>
+              <a:rPr lang="de-CH" dirty="0" err="1"/>
+              <a:t>it</a:t>
+            </a:r>
+            <a:endParaRPr lang="de-CH" dirty="0"/>
+          </a:p>
+          <a:p>
+            <a:endParaRPr lang="de-CH" dirty="0"/>
+          </a:p>
+          <a:p>
+            <a:r>
+              <a:rPr lang="en-US" dirty="0"/>
+              <a:t>“The traditional model is that you take your software to the wall that separates development and operations, and throw it over and then forget about it. Not at Amazon. You build it, you run it. This brings developers into contact with the day-to-day operation of their software. It also brings them into day-to-day contact with the customer. This customer feedback loop is essential for improving the quality of the service.” -- Werner </a:t>
+            </a:r>
+            <a:r>
+              <a:rPr lang="en-US" dirty="0" err="1"/>
+              <a:t>Vogels</a:t>
+            </a:r>
+            <a:r>
+              <a:rPr lang="en-US" dirty="0"/>
+              <a:t> in “A conversation with Werner </a:t>
+            </a:r>
+            <a:r>
+              <a:rPr lang="en-US" dirty="0" err="1"/>
+              <a:t>Vogels</a:t>
+            </a:r>
+            <a:r>
+              <a:rPr lang="en-US" dirty="0"/>
+              <a:t>” in ACM Queue, May 2006</a:t>
+            </a:r>
+          </a:p>
+          <a:p>
+            <a:endParaRPr lang="de-CH" dirty="0"/>
+          </a:p>
+          <a:p>
+            <a:r>
+              <a:rPr lang="de-CH" dirty="0"/>
+              <a:t>Pain Points:</a:t>
+            </a:r>
+          </a:p>
+          <a:p>
+            <a:r>
+              <a:rPr lang="de-CH" dirty="0"/>
+              <a:t> - Skalierung (viel Arbeit am gleichen Stück)</a:t>
+            </a:r>
+          </a:p>
+          <a:p>
+            <a:r>
+              <a:rPr lang="de-CH" dirty="0"/>
+              <a:t> - Flexibilität / Änderungsgeschwindigkeit</a:t>
+            </a:r>
+          </a:p>
+          <a:p>
+            <a:r>
+              <a:rPr lang="de-CH" dirty="0"/>
+              <a:t> - Schnelles Kundenfeedback</a:t>
+            </a:r>
+          </a:p>
+          <a:p>
+            <a:r>
+              <a:rPr lang="de-CH" dirty="0"/>
+              <a:t>   - Release –</a:t>
+            </a:r>
+            <a:r>
+              <a:rPr lang="de-CH" dirty="0" err="1"/>
+              <a:t>unabghängigkeit</a:t>
+            </a:r>
+            <a:r>
+              <a:rPr lang="de-CH" dirty="0"/>
+              <a:t> und –</a:t>
+            </a:r>
+            <a:r>
+              <a:rPr lang="de-CH" dirty="0" err="1"/>
+              <a:t>zyklen</a:t>
+            </a:r>
+            <a:endParaRPr lang="de-CH" dirty="0"/>
+          </a:p>
+          <a:p>
+            <a:r>
+              <a:rPr lang="de-CH" dirty="0"/>
+              <a:t>   - Time </a:t>
+            </a:r>
+            <a:r>
+              <a:rPr lang="de-CH" dirty="0" err="1"/>
+              <a:t>to</a:t>
+            </a:r>
+            <a:r>
+              <a:rPr lang="de-CH" dirty="0"/>
+              <a:t> Market bzw. Customer</a:t>
+            </a:r>
+          </a:p>
+          <a:p>
+            <a:endParaRPr lang="de-CH" dirty="0"/>
+          </a:p>
+          <a:p>
+            <a:r>
+              <a:rPr lang="de-CH" dirty="0"/>
+              <a:t>Teile aus https://scs-architecture.org/ und https://micro-frontends.org/</a:t>
+            </a:r>
+          </a:p>
+        </p:txBody>
+      </p:sp>
+      <p:sp>
+        <p:nvSpPr>
+          <p:cNvPr id="4" name="Foliennummernplatzhalter 3"/>
+          <p:cNvSpPr>
+            <a:spLocks noGrp="1"/>
+          </p:cNvSpPr>
+          <p:nvPr>
+            <p:ph type="sldNum" sz="quarter" idx="10"/>
+          </p:nvPr>
+        </p:nvSpPr>
+        <p:spPr/>
+        <p:txBody>
+          <a:bodyPr/>
+          <a:lstStyle/>
+          <a:p>
+            <a:fld id="{A04FDDDB-F8A1-4327-996A-5B7614E95790}" type="slidenum">
+              <a:rPr lang="de-CH" smtClean="0"/>
+              <a:t>6</a:t>
+            </a:fld>
+            <a:endParaRPr lang="de-CH"/>
+          </a:p>
+        </p:txBody>
+      </p:sp>
+    </p:spTree>
+    <p:extLst>
+      <p:ext uri="{BB962C8B-B14F-4D97-AF65-F5344CB8AC3E}">
+        <p14:creationId xmlns:p14="http://schemas.microsoft.com/office/powerpoint/2010/main" val="999223780"/>
+      </p:ext>
+    </p:extLst>
+  </p:cSld>
+  <p:clrMapOvr>
+    <a:masterClrMapping/>
+  </p:clrMapOvr>
+</p:notes>
+</file>
+
+<file path=ppt/notesSlides/notesSlide3.xml><?xml version="1.0" encoding="utf-8"?>
+<p:notes xmlns:a="http://schemas.openxmlformats.org/drawingml/2006/main" xmlns:r="http://schemas.openxmlformats.org/officeDocument/2006/relationships" xmlns:p="http://schemas.openxmlformats.org/presentationml/2006/main">
+  <p:cSld>
+    <p:spTree>
+      <p:nvGrpSpPr>
+        <p:cNvPr id="1" name=""/>
+        <p:cNvGrpSpPr/>
+        <p:nvPr/>
+      </p:nvGrpSpPr>
+      <p:grpSpPr>
+        <a:xfrm>
+          <a:off x="0" y="0"/>
+          <a:ext cx="0" cy="0"/>
+          <a:chOff x="0" y="0"/>
+          <a:chExt cx="0" cy="0"/>
+        </a:xfrm>
+      </p:grpSpPr>
+      <p:sp>
+        <p:nvSpPr>
+          <p:cNvPr id="2" name="Folienbildplatzhalter 1"/>
+          <p:cNvSpPr>
+            <a:spLocks noGrp="1" noRot="1" noChangeAspect="1"/>
+          </p:cNvSpPr>
+          <p:nvPr>
+            <p:ph type="sldImg"/>
+          </p:nvPr>
+        </p:nvSpPr>
+        <p:spPr/>
+      </p:sp>
+      <p:sp>
+        <p:nvSpPr>
+          <p:cNvPr id="3" name="Notizenplatzhalter 2"/>
+          <p:cNvSpPr>
+            <a:spLocks noGrp="1"/>
+          </p:cNvSpPr>
+          <p:nvPr>
+            <p:ph type="body" idx="1"/>
+          </p:nvPr>
+        </p:nvSpPr>
+        <p:spPr/>
+        <p:txBody>
+          <a:bodyPr/>
+          <a:lstStyle/>
+          <a:p>
+            <a:pPr marL="0" marR="0" lvl="0" indent="0" algn="l" defTabSz="914400" rtl="0" eaLnBrk="1" fontAlgn="auto" latinLnBrk="0" hangingPunct="1">
+              <a:lnSpc>
+                <a:spcPct val="100000"/>
+              </a:lnSpc>
+              <a:spcBef>
+                <a:spcPts val="0"/>
+              </a:spcBef>
+              <a:spcAft>
+                <a:spcPts val="0"/>
+              </a:spcAft>
+              <a:buClrTx/>
+              <a:buSzTx/>
+              <a:buFontTx/>
+              <a:buNone/>
+              <a:tabLst/>
+              <a:defRPr/>
+            </a:pPr>
+            <a:r>
+              <a:rPr lang="de-CH" dirty="0"/>
+              <a:t> - End </a:t>
+            </a:r>
+            <a:r>
+              <a:rPr lang="de-CH" dirty="0" err="1"/>
+              <a:t>to</a:t>
+            </a:r>
+            <a:r>
+              <a:rPr lang="de-CH" dirty="0"/>
+              <a:t> End Verantwortung</a:t>
+            </a:r>
+          </a:p>
+          <a:p>
+            <a:pPr marL="0" marR="0" lvl="0" indent="0" algn="l" defTabSz="914400" rtl="0" eaLnBrk="1" fontAlgn="auto" latinLnBrk="0" hangingPunct="1">
+              <a:lnSpc>
+                <a:spcPct val="100000"/>
+              </a:lnSpc>
+              <a:spcBef>
+                <a:spcPts val="0"/>
+              </a:spcBef>
+              <a:spcAft>
+                <a:spcPts val="0"/>
+              </a:spcAft>
+              <a:buClrTx/>
+              <a:buSzTx/>
+              <a:buFontTx/>
+              <a:buNone/>
+              <a:tabLst/>
+              <a:defRPr/>
+            </a:pPr>
+            <a:r>
+              <a:rPr lang="de-CH" dirty="0"/>
+              <a:t> - Kunde will eine Applikation, am liebsten über die ganze SR40 Umgebung</a:t>
+            </a:r>
+          </a:p>
+          <a:p>
+            <a:pPr marL="0" marR="0" lvl="0" indent="0" algn="l" defTabSz="914400" rtl="0" eaLnBrk="1" fontAlgn="auto" latinLnBrk="0" hangingPunct="1">
+              <a:lnSpc>
+                <a:spcPct val="100000"/>
+              </a:lnSpc>
+              <a:spcBef>
+                <a:spcPts val="0"/>
+              </a:spcBef>
+              <a:spcAft>
+                <a:spcPts val="0"/>
+              </a:spcAft>
+              <a:buClrTx/>
+              <a:buSzTx/>
+              <a:buFontTx/>
+              <a:buNone/>
+              <a:tabLst/>
+              <a:defRPr/>
+            </a:pPr>
+            <a:r>
+              <a:rPr lang="de-CH" dirty="0"/>
+              <a:t> - Details zur Integration (</a:t>
+            </a:r>
+            <a:r>
+              <a:rPr lang="de-CH" dirty="0" err="1"/>
+              <a:t>Microfrontends</a:t>
+            </a:r>
+            <a:r>
+              <a:rPr lang="de-CH" dirty="0"/>
+              <a:t> ist nicht die ganze </a:t>
+            </a:r>
+            <a:r>
+              <a:rPr lang="de-CH" dirty="0" err="1"/>
+              <a:t>Warheit</a:t>
+            </a:r>
+            <a:r>
+              <a:rPr lang="de-CH" dirty="0"/>
+              <a:t>)</a:t>
+            </a:r>
+          </a:p>
+        </p:txBody>
+      </p:sp>
+      <p:sp>
+        <p:nvSpPr>
+          <p:cNvPr id="4" name="Foliennummernplatzhalter 3"/>
+          <p:cNvSpPr>
+            <a:spLocks noGrp="1"/>
+          </p:cNvSpPr>
+          <p:nvPr>
+            <p:ph type="sldNum" sz="quarter" idx="10"/>
+          </p:nvPr>
+        </p:nvSpPr>
+        <p:spPr/>
+        <p:txBody>
+          <a:bodyPr/>
+          <a:lstStyle/>
+          <a:p>
+            <a:fld id="{A04FDDDB-F8A1-4327-996A-5B7614E95790}" type="slidenum">
+              <a:rPr lang="de-CH" smtClean="0"/>
+              <a:t>7</a:t>
+            </a:fld>
+            <a:endParaRPr lang="de-CH"/>
+          </a:p>
+        </p:txBody>
+      </p:sp>
+    </p:spTree>
+    <p:extLst>
+      <p:ext uri="{BB962C8B-B14F-4D97-AF65-F5344CB8AC3E}">
+        <p14:creationId xmlns:p14="http://schemas.microsoft.com/office/powerpoint/2010/main" val="2274472827"/>
+      </p:ext>
+    </p:extLst>
+  </p:cSld>
+  <p:clrMapOvr>
+    <a:masterClrMapping/>
+  </p:clrMapOvr>
+</p:notes>
+</file>
+
+<file path=ppt/notesSlides/notesSlide4.xml><?xml version="1.0" encoding="utf-8"?>
+<p:notes xmlns:a="http://schemas.openxmlformats.org/drawingml/2006/main" xmlns:r="http://schemas.openxmlformats.org/officeDocument/2006/relationships" xmlns:p="http://schemas.openxmlformats.org/presentationml/2006/main">
+  <p:cSld>
+    <p:spTree>
+      <p:nvGrpSpPr>
+        <p:cNvPr id="1" name=""/>
+        <p:cNvGrpSpPr/>
+        <p:nvPr/>
+      </p:nvGrpSpPr>
+      <p:grpSpPr>
+        <a:xfrm>
+          <a:off x="0" y="0"/>
+          <a:ext cx="0" cy="0"/>
+          <a:chOff x="0" y="0"/>
+          <a:chExt cx="0" cy="0"/>
+        </a:xfrm>
+      </p:grpSpPr>
+      <p:sp>
+        <p:nvSpPr>
+          <p:cNvPr id="2" name="Folienbildplatzhalter 1"/>
+          <p:cNvSpPr>
+            <a:spLocks noGrp="1" noRot="1" noChangeAspect="1"/>
+          </p:cNvSpPr>
+          <p:nvPr>
+            <p:ph type="sldImg"/>
+          </p:nvPr>
+        </p:nvSpPr>
+        <p:spPr/>
+      </p:sp>
+      <p:sp>
+        <p:nvSpPr>
+          <p:cNvPr id="3" name="Notizenplatzhalter 2"/>
+          <p:cNvSpPr>
+            <a:spLocks noGrp="1"/>
+          </p:cNvSpPr>
+          <p:nvPr>
+            <p:ph type="body" idx="1"/>
+          </p:nvPr>
+        </p:nvSpPr>
+        <p:spPr/>
+        <p:txBody>
+          <a:bodyPr/>
+          <a:lstStyle/>
+          <a:p>
+            <a:r>
+              <a:rPr lang="de-CH" dirty="0"/>
+              <a:t>Einleitung in die Domäne</a:t>
+            </a:r>
+          </a:p>
+          <a:p>
+            <a:r>
+              <a:rPr lang="de-CH" dirty="0"/>
+              <a:t>Prozess / Integration</a:t>
+            </a:r>
+          </a:p>
+        </p:txBody>
+      </p:sp>
+      <p:sp>
+        <p:nvSpPr>
+          <p:cNvPr id="4" name="Foliennummernplatzhalter 3"/>
+          <p:cNvSpPr>
+            <a:spLocks noGrp="1"/>
+          </p:cNvSpPr>
+          <p:nvPr>
+            <p:ph type="sldNum" sz="quarter" idx="10"/>
+          </p:nvPr>
+        </p:nvSpPr>
+        <p:spPr/>
+        <p:txBody>
+          <a:bodyPr/>
+          <a:lstStyle/>
+          <a:p>
+            <a:fld id="{A04FDDDB-F8A1-4327-996A-5B7614E95790}" type="slidenum">
+              <a:rPr lang="de-CH" smtClean="0"/>
+              <a:t>8</a:t>
+            </a:fld>
+            <a:endParaRPr lang="de-CH"/>
+          </a:p>
+        </p:txBody>
+      </p:sp>
+    </p:spTree>
+    <p:extLst>
+      <p:ext uri="{BB962C8B-B14F-4D97-AF65-F5344CB8AC3E}">
+        <p14:creationId xmlns:p14="http://schemas.microsoft.com/office/powerpoint/2010/main" val="2574717921"/>
+      </p:ext>
+    </p:extLst>
+  </p:cSld>
+  <p:clrMapOvr>
+    <a:masterClrMapping/>
+  </p:clrMapOvr>
+</p:notes>
+</file>
+
 <file path=ppt/slideLayouts/slideLayout1.xml><?xml version="1.0" encoding="utf-8"?>
 <p:sldLayout xmlns:a="http://schemas.openxmlformats.org/drawingml/2006/main" xmlns:r="http://schemas.openxmlformats.org/officeDocument/2006/relationships" xmlns:p="http://schemas.openxmlformats.org/presentationml/2006/main" type="title" preserve="1">
   <p:cSld name="Titelfolie">
@@ -509,19 +1140,29 @@
         </p:nvSpPr>
         <p:spPr>
           <a:xfrm>
-            <a:off x="685800" y="2130425"/>
-            <a:ext cx="7772400" cy="1470025"/>
+            <a:off x="914400" y="2130426"/>
+            <a:ext cx="10363200" cy="1470025"/>
           </a:xfrm>
         </p:spPr>
         <p:txBody>
-          <a:bodyPr/>
-          <a:lstStyle/>
-          <a:p>
-            <a:r>
-              <a:rPr lang="en-US"/>
+          <a:bodyPr>
+            <a:normAutofit/>
+          </a:bodyPr>
+          <a:lstStyle>
+            <a:lvl1pPr>
+              <a:defRPr sz="5400" b="0">
+                <a:solidFill>
+                  <a:schemeClr val="bg1"/>
+                </a:solidFill>
+              </a:defRPr>
+            </a:lvl1pPr>
+          </a:lstStyle>
+          <a:p>
+            <a:r>
+              <a:rPr lang="en-US" dirty="0"/>
               <a:t>Click to edit Master title style</a:t>
             </a:r>
-            <a:endParaRPr lang="de-CH"/>
+            <a:endParaRPr lang="de-CH" dirty="0"/>
           </a:p>
         </p:txBody>
       </p:sp>
@@ -537,8 +1178,8 @@
         </p:nvSpPr>
         <p:spPr>
           <a:xfrm>
-            <a:off x="1371600" y="3886200"/>
-            <a:ext cx="6400800" cy="1752600"/>
+            <a:off x="1828800" y="3886200"/>
+            <a:ext cx="8534400" cy="1752600"/>
           </a:xfrm>
         </p:spPr>
         <p:txBody>
@@ -661,7 +1302,7 @@
           <a:p>
             <a:fld id="{CF5CC051-6514-4911-91AD-E136E366829A}" type="datetimeFigureOut">
               <a:rPr lang="de-CH" smtClean="0"/>
-              <a:t>04.03.19</a:t>
+              <a:t>04.03.2019</a:t>
             </a:fld>
             <a:endParaRPr lang="de-CH"/>
           </a:p>
@@ -723,8 +1364,13 @@
 </file>
 
 <file path=ppt/slideLayouts/slideLayout10.xml><?xml version="1.0" encoding="utf-8"?>
-<p:sldLayout xmlns:a="http://schemas.openxmlformats.org/drawingml/2006/main" xmlns:r="http://schemas.openxmlformats.org/officeDocument/2006/relationships" xmlns:p="http://schemas.openxmlformats.org/presentationml/2006/main" type="vertTx" preserve="1">
-  <p:cSld name="Titel und vertikaler Text">
+<p:sldLayout xmlns:a="http://schemas.openxmlformats.org/drawingml/2006/main" xmlns:r="http://schemas.openxmlformats.org/officeDocument/2006/relationships" xmlns:p="http://schemas.openxmlformats.org/presentationml/2006/main" type="picTx" preserve="1">
+  <p:cSld name="Bild mit Überschrift">
+    <p:bg>
+      <p:bgRef idx="1001">
+        <a:schemeClr val="bg1"/>
+      </p:bgRef>
+    </p:bg>
     <p:spTree>
       <p:nvGrpSpPr>
         <p:cNvPr id="1" name=""/>
@@ -749,10 +1395,19 @@
             <p:ph type="title"/>
           </p:nvPr>
         </p:nvSpPr>
-        <p:spPr/>
-        <p:txBody>
-          <a:bodyPr/>
-          <a:lstStyle/>
+        <p:spPr>
+          <a:xfrm>
+            <a:off x="2389717" y="4800600"/>
+            <a:ext cx="7315200" cy="566738"/>
+          </a:xfrm>
+        </p:spPr>
+        <p:txBody>
+          <a:bodyPr anchor="b"/>
+          <a:lstStyle>
+            <a:lvl1pPr algn="l">
+              <a:defRPr sz="2000" b="1"/>
+            </a:lvl1pPr>
+          </a:lstStyle>
           <a:p>
             <a:r>
               <a:rPr lang="en-US"/>
@@ -764,18 +1419,125 @@
       </p:sp>
       <p:sp>
         <p:nvSpPr>
-          <p:cNvPr id="3" name="Vertikaler Textplatzhalter 2"/>
+          <p:cNvPr id="3" name="Bildplatzhalter 2"/>
           <p:cNvSpPr>
             <a:spLocks noGrp="1"/>
           </p:cNvSpPr>
           <p:nvPr>
-            <p:ph type="body" orient="vert" idx="1"/>
+            <p:ph type="pic" idx="1"/>
           </p:nvPr>
         </p:nvSpPr>
-        <p:spPr/>
-        <p:txBody>
-          <a:bodyPr vert="eaVert"/>
-          <a:lstStyle/>
+        <p:spPr>
+          <a:xfrm>
+            <a:off x="2389717" y="612775"/>
+            <a:ext cx="7315200" cy="4114800"/>
+          </a:xfrm>
+        </p:spPr>
+        <p:txBody>
+          <a:bodyPr/>
+          <a:lstStyle>
+            <a:lvl1pPr marL="0" indent="0">
+              <a:buNone/>
+              <a:defRPr sz="3200"/>
+            </a:lvl1pPr>
+            <a:lvl2pPr marL="457200" indent="0">
+              <a:buNone/>
+              <a:defRPr sz="2800"/>
+            </a:lvl2pPr>
+            <a:lvl3pPr marL="914400" indent="0">
+              <a:buNone/>
+              <a:defRPr sz="2400"/>
+            </a:lvl3pPr>
+            <a:lvl4pPr marL="1371600" indent="0">
+              <a:buNone/>
+              <a:defRPr sz="2000"/>
+            </a:lvl4pPr>
+            <a:lvl5pPr marL="1828800" indent="0">
+              <a:buNone/>
+              <a:defRPr sz="2000"/>
+            </a:lvl5pPr>
+            <a:lvl6pPr marL="2286000" indent="0">
+              <a:buNone/>
+              <a:defRPr sz="2000"/>
+            </a:lvl6pPr>
+            <a:lvl7pPr marL="2743200" indent="0">
+              <a:buNone/>
+              <a:defRPr sz="2000"/>
+            </a:lvl7pPr>
+            <a:lvl8pPr marL="3200400" indent="0">
+              <a:buNone/>
+              <a:defRPr sz="2000"/>
+            </a:lvl8pPr>
+            <a:lvl9pPr marL="3657600" indent="0">
+              <a:buNone/>
+              <a:defRPr sz="2000"/>
+            </a:lvl9pPr>
+          </a:lstStyle>
+          <a:p>
+            <a:r>
+              <a:rPr lang="en-US"/>
+              <a:t>Click icon to add picture</a:t>
+            </a:r>
+            <a:endParaRPr lang="de-CH"/>
+          </a:p>
+        </p:txBody>
+      </p:sp>
+      <p:sp>
+        <p:nvSpPr>
+          <p:cNvPr id="4" name="Textplatzhalter 3"/>
+          <p:cNvSpPr>
+            <a:spLocks noGrp="1"/>
+          </p:cNvSpPr>
+          <p:nvPr>
+            <p:ph type="body" sz="half" idx="2"/>
+          </p:nvPr>
+        </p:nvSpPr>
+        <p:spPr>
+          <a:xfrm>
+            <a:off x="2389717" y="5367338"/>
+            <a:ext cx="7315200" cy="804862"/>
+          </a:xfrm>
+        </p:spPr>
+        <p:txBody>
+          <a:bodyPr/>
+          <a:lstStyle>
+            <a:lvl1pPr marL="0" indent="0">
+              <a:buNone/>
+              <a:defRPr sz="1400"/>
+            </a:lvl1pPr>
+            <a:lvl2pPr marL="457200" indent="0">
+              <a:buNone/>
+              <a:defRPr sz="1200"/>
+            </a:lvl2pPr>
+            <a:lvl3pPr marL="914400" indent="0">
+              <a:buNone/>
+              <a:defRPr sz="1000"/>
+            </a:lvl3pPr>
+            <a:lvl4pPr marL="1371600" indent="0">
+              <a:buNone/>
+              <a:defRPr sz="900"/>
+            </a:lvl4pPr>
+            <a:lvl5pPr marL="1828800" indent="0">
+              <a:buNone/>
+              <a:defRPr sz="900"/>
+            </a:lvl5pPr>
+            <a:lvl6pPr marL="2286000" indent="0">
+              <a:buNone/>
+              <a:defRPr sz="900"/>
+            </a:lvl6pPr>
+            <a:lvl7pPr marL="2743200" indent="0">
+              <a:buNone/>
+              <a:defRPr sz="900"/>
+            </a:lvl7pPr>
+            <a:lvl8pPr marL="3200400" indent="0">
+              <a:buNone/>
+              <a:defRPr sz="900"/>
+            </a:lvl8pPr>
+            <a:lvl9pPr marL="3657600" indent="0">
+              <a:buNone/>
+              <a:defRPr sz="900"/>
+            </a:lvl9pPr>
+          </a:lstStyle>
           <a:p>
             <a:pPr lvl="0"/>
             <a:r>
@@ -783,40 +1545,11 @@
               <a:t>Edit Master text styles</a:t>
             </a:r>
           </a:p>
-          <a:p>
-            <a:pPr lvl="1"/>
-            <a:r>
-              <a:rPr lang="en-US"/>
-              <a:t>Second level</a:t>
-            </a:r>
-          </a:p>
-          <a:p>
-            <a:pPr lvl="2"/>
-            <a:r>
-              <a:rPr lang="en-US"/>
-              <a:t>Third level</a:t>
-            </a:r>
-          </a:p>
-          <a:p>
-            <a:pPr lvl="3"/>
-            <a:r>
-              <a:rPr lang="en-US"/>
-              <a:t>Fourth level</a:t>
-            </a:r>
-          </a:p>
-          <a:p>
-            <a:pPr lvl="4"/>
-            <a:r>
-              <a:rPr lang="en-US"/>
-              <a:t>Fifth level</a:t>
-            </a:r>
-            <a:endParaRPr lang="de-CH"/>
-          </a:p>
-        </p:txBody>
-      </p:sp>
-      <p:sp>
-        <p:nvSpPr>
-          <p:cNvPr id="4" name="Datumsplatzhalter 3"/>
+        </p:txBody>
+      </p:sp>
+      <p:sp>
+        <p:nvSpPr>
+          <p:cNvPr id="5" name="Datumsplatzhalter 4"/>
           <p:cNvSpPr>
             <a:spLocks noGrp="1"/>
           </p:cNvSpPr>
@@ -831,7 +1564,7 @@
           <a:p>
             <a:fld id="{CF5CC051-6514-4911-91AD-E136E366829A}" type="datetimeFigureOut">
               <a:rPr lang="de-CH" smtClean="0"/>
-              <a:t>04.03.19</a:t>
+              <a:t>04.03.2019</a:t>
             </a:fld>
             <a:endParaRPr lang="de-CH"/>
           </a:p>
@@ -839,7 +1572,7 @@
       </p:sp>
       <p:sp>
         <p:nvSpPr>
-          <p:cNvPr id="5" name="Fußzeilenplatzhalter 4"/>
+          <p:cNvPr id="6" name="Fußzeilenplatzhalter 5"/>
           <p:cNvSpPr>
             <a:spLocks noGrp="1"/>
           </p:cNvSpPr>
@@ -858,7 +1591,7 @@
       </p:sp>
       <p:sp>
         <p:nvSpPr>
-          <p:cNvPr id="6" name="Foliennummernplatzhalter 5"/>
+          <p:cNvPr id="7" name="Foliennummernplatzhalter 6"/>
           <p:cNvSpPr>
             <a:spLocks noGrp="1"/>
           </p:cNvSpPr>
@@ -882,19 +1615,24 @@
     </p:spTree>
     <p:extLst>
       <p:ext uri="{BB962C8B-B14F-4D97-AF65-F5344CB8AC3E}">
-        <p14:creationId xmlns:p14="http://schemas.microsoft.com/office/powerpoint/2010/main" val="1144646819"/>
+        <p14:creationId xmlns:p14="http://schemas.microsoft.com/office/powerpoint/2010/main" val="3518721368"/>
       </p:ext>
     </p:extLst>
   </p:cSld>
   <p:clrMapOvr>
-    <a:masterClrMapping/>
+    <a:overrideClrMapping bg1="lt1" tx1="dk1" bg2="lt2" tx2="dk2" accent1="accent1" accent2="accent2" accent3="accent3" accent4="accent4" accent5="accent5" accent6="accent6" hlink="hlink" folHlink="folHlink"/>
   </p:clrMapOvr>
 </p:sldLayout>
 </file>
 
 <file path=ppt/slideLayouts/slideLayout11.xml><?xml version="1.0" encoding="utf-8"?>
-<p:sldLayout xmlns:a="http://schemas.openxmlformats.org/drawingml/2006/main" xmlns:r="http://schemas.openxmlformats.org/officeDocument/2006/relationships" xmlns:p="http://schemas.openxmlformats.org/presentationml/2006/main" type="vertTitleAndTx" preserve="1">
-  <p:cSld name="Vertikaler Titel und Text">
+<p:sldLayout xmlns:a="http://schemas.openxmlformats.org/drawingml/2006/main" xmlns:r="http://schemas.openxmlformats.org/officeDocument/2006/relationships" xmlns:p="http://schemas.openxmlformats.org/presentationml/2006/main" type="vertTx" preserve="1">
+  <p:cSld name="Titel und vertikaler Text">
+    <p:bg>
+      <p:bgRef idx="1001">
+        <a:schemeClr val="bg1"/>
+      </p:bgRef>
+    </p:bg>
     <p:spTree>
       <p:nvGrpSpPr>
         <p:cNvPr id="1" name=""/>
@@ -911,22 +1649,17 @@
       </p:grpSpPr>
       <p:sp>
         <p:nvSpPr>
-          <p:cNvPr id="2" name="Vertikaler Titel 1"/>
+          <p:cNvPr id="2" name="Titel 1"/>
           <p:cNvSpPr>
             <a:spLocks noGrp="1"/>
           </p:cNvSpPr>
           <p:nvPr>
-            <p:ph type="title" orient="vert"/>
+            <p:ph type="title"/>
           </p:nvPr>
         </p:nvSpPr>
-        <p:spPr>
-          <a:xfrm>
-            <a:off x="6629400" y="274638"/>
-            <a:ext cx="2057400" cy="5851525"/>
-          </a:xfrm>
-        </p:spPr>
-        <p:txBody>
-          <a:bodyPr vert="eaVert"/>
+        <p:spPr/>
+        <p:txBody>
+          <a:bodyPr/>
           <a:lstStyle/>
           <a:p>
             <a:r>
@@ -947,12 +1680,7 @@
             <p:ph type="body" orient="vert" idx="1"/>
           </p:nvPr>
         </p:nvSpPr>
-        <p:spPr>
-          <a:xfrm>
-            <a:off x="457200" y="274638"/>
-            <a:ext cx="6019800" cy="5851525"/>
-          </a:xfrm>
-        </p:spPr>
+        <p:spPr/>
         <p:txBody>
           <a:bodyPr vert="eaVert"/>
           <a:lstStyle/>
@@ -1011,7 +1739,7 @@
           <a:p>
             <a:fld id="{CF5CC051-6514-4911-91AD-E136E366829A}" type="datetimeFigureOut">
               <a:rPr lang="de-CH" smtClean="0"/>
-              <a:t>04.03.19</a:t>
+              <a:t>04.03.2019</a:t>
             </a:fld>
             <a:endParaRPr lang="de-CH"/>
           </a:p>
@@ -1062,19 +1790,24 @@
     </p:spTree>
     <p:extLst>
       <p:ext uri="{BB962C8B-B14F-4D97-AF65-F5344CB8AC3E}">
-        <p14:creationId xmlns:p14="http://schemas.microsoft.com/office/powerpoint/2010/main" val="1636067447"/>
+        <p14:creationId xmlns:p14="http://schemas.microsoft.com/office/powerpoint/2010/main" val="1144646819"/>
       </p:ext>
     </p:extLst>
   </p:cSld>
   <p:clrMapOvr>
-    <a:masterClrMapping/>
+    <a:overrideClrMapping bg1="lt1" tx1="dk1" bg2="lt2" tx2="dk2" accent1="accent1" accent2="accent2" accent3="accent3" accent4="accent4" accent5="accent5" accent6="accent6" hlink="hlink" folHlink="folHlink"/>
   </p:clrMapOvr>
 </p:sldLayout>
 </file>
 
-<file path=ppt/slideLayouts/slideLayout2.xml><?xml version="1.0" encoding="utf-8"?>
-<p:sldLayout xmlns:a="http://schemas.openxmlformats.org/drawingml/2006/main" xmlns:r="http://schemas.openxmlformats.org/officeDocument/2006/relationships" xmlns:p="http://schemas.openxmlformats.org/presentationml/2006/main" type="obj" preserve="1">
-  <p:cSld name="Titel und Inhalt">
+<file path=ppt/slideLayouts/slideLayout12.xml><?xml version="1.0" encoding="utf-8"?>
+<p:sldLayout xmlns:a="http://schemas.openxmlformats.org/drawingml/2006/main" xmlns:r="http://schemas.openxmlformats.org/officeDocument/2006/relationships" xmlns:p="http://schemas.openxmlformats.org/presentationml/2006/main" type="vertTitleAndTx" preserve="1">
+  <p:cSld name="Vertikaler Titel und Text">
+    <p:bg>
+      <p:bgRef idx="1001">
+        <a:schemeClr val="bg1"/>
+      </p:bgRef>
+    </p:bg>
     <p:spTree>
       <p:nvGrpSpPr>
         <p:cNvPr id="1" name=""/>
@@ -1091,6 +1824,191 @@
       </p:grpSpPr>
       <p:sp>
         <p:nvSpPr>
+          <p:cNvPr id="2" name="Vertikaler Titel 1"/>
+          <p:cNvSpPr>
+            <a:spLocks noGrp="1"/>
+          </p:cNvSpPr>
+          <p:nvPr>
+            <p:ph type="title" orient="vert"/>
+          </p:nvPr>
+        </p:nvSpPr>
+        <p:spPr>
+          <a:xfrm>
+            <a:off x="8839200" y="274639"/>
+            <a:ext cx="2743200" cy="5851525"/>
+          </a:xfrm>
+        </p:spPr>
+        <p:txBody>
+          <a:bodyPr vert="eaVert"/>
+          <a:lstStyle/>
+          <a:p>
+            <a:r>
+              <a:rPr lang="en-US"/>
+              <a:t>Click to edit Master title style</a:t>
+            </a:r>
+            <a:endParaRPr lang="de-CH"/>
+          </a:p>
+        </p:txBody>
+      </p:sp>
+      <p:sp>
+        <p:nvSpPr>
+          <p:cNvPr id="3" name="Vertikaler Textplatzhalter 2"/>
+          <p:cNvSpPr>
+            <a:spLocks noGrp="1"/>
+          </p:cNvSpPr>
+          <p:nvPr>
+            <p:ph type="body" orient="vert" idx="1"/>
+          </p:nvPr>
+        </p:nvSpPr>
+        <p:spPr>
+          <a:xfrm>
+            <a:off x="609600" y="274639"/>
+            <a:ext cx="8026400" cy="5851525"/>
+          </a:xfrm>
+        </p:spPr>
+        <p:txBody>
+          <a:bodyPr vert="eaVert"/>
+          <a:lstStyle/>
+          <a:p>
+            <a:pPr lvl="0"/>
+            <a:r>
+              <a:rPr lang="en-US"/>
+              <a:t>Edit Master text styles</a:t>
+            </a:r>
+          </a:p>
+          <a:p>
+            <a:pPr lvl="1"/>
+            <a:r>
+              <a:rPr lang="en-US"/>
+              <a:t>Second level</a:t>
+            </a:r>
+          </a:p>
+          <a:p>
+            <a:pPr lvl="2"/>
+            <a:r>
+              <a:rPr lang="en-US"/>
+              <a:t>Third level</a:t>
+            </a:r>
+          </a:p>
+          <a:p>
+            <a:pPr lvl="3"/>
+            <a:r>
+              <a:rPr lang="en-US"/>
+              <a:t>Fourth level</a:t>
+            </a:r>
+          </a:p>
+          <a:p>
+            <a:pPr lvl="4"/>
+            <a:r>
+              <a:rPr lang="en-US"/>
+              <a:t>Fifth level</a:t>
+            </a:r>
+            <a:endParaRPr lang="de-CH"/>
+          </a:p>
+        </p:txBody>
+      </p:sp>
+      <p:sp>
+        <p:nvSpPr>
+          <p:cNvPr id="4" name="Datumsplatzhalter 3"/>
+          <p:cNvSpPr>
+            <a:spLocks noGrp="1"/>
+          </p:cNvSpPr>
+          <p:nvPr>
+            <p:ph type="dt" sz="half" idx="10"/>
+          </p:nvPr>
+        </p:nvSpPr>
+        <p:spPr/>
+        <p:txBody>
+          <a:bodyPr/>
+          <a:lstStyle/>
+          <a:p>
+            <a:fld id="{CF5CC051-6514-4911-91AD-E136E366829A}" type="datetimeFigureOut">
+              <a:rPr lang="de-CH" smtClean="0"/>
+              <a:t>04.03.2019</a:t>
+            </a:fld>
+            <a:endParaRPr lang="de-CH"/>
+          </a:p>
+        </p:txBody>
+      </p:sp>
+      <p:sp>
+        <p:nvSpPr>
+          <p:cNvPr id="5" name="Fußzeilenplatzhalter 4"/>
+          <p:cNvSpPr>
+            <a:spLocks noGrp="1"/>
+          </p:cNvSpPr>
+          <p:nvPr>
+            <p:ph type="ftr" sz="quarter" idx="11"/>
+          </p:nvPr>
+        </p:nvSpPr>
+        <p:spPr/>
+        <p:txBody>
+          <a:bodyPr/>
+          <a:lstStyle/>
+          <a:p>
+            <a:endParaRPr lang="de-CH"/>
+          </a:p>
+        </p:txBody>
+      </p:sp>
+      <p:sp>
+        <p:nvSpPr>
+          <p:cNvPr id="6" name="Foliennummernplatzhalter 5"/>
+          <p:cNvSpPr>
+            <a:spLocks noGrp="1"/>
+          </p:cNvSpPr>
+          <p:nvPr>
+            <p:ph type="sldNum" sz="quarter" idx="12"/>
+          </p:nvPr>
+        </p:nvSpPr>
+        <p:spPr/>
+        <p:txBody>
+          <a:bodyPr/>
+          <a:lstStyle/>
+          <a:p>
+            <a:fld id="{854B9615-CEBF-477C-A913-05C05A1CEB6B}" type="slidenum">
+              <a:rPr lang="de-CH" smtClean="0"/>
+              <a:t>‹Nr.›</a:t>
+            </a:fld>
+            <a:endParaRPr lang="de-CH"/>
+          </a:p>
+        </p:txBody>
+      </p:sp>
+    </p:spTree>
+    <p:extLst>
+      <p:ext uri="{BB962C8B-B14F-4D97-AF65-F5344CB8AC3E}">
+        <p14:creationId xmlns:p14="http://schemas.microsoft.com/office/powerpoint/2010/main" val="1636067447"/>
+      </p:ext>
+    </p:extLst>
+  </p:cSld>
+  <p:clrMapOvr>
+    <a:overrideClrMapping bg1="lt1" tx1="dk1" bg2="lt2" tx2="dk2" accent1="accent1" accent2="accent2" accent3="accent3" accent4="accent4" accent5="accent5" accent6="accent6" hlink="hlink" folHlink="folHlink"/>
+  </p:clrMapOvr>
+</p:sldLayout>
+</file>
+
+<file path=ppt/slideLayouts/slideLayout2.xml><?xml version="1.0" encoding="utf-8"?>
+<p:sldLayout xmlns:a="http://schemas.openxmlformats.org/drawingml/2006/main" xmlns:r="http://schemas.openxmlformats.org/officeDocument/2006/relationships" xmlns:p="http://schemas.openxmlformats.org/presentationml/2006/main" type="obj" preserve="1">
+  <p:cSld name="Titel und Inhalt">
+    <p:bg>
+      <p:bgRef idx="1001">
+        <a:schemeClr val="bg1"/>
+      </p:bgRef>
+    </p:bg>
+    <p:spTree>
+      <p:nvGrpSpPr>
+        <p:cNvPr id="1" name=""/>
+        <p:cNvGrpSpPr/>
+        <p:nvPr/>
+      </p:nvGrpSpPr>
+      <p:grpSpPr>
+        <a:xfrm>
+          <a:off x="0" y="0"/>
+          <a:ext cx="0" cy="0"/>
+          <a:chOff x="0" y="0"/>
+          <a:chExt cx="0" cy="0"/>
+        </a:xfrm>
+      </p:grpSpPr>
+      <p:sp>
+        <p:nvSpPr>
           <p:cNvPr id="2" name="Titel 1"/>
           <p:cNvSpPr>
             <a:spLocks noGrp="1"/>
@@ -1181,7 +2099,7 @@
           <a:p>
             <a:fld id="{CF5CC051-6514-4911-91AD-E136E366829A}" type="datetimeFigureOut">
               <a:rPr lang="de-CH" smtClean="0"/>
-              <a:t>04.03.19</a:t>
+              <a:t>04.03.2019</a:t>
             </a:fld>
             <a:endParaRPr lang="de-CH"/>
           </a:p>
@@ -1237,7 +2155,7 @@
     </p:extLst>
   </p:cSld>
   <p:clrMapOvr>
-    <a:masterClrMapping/>
+    <a:overrideClrMapping bg1="lt1" tx1="dk1" bg2="lt2" tx2="dk2" accent1="accent1" accent2="accent2" accent3="accent3" accent4="accent4" accent5="accent5" accent6="accent6" hlink="hlink" folHlink="folHlink"/>
   </p:clrMapOvr>
 </p:sldLayout>
 </file>
@@ -1271,8 +2189,8 @@
         </p:nvSpPr>
         <p:spPr>
           <a:xfrm>
-            <a:off x="722313" y="4406900"/>
-            <a:ext cx="7772400" cy="1362075"/>
+            <a:off x="963084" y="4406901"/>
+            <a:ext cx="10363200" cy="1362075"/>
           </a:xfrm>
         </p:spPr>
         <p:txBody>
@@ -1303,8 +2221,8 @@
         </p:nvSpPr>
         <p:spPr>
           <a:xfrm>
-            <a:off x="722313" y="2906713"/>
-            <a:ext cx="7772400" cy="1500187"/>
+            <a:off x="963084" y="2906713"/>
+            <a:ext cx="10363200" cy="1500187"/>
           </a:xfrm>
         </p:spPr>
         <p:txBody>
@@ -1427,7 +2345,7 @@
           <a:p>
             <a:fld id="{CF5CC051-6514-4911-91AD-E136E366829A}" type="datetimeFigureOut">
               <a:rPr lang="de-CH" smtClean="0"/>
-              <a:t>04.03.19</a:t>
+              <a:t>04.03.2019</a:t>
             </a:fld>
             <a:endParaRPr lang="de-CH"/>
           </a:p>
@@ -1491,6 +2409,11 @@
 <file path=ppt/slideLayouts/slideLayout4.xml><?xml version="1.0" encoding="utf-8"?>
 <p:sldLayout xmlns:a="http://schemas.openxmlformats.org/drawingml/2006/main" xmlns:r="http://schemas.openxmlformats.org/officeDocument/2006/relationships" xmlns:p="http://schemas.openxmlformats.org/presentationml/2006/main" type="twoObj" preserve="1">
   <p:cSld name="Zwei Inhalte">
+    <p:bg>
+      <p:bgRef idx="1001">
+        <a:schemeClr val="bg1"/>
+      </p:bgRef>
+    </p:bg>
     <p:spTree>
       <p:nvGrpSpPr>
         <p:cNvPr id="1" name=""/>
@@ -1540,8 +2463,8 @@
         </p:nvSpPr>
         <p:spPr>
           <a:xfrm>
-            <a:off x="457200" y="1600200"/>
-            <a:ext cx="4038600" cy="4525963"/>
+            <a:off x="609600" y="1600201"/>
+            <a:ext cx="5384800" cy="4525963"/>
           </a:xfrm>
         </p:spPr>
         <p:txBody>
@@ -1625,8 +2548,8 @@
         </p:nvSpPr>
         <p:spPr>
           <a:xfrm>
-            <a:off x="4648200" y="1600200"/>
-            <a:ext cx="4038600" cy="4525963"/>
+            <a:off x="6197600" y="1600201"/>
+            <a:ext cx="5384800" cy="4525963"/>
           </a:xfrm>
         </p:spPr>
         <p:txBody>
@@ -1715,7 +2638,7 @@
           <a:p>
             <a:fld id="{CF5CC051-6514-4911-91AD-E136E366829A}" type="datetimeFigureOut">
               <a:rPr lang="de-CH" smtClean="0"/>
-              <a:t>04.03.19</a:t>
+              <a:t>04.03.2019</a:t>
             </a:fld>
             <a:endParaRPr lang="de-CH"/>
           </a:p>
@@ -1771,7 +2694,7 @@
     </p:extLst>
   </p:cSld>
   <p:clrMapOvr>
-    <a:masterClrMapping/>
+    <a:overrideClrMapping bg1="lt1" tx1="dk1" bg2="lt2" tx2="dk2" accent1="accent1" accent2="accent2" accent3="accent3" accent4="accent4" accent5="accent5" accent6="accent6" hlink="hlink" folHlink="folHlink"/>
   </p:clrMapOvr>
 </p:sldLayout>
 </file>
@@ -1779,6 +2702,11 @@
 <file path=ppt/slideLayouts/slideLayout5.xml><?xml version="1.0" encoding="utf-8"?>
 <p:sldLayout xmlns:a="http://schemas.openxmlformats.org/drawingml/2006/main" xmlns:r="http://schemas.openxmlformats.org/officeDocument/2006/relationships" xmlns:p="http://schemas.openxmlformats.org/presentationml/2006/main" type="twoTxTwoObj" preserve="1">
   <p:cSld name="Vergleich">
+    <p:bg>
+      <p:bgRef idx="1001">
+        <a:schemeClr val="bg1"/>
+      </p:bgRef>
+    </p:bg>
     <p:spTree>
       <p:nvGrpSpPr>
         <p:cNvPr id="1" name=""/>
@@ -1832,8 +2760,8 @@
         </p:nvSpPr>
         <p:spPr>
           <a:xfrm>
-            <a:off x="457200" y="1535113"/>
-            <a:ext cx="4040188" cy="639762"/>
+            <a:off x="609600" y="1535113"/>
+            <a:ext cx="5386917" cy="639762"/>
           </a:xfrm>
         </p:spPr>
         <p:txBody>
@@ -1897,8 +2825,8 @@
         </p:nvSpPr>
         <p:spPr>
           <a:xfrm>
-            <a:off x="457200" y="2174875"/>
-            <a:ext cx="4040188" cy="3951288"/>
+            <a:off x="609600" y="2174875"/>
+            <a:ext cx="5386917" cy="3951288"/>
           </a:xfrm>
         </p:spPr>
         <p:txBody>
@@ -1982,8 +2910,8 @@
         </p:nvSpPr>
         <p:spPr>
           <a:xfrm>
-            <a:off x="4645025" y="1535113"/>
-            <a:ext cx="4041775" cy="639762"/>
+            <a:off x="6193368" y="1535113"/>
+            <a:ext cx="5389033" cy="639762"/>
           </a:xfrm>
         </p:spPr>
         <p:txBody>
@@ -2047,8 +2975,8 @@
         </p:nvSpPr>
         <p:spPr>
           <a:xfrm>
-            <a:off x="4645025" y="2174875"/>
-            <a:ext cx="4041775" cy="3951288"/>
+            <a:off x="6193368" y="2174875"/>
+            <a:ext cx="5389033" cy="3951288"/>
           </a:xfrm>
         </p:spPr>
         <p:txBody>
@@ -2137,7 +3065,7 @@
           <a:p>
             <a:fld id="{CF5CC051-6514-4911-91AD-E136E366829A}" type="datetimeFigureOut">
               <a:rPr lang="de-CH" smtClean="0"/>
-              <a:t>04.03.19</a:t>
+              <a:t>04.03.2019</a:t>
             </a:fld>
             <a:endParaRPr lang="de-CH"/>
           </a:p>
@@ -2193,7 +3121,7 @@
     </p:extLst>
   </p:cSld>
   <p:clrMapOvr>
-    <a:masterClrMapping/>
+    <a:overrideClrMapping bg1="lt1" tx1="dk1" bg2="lt2" tx2="dk2" accent1="accent1" accent2="accent2" accent3="accent3" accent4="accent4" accent5="accent5" accent6="accent6" hlink="hlink" folHlink="folHlink"/>
   </p:clrMapOvr>
 </p:sldLayout>
 </file>
@@ -2201,6 +3129,11 @@
 <file path=ppt/slideLayouts/slideLayout6.xml><?xml version="1.0" encoding="utf-8"?>
 <p:sldLayout xmlns:a="http://schemas.openxmlformats.org/drawingml/2006/main" xmlns:r="http://schemas.openxmlformats.org/officeDocument/2006/relationships" xmlns:p="http://schemas.openxmlformats.org/presentationml/2006/main" type="titleOnly" preserve="1">
   <p:cSld name="Nur Titel">
+    <p:bg>
+      <p:bgRef idx="1001">
+        <a:schemeClr val="bg1"/>
+      </p:bgRef>
+    </p:bg>
     <p:spTree>
       <p:nvGrpSpPr>
         <p:cNvPr id="1" name=""/>
@@ -2255,7 +3188,7 @@
           <a:p>
             <a:fld id="{CF5CC051-6514-4911-91AD-E136E366829A}" type="datetimeFigureOut">
               <a:rPr lang="de-CH" smtClean="0"/>
-              <a:t>04.03.19</a:t>
+              <a:t>04.03.2019</a:t>
             </a:fld>
             <a:endParaRPr lang="de-CH"/>
           </a:p>
@@ -2311,7 +3244,7 @@
     </p:extLst>
   </p:cSld>
   <p:clrMapOvr>
-    <a:masterClrMapping/>
+    <a:overrideClrMapping bg1="lt1" tx1="dk1" bg2="lt2" tx2="dk2" accent1="accent1" accent2="accent2" accent3="accent3" accent4="accent4" accent5="accent5" accent6="accent6" hlink="hlink" folHlink="folHlink"/>
   </p:clrMapOvr>
 </p:sldLayout>
 </file>
@@ -2319,6 +3252,11 @@
 <file path=ppt/slideLayouts/slideLayout7.xml><?xml version="1.0" encoding="utf-8"?>
 <p:sldLayout xmlns:a="http://schemas.openxmlformats.org/drawingml/2006/main" xmlns:r="http://schemas.openxmlformats.org/officeDocument/2006/relationships" xmlns:p="http://schemas.openxmlformats.org/presentationml/2006/main" type="blank" preserve="1">
   <p:cSld name="Leer">
+    <p:bg>
+      <p:bgRef idx="1001">
+        <a:schemeClr val="bg1"/>
+      </p:bgRef>
+    </p:bg>
     <p:spTree>
       <p:nvGrpSpPr>
         <p:cNvPr id="1" name=""/>
@@ -2350,7 +3288,7 @@
           <a:p>
             <a:fld id="{CF5CC051-6514-4911-91AD-E136E366829A}" type="datetimeFigureOut">
               <a:rPr lang="de-CH" smtClean="0"/>
-              <a:t>04.03.19</a:t>
+              <a:t>04.03.2019</a:t>
             </a:fld>
             <a:endParaRPr lang="de-CH"/>
           </a:p>
@@ -2406,14 +3344,14 @@
     </p:extLst>
   </p:cSld>
   <p:clrMapOvr>
-    <a:masterClrMapping/>
+    <a:overrideClrMapping bg1="lt1" tx1="dk1" bg2="lt2" tx2="dk2" accent1="accent1" accent2="accent2" accent3="accent3" accent4="accent4" accent5="accent5" accent6="accent6" hlink="hlink" folHlink="folHlink"/>
   </p:clrMapOvr>
 </p:sldLayout>
 </file>
 
 <file path=ppt/slideLayouts/slideLayout8.xml><?xml version="1.0" encoding="utf-8"?>
-<p:sldLayout xmlns:a="http://schemas.openxmlformats.org/drawingml/2006/main" xmlns:r="http://schemas.openxmlformats.org/officeDocument/2006/relationships" xmlns:p="http://schemas.openxmlformats.org/presentationml/2006/main" type="objTx" preserve="1">
-  <p:cSld name="Inhalt mit Überschrift">
+<p:sldLayout xmlns:a="http://schemas.openxmlformats.org/drawingml/2006/main" xmlns:r="http://schemas.openxmlformats.org/officeDocument/2006/relationships" xmlns:p="http://schemas.openxmlformats.org/presentationml/2006/main" type="blank" preserve="1">
+  <p:cSld name="1_Leer">
     <p:spTree>
       <p:nvGrpSpPr>
         <p:cNvPr id="1" name=""/>
@@ -2430,6 +3368,106 @@
       </p:grpSpPr>
       <p:sp>
         <p:nvSpPr>
+          <p:cNvPr id="2" name="Datumsplatzhalter 1"/>
+          <p:cNvSpPr>
+            <a:spLocks noGrp="1"/>
+          </p:cNvSpPr>
+          <p:nvPr>
+            <p:ph type="dt" sz="half" idx="10"/>
+          </p:nvPr>
+        </p:nvSpPr>
+        <p:spPr/>
+        <p:txBody>
+          <a:bodyPr/>
+          <a:lstStyle/>
+          <a:p>
+            <a:fld id="{CF5CC051-6514-4911-91AD-E136E366829A}" type="datetimeFigureOut">
+              <a:rPr lang="de-CH" smtClean="0"/>
+              <a:t>04.03.2019</a:t>
+            </a:fld>
+            <a:endParaRPr lang="de-CH"/>
+          </a:p>
+        </p:txBody>
+      </p:sp>
+      <p:sp>
+        <p:nvSpPr>
+          <p:cNvPr id="3" name="Fußzeilenplatzhalter 2"/>
+          <p:cNvSpPr>
+            <a:spLocks noGrp="1"/>
+          </p:cNvSpPr>
+          <p:nvPr>
+            <p:ph type="ftr" sz="quarter" idx="11"/>
+          </p:nvPr>
+        </p:nvSpPr>
+        <p:spPr/>
+        <p:txBody>
+          <a:bodyPr/>
+          <a:lstStyle/>
+          <a:p>
+            <a:endParaRPr lang="de-CH"/>
+          </a:p>
+        </p:txBody>
+      </p:sp>
+      <p:sp>
+        <p:nvSpPr>
+          <p:cNvPr id="4" name="Foliennummernplatzhalter 3"/>
+          <p:cNvSpPr>
+            <a:spLocks noGrp="1"/>
+          </p:cNvSpPr>
+          <p:nvPr>
+            <p:ph type="sldNum" sz="quarter" idx="12"/>
+          </p:nvPr>
+        </p:nvSpPr>
+        <p:spPr/>
+        <p:txBody>
+          <a:bodyPr/>
+          <a:lstStyle/>
+          <a:p>
+            <a:fld id="{854B9615-CEBF-477C-A913-05C05A1CEB6B}" type="slidenum">
+              <a:rPr lang="de-CH" smtClean="0"/>
+              <a:t>‹Nr.›</a:t>
+            </a:fld>
+            <a:endParaRPr lang="de-CH"/>
+          </a:p>
+        </p:txBody>
+      </p:sp>
+    </p:spTree>
+    <p:extLst>
+      <p:ext uri="{BB962C8B-B14F-4D97-AF65-F5344CB8AC3E}">
+        <p14:creationId xmlns:p14="http://schemas.microsoft.com/office/powerpoint/2010/main" val="566165220"/>
+      </p:ext>
+    </p:extLst>
+  </p:cSld>
+  <p:clrMapOvr>
+    <a:masterClrMapping/>
+  </p:clrMapOvr>
+</p:sldLayout>
+</file>
+
+<file path=ppt/slideLayouts/slideLayout9.xml><?xml version="1.0" encoding="utf-8"?>
+<p:sldLayout xmlns:a="http://schemas.openxmlformats.org/drawingml/2006/main" xmlns:r="http://schemas.openxmlformats.org/officeDocument/2006/relationships" xmlns:p="http://schemas.openxmlformats.org/presentationml/2006/main" type="objTx" preserve="1">
+  <p:cSld name="Inhalt mit Überschrift">
+    <p:bg>
+      <p:bgRef idx="1001">
+        <a:schemeClr val="bg1"/>
+      </p:bgRef>
+    </p:bg>
+    <p:spTree>
+      <p:nvGrpSpPr>
+        <p:cNvPr id="1" name=""/>
+        <p:cNvGrpSpPr/>
+        <p:nvPr/>
+      </p:nvGrpSpPr>
+      <p:grpSpPr>
+        <a:xfrm>
+          <a:off x="0" y="0"/>
+          <a:ext cx="0" cy="0"/>
+          <a:chOff x="0" y="0"/>
+          <a:chExt cx="0" cy="0"/>
+        </a:xfrm>
+      </p:grpSpPr>
+      <p:sp>
+        <p:nvSpPr>
           <p:cNvPr id="2" name="Titel 1"/>
           <p:cNvSpPr>
             <a:spLocks noGrp="1"/>
@@ -2440,8 +3478,8 @@
         </p:nvSpPr>
         <p:spPr>
           <a:xfrm>
-            <a:off x="457200" y="273050"/>
-            <a:ext cx="3008313" cy="1162050"/>
+            <a:off x="609601" y="273050"/>
+            <a:ext cx="4011084" cy="1162050"/>
           </a:xfrm>
         </p:spPr>
         <p:txBody>
@@ -2472,8 +3510,8 @@
         </p:nvSpPr>
         <p:spPr>
           <a:xfrm>
-            <a:off x="3575050" y="273050"/>
-            <a:ext cx="5111750" cy="5853113"/>
+            <a:off x="4766733" y="273051"/>
+            <a:ext cx="6815667" cy="5853113"/>
           </a:xfrm>
         </p:spPr>
         <p:txBody>
@@ -2557,8 +3595,8 @@
         </p:nvSpPr>
         <p:spPr>
           <a:xfrm>
-            <a:off x="457200" y="1435100"/>
-            <a:ext cx="3008313" cy="4691063"/>
+            <a:off x="609601" y="1435101"/>
+            <a:ext cx="4011084" cy="4691063"/>
           </a:xfrm>
         </p:spPr>
         <p:txBody>
@@ -2627,7 +3665,7 @@
           <a:p>
             <a:fld id="{CF5CC051-6514-4911-91AD-E136E366829A}" type="datetimeFigureOut">
               <a:rPr lang="de-CH" smtClean="0"/>
-              <a:t>04.03.19</a:t>
+              <a:t>04.03.2019</a:t>
             </a:fld>
             <a:endParaRPr lang="de-CH"/>
           </a:p>
@@ -2683,264 +3721,7 @@
     </p:extLst>
   </p:cSld>
   <p:clrMapOvr>
-    <a:masterClrMapping/>
-  </p:clrMapOvr>
-</p:sldLayout>
-</file>
-
-<file path=ppt/slideLayouts/slideLayout9.xml><?xml version="1.0" encoding="utf-8"?>
-<p:sldLayout xmlns:a="http://schemas.openxmlformats.org/drawingml/2006/main" xmlns:r="http://schemas.openxmlformats.org/officeDocument/2006/relationships" xmlns:p="http://schemas.openxmlformats.org/presentationml/2006/main" type="picTx" preserve="1">
-  <p:cSld name="Bild mit Überschrift">
-    <p:spTree>
-      <p:nvGrpSpPr>
-        <p:cNvPr id="1" name=""/>
-        <p:cNvGrpSpPr/>
-        <p:nvPr/>
-      </p:nvGrpSpPr>
-      <p:grpSpPr>
-        <a:xfrm>
-          <a:off x="0" y="0"/>
-          <a:ext cx="0" cy="0"/>
-          <a:chOff x="0" y="0"/>
-          <a:chExt cx="0" cy="0"/>
-        </a:xfrm>
-      </p:grpSpPr>
-      <p:sp>
-        <p:nvSpPr>
-          <p:cNvPr id="2" name="Titel 1"/>
-          <p:cNvSpPr>
-            <a:spLocks noGrp="1"/>
-          </p:cNvSpPr>
-          <p:nvPr>
-            <p:ph type="title"/>
-          </p:nvPr>
-        </p:nvSpPr>
-        <p:spPr>
-          <a:xfrm>
-            <a:off x="1792288" y="4800600"/>
-            <a:ext cx="5486400" cy="566738"/>
-          </a:xfrm>
-        </p:spPr>
-        <p:txBody>
-          <a:bodyPr anchor="b"/>
-          <a:lstStyle>
-            <a:lvl1pPr algn="l">
-              <a:defRPr sz="2000" b="1"/>
-            </a:lvl1pPr>
-          </a:lstStyle>
-          <a:p>
-            <a:r>
-              <a:rPr lang="en-US"/>
-              <a:t>Click to edit Master title style</a:t>
-            </a:r>
-            <a:endParaRPr lang="de-CH"/>
-          </a:p>
-        </p:txBody>
-      </p:sp>
-      <p:sp>
-        <p:nvSpPr>
-          <p:cNvPr id="3" name="Bildplatzhalter 2"/>
-          <p:cNvSpPr>
-            <a:spLocks noGrp="1"/>
-          </p:cNvSpPr>
-          <p:nvPr>
-            <p:ph type="pic" idx="1"/>
-          </p:nvPr>
-        </p:nvSpPr>
-        <p:spPr>
-          <a:xfrm>
-            <a:off x="1792288" y="612775"/>
-            <a:ext cx="5486400" cy="4114800"/>
-          </a:xfrm>
-        </p:spPr>
-        <p:txBody>
-          <a:bodyPr/>
-          <a:lstStyle>
-            <a:lvl1pPr marL="0" indent="0">
-              <a:buNone/>
-              <a:defRPr sz="3200"/>
-            </a:lvl1pPr>
-            <a:lvl2pPr marL="457200" indent="0">
-              <a:buNone/>
-              <a:defRPr sz="2800"/>
-            </a:lvl2pPr>
-            <a:lvl3pPr marL="914400" indent="0">
-              <a:buNone/>
-              <a:defRPr sz="2400"/>
-            </a:lvl3pPr>
-            <a:lvl4pPr marL="1371600" indent="0">
-              <a:buNone/>
-              <a:defRPr sz="2000"/>
-            </a:lvl4pPr>
-            <a:lvl5pPr marL="1828800" indent="0">
-              <a:buNone/>
-              <a:defRPr sz="2000"/>
-            </a:lvl5pPr>
-            <a:lvl6pPr marL="2286000" indent="0">
-              <a:buNone/>
-              <a:defRPr sz="2000"/>
-            </a:lvl6pPr>
-            <a:lvl7pPr marL="2743200" indent="0">
-              <a:buNone/>
-              <a:defRPr sz="2000"/>
-            </a:lvl7pPr>
-            <a:lvl8pPr marL="3200400" indent="0">
-              <a:buNone/>
-              <a:defRPr sz="2000"/>
-            </a:lvl8pPr>
-            <a:lvl9pPr marL="3657600" indent="0">
-              <a:buNone/>
-              <a:defRPr sz="2000"/>
-            </a:lvl9pPr>
-          </a:lstStyle>
-          <a:p>
-            <a:r>
-              <a:rPr lang="en-US"/>
-              <a:t>Click icon to add picture</a:t>
-            </a:r>
-            <a:endParaRPr lang="de-CH"/>
-          </a:p>
-        </p:txBody>
-      </p:sp>
-      <p:sp>
-        <p:nvSpPr>
-          <p:cNvPr id="4" name="Textplatzhalter 3"/>
-          <p:cNvSpPr>
-            <a:spLocks noGrp="1"/>
-          </p:cNvSpPr>
-          <p:nvPr>
-            <p:ph type="body" sz="half" idx="2"/>
-          </p:nvPr>
-        </p:nvSpPr>
-        <p:spPr>
-          <a:xfrm>
-            <a:off x="1792288" y="5367338"/>
-            <a:ext cx="5486400" cy="804862"/>
-          </a:xfrm>
-        </p:spPr>
-        <p:txBody>
-          <a:bodyPr/>
-          <a:lstStyle>
-            <a:lvl1pPr marL="0" indent="0">
-              <a:buNone/>
-              <a:defRPr sz="1400"/>
-            </a:lvl1pPr>
-            <a:lvl2pPr marL="457200" indent="0">
-              <a:buNone/>
-              <a:defRPr sz="1200"/>
-            </a:lvl2pPr>
-            <a:lvl3pPr marL="914400" indent="0">
-              <a:buNone/>
-              <a:defRPr sz="1000"/>
-            </a:lvl3pPr>
-            <a:lvl4pPr marL="1371600" indent="0">
-              <a:buNone/>
-              <a:defRPr sz="900"/>
-            </a:lvl4pPr>
-            <a:lvl5pPr marL="1828800" indent="0">
-              <a:buNone/>
-              <a:defRPr sz="900"/>
-            </a:lvl5pPr>
-            <a:lvl6pPr marL="2286000" indent="0">
-              <a:buNone/>
-              <a:defRPr sz="900"/>
-            </a:lvl6pPr>
-            <a:lvl7pPr marL="2743200" indent="0">
-              <a:buNone/>
-              <a:defRPr sz="900"/>
-            </a:lvl7pPr>
-            <a:lvl8pPr marL="3200400" indent="0">
-              <a:buNone/>
-              <a:defRPr sz="900"/>
-            </a:lvl8pPr>
-            <a:lvl9pPr marL="3657600" indent="0">
-              <a:buNone/>
-              <a:defRPr sz="900"/>
-            </a:lvl9pPr>
-          </a:lstStyle>
-          <a:p>
-            <a:pPr lvl="0"/>
-            <a:r>
-              <a:rPr lang="en-US"/>
-              <a:t>Edit Master text styles</a:t>
-            </a:r>
-          </a:p>
-        </p:txBody>
-      </p:sp>
-      <p:sp>
-        <p:nvSpPr>
-          <p:cNvPr id="5" name="Datumsplatzhalter 4"/>
-          <p:cNvSpPr>
-            <a:spLocks noGrp="1"/>
-          </p:cNvSpPr>
-          <p:nvPr>
-            <p:ph type="dt" sz="half" idx="10"/>
-          </p:nvPr>
-        </p:nvSpPr>
-        <p:spPr/>
-        <p:txBody>
-          <a:bodyPr/>
-          <a:lstStyle/>
-          <a:p>
-            <a:fld id="{CF5CC051-6514-4911-91AD-E136E366829A}" type="datetimeFigureOut">
-              <a:rPr lang="de-CH" smtClean="0"/>
-              <a:t>04.03.19</a:t>
-            </a:fld>
-            <a:endParaRPr lang="de-CH"/>
-          </a:p>
-        </p:txBody>
-      </p:sp>
-      <p:sp>
-        <p:nvSpPr>
-          <p:cNvPr id="6" name="Fußzeilenplatzhalter 5"/>
-          <p:cNvSpPr>
-            <a:spLocks noGrp="1"/>
-          </p:cNvSpPr>
-          <p:nvPr>
-            <p:ph type="ftr" sz="quarter" idx="11"/>
-          </p:nvPr>
-        </p:nvSpPr>
-        <p:spPr/>
-        <p:txBody>
-          <a:bodyPr/>
-          <a:lstStyle/>
-          <a:p>
-            <a:endParaRPr lang="de-CH"/>
-          </a:p>
-        </p:txBody>
-      </p:sp>
-      <p:sp>
-        <p:nvSpPr>
-          <p:cNvPr id="7" name="Foliennummernplatzhalter 6"/>
-          <p:cNvSpPr>
-            <a:spLocks noGrp="1"/>
-          </p:cNvSpPr>
-          <p:nvPr>
-            <p:ph type="sldNum" sz="quarter" idx="12"/>
-          </p:nvPr>
-        </p:nvSpPr>
-        <p:spPr/>
-        <p:txBody>
-          <a:bodyPr/>
-          <a:lstStyle/>
-          <a:p>
-            <a:fld id="{854B9615-CEBF-477C-A913-05C05A1CEB6B}" type="slidenum">
-              <a:rPr lang="de-CH" smtClean="0"/>
-              <a:t>‹Nr.›</a:t>
-            </a:fld>
-            <a:endParaRPr lang="de-CH"/>
-          </a:p>
-        </p:txBody>
-      </p:sp>
-    </p:spTree>
-    <p:extLst>
-      <p:ext uri="{BB962C8B-B14F-4D97-AF65-F5344CB8AC3E}">
-        <p14:creationId xmlns:p14="http://schemas.microsoft.com/office/powerpoint/2010/main" val="3518721368"/>
-      </p:ext>
-    </p:extLst>
-  </p:cSld>
-  <p:clrMapOvr>
-    <a:masterClrMapping/>
+    <a:overrideClrMapping bg1="lt1" tx1="dk1" bg2="lt2" tx2="dk2" accent1="accent1" accent2="accent2" accent3="accent3" accent4="accent4" accent5="accent5" accent6="accent6" hlink="hlink" folHlink="folHlink"/>
   </p:clrMapOvr>
 </p:sldLayout>
 </file>
@@ -2982,8 +3763,8 @@
         </p:nvSpPr>
         <p:spPr>
           <a:xfrm>
-            <a:off x="457200" y="274638"/>
-            <a:ext cx="8229600" cy="1143000"/>
+            <a:off x="609600" y="274638"/>
+            <a:ext cx="10972800" cy="1143000"/>
           </a:xfrm>
           <a:prstGeom prst="rect">
             <a:avLst/>
@@ -3015,8 +3796,8 @@
         </p:nvSpPr>
         <p:spPr>
           <a:xfrm>
-            <a:off x="457200" y="1600200"/>
-            <a:ext cx="8229600" cy="4525963"/>
+            <a:off x="609600" y="1600201"/>
+            <a:ext cx="10972800" cy="4525963"/>
           </a:xfrm>
           <a:prstGeom prst="rect">
             <a:avLst/>
@@ -3077,8 +3858,8 @@
         </p:nvSpPr>
         <p:spPr>
           <a:xfrm>
-            <a:off x="457200" y="6356350"/>
-            <a:ext cx="2133600" cy="365125"/>
+            <a:off x="609600" y="6356351"/>
+            <a:ext cx="2844800" cy="365125"/>
           </a:xfrm>
           <a:prstGeom prst="rect">
             <a:avLst/>
@@ -3100,7 +3881,7 @@
           <a:p>
             <a:fld id="{CF5CC051-6514-4911-91AD-E136E366829A}" type="datetimeFigureOut">
               <a:rPr lang="de-CH" smtClean="0"/>
-              <a:t>04.03.19</a:t>
+              <a:t>04.03.2019</a:t>
             </a:fld>
             <a:endParaRPr lang="de-CH"/>
           </a:p>
@@ -3118,8 +3899,8 @@
         </p:nvSpPr>
         <p:spPr>
           <a:xfrm>
-            <a:off x="3124200" y="6356350"/>
-            <a:ext cx="2895600" cy="365125"/>
+            <a:off x="4165600" y="6356351"/>
+            <a:ext cx="3860800" cy="365125"/>
           </a:xfrm>
           <a:prstGeom prst="rect">
             <a:avLst/>
@@ -3155,8 +3936,8 @@
         </p:nvSpPr>
         <p:spPr>
           <a:xfrm>
-            <a:off x="6553200" y="6356350"/>
-            <a:ext cx="2133600" cy="365125"/>
+            <a:off x="8737600" y="6356351"/>
+            <a:ext cx="2844800" cy="365125"/>
           </a:xfrm>
           <a:prstGeom prst="rect">
             <a:avLst/>
@@ -3200,10 +3981,11 @@
     <p:sldLayoutId id="2147483653" r:id="rId5"/>
     <p:sldLayoutId id="2147483654" r:id="rId6"/>
     <p:sldLayoutId id="2147483655" r:id="rId7"/>
-    <p:sldLayoutId id="2147483656" r:id="rId8"/>
-    <p:sldLayoutId id="2147483657" r:id="rId9"/>
-    <p:sldLayoutId id="2147483658" r:id="rId10"/>
-    <p:sldLayoutId id="2147483659" r:id="rId11"/>
+    <p:sldLayoutId id="2147483660" r:id="rId8"/>
+    <p:sldLayoutId id="2147483656" r:id="rId9"/>
+    <p:sldLayoutId id="2147483657" r:id="rId10"/>
+    <p:sldLayoutId id="2147483658" r:id="rId11"/>
+    <p:sldLayoutId id="2147483659" r:id="rId12"/>
   </p:sldLayoutIdLst>
   <p:txStyles>
     <p:titleStyle>
@@ -3480,7 +4262,7 @@
           <p:cNvPr id="7" name="TextBox 6">
             <a:extLst>
               <a:ext uri="{FF2B5EF4-FFF2-40B4-BE49-F238E27FC236}">
-                <a16:creationId xmlns:a16="http://schemas.microsoft.com/office/drawing/2014/main" xmlns="" id="{28B311C4-70B0-4DA2-B0DA-39649793B11C}"/>
+                <a16:creationId xmlns:a16="http://schemas.microsoft.com/office/drawing/2014/main" id="{28B311C4-70B0-4DA2-B0DA-39649793B11C}"/>
               </a:ext>
             </a:extLst>
           </p:cNvPr>
@@ -3512,7 +4294,7 @@
           <p:cNvPr id="23" name="Rectangle 22">
             <a:extLst>
               <a:ext uri="{FF2B5EF4-FFF2-40B4-BE49-F238E27FC236}">
-                <a16:creationId xmlns:a16="http://schemas.microsoft.com/office/drawing/2014/main" xmlns="" id="{01BCD978-FC9C-40D6-8B5F-73FF208FD759}"/>
+                <a16:creationId xmlns:a16="http://schemas.microsoft.com/office/drawing/2014/main" id="{01BCD978-FC9C-40D6-8B5F-73FF208FD759}"/>
               </a:ext>
             </a:extLst>
           </p:cNvPr>
@@ -3521,7 +4303,7 @@
         </p:nvSpPr>
         <p:spPr>
           <a:xfrm>
-            <a:off x="0" y="3884473"/>
+            <a:off x="1524000" y="3884474"/>
             <a:ext cx="9296400" cy="1754327"/>
           </a:xfrm>
           <a:prstGeom prst="rect">
@@ -3549,25 +4331,9 @@
                   <a:schemeClr val="bg1"/>
                 </a:solidFill>
               </a:rPr>
-              <a:t>scion-</a:t>
-            </a:r>
-            <a:r>
-              <a:rPr lang="de-CH" dirty="0" err="1" smtClean="0">
-                <a:solidFill>
-                  <a:schemeClr val="bg1"/>
-                </a:solidFill>
-              </a:rPr>
-              <a:t>workbench</a:t>
-            </a:r>
-            <a:endParaRPr lang="de-CH" dirty="0" smtClean="0">
-              <a:solidFill>
-                <a:schemeClr val="bg1"/>
-              </a:solidFill>
-            </a:endParaRPr>
-          </a:p>
-          <a:p>
-            <a:pPr algn="ctr"/>
-            <a:endParaRPr lang="de-CH" dirty="0" smtClean="0">
+              <a:t>scion-workbench</a:t>
+            </a:r>
+            <a:endParaRPr lang="de-CH" dirty="0">
               <a:solidFill>
                 <a:schemeClr val="bg1"/>
               </a:solidFill>
@@ -3583,8 +4349,16 @@
           </a:p>
           <a:p>
             <a:pPr algn="ctr"/>
-            <a:r>
-              <a:rPr lang="de-CH" dirty="0" smtClean="0">
+            <a:endParaRPr lang="de-CH" dirty="0">
+              <a:solidFill>
+                <a:schemeClr val="bg1"/>
+              </a:solidFill>
+            </a:endParaRPr>
+          </a:p>
+          <a:p>
+            <a:pPr algn="ctr"/>
+            <a:r>
+              <a:rPr lang="de-CH" dirty="0">
                 <a:solidFill>
                   <a:schemeClr val="bg1"/>
                 </a:solidFill>
@@ -3592,7 +4366,7 @@
               <a:t>Christoph </a:t>
             </a:r>
             <a:r>
-              <a:rPr lang="de-CH" dirty="0" err="1" smtClean="0">
+              <a:rPr lang="de-CH" dirty="0" err="1">
                 <a:solidFill>
                   <a:schemeClr val="bg1"/>
                 </a:solidFill>
@@ -3600,7 +4374,7 @@
               <a:t>Bühlmann</a:t>
             </a:r>
             <a:r>
-              <a:rPr lang="de-CH" dirty="0" smtClean="0">
+              <a:rPr lang="de-CH" dirty="0">
                 <a:solidFill>
                   <a:schemeClr val="bg1"/>
                 </a:solidFill>
@@ -3611,7 +4385,7 @@
           <a:p>
             <a:pPr algn="ctr"/>
             <a:r>
-              <a:rPr lang="de-CH" dirty="0" smtClean="0">
+              <a:rPr lang="de-CH" dirty="0">
                 <a:solidFill>
                   <a:schemeClr val="bg1"/>
                 </a:solidFill>
@@ -3622,18 +4396,13 @@
           <a:p>
             <a:pPr algn="ctr"/>
             <a:r>
-              <a:rPr lang="de-CH" dirty="0" smtClean="0">
+              <a:rPr lang="de-CH" dirty="0">
                 <a:solidFill>
                   <a:schemeClr val="bg1"/>
                 </a:solidFill>
               </a:rPr>
               <a:t>Simon Eggler, mtrail GmbH</a:t>
             </a:r>
-            <a:endParaRPr lang="de-CH" dirty="0">
-              <a:solidFill>
-                <a:schemeClr val="bg1"/>
-              </a:solidFill>
-            </a:endParaRPr>
           </a:p>
         </p:txBody>
       </p:sp>
@@ -3642,7 +4411,7 @@
           <p:cNvPr id="14" name="Picture 13">
             <a:extLst>
               <a:ext uri="{FF2B5EF4-FFF2-40B4-BE49-F238E27FC236}">
-                <a16:creationId xmlns:a16="http://schemas.microsoft.com/office/drawing/2014/main" xmlns="" id="{1F5D716C-E956-41A8-A7EE-85BD7550163A}"/>
+                <a16:creationId xmlns:a16="http://schemas.microsoft.com/office/drawing/2014/main" id="{1F5D716C-E956-41A8-A7EE-85BD7550163A}"/>
               </a:ext>
             </a:extLst>
           </p:cNvPr>
@@ -3665,7 +4434,7 @@
         </p:blipFill>
         <p:spPr>
           <a:xfrm>
-            <a:off x="762000" y="1981200"/>
+            <a:off x="2286001" y="1981201"/>
             <a:ext cx="7611095" cy="1092503"/>
           </a:xfrm>
           <a:prstGeom prst="rect">
@@ -3678,7 +4447,7 @@
           <p:cNvPr id="3" name="Metadata">
             <a:extLst>
               <a:ext uri="{FF2B5EF4-FFF2-40B4-BE49-F238E27FC236}">
-                <a16:creationId xmlns:a16="http://schemas.microsoft.com/office/drawing/2014/main" xmlns="" id="{F6E3BEB0-00E3-4678-BA6D-D0B1EBC16F4C}"/>
+                <a16:creationId xmlns:a16="http://schemas.microsoft.com/office/drawing/2014/main" id="{F6E3BEB0-00E3-4678-BA6D-D0B1EBC16F4C}"/>
               </a:ext>
             </a:extLst>
           </p:cNvPr>
@@ -3687,7 +4456,7 @@
         </p:nvSpPr>
         <p:spPr>
           <a:xfrm>
-            <a:off x="12700" y="6540500"/>
+            <a:off x="1536700" y="6540500"/>
             <a:ext cx="3810000" cy="317500"/>
           </a:xfrm>
           <a:prstGeom prst="rect">
@@ -3701,14 +4470,14 @@
           <a:effectLst/>
           <a:extLst>
             <a:ext uri="{909E8E84-426E-40dd-AFC4-6F175D3DCCD1}">
-              <a14:hiddenFill xmlns:a14="http://schemas.microsoft.com/office/drawing/2010/main">
+              <a14:hiddenFill xmlns:a14="http://schemas.microsoft.com/office/drawing/2010/main" xmlns="">
                 <a:solidFill>
                   <a:schemeClr val="accent1"/>
                 </a:solidFill>
               </a14:hiddenFill>
             </a:ext>
             <a:ext uri="{91240B29-F687-4f45-9708-019B960494DF}">
-              <a14:hiddenLine xmlns:a14="http://schemas.microsoft.com/office/drawing/2010/main" w="25400" cap="flat" cmpd="sng" algn="ctr">
+              <a14:hiddenLine xmlns:a14="http://schemas.microsoft.com/office/drawing/2010/main" xmlns="" w="25400" cap="flat" cmpd="sng" algn="ctr">
                 <a:solidFill>
                   <a:schemeClr val="accent1">
                     <a:shade val="50000"/>
@@ -3753,7 +4522,7 @@
           <p:cNvPr id="8" name="Rectangle 22">
             <a:extLst>
               <a:ext uri="{FF2B5EF4-FFF2-40B4-BE49-F238E27FC236}">
-                <a16:creationId xmlns:a16="http://schemas.microsoft.com/office/drawing/2014/main" xmlns="" id="{01BCD978-FC9C-40D6-8B5F-73FF208FD759}"/>
+                <a16:creationId xmlns:a16="http://schemas.microsoft.com/office/drawing/2014/main" id="{01BCD978-FC9C-40D6-8B5F-73FF208FD759}"/>
               </a:ext>
             </a:extLst>
           </p:cNvPr>
@@ -3762,7 +4531,7 @@
         </p:nvSpPr>
         <p:spPr>
           <a:xfrm>
-            <a:off x="0" y="914400"/>
+            <a:off x="1524000" y="914400"/>
             <a:ext cx="9296400" cy="584776"/>
           </a:xfrm>
           <a:prstGeom prst="rect">
@@ -3777,20 +4546,12 @@
           <a:p>
             <a:pPr algn="ctr"/>
             <a:r>
-              <a:rPr lang="de-CH" sz="3200" dirty="0" smtClean="0">
-                <a:solidFill>
-                  <a:schemeClr val="bg1"/>
-                </a:solidFill>
-              </a:rPr>
-              <a:t>End</a:t>
-            </a:r>
-            <a:r>
               <a:rPr lang="de-CH" sz="3200" dirty="0">
                 <a:solidFill>
                   <a:schemeClr val="bg1"/>
                 </a:solidFill>
               </a:rPr>
-              <a:t>-</a:t>
+              <a:t>End-</a:t>
             </a:r>
             <a:r>
               <a:rPr lang="de-CH" sz="3200" dirty="0" err="1">
@@ -3806,21 +4567,8 @@
                   <a:schemeClr val="bg1"/>
                 </a:solidFill>
               </a:rPr>
-              <a:t>-End Verantwortlichkeit in der </a:t>
-            </a:r>
-            <a:r>
-              <a:rPr lang="de-CH" sz="3200" dirty="0" smtClean="0">
-                <a:solidFill>
-                  <a:schemeClr val="bg1"/>
-                </a:solidFill>
-              </a:rPr>
-              <a:t>Praxis</a:t>
-            </a:r>
-            <a:endParaRPr lang="de-CH" sz="3200" dirty="0">
-              <a:solidFill>
-                <a:schemeClr val="bg1"/>
-              </a:solidFill>
-            </a:endParaRPr>
+              <a:t>-End Verantwortlichkeit in der Praxis</a:t>
+            </a:r>
           </a:p>
         </p:txBody>
       </p:sp>
@@ -3840,7 +4588,7 @@
         </p:blipFill>
         <p:spPr>
           <a:xfrm>
-            <a:off x="228600" y="5715000"/>
+            <a:off x="1752600" y="5715001"/>
             <a:ext cx="4953000" cy="901875"/>
           </a:xfrm>
           <a:prstGeom prst="rect">
@@ -3870,7 +4618,7 @@
         </p:blipFill>
         <p:spPr>
           <a:xfrm>
-            <a:off x="5486400" y="5791200"/>
+            <a:off x="7010401" y="5791200"/>
             <a:ext cx="3352799" cy="897956"/>
           </a:xfrm>
           <a:prstGeom prst="rect">
@@ -3888,19 +4636,366 @@
   <p:clrMapOvr>
     <a:masterClrMapping/>
   </p:clrMapOvr>
-  <p:timing>
-    <p:tnLst>
-      <p:par>
-        <p:cTn xmlns:p14="http://schemas.microsoft.com/office/powerpoint/2010/main" id="1" dur="indefinite" restart="never" nodeType="tmRoot"/>
-      </p:par>
-    </p:tnLst>
-  </p:timing>
+</p:sld>
+</file>
+
+<file path=ppt/slides/slide10.xml><?xml version="1.0" encoding="utf-8"?>
+<p:sld xmlns:a="http://schemas.openxmlformats.org/drawingml/2006/main" xmlns:r="http://schemas.openxmlformats.org/officeDocument/2006/relationships" xmlns:p="http://schemas.openxmlformats.org/presentationml/2006/main">
+  <p:cSld>
+    <p:spTree>
+      <p:nvGrpSpPr>
+        <p:cNvPr id="1" name=""/>
+        <p:cNvGrpSpPr/>
+        <p:nvPr/>
+      </p:nvGrpSpPr>
+      <p:grpSpPr>
+        <a:xfrm>
+          <a:off x="0" y="0"/>
+          <a:ext cx="0" cy="0"/>
+          <a:chOff x="0" y="0"/>
+          <a:chExt cx="0" cy="0"/>
+        </a:xfrm>
+      </p:grpSpPr>
+      <p:sp>
+        <p:nvSpPr>
+          <p:cNvPr id="2" name="Titel 1">
+            <a:extLst>
+              <a:ext uri="{FF2B5EF4-FFF2-40B4-BE49-F238E27FC236}">
+                <a16:creationId xmlns:a16="http://schemas.microsoft.com/office/drawing/2014/main" id="{62AFEAE0-5E17-4D92-A6D9-25A8CF79DA8A}"/>
+              </a:ext>
+            </a:extLst>
+          </p:cNvPr>
+          <p:cNvSpPr>
+            <a:spLocks noGrp="1"/>
+          </p:cNvSpPr>
+          <p:nvPr>
+            <p:ph type="title"/>
+          </p:nvPr>
+        </p:nvSpPr>
+        <p:spPr/>
+        <p:txBody>
+          <a:bodyPr/>
+          <a:lstStyle/>
+          <a:p>
+            <a:r>
+              <a:rPr lang="de-CH" dirty="0" err="1"/>
+              <a:t>Conclusion</a:t>
+            </a:r>
+            <a:r>
+              <a:rPr lang="de-CH" dirty="0"/>
+              <a:t> / Ausblick</a:t>
+            </a:r>
+          </a:p>
+        </p:txBody>
+      </p:sp>
+      <p:sp>
+        <p:nvSpPr>
+          <p:cNvPr id="3" name="Inhaltsplatzhalter 2">
+            <a:extLst>
+              <a:ext uri="{FF2B5EF4-FFF2-40B4-BE49-F238E27FC236}">
+                <a16:creationId xmlns:a16="http://schemas.microsoft.com/office/drawing/2014/main" id="{30751C6B-A28D-40F7-8A49-512ACED9C1B8}"/>
+              </a:ext>
+            </a:extLst>
+          </p:cNvPr>
+          <p:cNvSpPr>
+            <a:spLocks noGrp="1"/>
+          </p:cNvSpPr>
+          <p:nvPr>
+            <p:ph idx="1"/>
+          </p:nvPr>
+        </p:nvSpPr>
+        <p:spPr/>
+        <p:txBody>
+          <a:bodyPr/>
+          <a:lstStyle/>
+          <a:p>
+            <a:endParaRPr lang="de-CH"/>
+          </a:p>
+        </p:txBody>
+      </p:sp>
+    </p:spTree>
+    <p:extLst>
+      <p:ext uri="{BB962C8B-B14F-4D97-AF65-F5344CB8AC3E}">
+        <p14:creationId xmlns:p14="http://schemas.microsoft.com/office/powerpoint/2010/main" val="2786924184"/>
+      </p:ext>
+    </p:extLst>
+  </p:cSld>
+  <p:clrMapOvr>
+    <a:masterClrMapping/>
+  </p:clrMapOvr>
+</p:sld>
+</file>
+
+<file path=ppt/slides/slide11.xml><?xml version="1.0" encoding="utf-8"?>
+<p:sld xmlns:a="http://schemas.openxmlformats.org/drawingml/2006/main" xmlns:r="http://schemas.openxmlformats.org/officeDocument/2006/relationships" xmlns:p="http://schemas.openxmlformats.org/presentationml/2006/main">
+  <p:cSld>
+    <p:spTree>
+      <p:nvGrpSpPr>
+        <p:cNvPr id="1" name=""/>
+        <p:cNvGrpSpPr/>
+        <p:nvPr/>
+      </p:nvGrpSpPr>
+      <p:grpSpPr>
+        <a:xfrm>
+          <a:off x="0" y="0"/>
+          <a:ext cx="0" cy="0"/>
+          <a:chOff x="0" y="0"/>
+          <a:chExt cx="0" cy="0"/>
+        </a:xfrm>
+      </p:grpSpPr>
+      <p:sp>
+        <p:nvSpPr>
+          <p:cNvPr id="5" name="Title 4">
+            <a:extLst>
+              <a:ext uri="{FF2B5EF4-FFF2-40B4-BE49-F238E27FC236}">
+                <a16:creationId xmlns:a16="http://schemas.microsoft.com/office/drawing/2014/main" id="{22BD9B8E-489D-4EA9-BDE1-3C1F5710E46C}"/>
+              </a:ext>
+            </a:extLst>
+          </p:cNvPr>
+          <p:cNvSpPr>
+            <a:spLocks noGrp="1"/>
+          </p:cNvSpPr>
+          <p:nvPr>
+            <p:ph type="title" idx="4294967295"/>
+          </p:nvPr>
+        </p:nvSpPr>
+        <p:spPr>
+          <a:xfrm>
+            <a:off x="6400800" y="2057400"/>
+            <a:ext cx="5791200" cy="2971800"/>
+          </a:xfrm>
+          <a:solidFill>
+            <a:srgbClr val="4FA557"/>
+          </a:solidFill>
+        </p:spPr>
+        <p:txBody>
+          <a:bodyPr>
+            <a:normAutofit/>
+          </a:bodyPr>
+          <a:lstStyle/>
+          <a:p>
+            <a:r>
+              <a:rPr lang="en-US" sz="9600" b="1" dirty="0">
+                <a:solidFill>
+                  <a:schemeClr val="bg1"/>
+                </a:solidFill>
+              </a:rPr>
+              <a:t>Merci.</a:t>
+            </a:r>
+            <a:endParaRPr lang="de-CH" sz="9600" b="1" dirty="0">
+              <a:solidFill>
+                <a:schemeClr val="bg1"/>
+              </a:solidFill>
+            </a:endParaRPr>
+          </a:p>
+        </p:txBody>
+      </p:sp>
+      <p:sp>
+        <p:nvSpPr>
+          <p:cNvPr id="7" name="TextBox 6">
+            <a:extLst>
+              <a:ext uri="{FF2B5EF4-FFF2-40B4-BE49-F238E27FC236}">
+                <a16:creationId xmlns:a16="http://schemas.microsoft.com/office/drawing/2014/main" id="{28B311C4-70B0-4DA2-B0DA-39649793B11C}"/>
+              </a:ext>
+            </a:extLst>
+          </p:cNvPr>
+          <p:cNvSpPr txBox="1"/>
+          <p:nvPr/>
+        </p:nvSpPr>
+        <p:spPr>
+          <a:xfrm>
+            <a:off x="-1600200" y="457200"/>
+            <a:ext cx="184731" cy="369332"/>
+          </a:xfrm>
+          <a:prstGeom prst="rect">
+            <a:avLst/>
+          </a:prstGeom>
+          <a:noFill/>
+        </p:spPr>
+        <p:txBody>
+          <a:bodyPr wrap="none" rtlCol="0">
+            <a:spAutoFit/>
+          </a:bodyPr>
+          <a:lstStyle/>
+          <a:p>
+            <a:endParaRPr lang="de-CH" dirty="0"/>
+          </a:p>
+        </p:txBody>
+      </p:sp>
+      <p:sp>
+        <p:nvSpPr>
+          <p:cNvPr id="23" name="Rectangle 22">
+            <a:extLst>
+              <a:ext uri="{FF2B5EF4-FFF2-40B4-BE49-F238E27FC236}">
+                <a16:creationId xmlns:a16="http://schemas.microsoft.com/office/drawing/2014/main" id="{01BCD978-FC9C-40D6-8B5F-73FF208FD759}"/>
+              </a:ext>
+            </a:extLst>
+          </p:cNvPr>
+          <p:cNvSpPr/>
+          <p:nvPr/>
+        </p:nvSpPr>
+        <p:spPr>
+          <a:xfrm>
+            <a:off x="2221345" y="5867400"/>
+            <a:ext cx="7525623" cy="400110"/>
+          </a:xfrm>
+          <a:prstGeom prst="rect">
+            <a:avLst/>
+          </a:prstGeom>
+        </p:spPr>
+        <p:txBody>
+          <a:bodyPr wrap="square">
+            <a:spAutoFit/>
+          </a:bodyPr>
+          <a:lstStyle/>
+          <a:p>
+            <a:pPr algn="ctr"/>
+            <a:r>
+              <a:rPr lang="de-CH" sz="2000" b="1" dirty="0">
+                <a:solidFill>
+                  <a:schemeClr val="bg1"/>
+                </a:solidFill>
+              </a:rPr>
+              <a:t>https://github.com/SchweizerischeBundesbahnen/scion-workbench</a:t>
+            </a:r>
+          </a:p>
+        </p:txBody>
+      </p:sp>
+      <p:pic>
+        <p:nvPicPr>
+          <p:cNvPr id="14" name="Picture 13">
+            <a:extLst>
+              <a:ext uri="{FF2B5EF4-FFF2-40B4-BE49-F238E27FC236}">
+                <a16:creationId xmlns:a16="http://schemas.microsoft.com/office/drawing/2014/main" id="{1F5D716C-E956-41A8-A7EE-85BD7550163A}"/>
+              </a:ext>
+            </a:extLst>
+          </p:cNvPr>
+          <p:cNvPicPr>
+            <a:picLocks noChangeAspect="1"/>
+          </p:cNvPicPr>
+          <p:nvPr/>
+        </p:nvPicPr>
+        <p:blipFill>
+          <a:blip r:embed="rId2">
+            <a:extLst>
+              <a:ext uri="{28A0092B-C50C-407E-A947-70E740481C1C}">
+                <a14:useLocalDpi xmlns:a14="http://schemas.microsoft.com/office/drawing/2010/main" val="0"/>
+              </a:ext>
+            </a:extLst>
+          </a:blip>
+          <a:stretch>
+            <a:fillRect/>
+          </a:stretch>
+        </p:blipFill>
+        <p:spPr>
+          <a:xfrm>
+            <a:off x="2290453" y="621269"/>
+            <a:ext cx="7611095" cy="1092503"/>
+          </a:xfrm>
+          <a:prstGeom prst="rect">
+            <a:avLst/>
+          </a:prstGeom>
+        </p:spPr>
+      </p:pic>
+      <p:sp>
+        <p:nvSpPr>
+          <p:cNvPr id="15" name="Metadata">
+            <a:extLst>
+              <a:ext uri="{FF2B5EF4-FFF2-40B4-BE49-F238E27FC236}">
+                <a16:creationId xmlns:a16="http://schemas.microsoft.com/office/drawing/2014/main" id="{100224E2-AAC8-4529-B5F0-93696B2947CA}"/>
+              </a:ext>
+            </a:extLst>
+          </p:cNvPr>
+          <p:cNvSpPr/>
+          <p:nvPr/>
+        </p:nvSpPr>
+        <p:spPr>
+          <a:xfrm>
+            <a:off x="1536700" y="6540500"/>
+            <a:ext cx="3810000" cy="317500"/>
+          </a:xfrm>
+          <a:prstGeom prst="rect">
+            <a:avLst/>
+          </a:prstGeom>
+          <a:noFill/>
+          <a:ln w="25400" cap="flat" cmpd="sng" algn="ctr">
+            <a:noFill/>
+            <a:prstDash val="solid"/>
+          </a:ln>
+          <a:effectLst/>
+          <a:extLst>
+            <a:ext uri="{909E8E84-426E-40dd-AFC4-6F175D3DCCD1}">
+              <a14:hiddenFill xmlns:a14="http://schemas.microsoft.com/office/drawing/2010/main" xmlns="">
+                <a:solidFill>
+                  <a:schemeClr val="accent1"/>
+                </a:solidFill>
+              </a14:hiddenFill>
+            </a:ext>
+            <a:ext uri="{91240B29-F687-4f45-9708-019B960494DF}">
+              <a14:hiddenLine xmlns:a14="http://schemas.microsoft.com/office/drawing/2010/main" xmlns="" w="25400" cap="flat" cmpd="sng" algn="ctr">
+                <a:solidFill>
+                  <a:schemeClr val="accent1">
+                    <a:shade val="50000"/>
+                  </a:schemeClr>
+                </a:solidFill>
+                <a:prstDash val="solid"/>
+              </a14:hiddenLine>
+            </a:ext>
+          </a:extLst>
+        </p:spPr>
+        <p:style>
+          <a:lnRef idx="2">
+            <a:schemeClr val="accent1">
+              <a:shade val="50000"/>
+            </a:schemeClr>
+          </a:lnRef>
+          <a:fillRef idx="1">
+            <a:schemeClr val="accent1"/>
+          </a:fillRef>
+          <a:effectRef idx="0">
+            <a:schemeClr val="accent1"/>
+          </a:effectRef>
+          <a:fontRef idx="minor">
+            <a:schemeClr val="lt1"/>
+          </a:fontRef>
+        </p:style>
+        <p:txBody>
+          <a:bodyPr rtlCol="0" anchor="ctr"/>
+          <a:lstStyle/>
+          <a:p>
+            <a:endParaRPr lang="de-CH" sz="800" b="1">
+              <a:solidFill>
+                <a:srgbClr val="000000"/>
+              </a:solidFill>
+              <a:latin typeface="Arial" panose="020B0604020202020204" pitchFamily="34" charset="0"/>
+            </a:endParaRPr>
+          </a:p>
+        </p:txBody>
+      </p:sp>
+    </p:spTree>
+    <p:extLst>
+      <p:ext uri="{BB962C8B-B14F-4D97-AF65-F5344CB8AC3E}">
+        <p14:creationId xmlns:p14="http://schemas.microsoft.com/office/powerpoint/2010/main" val="4003413228"/>
+      </p:ext>
+    </p:extLst>
+  </p:cSld>
+  <p:clrMapOvr>
+    <a:masterClrMapping/>
+  </p:clrMapOvr>
 </p:sld>
 </file>
 
 <file path=ppt/slides/slide2.xml><?xml version="1.0" encoding="utf-8"?>
 <p:sld xmlns:a="http://schemas.openxmlformats.org/drawingml/2006/main" xmlns:r="http://schemas.openxmlformats.org/officeDocument/2006/relationships" xmlns:p="http://schemas.openxmlformats.org/presentationml/2006/main">
   <p:cSld>
+    <p:bg>
+      <p:bgPr>
+        <a:solidFill>
+          <a:schemeClr val="tx1"/>
+        </a:solidFill>
+        <a:effectLst/>
+      </p:bgPr>
+    </p:bg>
     <p:spTree>
       <p:nvGrpSpPr>
         <p:cNvPr id="1" name=""/>
@@ -3937,7 +5032,7 @@
         </p:blipFill>
         <p:spPr>
           <a:xfrm>
-            <a:off x="152400" y="152400"/>
+            <a:off x="1676400" y="152400"/>
             <a:ext cx="8763000" cy="6572250"/>
           </a:xfrm>
           <a:prstGeom prst="rect">
@@ -3961,7 +5056,7 @@
         </p:blipFill>
         <p:spPr>
           <a:xfrm>
-            <a:off x="2133600" y="2667000"/>
+            <a:off x="3657600" y="2667001"/>
             <a:ext cx="4953000" cy="3635061"/>
           </a:xfrm>
           <a:prstGeom prst="rect">
@@ -3985,7 +5080,7 @@
         </p:blipFill>
         <p:spPr>
           <a:xfrm>
-            <a:off x="1524000" y="3352800"/>
+            <a:off x="3048000" y="3352801"/>
             <a:ext cx="6324600" cy="4614809"/>
           </a:xfrm>
           <a:prstGeom prst="rect">
@@ -4009,7 +5104,7 @@
         </p:blipFill>
         <p:spPr>
           <a:xfrm>
-            <a:off x="685800" y="4330484"/>
+            <a:off x="2209800" y="4330484"/>
             <a:ext cx="7924800" cy="5731004"/>
           </a:xfrm>
           <a:prstGeom prst="rect">
@@ -4027,19 +5122,20 @@
   <p:clrMapOvr>
     <a:masterClrMapping/>
   </p:clrMapOvr>
-  <p:timing>
-    <p:tnLst>
-      <p:par>
-        <p:cTn xmlns:p14="http://schemas.microsoft.com/office/powerpoint/2010/main" id="1" dur="indefinite" restart="never" nodeType="tmRoot"/>
-      </p:par>
-    </p:tnLst>
-  </p:timing>
 </p:sld>
 </file>
 
 <file path=ppt/slides/slide3.xml><?xml version="1.0" encoding="utf-8"?>
 <p:sld xmlns:a="http://schemas.openxmlformats.org/drawingml/2006/main" xmlns:r="http://schemas.openxmlformats.org/officeDocument/2006/relationships" xmlns:p="http://schemas.openxmlformats.org/presentationml/2006/main">
   <p:cSld>
+    <p:bg>
+      <p:bgPr>
+        <a:solidFill>
+          <a:schemeClr val="tx1"/>
+        </a:solidFill>
+        <a:effectLst/>
+      </p:bgPr>
+    </p:bg>
     <p:spTree>
       <p:nvGrpSpPr>
         <p:cNvPr id="1" name=""/>
@@ -4076,7 +5172,7 @@
         </p:blipFill>
         <p:spPr>
           <a:xfrm>
-            <a:off x="457200" y="533400"/>
+            <a:off x="1981200" y="533401"/>
             <a:ext cx="8153400" cy="5588785"/>
           </a:xfrm>
           <a:prstGeom prst="rect">
@@ -4094,13 +5190,6 @@
   <p:clrMapOvr>
     <a:masterClrMapping/>
   </p:clrMapOvr>
-  <p:timing>
-    <p:tnLst>
-      <p:par>
-        <p:cTn xmlns:p14="http://schemas.microsoft.com/office/powerpoint/2010/main" id="1" dur="indefinite" restart="never" nodeType="tmRoot"/>
-      </p:par>
-    </p:tnLst>
-  </p:timing>
 </p:sld>
 </file>
 
@@ -4129,7 +5218,7 @@
         </p:nvGrpSpPr>
         <p:grpSpPr>
           <a:xfrm>
-            <a:off x="1676400" y="107817"/>
+            <a:off x="3200400" y="107817"/>
             <a:ext cx="5638800" cy="7978448"/>
             <a:chOff x="1143000" y="228600"/>
             <a:chExt cx="4846919" cy="6858000"/>
@@ -4212,7 +5301,7 @@
           <p:spPr>
             <a:xfrm>
               <a:off x="2438400" y="533400"/>
-              <a:ext cx="1047132" cy="369332"/>
+              <a:ext cx="900036" cy="317465"/>
             </a:xfrm>
             <a:prstGeom prst="rect">
               <a:avLst/>
@@ -4228,7 +5317,7 @@
             <a:lstStyle/>
             <a:p>
               <a:r>
-                <a:rPr lang="de-DE" dirty="0" smtClean="0">
+                <a:rPr lang="de-DE" dirty="0">
                   <a:solidFill>
                     <a:schemeClr val="accent1"/>
                   </a:solidFill>
@@ -4237,13 +5326,6 @@
                 </a:rPr>
                 <a:t>MICRO-GUI</a:t>
               </a:r>
-              <a:endParaRPr lang="de-DE" dirty="0">
-                <a:solidFill>
-                  <a:schemeClr val="accent1"/>
-                </a:solidFill>
-                <a:latin typeface="Mistral"/>
-                <a:cs typeface="Mistral"/>
-              </a:endParaRPr>
             </a:p>
           </p:txBody>
         </p:sp>
@@ -4258,13 +5340,6 @@
   <p:clrMapOvr>
     <a:masterClrMapping/>
   </p:clrMapOvr>
-  <p:timing>
-    <p:tnLst>
-      <p:par>
-        <p:cTn xmlns:p14="http://schemas.microsoft.com/office/powerpoint/2010/main" id="1" dur="indefinite" restart="never" nodeType="tmRoot"/>
-      </p:par>
-    </p:tnLst>
-  </p:timing>
 </p:sld>
 </file>
 
@@ -4287,10 +5362,4434 @@
       </p:grpSpPr>
       <p:sp>
         <p:nvSpPr>
-          <p:cNvPr id="5" name="Title 4">
+          <p:cNvPr id="59" name="Gebogener Pfeil 34">
             <a:extLst>
               <a:ext uri="{FF2B5EF4-FFF2-40B4-BE49-F238E27FC236}">
-                <a16:creationId xmlns:a16="http://schemas.microsoft.com/office/drawing/2014/main" xmlns="" id="{22BD9B8E-489D-4EA9-BDE1-3C1F5710E46C}"/>
+                <a16:creationId xmlns:a16="http://schemas.microsoft.com/office/drawing/2014/main" id="{3B231C83-FAE7-4B2C-93DA-1EE5BD5E10B3}"/>
+              </a:ext>
+            </a:extLst>
+          </p:cNvPr>
+          <p:cNvSpPr/>
+          <p:nvPr/>
+        </p:nvSpPr>
+        <p:spPr>
+          <a:xfrm>
+            <a:off x="645813" y="1144901"/>
+            <a:ext cx="10100161" cy="5502312"/>
+          </a:xfrm>
+          <a:prstGeom prst="circularArrow">
+            <a:avLst>
+              <a:gd name="adj1" fmla="val 2815"/>
+              <a:gd name="adj2" fmla="val 330680"/>
+              <a:gd name="adj3" fmla="val 14330886"/>
+              <a:gd name="adj4" fmla="val 17269413"/>
+              <a:gd name="adj5" fmla="val 3310"/>
+            </a:avLst>
+          </a:prstGeom>
+          <a:solidFill>
+            <a:srgbClr val="DA0134">
+              <a:alpha val="82000"/>
+            </a:srgbClr>
+          </a:solidFill>
+          <a:ln>
+            <a:noFill/>
+          </a:ln>
+          <a:effectLst>
+            <a:outerShdw blurRad="50800" dist="38100" dir="2700000" algn="tl" rotWithShape="0">
+              <a:prstClr val="black">
+                <a:alpha val="40000"/>
+              </a:prstClr>
+            </a:outerShdw>
+          </a:effectLst>
+        </p:spPr>
+        <p:txBody>
+          <a:bodyPr/>
+          <a:lstStyle/>
+          <a:p>
+            <a:pPr marL="0" marR="0" lvl="0" indent="0" defTabSz="457189" eaLnBrk="1" fontAlgn="auto" latinLnBrk="0" hangingPunct="1">
+              <a:lnSpc>
+                <a:spcPct val="100000"/>
+              </a:lnSpc>
+              <a:spcBef>
+                <a:spcPts val="0"/>
+              </a:spcBef>
+              <a:spcAft>
+                <a:spcPts val="0"/>
+              </a:spcAft>
+              <a:buClrTx/>
+              <a:buSzTx/>
+              <a:buFontTx/>
+              <a:buNone/>
+              <a:tabLst/>
+              <a:defRPr/>
+            </a:pPr>
+            <a:endParaRPr kumimoji="0" lang="de-CH" sz="2400" b="0" i="0" u="none" strike="noStrike" kern="0" cap="none" spc="0" normalizeH="0" baseline="0" noProof="0">
+              <a:ln>
+                <a:noFill/>
+              </a:ln>
+              <a:solidFill>
+                <a:srgbClr val="0E121E">
+                  <a:hueOff val="0"/>
+                  <a:satOff val="0"/>
+                  <a:lumOff val="0"/>
+                  <a:alphaOff val="0"/>
+                </a:srgbClr>
+              </a:solidFill>
+              <a:effectLst/>
+              <a:uLnTx/>
+              <a:uFillTx/>
+              <a:latin typeface="Calibri" panose="020F0502020204030204"/>
+              <a:ea typeface="+mn-ea"/>
+              <a:cs typeface="+mn-cs"/>
+            </a:endParaRPr>
+          </a:p>
+        </p:txBody>
+      </p:sp>
+      <p:sp>
+        <p:nvSpPr>
+          <p:cNvPr id="60" name="Rechteck: abgerundete Ecken 59">
+            <a:extLst>
+              <a:ext uri="{FF2B5EF4-FFF2-40B4-BE49-F238E27FC236}">
+                <a16:creationId xmlns:a16="http://schemas.microsoft.com/office/drawing/2014/main" id="{ED555BFF-3274-4287-8E42-2F4D116B7F37}"/>
+              </a:ext>
+            </a:extLst>
+          </p:cNvPr>
+          <p:cNvSpPr/>
+          <p:nvPr/>
+        </p:nvSpPr>
+        <p:spPr>
+          <a:xfrm>
+            <a:off x="7241379" y="1043850"/>
+            <a:ext cx="2127524" cy="3528151"/>
+          </a:xfrm>
+          <a:prstGeom prst="roundRect">
+            <a:avLst/>
+          </a:prstGeom>
+          <a:solidFill>
+            <a:srgbClr val="A5A5A5">
+              <a:lumMod val="75000"/>
+            </a:srgbClr>
+          </a:solidFill>
+          <a:ln w="12700" cap="flat" cmpd="sng" algn="ctr">
+            <a:noFill/>
+            <a:prstDash val="solid"/>
+            <a:miter lim="800000"/>
+          </a:ln>
+          <a:effectLst>
+            <a:outerShdw blurRad="50800" dist="38100" dir="2700000" algn="tl" rotWithShape="0">
+              <a:prstClr val="black">
+                <a:alpha val="40000"/>
+              </a:prstClr>
+            </a:outerShdw>
+          </a:effectLst>
+        </p:spPr>
+        <p:txBody>
+          <a:bodyPr rtlCol="0" anchor="ctr"/>
+          <a:lstStyle/>
+          <a:p>
+            <a:pPr marL="0" marR="0" lvl="0" indent="0" algn="ctr" defTabSz="457189" eaLnBrk="1" fontAlgn="auto" latinLnBrk="0" hangingPunct="1">
+              <a:lnSpc>
+                <a:spcPct val="100000"/>
+              </a:lnSpc>
+              <a:spcBef>
+                <a:spcPts val="0"/>
+              </a:spcBef>
+              <a:spcAft>
+                <a:spcPts val="0"/>
+              </a:spcAft>
+              <a:buClrTx/>
+              <a:buSzTx/>
+              <a:buFontTx/>
+              <a:buNone/>
+              <a:tabLst/>
+              <a:defRPr/>
+            </a:pPr>
+            <a:endParaRPr kumimoji="0" lang="de-CH" sz="1800" b="0" i="0" u="none" strike="noStrike" kern="0" cap="none" spc="0" normalizeH="0" baseline="0" noProof="0">
+              <a:ln>
+                <a:noFill/>
+              </a:ln>
+              <a:solidFill>
+                <a:srgbClr val="FFFFFF"/>
+              </a:solidFill>
+              <a:effectLst/>
+              <a:uLnTx/>
+              <a:uFillTx/>
+              <a:latin typeface="Calibri" panose="020F0502020204030204"/>
+              <a:ea typeface="+mn-ea"/>
+              <a:cs typeface="+mn-cs"/>
+            </a:endParaRPr>
+          </a:p>
+        </p:txBody>
+      </p:sp>
+      <p:sp>
+        <p:nvSpPr>
+          <p:cNvPr id="61" name="Pfeil nach unten 97">
+            <a:extLst>
+              <a:ext uri="{FF2B5EF4-FFF2-40B4-BE49-F238E27FC236}">
+                <a16:creationId xmlns:a16="http://schemas.microsoft.com/office/drawing/2014/main" id="{C5D770CC-07C9-49CE-871B-08EEDBFB529E}"/>
+              </a:ext>
+            </a:extLst>
+          </p:cNvPr>
+          <p:cNvSpPr/>
+          <p:nvPr/>
+        </p:nvSpPr>
+        <p:spPr>
+          <a:xfrm rot="10800000" flipV="1">
+            <a:off x="2365631" y="2038383"/>
+            <a:ext cx="384043" cy="672000"/>
+          </a:xfrm>
+          <a:prstGeom prst="downArrow">
+            <a:avLst/>
+          </a:prstGeom>
+          <a:solidFill>
+            <a:srgbClr val="FFFFFF">
+              <a:lumMod val="65000"/>
+            </a:srgbClr>
+          </a:solidFill>
+          <a:ln w="3175" cap="flat" cmpd="sng" algn="ctr">
+            <a:noFill/>
+            <a:prstDash val="solid"/>
+            <a:miter lim="800000"/>
+          </a:ln>
+          <a:effectLst/>
+        </p:spPr>
+        <p:txBody>
+          <a:bodyPr wrap="square" lIns="48000" tIns="48000" rIns="48000" bIns="48000" rtlCol="0" anchor="t" anchorCtr="0">
+            <a:normAutofit lnSpcReduction="10000"/>
+          </a:bodyPr>
+          <a:lstStyle/>
+          <a:p>
+            <a:pPr marL="0" marR="0" lvl="0" indent="0" algn="ctr" defTabSz="457189" eaLnBrk="1" fontAlgn="auto" latinLnBrk="0" hangingPunct="1">
+              <a:lnSpc>
+                <a:spcPct val="100000"/>
+              </a:lnSpc>
+              <a:spcBef>
+                <a:spcPts val="0"/>
+              </a:spcBef>
+              <a:spcAft>
+                <a:spcPts val="0"/>
+              </a:spcAft>
+              <a:buClrTx/>
+              <a:buSzTx/>
+              <a:buFontTx/>
+              <a:buNone/>
+              <a:tabLst/>
+              <a:defRPr/>
+            </a:pPr>
+            <a:endParaRPr kumimoji="0" lang="de-CH" sz="3200" b="1" i="0" u="none" strike="noStrike" kern="0" cap="none" spc="0" normalizeH="0" baseline="0" noProof="0" dirty="0">
+              <a:ln>
+                <a:noFill/>
+              </a:ln>
+              <a:solidFill>
+                <a:srgbClr val="FFFFFF"/>
+              </a:solidFill>
+              <a:effectLst/>
+              <a:uLnTx/>
+              <a:uFillTx/>
+              <a:latin typeface="Calibri" panose="020F0502020204030204"/>
+              <a:ea typeface="+mn-ea"/>
+              <a:cs typeface="+mn-cs"/>
+            </a:endParaRPr>
+          </a:p>
+        </p:txBody>
+      </p:sp>
+      <p:sp>
+        <p:nvSpPr>
+          <p:cNvPr id="62" name="Pfeil nach unten 98">
+            <a:extLst>
+              <a:ext uri="{FF2B5EF4-FFF2-40B4-BE49-F238E27FC236}">
+                <a16:creationId xmlns:a16="http://schemas.microsoft.com/office/drawing/2014/main" id="{F054E67E-86B7-4A2B-B568-9E63D4198E7D}"/>
+              </a:ext>
+            </a:extLst>
+          </p:cNvPr>
+          <p:cNvSpPr/>
+          <p:nvPr/>
+        </p:nvSpPr>
+        <p:spPr>
+          <a:xfrm rot="10800000">
+            <a:off x="2335737" y="4514485"/>
+            <a:ext cx="384043" cy="672000"/>
+          </a:xfrm>
+          <a:prstGeom prst="downArrow">
+            <a:avLst/>
+          </a:prstGeom>
+          <a:solidFill>
+            <a:srgbClr val="FFFFFF">
+              <a:lumMod val="65000"/>
+            </a:srgbClr>
+          </a:solidFill>
+          <a:ln w="3175" cap="flat" cmpd="sng" algn="ctr">
+            <a:noFill/>
+            <a:prstDash val="solid"/>
+            <a:miter lim="800000"/>
+          </a:ln>
+          <a:effectLst/>
+        </p:spPr>
+        <p:txBody>
+          <a:bodyPr wrap="square" lIns="48000" tIns="48000" rIns="48000" bIns="48000" rtlCol="0" anchor="t" anchorCtr="0">
+            <a:normAutofit lnSpcReduction="10000"/>
+          </a:bodyPr>
+          <a:lstStyle/>
+          <a:p>
+            <a:pPr marL="0" marR="0" lvl="0" indent="0" algn="ctr" defTabSz="457189" eaLnBrk="1" fontAlgn="auto" latinLnBrk="0" hangingPunct="1">
+              <a:lnSpc>
+                <a:spcPct val="100000"/>
+              </a:lnSpc>
+              <a:spcBef>
+                <a:spcPts val="0"/>
+              </a:spcBef>
+              <a:spcAft>
+                <a:spcPts val="0"/>
+              </a:spcAft>
+              <a:buClrTx/>
+              <a:buSzTx/>
+              <a:buFontTx/>
+              <a:buNone/>
+              <a:tabLst/>
+              <a:defRPr/>
+            </a:pPr>
+            <a:endParaRPr kumimoji="0" lang="de-CH" sz="3200" b="1" i="0" u="none" strike="noStrike" kern="0" cap="none" spc="0" normalizeH="0" baseline="0" noProof="0" dirty="0">
+              <a:ln>
+                <a:noFill/>
+              </a:ln>
+              <a:solidFill>
+                <a:srgbClr val="FFFFFF"/>
+              </a:solidFill>
+              <a:effectLst/>
+              <a:uLnTx/>
+              <a:uFillTx/>
+              <a:latin typeface="Calibri" panose="020F0502020204030204"/>
+              <a:ea typeface="+mn-ea"/>
+              <a:cs typeface="+mn-cs"/>
+            </a:endParaRPr>
+          </a:p>
+        </p:txBody>
+      </p:sp>
+      <p:sp>
+        <p:nvSpPr>
+          <p:cNvPr id="63" name="Pfeil nach unten 6">
+            <a:extLst>
+              <a:ext uri="{FF2B5EF4-FFF2-40B4-BE49-F238E27FC236}">
+                <a16:creationId xmlns:a16="http://schemas.microsoft.com/office/drawing/2014/main" id="{15D2EDDE-6743-4426-B928-4372F98114C2}"/>
+              </a:ext>
+            </a:extLst>
+          </p:cNvPr>
+          <p:cNvSpPr/>
+          <p:nvPr/>
+        </p:nvSpPr>
+        <p:spPr>
+          <a:xfrm rot="2826808">
+            <a:off x="10478144" y="4596416"/>
+            <a:ext cx="331200" cy="995957"/>
+          </a:xfrm>
+          <a:prstGeom prst="downArrow">
+            <a:avLst/>
+          </a:prstGeom>
+          <a:solidFill>
+            <a:srgbClr val="FFFFFF">
+              <a:lumMod val="65000"/>
+            </a:srgbClr>
+          </a:solidFill>
+          <a:ln w="3175" cap="flat" cmpd="sng" algn="ctr">
+            <a:noFill/>
+            <a:prstDash val="solid"/>
+            <a:miter lim="800000"/>
+          </a:ln>
+          <a:effectLst/>
+        </p:spPr>
+        <p:txBody>
+          <a:bodyPr wrap="square" lIns="48000" tIns="48000" rIns="48000" bIns="48000" rtlCol="0" anchor="t" anchorCtr="0">
+            <a:normAutofit/>
+          </a:bodyPr>
+          <a:lstStyle/>
+          <a:p>
+            <a:pPr marL="0" marR="0" lvl="0" indent="0" algn="ctr" defTabSz="457189" eaLnBrk="1" fontAlgn="auto" latinLnBrk="0" hangingPunct="1">
+              <a:lnSpc>
+                <a:spcPct val="100000"/>
+              </a:lnSpc>
+              <a:spcBef>
+                <a:spcPts val="0"/>
+              </a:spcBef>
+              <a:spcAft>
+                <a:spcPts val="0"/>
+              </a:spcAft>
+              <a:buClrTx/>
+              <a:buSzTx/>
+              <a:buFontTx/>
+              <a:buNone/>
+              <a:tabLst/>
+              <a:defRPr/>
+            </a:pPr>
+            <a:endParaRPr kumimoji="0" lang="de-CH" sz="3200" b="1" i="0" u="none" strike="noStrike" kern="0" cap="none" spc="0" normalizeH="0" baseline="0" noProof="0" dirty="0">
+              <a:ln>
+                <a:noFill/>
+              </a:ln>
+              <a:solidFill>
+                <a:srgbClr val="FFFFFF"/>
+              </a:solidFill>
+              <a:effectLst/>
+              <a:uLnTx/>
+              <a:uFillTx/>
+              <a:latin typeface="Calibri" panose="020F0502020204030204"/>
+              <a:ea typeface="+mn-ea"/>
+              <a:cs typeface="+mn-cs"/>
+            </a:endParaRPr>
+          </a:p>
+        </p:txBody>
+      </p:sp>
+      <p:sp>
+        <p:nvSpPr>
+          <p:cNvPr id="64" name="Pfeil nach rechts 103">
+            <a:extLst>
+              <a:ext uri="{FF2B5EF4-FFF2-40B4-BE49-F238E27FC236}">
+                <a16:creationId xmlns:a16="http://schemas.microsoft.com/office/drawing/2014/main" id="{5AF17494-8475-47D2-BA3F-56FF05DC27B9}"/>
+              </a:ext>
+            </a:extLst>
+          </p:cNvPr>
+          <p:cNvSpPr/>
+          <p:nvPr/>
+        </p:nvSpPr>
+        <p:spPr>
+          <a:xfrm rot="19010048">
+            <a:off x="10497599" y="5202776"/>
+            <a:ext cx="887245" cy="331363"/>
+          </a:xfrm>
+          <a:prstGeom prst="rightArrow">
+            <a:avLst/>
+          </a:prstGeom>
+          <a:solidFill>
+            <a:srgbClr val="DA0134">
+              <a:lumMod val="40000"/>
+              <a:lumOff val="60000"/>
+            </a:srgbClr>
+          </a:solidFill>
+          <a:ln w="3175" cap="flat" cmpd="sng" algn="ctr">
+            <a:solidFill>
+              <a:srgbClr val="DA0134"/>
+            </a:solidFill>
+            <a:prstDash val="solid"/>
+            <a:miter lim="800000"/>
+          </a:ln>
+          <a:effectLst/>
+        </p:spPr>
+        <p:txBody>
+          <a:bodyPr wrap="square" lIns="48000" tIns="48000" rIns="48000" bIns="48000" rtlCol="0" anchor="t" anchorCtr="0">
+            <a:normAutofit fontScale="25000" lnSpcReduction="20000"/>
+          </a:bodyPr>
+          <a:lstStyle/>
+          <a:p>
+            <a:pPr marL="0" marR="0" lvl="0" indent="0" algn="ctr" defTabSz="457189" eaLnBrk="1" fontAlgn="auto" latinLnBrk="0" hangingPunct="1">
+              <a:lnSpc>
+                <a:spcPct val="100000"/>
+              </a:lnSpc>
+              <a:spcBef>
+                <a:spcPts val="0"/>
+              </a:spcBef>
+              <a:spcAft>
+                <a:spcPts val="0"/>
+              </a:spcAft>
+              <a:buClrTx/>
+              <a:buSzTx/>
+              <a:buFontTx/>
+              <a:buNone/>
+              <a:tabLst/>
+              <a:defRPr/>
+            </a:pPr>
+            <a:endParaRPr kumimoji="0" lang="de-CH" sz="3200" b="1" i="0" u="none" strike="noStrike" kern="0" cap="none" spc="0" normalizeH="0" baseline="0" noProof="0" dirty="0">
+              <a:ln>
+                <a:noFill/>
+              </a:ln>
+              <a:solidFill>
+                <a:srgbClr val="FFFFFF"/>
+              </a:solidFill>
+              <a:effectLst/>
+              <a:uLnTx/>
+              <a:uFillTx/>
+              <a:latin typeface="Calibri" panose="020F0502020204030204"/>
+              <a:ea typeface="+mn-ea"/>
+              <a:cs typeface="+mn-cs"/>
+            </a:endParaRPr>
+          </a:p>
+        </p:txBody>
+      </p:sp>
+      <p:sp>
+        <p:nvSpPr>
+          <p:cNvPr id="65" name="Pfeil nach unten 94">
+            <a:extLst>
+              <a:ext uri="{FF2B5EF4-FFF2-40B4-BE49-F238E27FC236}">
+                <a16:creationId xmlns:a16="http://schemas.microsoft.com/office/drawing/2014/main" id="{A5742450-F6CB-4858-BC94-C4DB8CB02831}"/>
+              </a:ext>
+            </a:extLst>
+          </p:cNvPr>
+          <p:cNvSpPr/>
+          <p:nvPr/>
+        </p:nvSpPr>
+        <p:spPr>
+          <a:xfrm rot="5400000" flipV="1">
+            <a:off x="3617221" y="3007769"/>
+            <a:ext cx="384043" cy="1056323"/>
+          </a:xfrm>
+          <a:prstGeom prst="downArrow">
+            <a:avLst/>
+          </a:prstGeom>
+          <a:solidFill>
+            <a:srgbClr val="FFFFFF">
+              <a:lumMod val="65000"/>
+            </a:srgbClr>
+          </a:solidFill>
+          <a:ln w="3175" cap="flat" cmpd="sng" algn="ctr">
+            <a:noFill/>
+            <a:prstDash val="solid"/>
+            <a:miter lim="800000"/>
+          </a:ln>
+          <a:effectLst/>
+        </p:spPr>
+        <p:txBody>
+          <a:bodyPr wrap="square" lIns="48000" tIns="48000" rIns="48000" bIns="48000" rtlCol="0" anchor="t" anchorCtr="0">
+            <a:normAutofit/>
+          </a:bodyPr>
+          <a:lstStyle/>
+          <a:p>
+            <a:pPr marL="0" marR="0" lvl="0" indent="0" algn="ctr" defTabSz="457189" eaLnBrk="1" fontAlgn="auto" latinLnBrk="0" hangingPunct="1">
+              <a:lnSpc>
+                <a:spcPct val="100000"/>
+              </a:lnSpc>
+              <a:spcBef>
+                <a:spcPts val="0"/>
+              </a:spcBef>
+              <a:spcAft>
+                <a:spcPts val="0"/>
+              </a:spcAft>
+              <a:buClrTx/>
+              <a:buSzTx/>
+              <a:buFontTx/>
+              <a:buNone/>
+              <a:tabLst/>
+              <a:defRPr/>
+            </a:pPr>
+            <a:endParaRPr kumimoji="0" lang="de-CH" sz="3200" b="1" i="0" u="none" strike="noStrike" kern="0" cap="none" spc="0" normalizeH="0" baseline="0" noProof="0" dirty="0">
+              <a:ln>
+                <a:noFill/>
+              </a:ln>
+              <a:solidFill>
+                <a:srgbClr val="FFFFFF"/>
+              </a:solidFill>
+              <a:effectLst/>
+              <a:uLnTx/>
+              <a:uFillTx/>
+              <a:latin typeface="Calibri" panose="020F0502020204030204"/>
+              <a:ea typeface="+mn-ea"/>
+              <a:cs typeface="+mn-cs"/>
+            </a:endParaRPr>
+          </a:p>
+        </p:txBody>
+      </p:sp>
+      <p:sp>
+        <p:nvSpPr>
+          <p:cNvPr id="66" name="Pfeil nach unten 95">
+            <a:extLst>
+              <a:ext uri="{FF2B5EF4-FFF2-40B4-BE49-F238E27FC236}">
+                <a16:creationId xmlns:a16="http://schemas.microsoft.com/office/drawing/2014/main" id="{54274F57-60E0-4F35-BE24-10076172B408}"/>
+              </a:ext>
+            </a:extLst>
+          </p:cNvPr>
+          <p:cNvSpPr/>
+          <p:nvPr/>
+        </p:nvSpPr>
+        <p:spPr>
+          <a:xfrm rot="5400000" flipV="1">
+            <a:off x="6697948" y="3236727"/>
+            <a:ext cx="384043" cy="705456"/>
+          </a:xfrm>
+          <a:prstGeom prst="downArrow">
+            <a:avLst/>
+          </a:prstGeom>
+          <a:solidFill>
+            <a:srgbClr val="FFFFFF">
+              <a:lumMod val="65000"/>
+            </a:srgbClr>
+          </a:solidFill>
+          <a:ln w="3175" cap="flat" cmpd="sng" algn="ctr">
+            <a:noFill/>
+            <a:prstDash val="solid"/>
+            <a:miter lim="800000"/>
+          </a:ln>
+          <a:effectLst/>
+        </p:spPr>
+        <p:txBody>
+          <a:bodyPr wrap="square" lIns="48000" tIns="48000" rIns="48000" bIns="48000" rtlCol="0" anchor="t" anchorCtr="0">
+            <a:normAutofit/>
+          </a:bodyPr>
+          <a:lstStyle/>
+          <a:p>
+            <a:pPr marL="0" marR="0" lvl="0" indent="0" algn="ctr" defTabSz="457189" eaLnBrk="1" fontAlgn="auto" latinLnBrk="0" hangingPunct="1">
+              <a:lnSpc>
+                <a:spcPct val="100000"/>
+              </a:lnSpc>
+              <a:spcBef>
+                <a:spcPts val="0"/>
+              </a:spcBef>
+              <a:spcAft>
+                <a:spcPts val="0"/>
+              </a:spcAft>
+              <a:buClrTx/>
+              <a:buSzTx/>
+              <a:buFontTx/>
+              <a:buNone/>
+              <a:tabLst/>
+              <a:defRPr/>
+            </a:pPr>
+            <a:endParaRPr kumimoji="0" lang="de-CH" sz="3200" b="1" i="0" u="none" strike="noStrike" kern="0" cap="none" spc="0" normalizeH="0" baseline="0" noProof="0" dirty="0">
+              <a:ln>
+                <a:noFill/>
+              </a:ln>
+              <a:solidFill>
+                <a:srgbClr val="FFFFFF"/>
+              </a:solidFill>
+              <a:effectLst/>
+              <a:uLnTx/>
+              <a:uFillTx/>
+              <a:latin typeface="Calibri" panose="020F0502020204030204"/>
+              <a:ea typeface="+mn-ea"/>
+              <a:cs typeface="+mn-cs"/>
+            </a:endParaRPr>
+          </a:p>
+        </p:txBody>
+      </p:sp>
+      <p:sp>
+        <p:nvSpPr>
+          <p:cNvPr id="67" name="Pfeil nach unten 96">
+            <a:extLst>
+              <a:ext uri="{FF2B5EF4-FFF2-40B4-BE49-F238E27FC236}">
+                <a16:creationId xmlns:a16="http://schemas.microsoft.com/office/drawing/2014/main" id="{D10FFE9E-4188-46D0-B65F-A1BDDC82FAFD}"/>
+              </a:ext>
+            </a:extLst>
+          </p:cNvPr>
+          <p:cNvSpPr/>
+          <p:nvPr/>
+        </p:nvSpPr>
+        <p:spPr>
+          <a:xfrm rot="5400000" flipV="1">
+            <a:off x="9300551" y="3150532"/>
+            <a:ext cx="384043" cy="705456"/>
+          </a:xfrm>
+          <a:prstGeom prst="downArrow">
+            <a:avLst/>
+          </a:prstGeom>
+          <a:solidFill>
+            <a:srgbClr val="FFFFFF">
+              <a:lumMod val="65000"/>
+            </a:srgbClr>
+          </a:solidFill>
+          <a:ln w="3175" cap="flat" cmpd="sng" algn="ctr">
+            <a:noFill/>
+            <a:prstDash val="solid"/>
+            <a:miter lim="800000"/>
+          </a:ln>
+          <a:effectLst/>
+        </p:spPr>
+        <p:txBody>
+          <a:bodyPr wrap="square" lIns="48000" tIns="48000" rIns="48000" bIns="48000" rtlCol="0" anchor="t" anchorCtr="0">
+            <a:normAutofit/>
+          </a:bodyPr>
+          <a:lstStyle/>
+          <a:p>
+            <a:pPr marL="0" marR="0" lvl="0" indent="0" algn="ctr" defTabSz="457189" eaLnBrk="1" fontAlgn="auto" latinLnBrk="0" hangingPunct="1">
+              <a:lnSpc>
+                <a:spcPct val="100000"/>
+              </a:lnSpc>
+              <a:spcBef>
+                <a:spcPts val="0"/>
+              </a:spcBef>
+              <a:spcAft>
+                <a:spcPts val="0"/>
+              </a:spcAft>
+              <a:buClrTx/>
+              <a:buSzTx/>
+              <a:buFontTx/>
+              <a:buNone/>
+              <a:tabLst/>
+              <a:defRPr/>
+            </a:pPr>
+            <a:endParaRPr kumimoji="0" lang="de-CH" sz="3200" b="1" i="0" u="none" strike="noStrike" kern="0" cap="none" spc="0" normalizeH="0" baseline="0" noProof="0" dirty="0">
+              <a:ln>
+                <a:noFill/>
+              </a:ln>
+              <a:solidFill>
+                <a:srgbClr val="FFFFFF"/>
+              </a:solidFill>
+              <a:effectLst/>
+              <a:uLnTx/>
+              <a:uFillTx/>
+              <a:latin typeface="Calibri" panose="020F0502020204030204"/>
+              <a:ea typeface="+mn-ea"/>
+              <a:cs typeface="+mn-cs"/>
+            </a:endParaRPr>
+          </a:p>
+        </p:txBody>
+      </p:sp>
+      <p:sp>
+        <p:nvSpPr>
+          <p:cNvPr id="68" name="Freihandform 42">
+            <a:extLst>
+              <a:ext uri="{FF2B5EF4-FFF2-40B4-BE49-F238E27FC236}">
+                <a16:creationId xmlns:a16="http://schemas.microsoft.com/office/drawing/2014/main" id="{009D6529-B0F9-416C-AAD6-FF2FC3CD726D}"/>
+              </a:ext>
+            </a:extLst>
+          </p:cNvPr>
+          <p:cNvSpPr/>
+          <p:nvPr/>
+        </p:nvSpPr>
+        <p:spPr>
+          <a:xfrm>
+            <a:off x="6305551" y="2487203"/>
+            <a:ext cx="2776957" cy="1348700"/>
+          </a:xfrm>
+          <a:custGeom>
+            <a:avLst/>
+            <a:gdLst>
+              <a:gd name="connsiteX0" fmla="*/ 0 w 2082718"/>
+              <a:gd name="connsiteY0" fmla="*/ 173563 h 1041359"/>
+              <a:gd name="connsiteX1" fmla="*/ 173563 w 2082718"/>
+              <a:gd name="connsiteY1" fmla="*/ 0 h 1041359"/>
+              <a:gd name="connsiteX2" fmla="*/ 1909155 w 2082718"/>
+              <a:gd name="connsiteY2" fmla="*/ 0 h 1041359"/>
+              <a:gd name="connsiteX3" fmla="*/ 2082718 w 2082718"/>
+              <a:gd name="connsiteY3" fmla="*/ 173563 h 1041359"/>
+              <a:gd name="connsiteX4" fmla="*/ 2082718 w 2082718"/>
+              <a:gd name="connsiteY4" fmla="*/ 867796 h 1041359"/>
+              <a:gd name="connsiteX5" fmla="*/ 1909155 w 2082718"/>
+              <a:gd name="connsiteY5" fmla="*/ 1041359 h 1041359"/>
+              <a:gd name="connsiteX6" fmla="*/ 173563 w 2082718"/>
+              <a:gd name="connsiteY6" fmla="*/ 1041359 h 1041359"/>
+              <a:gd name="connsiteX7" fmla="*/ 0 w 2082718"/>
+              <a:gd name="connsiteY7" fmla="*/ 867796 h 1041359"/>
+              <a:gd name="connsiteX8" fmla="*/ 0 w 2082718"/>
+              <a:gd name="connsiteY8" fmla="*/ 173563 h 1041359"/>
+            </a:gdLst>
+            <a:ahLst/>
+            <a:cxnLst>
+              <a:cxn ang="0">
+                <a:pos x="connsiteX0" y="connsiteY0"/>
+              </a:cxn>
+              <a:cxn ang="0">
+                <a:pos x="connsiteX1" y="connsiteY1"/>
+              </a:cxn>
+              <a:cxn ang="0">
+                <a:pos x="connsiteX2" y="connsiteY2"/>
+              </a:cxn>
+              <a:cxn ang="0">
+                <a:pos x="connsiteX3" y="connsiteY3"/>
+              </a:cxn>
+              <a:cxn ang="0">
+                <a:pos x="connsiteX4" y="connsiteY4"/>
+              </a:cxn>
+              <a:cxn ang="0">
+                <a:pos x="connsiteX5" y="connsiteY5"/>
+              </a:cxn>
+              <a:cxn ang="0">
+                <a:pos x="connsiteX6" y="connsiteY6"/>
+              </a:cxn>
+              <a:cxn ang="0">
+                <a:pos x="connsiteX7" y="connsiteY7"/>
+              </a:cxn>
+              <a:cxn ang="0">
+                <a:pos x="connsiteX8" y="connsiteY8"/>
+              </a:cxn>
+            </a:cxnLst>
+            <a:rect l="l" t="t" r="r" b="b"/>
+            <a:pathLst>
+              <a:path w="2082718" h="1041359">
+                <a:moveTo>
+                  <a:pt x="0" y="173563"/>
+                </a:moveTo>
+                <a:cubicBezTo>
+                  <a:pt x="0" y="77707"/>
+                  <a:pt x="77707" y="0"/>
+                  <a:pt x="173563" y="0"/>
+                </a:cubicBezTo>
+                <a:lnTo>
+                  <a:pt x="1909155" y="0"/>
+                </a:lnTo>
+                <a:cubicBezTo>
+                  <a:pt x="2005011" y="0"/>
+                  <a:pt x="2082718" y="77707"/>
+                  <a:pt x="2082718" y="173563"/>
+                </a:cubicBezTo>
+                <a:lnTo>
+                  <a:pt x="2082718" y="867796"/>
+                </a:lnTo>
+                <a:cubicBezTo>
+                  <a:pt x="2082718" y="963652"/>
+                  <a:pt x="2005011" y="1041359"/>
+                  <a:pt x="1909155" y="1041359"/>
+                </a:cubicBezTo>
+                <a:lnTo>
+                  <a:pt x="173563" y="1041359"/>
+                </a:lnTo>
+                <a:cubicBezTo>
+                  <a:pt x="77707" y="1041359"/>
+                  <a:pt x="0" y="963652"/>
+                  <a:pt x="0" y="867796"/>
+                </a:cubicBezTo>
+                <a:lnTo>
+                  <a:pt x="0" y="173563"/>
+                </a:lnTo>
+                <a:close/>
+              </a:path>
+            </a:pathLst>
+          </a:custGeom>
+          <a:noFill/>
+          <a:ln w="12700" cap="flat" cmpd="sng" algn="ctr">
+            <a:noFill/>
+            <a:prstDash val="solid"/>
+            <a:miter lim="800000"/>
+          </a:ln>
+          <a:effectLst/>
+        </p:spPr>
+        <p:txBody>
+          <a:bodyPr spcFirstLastPara="0" vert="horz" wrap="square" lIns="296380" tIns="296380" rIns="296380" bIns="296380" numCol="1" spcCol="1270" anchor="ctr" anchorCtr="0">
+            <a:noAutofit/>
+          </a:bodyPr>
+          <a:lstStyle/>
+          <a:p>
+            <a:pPr marL="0" marR="0" lvl="0" indent="0" algn="ctr" defTabSz="2666867" eaLnBrk="1" fontAlgn="auto" latinLnBrk="0" hangingPunct="1">
+              <a:lnSpc>
+                <a:spcPct val="90000"/>
+              </a:lnSpc>
+              <a:spcBef>
+                <a:spcPct val="0"/>
+              </a:spcBef>
+              <a:spcAft>
+                <a:spcPct val="35000"/>
+              </a:spcAft>
+              <a:buClrTx/>
+              <a:buSzTx/>
+              <a:buFontTx/>
+              <a:buNone/>
+              <a:tabLst/>
+              <a:defRPr/>
+            </a:pPr>
+            <a:endParaRPr kumimoji="0" lang="de-CH" sz="6000" b="0" i="0" u="none" strike="noStrike" kern="0" cap="none" spc="0" normalizeH="0" baseline="0" noProof="0" dirty="0">
+              <a:ln>
+                <a:noFill/>
+              </a:ln>
+              <a:solidFill>
+                <a:srgbClr val="FFFFFF"/>
+              </a:solidFill>
+              <a:effectLst/>
+              <a:uLnTx/>
+              <a:uFillTx/>
+              <a:latin typeface="Calibri" panose="020F0502020204030204"/>
+              <a:ea typeface="+mn-ea"/>
+              <a:cs typeface="+mn-cs"/>
+            </a:endParaRPr>
+          </a:p>
+        </p:txBody>
+      </p:sp>
+      <p:sp>
+        <p:nvSpPr>
+          <p:cNvPr id="69" name="Freihandform 72">
+            <a:extLst>
+              <a:ext uri="{FF2B5EF4-FFF2-40B4-BE49-F238E27FC236}">
+                <a16:creationId xmlns:a16="http://schemas.microsoft.com/office/drawing/2014/main" id="{C36E3232-A3E2-4E6A-A167-16832A85F340}"/>
+              </a:ext>
+            </a:extLst>
+          </p:cNvPr>
+          <p:cNvSpPr/>
+          <p:nvPr/>
+        </p:nvSpPr>
+        <p:spPr>
+          <a:xfrm>
+            <a:off x="5385780" y="5236867"/>
+            <a:ext cx="2776957" cy="1348700"/>
+          </a:xfrm>
+          <a:custGeom>
+            <a:avLst/>
+            <a:gdLst>
+              <a:gd name="connsiteX0" fmla="*/ 0 w 2082718"/>
+              <a:gd name="connsiteY0" fmla="*/ 173563 h 1041359"/>
+              <a:gd name="connsiteX1" fmla="*/ 173563 w 2082718"/>
+              <a:gd name="connsiteY1" fmla="*/ 0 h 1041359"/>
+              <a:gd name="connsiteX2" fmla="*/ 1909155 w 2082718"/>
+              <a:gd name="connsiteY2" fmla="*/ 0 h 1041359"/>
+              <a:gd name="connsiteX3" fmla="*/ 2082718 w 2082718"/>
+              <a:gd name="connsiteY3" fmla="*/ 173563 h 1041359"/>
+              <a:gd name="connsiteX4" fmla="*/ 2082718 w 2082718"/>
+              <a:gd name="connsiteY4" fmla="*/ 867796 h 1041359"/>
+              <a:gd name="connsiteX5" fmla="*/ 1909155 w 2082718"/>
+              <a:gd name="connsiteY5" fmla="*/ 1041359 h 1041359"/>
+              <a:gd name="connsiteX6" fmla="*/ 173563 w 2082718"/>
+              <a:gd name="connsiteY6" fmla="*/ 1041359 h 1041359"/>
+              <a:gd name="connsiteX7" fmla="*/ 0 w 2082718"/>
+              <a:gd name="connsiteY7" fmla="*/ 867796 h 1041359"/>
+              <a:gd name="connsiteX8" fmla="*/ 0 w 2082718"/>
+              <a:gd name="connsiteY8" fmla="*/ 173563 h 1041359"/>
+            </a:gdLst>
+            <a:ahLst/>
+            <a:cxnLst>
+              <a:cxn ang="0">
+                <a:pos x="connsiteX0" y="connsiteY0"/>
+              </a:cxn>
+              <a:cxn ang="0">
+                <a:pos x="connsiteX1" y="connsiteY1"/>
+              </a:cxn>
+              <a:cxn ang="0">
+                <a:pos x="connsiteX2" y="connsiteY2"/>
+              </a:cxn>
+              <a:cxn ang="0">
+                <a:pos x="connsiteX3" y="connsiteY3"/>
+              </a:cxn>
+              <a:cxn ang="0">
+                <a:pos x="connsiteX4" y="connsiteY4"/>
+              </a:cxn>
+              <a:cxn ang="0">
+                <a:pos x="connsiteX5" y="connsiteY5"/>
+              </a:cxn>
+              <a:cxn ang="0">
+                <a:pos x="connsiteX6" y="connsiteY6"/>
+              </a:cxn>
+              <a:cxn ang="0">
+                <a:pos x="connsiteX7" y="connsiteY7"/>
+              </a:cxn>
+              <a:cxn ang="0">
+                <a:pos x="connsiteX8" y="connsiteY8"/>
+              </a:cxn>
+            </a:cxnLst>
+            <a:rect l="l" t="t" r="r" b="b"/>
+            <a:pathLst>
+              <a:path w="2082718" h="1041359">
+                <a:moveTo>
+                  <a:pt x="0" y="173563"/>
+                </a:moveTo>
+                <a:cubicBezTo>
+                  <a:pt x="0" y="77707"/>
+                  <a:pt x="77707" y="0"/>
+                  <a:pt x="173563" y="0"/>
+                </a:cubicBezTo>
+                <a:lnTo>
+                  <a:pt x="1909155" y="0"/>
+                </a:lnTo>
+                <a:cubicBezTo>
+                  <a:pt x="2005011" y="0"/>
+                  <a:pt x="2082718" y="77707"/>
+                  <a:pt x="2082718" y="173563"/>
+                </a:cubicBezTo>
+                <a:lnTo>
+                  <a:pt x="2082718" y="867796"/>
+                </a:lnTo>
+                <a:cubicBezTo>
+                  <a:pt x="2082718" y="963652"/>
+                  <a:pt x="2005011" y="1041359"/>
+                  <a:pt x="1909155" y="1041359"/>
+                </a:cubicBezTo>
+                <a:lnTo>
+                  <a:pt x="173563" y="1041359"/>
+                </a:lnTo>
+                <a:cubicBezTo>
+                  <a:pt x="77707" y="1041359"/>
+                  <a:pt x="0" y="963652"/>
+                  <a:pt x="0" y="867796"/>
+                </a:cubicBezTo>
+                <a:lnTo>
+                  <a:pt x="0" y="173563"/>
+                </a:lnTo>
+                <a:close/>
+              </a:path>
+            </a:pathLst>
+          </a:custGeom>
+          <a:noFill/>
+          <a:ln w="12700" cap="flat" cmpd="sng" algn="ctr">
+            <a:noFill/>
+            <a:prstDash val="solid"/>
+            <a:miter lim="800000"/>
+          </a:ln>
+          <a:effectLst/>
+        </p:spPr>
+        <p:txBody>
+          <a:bodyPr spcFirstLastPara="0" vert="horz" wrap="square" lIns="296380" tIns="296380" rIns="296380" bIns="296380" numCol="1" spcCol="1270" anchor="ctr" anchorCtr="0">
+            <a:noAutofit/>
+          </a:bodyPr>
+          <a:lstStyle/>
+          <a:p>
+            <a:pPr marL="0" marR="0" lvl="0" indent="0" algn="ctr" defTabSz="2666867" eaLnBrk="1" fontAlgn="auto" latinLnBrk="0" hangingPunct="1">
+              <a:lnSpc>
+                <a:spcPct val="90000"/>
+              </a:lnSpc>
+              <a:spcBef>
+                <a:spcPct val="0"/>
+              </a:spcBef>
+              <a:spcAft>
+                <a:spcPct val="35000"/>
+              </a:spcAft>
+              <a:buClrTx/>
+              <a:buSzTx/>
+              <a:buFontTx/>
+              <a:buNone/>
+              <a:tabLst/>
+              <a:defRPr/>
+            </a:pPr>
+            <a:endParaRPr kumimoji="0" lang="de-CH" sz="6000" b="0" i="0" u="none" strike="noStrike" kern="0" cap="none" spc="0" normalizeH="0" baseline="0" noProof="0">
+              <a:ln>
+                <a:noFill/>
+              </a:ln>
+              <a:solidFill>
+                <a:srgbClr val="FFFFFF"/>
+              </a:solidFill>
+              <a:effectLst/>
+              <a:uLnTx/>
+              <a:uFillTx/>
+              <a:latin typeface="Calibri" panose="020F0502020204030204"/>
+              <a:ea typeface="+mn-ea"/>
+              <a:cs typeface="+mn-cs"/>
+            </a:endParaRPr>
+          </a:p>
+        </p:txBody>
+      </p:sp>
+      <p:sp>
+        <p:nvSpPr>
+          <p:cNvPr id="70" name="Freihandform 101">
+            <a:extLst>
+              <a:ext uri="{FF2B5EF4-FFF2-40B4-BE49-F238E27FC236}">
+                <a16:creationId xmlns:a16="http://schemas.microsoft.com/office/drawing/2014/main" id="{BCDEBFAC-F28B-4E7C-9A47-60174F7387F8}"/>
+              </a:ext>
+            </a:extLst>
+          </p:cNvPr>
+          <p:cNvSpPr/>
+          <p:nvPr/>
+        </p:nvSpPr>
+        <p:spPr>
+          <a:xfrm>
+            <a:off x="2409340" y="5236867"/>
+            <a:ext cx="2776957" cy="1348700"/>
+          </a:xfrm>
+          <a:custGeom>
+            <a:avLst/>
+            <a:gdLst>
+              <a:gd name="connsiteX0" fmla="*/ 0 w 2082718"/>
+              <a:gd name="connsiteY0" fmla="*/ 173563 h 1041359"/>
+              <a:gd name="connsiteX1" fmla="*/ 173563 w 2082718"/>
+              <a:gd name="connsiteY1" fmla="*/ 0 h 1041359"/>
+              <a:gd name="connsiteX2" fmla="*/ 1909155 w 2082718"/>
+              <a:gd name="connsiteY2" fmla="*/ 0 h 1041359"/>
+              <a:gd name="connsiteX3" fmla="*/ 2082718 w 2082718"/>
+              <a:gd name="connsiteY3" fmla="*/ 173563 h 1041359"/>
+              <a:gd name="connsiteX4" fmla="*/ 2082718 w 2082718"/>
+              <a:gd name="connsiteY4" fmla="*/ 867796 h 1041359"/>
+              <a:gd name="connsiteX5" fmla="*/ 1909155 w 2082718"/>
+              <a:gd name="connsiteY5" fmla="*/ 1041359 h 1041359"/>
+              <a:gd name="connsiteX6" fmla="*/ 173563 w 2082718"/>
+              <a:gd name="connsiteY6" fmla="*/ 1041359 h 1041359"/>
+              <a:gd name="connsiteX7" fmla="*/ 0 w 2082718"/>
+              <a:gd name="connsiteY7" fmla="*/ 867796 h 1041359"/>
+              <a:gd name="connsiteX8" fmla="*/ 0 w 2082718"/>
+              <a:gd name="connsiteY8" fmla="*/ 173563 h 1041359"/>
+            </a:gdLst>
+            <a:ahLst/>
+            <a:cxnLst>
+              <a:cxn ang="0">
+                <a:pos x="connsiteX0" y="connsiteY0"/>
+              </a:cxn>
+              <a:cxn ang="0">
+                <a:pos x="connsiteX1" y="connsiteY1"/>
+              </a:cxn>
+              <a:cxn ang="0">
+                <a:pos x="connsiteX2" y="connsiteY2"/>
+              </a:cxn>
+              <a:cxn ang="0">
+                <a:pos x="connsiteX3" y="connsiteY3"/>
+              </a:cxn>
+              <a:cxn ang="0">
+                <a:pos x="connsiteX4" y="connsiteY4"/>
+              </a:cxn>
+              <a:cxn ang="0">
+                <a:pos x="connsiteX5" y="connsiteY5"/>
+              </a:cxn>
+              <a:cxn ang="0">
+                <a:pos x="connsiteX6" y="connsiteY6"/>
+              </a:cxn>
+              <a:cxn ang="0">
+                <a:pos x="connsiteX7" y="connsiteY7"/>
+              </a:cxn>
+              <a:cxn ang="0">
+                <a:pos x="connsiteX8" y="connsiteY8"/>
+              </a:cxn>
+            </a:cxnLst>
+            <a:rect l="l" t="t" r="r" b="b"/>
+            <a:pathLst>
+              <a:path w="2082718" h="1041359">
+                <a:moveTo>
+                  <a:pt x="0" y="173563"/>
+                </a:moveTo>
+                <a:cubicBezTo>
+                  <a:pt x="0" y="77707"/>
+                  <a:pt x="77707" y="0"/>
+                  <a:pt x="173563" y="0"/>
+                </a:cubicBezTo>
+                <a:lnTo>
+                  <a:pt x="1909155" y="0"/>
+                </a:lnTo>
+                <a:cubicBezTo>
+                  <a:pt x="2005011" y="0"/>
+                  <a:pt x="2082718" y="77707"/>
+                  <a:pt x="2082718" y="173563"/>
+                </a:cubicBezTo>
+                <a:lnTo>
+                  <a:pt x="2082718" y="867796"/>
+                </a:lnTo>
+                <a:cubicBezTo>
+                  <a:pt x="2082718" y="963652"/>
+                  <a:pt x="2005011" y="1041359"/>
+                  <a:pt x="1909155" y="1041359"/>
+                </a:cubicBezTo>
+                <a:lnTo>
+                  <a:pt x="173563" y="1041359"/>
+                </a:lnTo>
+                <a:cubicBezTo>
+                  <a:pt x="77707" y="1041359"/>
+                  <a:pt x="0" y="963652"/>
+                  <a:pt x="0" y="867796"/>
+                </a:cubicBezTo>
+                <a:lnTo>
+                  <a:pt x="0" y="173563"/>
+                </a:lnTo>
+                <a:close/>
+              </a:path>
+            </a:pathLst>
+          </a:custGeom>
+          <a:noFill/>
+          <a:ln w="12700" cap="flat" cmpd="sng" algn="ctr">
+            <a:noFill/>
+            <a:prstDash val="solid"/>
+            <a:miter lim="800000"/>
+          </a:ln>
+          <a:effectLst/>
+        </p:spPr>
+        <p:txBody>
+          <a:bodyPr spcFirstLastPara="0" vert="horz" wrap="square" lIns="296380" tIns="296380" rIns="296380" bIns="296380" numCol="1" spcCol="1270" anchor="ctr" anchorCtr="0">
+            <a:noAutofit/>
+          </a:bodyPr>
+          <a:lstStyle/>
+          <a:p>
+            <a:pPr marL="0" marR="0" lvl="0" indent="0" algn="ctr" defTabSz="2666867" eaLnBrk="1" fontAlgn="auto" latinLnBrk="0" hangingPunct="1">
+              <a:lnSpc>
+                <a:spcPct val="90000"/>
+              </a:lnSpc>
+              <a:spcBef>
+                <a:spcPct val="0"/>
+              </a:spcBef>
+              <a:spcAft>
+                <a:spcPct val="35000"/>
+              </a:spcAft>
+              <a:buClrTx/>
+              <a:buSzTx/>
+              <a:buFontTx/>
+              <a:buNone/>
+              <a:tabLst/>
+              <a:defRPr/>
+            </a:pPr>
+            <a:endParaRPr kumimoji="0" lang="de-CH" sz="6000" b="0" i="0" u="none" strike="noStrike" kern="0" cap="none" spc="0" normalizeH="0" baseline="0" noProof="0" dirty="0">
+              <a:ln>
+                <a:noFill/>
+              </a:ln>
+              <a:solidFill>
+                <a:srgbClr val="FFFFFF"/>
+              </a:solidFill>
+              <a:effectLst/>
+              <a:uLnTx/>
+              <a:uFillTx/>
+              <a:latin typeface="Calibri" panose="020F0502020204030204"/>
+              <a:ea typeface="+mn-ea"/>
+              <a:cs typeface="+mn-cs"/>
+            </a:endParaRPr>
+          </a:p>
+        </p:txBody>
+      </p:sp>
+      <p:sp>
+        <p:nvSpPr>
+          <p:cNvPr id="71" name="Freihandform 106">
+            <a:extLst>
+              <a:ext uri="{FF2B5EF4-FFF2-40B4-BE49-F238E27FC236}">
+                <a16:creationId xmlns:a16="http://schemas.microsoft.com/office/drawing/2014/main" id="{7C05FDE7-A787-40BC-BF8A-62E5979174DD}"/>
+              </a:ext>
+            </a:extLst>
+          </p:cNvPr>
+          <p:cNvSpPr/>
+          <p:nvPr/>
+        </p:nvSpPr>
+        <p:spPr>
+          <a:xfrm>
+            <a:off x="2791012" y="2660219"/>
+            <a:ext cx="2776957" cy="1348700"/>
+          </a:xfrm>
+          <a:custGeom>
+            <a:avLst/>
+            <a:gdLst>
+              <a:gd name="connsiteX0" fmla="*/ 0 w 2082718"/>
+              <a:gd name="connsiteY0" fmla="*/ 173563 h 1041359"/>
+              <a:gd name="connsiteX1" fmla="*/ 173563 w 2082718"/>
+              <a:gd name="connsiteY1" fmla="*/ 0 h 1041359"/>
+              <a:gd name="connsiteX2" fmla="*/ 1909155 w 2082718"/>
+              <a:gd name="connsiteY2" fmla="*/ 0 h 1041359"/>
+              <a:gd name="connsiteX3" fmla="*/ 2082718 w 2082718"/>
+              <a:gd name="connsiteY3" fmla="*/ 173563 h 1041359"/>
+              <a:gd name="connsiteX4" fmla="*/ 2082718 w 2082718"/>
+              <a:gd name="connsiteY4" fmla="*/ 867796 h 1041359"/>
+              <a:gd name="connsiteX5" fmla="*/ 1909155 w 2082718"/>
+              <a:gd name="connsiteY5" fmla="*/ 1041359 h 1041359"/>
+              <a:gd name="connsiteX6" fmla="*/ 173563 w 2082718"/>
+              <a:gd name="connsiteY6" fmla="*/ 1041359 h 1041359"/>
+              <a:gd name="connsiteX7" fmla="*/ 0 w 2082718"/>
+              <a:gd name="connsiteY7" fmla="*/ 867796 h 1041359"/>
+              <a:gd name="connsiteX8" fmla="*/ 0 w 2082718"/>
+              <a:gd name="connsiteY8" fmla="*/ 173563 h 1041359"/>
+            </a:gdLst>
+            <a:ahLst/>
+            <a:cxnLst>
+              <a:cxn ang="0">
+                <a:pos x="connsiteX0" y="connsiteY0"/>
+              </a:cxn>
+              <a:cxn ang="0">
+                <a:pos x="connsiteX1" y="connsiteY1"/>
+              </a:cxn>
+              <a:cxn ang="0">
+                <a:pos x="connsiteX2" y="connsiteY2"/>
+              </a:cxn>
+              <a:cxn ang="0">
+                <a:pos x="connsiteX3" y="connsiteY3"/>
+              </a:cxn>
+              <a:cxn ang="0">
+                <a:pos x="connsiteX4" y="connsiteY4"/>
+              </a:cxn>
+              <a:cxn ang="0">
+                <a:pos x="connsiteX5" y="connsiteY5"/>
+              </a:cxn>
+              <a:cxn ang="0">
+                <a:pos x="connsiteX6" y="connsiteY6"/>
+              </a:cxn>
+              <a:cxn ang="0">
+                <a:pos x="connsiteX7" y="connsiteY7"/>
+              </a:cxn>
+              <a:cxn ang="0">
+                <a:pos x="connsiteX8" y="connsiteY8"/>
+              </a:cxn>
+            </a:cxnLst>
+            <a:rect l="l" t="t" r="r" b="b"/>
+            <a:pathLst>
+              <a:path w="2082718" h="1041359">
+                <a:moveTo>
+                  <a:pt x="0" y="173563"/>
+                </a:moveTo>
+                <a:cubicBezTo>
+                  <a:pt x="0" y="77707"/>
+                  <a:pt x="77707" y="0"/>
+                  <a:pt x="173563" y="0"/>
+                </a:cubicBezTo>
+                <a:lnTo>
+                  <a:pt x="1909155" y="0"/>
+                </a:lnTo>
+                <a:cubicBezTo>
+                  <a:pt x="2005011" y="0"/>
+                  <a:pt x="2082718" y="77707"/>
+                  <a:pt x="2082718" y="173563"/>
+                </a:cubicBezTo>
+                <a:lnTo>
+                  <a:pt x="2082718" y="867796"/>
+                </a:lnTo>
+                <a:cubicBezTo>
+                  <a:pt x="2082718" y="963652"/>
+                  <a:pt x="2005011" y="1041359"/>
+                  <a:pt x="1909155" y="1041359"/>
+                </a:cubicBezTo>
+                <a:lnTo>
+                  <a:pt x="173563" y="1041359"/>
+                </a:lnTo>
+                <a:cubicBezTo>
+                  <a:pt x="77707" y="1041359"/>
+                  <a:pt x="0" y="963652"/>
+                  <a:pt x="0" y="867796"/>
+                </a:cubicBezTo>
+                <a:lnTo>
+                  <a:pt x="0" y="173563"/>
+                </a:lnTo>
+                <a:close/>
+              </a:path>
+            </a:pathLst>
+          </a:custGeom>
+          <a:noFill/>
+          <a:ln w="12700" cap="flat" cmpd="sng" algn="ctr">
+            <a:noFill/>
+            <a:prstDash val="solid"/>
+            <a:miter lim="800000"/>
+          </a:ln>
+          <a:effectLst/>
+        </p:spPr>
+        <p:txBody>
+          <a:bodyPr spcFirstLastPara="0" vert="horz" wrap="square" lIns="296380" tIns="296380" rIns="296380" bIns="296380" numCol="1" spcCol="1270" anchor="ctr" anchorCtr="0">
+            <a:noAutofit/>
+          </a:bodyPr>
+          <a:lstStyle/>
+          <a:p>
+            <a:pPr marL="0" marR="0" lvl="0" indent="0" algn="ctr" defTabSz="2666867" eaLnBrk="1" fontAlgn="auto" latinLnBrk="0" hangingPunct="1">
+              <a:lnSpc>
+                <a:spcPct val="90000"/>
+              </a:lnSpc>
+              <a:spcBef>
+                <a:spcPct val="0"/>
+              </a:spcBef>
+              <a:spcAft>
+                <a:spcPct val="35000"/>
+              </a:spcAft>
+              <a:buClrTx/>
+              <a:buSzTx/>
+              <a:buFontTx/>
+              <a:buNone/>
+              <a:tabLst/>
+              <a:defRPr/>
+            </a:pPr>
+            <a:endParaRPr kumimoji="0" lang="de-CH" sz="6000" b="0" i="0" u="none" strike="noStrike" kern="0" cap="none" spc="0" normalizeH="0" baseline="0" noProof="0" dirty="0">
+              <a:ln>
+                <a:noFill/>
+              </a:ln>
+              <a:solidFill>
+                <a:srgbClr val="FFFFFF"/>
+              </a:solidFill>
+              <a:effectLst/>
+              <a:uLnTx/>
+              <a:uFillTx/>
+              <a:latin typeface="Calibri" panose="020F0502020204030204"/>
+              <a:ea typeface="+mn-ea"/>
+              <a:cs typeface="+mn-cs"/>
+            </a:endParaRPr>
+          </a:p>
+        </p:txBody>
+      </p:sp>
+      <p:sp>
+        <p:nvSpPr>
+          <p:cNvPr id="72" name="Textfeld 30">
+            <a:extLst>
+              <a:ext uri="{FF2B5EF4-FFF2-40B4-BE49-F238E27FC236}">
+                <a16:creationId xmlns:a16="http://schemas.microsoft.com/office/drawing/2014/main" id="{CFBAC377-7404-4028-B2B6-C78E50B0EF51}"/>
+              </a:ext>
+            </a:extLst>
+          </p:cNvPr>
+          <p:cNvSpPr txBox="1"/>
+          <p:nvPr/>
+        </p:nvSpPr>
+        <p:spPr>
+          <a:xfrm>
+            <a:off x="7480302" y="1146561"/>
+            <a:ext cx="1875908" cy="423995"/>
+          </a:xfrm>
+          <a:prstGeom prst="rect">
+            <a:avLst/>
+          </a:prstGeom>
+          <a:noFill/>
+        </p:spPr>
+        <p:txBody>
+          <a:bodyPr wrap="square" lIns="0" tIns="0" rIns="0" bIns="0" rtlCol="0" anchor="t">
+            <a:noAutofit/>
+          </a:bodyPr>
+          <a:lstStyle/>
+          <a:p>
+            <a:pPr defTabSz="457189"/>
+            <a:r>
+              <a:rPr lang="de-CH" sz="1333" b="1" dirty="0">
+                <a:solidFill>
+                  <a:srgbClr val="FFFFFF"/>
+                </a:solidFill>
+                <a:latin typeface="Arial" pitchFamily="34" charset="0"/>
+                <a:cs typeface="Arial" pitchFamily="34" charset="0"/>
+              </a:rPr>
+              <a:t>Produktion vorbereiten</a:t>
+            </a:r>
+          </a:p>
+          <a:p>
+            <a:pPr defTabSz="457189"/>
+            <a:r>
+              <a:rPr lang="de-CH" sz="1333" b="1" dirty="0">
+                <a:solidFill>
+                  <a:srgbClr val="DA0134"/>
+                </a:solidFill>
+                <a:latin typeface="Arial" pitchFamily="34" charset="0"/>
+                <a:cs typeface="Arial" pitchFamily="34" charset="0"/>
+              </a:rPr>
+              <a:t>  </a:t>
+            </a:r>
+            <a:r>
+              <a:rPr lang="de-CH" sz="1333" b="1" dirty="0">
+                <a:solidFill>
+                  <a:srgbClr val="482624">
+                    <a:lumMod val="75000"/>
+                  </a:srgbClr>
+                </a:solidFill>
+                <a:latin typeface="Arial" pitchFamily="34" charset="0"/>
+                <a:cs typeface="Arial" pitchFamily="34" charset="0"/>
+              </a:rPr>
+              <a:t>Produktionsvorgabe </a:t>
+            </a:r>
+            <a:br>
+              <a:rPr lang="de-CH" sz="1333" b="1" dirty="0">
+                <a:solidFill>
+                  <a:srgbClr val="DA0134"/>
+                </a:solidFill>
+                <a:latin typeface="Arial" pitchFamily="34" charset="0"/>
+                <a:cs typeface="Arial" pitchFamily="34" charset="0"/>
+              </a:rPr>
+            </a:br>
+            <a:r>
+              <a:rPr lang="de-CH" sz="1333" b="1" dirty="0">
+                <a:solidFill>
+                  <a:srgbClr val="DA0134"/>
+                </a:solidFill>
+                <a:latin typeface="Arial" pitchFamily="34" charset="0"/>
+                <a:cs typeface="Arial" pitchFamily="34" charset="0"/>
+              </a:rPr>
+              <a:t> </a:t>
+            </a:r>
+          </a:p>
+        </p:txBody>
+      </p:sp>
+      <p:sp>
+        <p:nvSpPr>
+          <p:cNvPr id="73" name="Pfeil nach unten 93">
+            <a:extLst>
+              <a:ext uri="{FF2B5EF4-FFF2-40B4-BE49-F238E27FC236}">
+                <a16:creationId xmlns:a16="http://schemas.microsoft.com/office/drawing/2014/main" id="{EEC879C7-8ADC-4EB9-B805-02D2D376C627}"/>
+              </a:ext>
+            </a:extLst>
+          </p:cNvPr>
+          <p:cNvSpPr/>
+          <p:nvPr/>
+        </p:nvSpPr>
+        <p:spPr>
+          <a:xfrm rot="10800000" flipV="1">
+            <a:off x="8142225" y="4648405"/>
+            <a:ext cx="384043" cy="742371"/>
+          </a:xfrm>
+          <a:prstGeom prst="downArrow">
+            <a:avLst/>
+          </a:prstGeom>
+          <a:solidFill>
+            <a:srgbClr val="FFFFFF">
+              <a:lumMod val="65000"/>
+            </a:srgbClr>
+          </a:solidFill>
+          <a:ln w="3175" cap="flat" cmpd="sng" algn="ctr">
+            <a:noFill/>
+            <a:prstDash val="solid"/>
+            <a:miter lim="800000"/>
+          </a:ln>
+          <a:effectLst/>
+        </p:spPr>
+        <p:txBody>
+          <a:bodyPr wrap="square" lIns="48000" tIns="48000" rIns="48000" bIns="48000" rtlCol="0" anchor="t" anchorCtr="0">
+            <a:normAutofit/>
+          </a:bodyPr>
+          <a:lstStyle/>
+          <a:p>
+            <a:pPr marL="0" marR="0" lvl="0" indent="0" algn="ctr" defTabSz="457189" eaLnBrk="1" fontAlgn="auto" latinLnBrk="0" hangingPunct="1">
+              <a:lnSpc>
+                <a:spcPct val="100000"/>
+              </a:lnSpc>
+              <a:spcBef>
+                <a:spcPts val="0"/>
+              </a:spcBef>
+              <a:spcAft>
+                <a:spcPts val="0"/>
+              </a:spcAft>
+              <a:buClrTx/>
+              <a:buSzTx/>
+              <a:buFontTx/>
+              <a:buNone/>
+              <a:tabLst/>
+              <a:defRPr/>
+            </a:pPr>
+            <a:endParaRPr kumimoji="0" lang="de-CH" sz="3200" b="1" i="0" u="none" strike="noStrike" kern="0" cap="none" spc="0" normalizeH="0" baseline="0" noProof="0" dirty="0">
+              <a:ln>
+                <a:noFill/>
+              </a:ln>
+              <a:solidFill>
+                <a:srgbClr val="FFFFFF"/>
+              </a:solidFill>
+              <a:effectLst/>
+              <a:uLnTx/>
+              <a:uFillTx/>
+              <a:latin typeface="Calibri" panose="020F0502020204030204"/>
+              <a:ea typeface="+mn-ea"/>
+              <a:cs typeface="+mn-cs"/>
+            </a:endParaRPr>
+          </a:p>
+        </p:txBody>
+      </p:sp>
+      <p:sp>
+        <p:nvSpPr>
+          <p:cNvPr id="74" name="Pfeil nach unten 99">
+            <a:extLst>
+              <a:ext uri="{FF2B5EF4-FFF2-40B4-BE49-F238E27FC236}">
+                <a16:creationId xmlns:a16="http://schemas.microsoft.com/office/drawing/2014/main" id="{D5525E4B-9FC5-493C-AE43-9E532A57C915}"/>
+              </a:ext>
+            </a:extLst>
+          </p:cNvPr>
+          <p:cNvSpPr/>
+          <p:nvPr/>
+        </p:nvSpPr>
+        <p:spPr>
+          <a:xfrm rot="10800000">
+            <a:off x="5232953" y="4504734"/>
+            <a:ext cx="384043" cy="863641"/>
+          </a:xfrm>
+          <a:prstGeom prst="downArrow">
+            <a:avLst/>
+          </a:prstGeom>
+          <a:solidFill>
+            <a:srgbClr val="FFFFFF">
+              <a:lumMod val="65000"/>
+            </a:srgbClr>
+          </a:solidFill>
+          <a:ln w="3175" cap="flat" cmpd="sng" algn="ctr">
+            <a:noFill/>
+            <a:prstDash val="solid"/>
+            <a:miter lim="800000"/>
+          </a:ln>
+          <a:effectLst/>
+        </p:spPr>
+        <p:txBody>
+          <a:bodyPr wrap="square" lIns="48000" tIns="48000" rIns="48000" bIns="48000" rtlCol="0" anchor="t" anchorCtr="0">
+            <a:normAutofit/>
+          </a:bodyPr>
+          <a:lstStyle/>
+          <a:p>
+            <a:pPr marL="0" marR="0" lvl="0" indent="0" algn="ctr" defTabSz="457189" eaLnBrk="1" fontAlgn="auto" latinLnBrk="0" hangingPunct="1">
+              <a:lnSpc>
+                <a:spcPct val="100000"/>
+              </a:lnSpc>
+              <a:spcBef>
+                <a:spcPts val="0"/>
+              </a:spcBef>
+              <a:spcAft>
+                <a:spcPts val="0"/>
+              </a:spcAft>
+              <a:buClrTx/>
+              <a:buSzTx/>
+              <a:buFontTx/>
+              <a:buNone/>
+              <a:tabLst/>
+              <a:defRPr/>
+            </a:pPr>
+            <a:endParaRPr kumimoji="0" lang="de-CH" sz="3200" b="1" i="0" u="none" strike="noStrike" kern="0" cap="none" spc="0" normalizeH="0" baseline="0" noProof="0" dirty="0">
+              <a:ln>
+                <a:noFill/>
+              </a:ln>
+              <a:solidFill>
+                <a:srgbClr val="FFFFFF"/>
+              </a:solidFill>
+              <a:effectLst/>
+              <a:uLnTx/>
+              <a:uFillTx/>
+              <a:latin typeface="Calibri" panose="020F0502020204030204"/>
+              <a:ea typeface="+mn-ea"/>
+              <a:cs typeface="+mn-cs"/>
+            </a:endParaRPr>
+          </a:p>
+        </p:txBody>
+      </p:sp>
+      <p:sp>
+        <p:nvSpPr>
+          <p:cNvPr id="77" name="Rechteck: abgerundete Ecken 76">
+            <a:extLst>
+              <a:ext uri="{FF2B5EF4-FFF2-40B4-BE49-F238E27FC236}">
+                <a16:creationId xmlns:a16="http://schemas.microsoft.com/office/drawing/2014/main" id="{F4482077-752B-4536-9E23-23400FC0B042}"/>
+              </a:ext>
+            </a:extLst>
+          </p:cNvPr>
+          <p:cNvSpPr/>
+          <p:nvPr/>
+        </p:nvSpPr>
+        <p:spPr>
+          <a:xfrm>
+            <a:off x="4068607" y="5473627"/>
+            <a:ext cx="6533495" cy="1082229"/>
+          </a:xfrm>
+          <a:prstGeom prst="roundRect">
+            <a:avLst/>
+          </a:prstGeom>
+          <a:solidFill>
+            <a:srgbClr val="A5A5A5">
+              <a:lumMod val="75000"/>
+            </a:srgbClr>
+          </a:solidFill>
+          <a:ln w="12700" cap="flat" cmpd="sng" algn="ctr">
+            <a:noFill/>
+            <a:prstDash val="solid"/>
+            <a:miter lim="800000"/>
+          </a:ln>
+          <a:effectLst>
+            <a:outerShdw blurRad="50800" dist="38100" dir="2700000" algn="tl" rotWithShape="0">
+              <a:prstClr val="black">
+                <a:alpha val="40000"/>
+              </a:prstClr>
+            </a:outerShdw>
+          </a:effectLst>
+        </p:spPr>
+        <p:txBody>
+          <a:bodyPr rtlCol="0" anchor="ctr"/>
+          <a:lstStyle/>
+          <a:p>
+            <a:pPr marL="0" marR="0" lvl="0" indent="0" algn="ctr" defTabSz="457189" eaLnBrk="1" fontAlgn="auto" latinLnBrk="0" hangingPunct="1">
+              <a:lnSpc>
+                <a:spcPct val="100000"/>
+              </a:lnSpc>
+              <a:spcBef>
+                <a:spcPts val="0"/>
+              </a:spcBef>
+              <a:spcAft>
+                <a:spcPts val="0"/>
+              </a:spcAft>
+              <a:buClrTx/>
+              <a:buSzTx/>
+              <a:buFontTx/>
+              <a:buNone/>
+              <a:tabLst/>
+              <a:defRPr/>
+            </a:pPr>
+            <a:endParaRPr kumimoji="0" lang="de-CH" sz="1800" b="0" i="0" u="none" strike="noStrike" kern="0" cap="none" spc="0" normalizeH="0" baseline="0" noProof="0">
+              <a:ln>
+                <a:noFill/>
+              </a:ln>
+              <a:solidFill>
+                <a:srgbClr val="FFFFFF"/>
+              </a:solidFill>
+              <a:effectLst/>
+              <a:uLnTx/>
+              <a:uFillTx/>
+              <a:latin typeface="Calibri" panose="020F0502020204030204"/>
+              <a:ea typeface="+mn-ea"/>
+              <a:cs typeface="+mn-cs"/>
+            </a:endParaRPr>
+          </a:p>
+        </p:txBody>
+      </p:sp>
+      <p:sp>
+        <p:nvSpPr>
+          <p:cNvPr id="78" name="Rechteck: abgerundete Ecken 77">
+            <a:extLst>
+              <a:ext uri="{FF2B5EF4-FFF2-40B4-BE49-F238E27FC236}">
+                <a16:creationId xmlns:a16="http://schemas.microsoft.com/office/drawing/2014/main" id="{DB463E25-AEF8-444D-B07E-BA3E4F7CB6C0}"/>
+              </a:ext>
+            </a:extLst>
+          </p:cNvPr>
+          <p:cNvSpPr/>
+          <p:nvPr/>
+        </p:nvSpPr>
+        <p:spPr>
+          <a:xfrm>
+            <a:off x="1483981" y="4857636"/>
+            <a:ext cx="2127524" cy="1322933"/>
+          </a:xfrm>
+          <a:prstGeom prst="roundRect">
+            <a:avLst/>
+          </a:prstGeom>
+          <a:solidFill>
+            <a:srgbClr val="A5A5A5">
+              <a:lumMod val="75000"/>
+            </a:srgbClr>
+          </a:solidFill>
+          <a:ln w="12700" cap="flat" cmpd="sng" algn="ctr">
+            <a:noFill/>
+            <a:prstDash val="solid"/>
+            <a:miter lim="800000"/>
+          </a:ln>
+          <a:effectLst>
+            <a:outerShdw blurRad="50800" dist="38100" dir="2700000" algn="tl" rotWithShape="0">
+              <a:prstClr val="black">
+                <a:alpha val="40000"/>
+              </a:prstClr>
+            </a:outerShdw>
+          </a:effectLst>
+        </p:spPr>
+        <p:txBody>
+          <a:bodyPr rtlCol="0" anchor="ctr"/>
+          <a:lstStyle/>
+          <a:p>
+            <a:pPr marL="0" marR="0" lvl="0" indent="0" algn="ctr" defTabSz="457189" eaLnBrk="1" fontAlgn="auto" latinLnBrk="0" hangingPunct="1">
+              <a:lnSpc>
+                <a:spcPct val="100000"/>
+              </a:lnSpc>
+              <a:spcBef>
+                <a:spcPts val="0"/>
+              </a:spcBef>
+              <a:spcAft>
+                <a:spcPts val="0"/>
+              </a:spcAft>
+              <a:buClrTx/>
+              <a:buSzTx/>
+              <a:buFontTx/>
+              <a:buNone/>
+              <a:tabLst/>
+              <a:defRPr/>
+            </a:pPr>
+            <a:endParaRPr kumimoji="0" lang="de-CH" sz="1800" b="0" i="0" u="none" strike="noStrike" kern="0" cap="none" spc="0" normalizeH="0" baseline="0" noProof="0">
+              <a:ln>
+                <a:noFill/>
+              </a:ln>
+              <a:solidFill>
+                <a:srgbClr val="FFFFFF"/>
+              </a:solidFill>
+              <a:effectLst/>
+              <a:uLnTx/>
+              <a:uFillTx/>
+              <a:latin typeface="Calibri" panose="020F0502020204030204"/>
+              <a:ea typeface="+mn-ea"/>
+              <a:cs typeface="+mn-cs"/>
+            </a:endParaRPr>
+          </a:p>
+        </p:txBody>
+      </p:sp>
+      <p:sp>
+        <p:nvSpPr>
+          <p:cNvPr id="79" name="Rechteck: abgerundete Ecken 78">
+            <a:extLst>
+              <a:ext uri="{FF2B5EF4-FFF2-40B4-BE49-F238E27FC236}">
+                <a16:creationId xmlns:a16="http://schemas.microsoft.com/office/drawing/2014/main" id="{25155202-788F-41BA-A14F-A6FD6CFED579}"/>
+              </a:ext>
+            </a:extLst>
+          </p:cNvPr>
+          <p:cNvSpPr/>
+          <p:nvPr/>
+        </p:nvSpPr>
+        <p:spPr>
+          <a:xfrm>
+            <a:off x="9788343" y="1222514"/>
+            <a:ext cx="2127524" cy="3766991"/>
+          </a:xfrm>
+          <a:prstGeom prst="roundRect">
+            <a:avLst/>
+          </a:prstGeom>
+          <a:solidFill>
+            <a:srgbClr val="A5A5A5">
+              <a:lumMod val="75000"/>
+            </a:srgbClr>
+          </a:solidFill>
+          <a:ln w="12700" cap="flat" cmpd="sng" algn="ctr">
+            <a:noFill/>
+            <a:prstDash val="solid"/>
+            <a:miter lim="800000"/>
+          </a:ln>
+          <a:effectLst>
+            <a:outerShdw blurRad="50800" dist="38100" dir="2700000" algn="tl" rotWithShape="0">
+              <a:prstClr val="black">
+                <a:alpha val="40000"/>
+              </a:prstClr>
+            </a:outerShdw>
+          </a:effectLst>
+        </p:spPr>
+        <p:txBody>
+          <a:bodyPr rtlCol="0" anchor="ctr"/>
+          <a:lstStyle/>
+          <a:p>
+            <a:pPr marL="0" marR="0" lvl="0" indent="0" algn="ctr" defTabSz="457189" eaLnBrk="1" fontAlgn="auto" latinLnBrk="0" hangingPunct="1">
+              <a:lnSpc>
+                <a:spcPct val="100000"/>
+              </a:lnSpc>
+              <a:spcBef>
+                <a:spcPts val="0"/>
+              </a:spcBef>
+              <a:spcAft>
+                <a:spcPts val="0"/>
+              </a:spcAft>
+              <a:buClrTx/>
+              <a:buSzTx/>
+              <a:buFontTx/>
+              <a:buNone/>
+              <a:tabLst/>
+              <a:defRPr/>
+            </a:pPr>
+            <a:endParaRPr kumimoji="0" lang="de-CH" sz="1800" b="0" i="0" u="none" strike="noStrike" kern="0" cap="none" spc="0" normalizeH="0" baseline="0" noProof="0">
+              <a:ln>
+                <a:noFill/>
+              </a:ln>
+              <a:solidFill>
+                <a:srgbClr val="FFFFFF"/>
+              </a:solidFill>
+              <a:effectLst/>
+              <a:uLnTx/>
+              <a:uFillTx/>
+              <a:latin typeface="Calibri" panose="020F0502020204030204"/>
+              <a:ea typeface="+mn-ea"/>
+              <a:cs typeface="+mn-cs"/>
+            </a:endParaRPr>
+          </a:p>
+        </p:txBody>
+      </p:sp>
+      <p:sp>
+        <p:nvSpPr>
+          <p:cNvPr id="80" name="Rechteck: abgerundete Ecken 79">
+            <a:extLst>
+              <a:ext uri="{FF2B5EF4-FFF2-40B4-BE49-F238E27FC236}">
+                <a16:creationId xmlns:a16="http://schemas.microsoft.com/office/drawing/2014/main" id="{8AA909E2-D6B6-40F3-B1EE-2955F18CC465}"/>
+              </a:ext>
+            </a:extLst>
+          </p:cNvPr>
+          <p:cNvSpPr/>
+          <p:nvPr/>
+        </p:nvSpPr>
+        <p:spPr>
+          <a:xfrm>
+            <a:off x="4337403" y="2576776"/>
+            <a:ext cx="2127524" cy="1895091"/>
+          </a:xfrm>
+          <a:prstGeom prst="roundRect">
+            <a:avLst/>
+          </a:prstGeom>
+          <a:solidFill>
+            <a:srgbClr val="A5A5A5">
+              <a:lumMod val="75000"/>
+            </a:srgbClr>
+          </a:solidFill>
+          <a:ln w="12700" cap="flat" cmpd="sng" algn="ctr">
+            <a:noFill/>
+            <a:prstDash val="solid"/>
+            <a:miter lim="800000"/>
+          </a:ln>
+          <a:effectLst>
+            <a:outerShdw blurRad="50800" dist="38100" dir="2700000" algn="tl" rotWithShape="0">
+              <a:prstClr val="black">
+                <a:alpha val="40000"/>
+              </a:prstClr>
+            </a:outerShdw>
+          </a:effectLst>
+        </p:spPr>
+        <p:txBody>
+          <a:bodyPr rtlCol="0" anchor="ctr"/>
+          <a:lstStyle/>
+          <a:p>
+            <a:pPr marL="0" marR="0" lvl="0" indent="0" algn="ctr" defTabSz="457189" eaLnBrk="1" fontAlgn="auto" latinLnBrk="0" hangingPunct="1">
+              <a:lnSpc>
+                <a:spcPct val="100000"/>
+              </a:lnSpc>
+              <a:spcBef>
+                <a:spcPts val="0"/>
+              </a:spcBef>
+              <a:spcAft>
+                <a:spcPts val="0"/>
+              </a:spcAft>
+              <a:buClrTx/>
+              <a:buSzTx/>
+              <a:buFontTx/>
+              <a:buNone/>
+              <a:tabLst/>
+              <a:defRPr/>
+            </a:pPr>
+            <a:endParaRPr kumimoji="0" lang="de-CH" sz="1800" b="0" i="0" u="none" strike="noStrike" kern="0" cap="none" spc="0" normalizeH="0" baseline="0" noProof="0">
+              <a:ln>
+                <a:noFill/>
+              </a:ln>
+              <a:solidFill>
+                <a:srgbClr val="FFFFFF"/>
+              </a:solidFill>
+              <a:effectLst/>
+              <a:uLnTx/>
+              <a:uFillTx/>
+              <a:latin typeface="Calibri" panose="020F0502020204030204"/>
+              <a:ea typeface="+mn-ea"/>
+              <a:cs typeface="+mn-cs"/>
+            </a:endParaRPr>
+          </a:p>
+        </p:txBody>
+      </p:sp>
+      <p:sp>
+        <p:nvSpPr>
+          <p:cNvPr id="81" name="Rechteck: abgerundete Ecken 80">
+            <a:extLst>
+              <a:ext uri="{FF2B5EF4-FFF2-40B4-BE49-F238E27FC236}">
+                <a16:creationId xmlns:a16="http://schemas.microsoft.com/office/drawing/2014/main" id="{E672BD59-09D8-45D6-A9DB-F8F24AF6ECE2}"/>
+              </a:ext>
+            </a:extLst>
+          </p:cNvPr>
+          <p:cNvSpPr/>
+          <p:nvPr/>
+        </p:nvSpPr>
+        <p:spPr>
+          <a:xfrm>
+            <a:off x="1084870" y="2717376"/>
+            <a:ext cx="2127524" cy="1754491"/>
+          </a:xfrm>
+          <a:prstGeom prst="roundRect">
+            <a:avLst/>
+          </a:prstGeom>
+          <a:solidFill>
+            <a:srgbClr val="A5A5A5">
+              <a:lumMod val="75000"/>
+            </a:srgbClr>
+          </a:solidFill>
+          <a:ln w="12700" cap="flat" cmpd="sng" algn="ctr">
+            <a:noFill/>
+            <a:prstDash val="solid"/>
+            <a:miter lim="800000"/>
+          </a:ln>
+          <a:effectLst>
+            <a:outerShdw blurRad="50800" dist="38100" dir="2700000" algn="tl" rotWithShape="0">
+              <a:prstClr val="black">
+                <a:alpha val="40000"/>
+              </a:prstClr>
+            </a:outerShdw>
+          </a:effectLst>
+        </p:spPr>
+        <p:txBody>
+          <a:bodyPr rtlCol="0" anchor="ctr"/>
+          <a:lstStyle/>
+          <a:p>
+            <a:pPr marL="0" marR="0" lvl="0" indent="0" algn="ctr" defTabSz="457189" eaLnBrk="1" fontAlgn="auto" latinLnBrk="0" hangingPunct="1">
+              <a:lnSpc>
+                <a:spcPct val="100000"/>
+              </a:lnSpc>
+              <a:spcBef>
+                <a:spcPts val="0"/>
+              </a:spcBef>
+              <a:spcAft>
+                <a:spcPts val="0"/>
+              </a:spcAft>
+              <a:buClrTx/>
+              <a:buSzTx/>
+              <a:buFontTx/>
+              <a:buNone/>
+              <a:tabLst/>
+              <a:defRPr/>
+            </a:pPr>
+            <a:endParaRPr kumimoji="0" lang="de-CH" sz="1800" b="0" i="0" u="none" strike="noStrike" kern="0" cap="none" spc="0" normalizeH="0" baseline="0" noProof="0">
+              <a:ln>
+                <a:noFill/>
+              </a:ln>
+              <a:solidFill>
+                <a:srgbClr val="FFFFFF"/>
+              </a:solidFill>
+              <a:effectLst/>
+              <a:uLnTx/>
+              <a:uFillTx/>
+              <a:latin typeface="Calibri" panose="020F0502020204030204"/>
+              <a:ea typeface="+mn-ea"/>
+              <a:cs typeface="+mn-cs"/>
+            </a:endParaRPr>
+          </a:p>
+        </p:txBody>
+      </p:sp>
+      <p:sp>
+        <p:nvSpPr>
+          <p:cNvPr id="82" name="Rechteck: abgerundete Ecken 81">
+            <a:extLst>
+              <a:ext uri="{FF2B5EF4-FFF2-40B4-BE49-F238E27FC236}">
+                <a16:creationId xmlns:a16="http://schemas.microsoft.com/office/drawing/2014/main" id="{0EC736D4-CD59-4A93-961F-796811588C34}"/>
+              </a:ext>
+            </a:extLst>
+          </p:cNvPr>
+          <p:cNvSpPr/>
+          <p:nvPr/>
+        </p:nvSpPr>
+        <p:spPr>
+          <a:xfrm>
+            <a:off x="1610664" y="1305567"/>
+            <a:ext cx="1919531" cy="957116"/>
+          </a:xfrm>
+          <a:prstGeom prst="roundRect">
+            <a:avLst/>
+          </a:prstGeom>
+          <a:solidFill>
+            <a:srgbClr val="A5A5A5">
+              <a:lumMod val="75000"/>
+            </a:srgbClr>
+          </a:solidFill>
+          <a:ln w="12700" cap="flat" cmpd="sng" algn="ctr">
+            <a:noFill/>
+            <a:prstDash val="solid"/>
+            <a:miter lim="800000"/>
+          </a:ln>
+          <a:effectLst>
+            <a:outerShdw blurRad="50800" dist="38100" dir="2700000" algn="tl" rotWithShape="0">
+              <a:prstClr val="black">
+                <a:alpha val="40000"/>
+              </a:prstClr>
+            </a:outerShdw>
+          </a:effectLst>
+        </p:spPr>
+        <p:txBody>
+          <a:bodyPr rtlCol="0" anchor="ctr"/>
+          <a:lstStyle/>
+          <a:p>
+            <a:pPr marL="0" marR="0" lvl="0" indent="0" algn="ctr" defTabSz="457189" eaLnBrk="1" fontAlgn="auto" latinLnBrk="0" hangingPunct="1">
+              <a:lnSpc>
+                <a:spcPct val="100000"/>
+              </a:lnSpc>
+              <a:spcBef>
+                <a:spcPts val="0"/>
+              </a:spcBef>
+              <a:spcAft>
+                <a:spcPts val="0"/>
+              </a:spcAft>
+              <a:buClrTx/>
+              <a:buSzTx/>
+              <a:buFontTx/>
+              <a:buNone/>
+              <a:tabLst/>
+              <a:defRPr/>
+            </a:pPr>
+            <a:endParaRPr kumimoji="0" lang="de-CH" sz="1800" b="0" i="0" u="none" strike="noStrike" kern="0" cap="none" spc="0" normalizeH="0" baseline="0" noProof="0">
+              <a:ln>
+                <a:noFill/>
+              </a:ln>
+              <a:solidFill>
+                <a:srgbClr val="FFFFFF"/>
+              </a:solidFill>
+              <a:effectLst/>
+              <a:uLnTx/>
+              <a:uFillTx/>
+              <a:latin typeface="Calibri" panose="020F0502020204030204"/>
+              <a:ea typeface="+mn-ea"/>
+              <a:cs typeface="+mn-cs"/>
+            </a:endParaRPr>
+          </a:p>
+        </p:txBody>
+      </p:sp>
+      <p:sp>
+        <p:nvSpPr>
+          <p:cNvPr id="83" name="Textfeld 82">
+            <a:extLst>
+              <a:ext uri="{FF2B5EF4-FFF2-40B4-BE49-F238E27FC236}">
+                <a16:creationId xmlns:a16="http://schemas.microsoft.com/office/drawing/2014/main" id="{A55B2922-058A-4AC7-B73C-50D7F464CAC1}"/>
+              </a:ext>
+            </a:extLst>
+          </p:cNvPr>
+          <p:cNvSpPr txBox="1"/>
+          <p:nvPr/>
+        </p:nvSpPr>
+        <p:spPr>
+          <a:xfrm>
+            <a:off x="1743953" y="1374651"/>
+            <a:ext cx="1776000" cy="460864"/>
+          </a:xfrm>
+          <a:prstGeom prst="rect">
+            <a:avLst/>
+          </a:prstGeom>
+          <a:noFill/>
+          <a:ln>
+            <a:noFill/>
+          </a:ln>
+        </p:spPr>
+        <p:txBody>
+          <a:bodyPr wrap="square" lIns="0" tIns="0" rIns="0" bIns="0" rtlCol="0" anchor="t">
+            <a:noAutofit/>
+          </a:bodyPr>
+          <a:lstStyle/>
+          <a:p>
+            <a:pPr defTabSz="457189"/>
+            <a:r>
+              <a:rPr lang="de-CH" sz="1333" b="1" dirty="0">
+                <a:solidFill>
+                  <a:srgbClr val="FFFFFF"/>
+                </a:solidFill>
+                <a:latin typeface="Arial" pitchFamily="34" charset="0"/>
+                <a:cs typeface="Arial" pitchFamily="34" charset="0"/>
+              </a:rPr>
+              <a:t>Flotte bereitstellen</a:t>
+            </a:r>
+          </a:p>
+          <a:p>
+            <a:pPr defTabSz="457189"/>
+            <a:r>
+              <a:rPr lang="de-CH" sz="1333" b="1" dirty="0">
+                <a:solidFill>
+                  <a:srgbClr val="482624">
+                    <a:lumMod val="75000"/>
+                  </a:srgbClr>
+                </a:solidFill>
+                <a:latin typeface="Arial" pitchFamily="34" charset="0"/>
+                <a:cs typeface="Arial" pitchFamily="34" charset="0"/>
+              </a:rPr>
+              <a:t>Bereitgestellte Flotte</a:t>
+            </a:r>
+          </a:p>
+        </p:txBody>
+      </p:sp>
+      <p:sp>
+        <p:nvSpPr>
+          <p:cNvPr id="84" name="Textfeld 83">
+            <a:extLst>
+              <a:ext uri="{FF2B5EF4-FFF2-40B4-BE49-F238E27FC236}">
+                <a16:creationId xmlns:a16="http://schemas.microsoft.com/office/drawing/2014/main" id="{5A2D31BF-702D-4FAC-92A9-4A69CF9DC8C5}"/>
+              </a:ext>
+            </a:extLst>
+          </p:cNvPr>
+          <p:cNvSpPr txBox="1"/>
+          <p:nvPr/>
+        </p:nvSpPr>
+        <p:spPr>
+          <a:xfrm>
+            <a:off x="1273999" y="2800891"/>
+            <a:ext cx="1776000" cy="423995"/>
+          </a:xfrm>
+          <a:prstGeom prst="rect">
+            <a:avLst/>
+          </a:prstGeom>
+          <a:noFill/>
+        </p:spPr>
+        <p:txBody>
+          <a:bodyPr wrap="square" lIns="0" tIns="0" rIns="0" bIns="0" rtlCol="0" anchor="ctr">
+            <a:noAutofit/>
+          </a:bodyPr>
+          <a:lstStyle/>
+          <a:p>
+            <a:pPr defTabSz="457189"/>
+            <a:r>
+              <a:rPr lang="de-CH" sz="1333" b="1" dirty="0">
+                <a:solidFill>
+                  <a:srgbClr val="FFFFFF"/>
+                </a:solidFill>
+                <a:latin typeface="Arial" pitchFamily="34" charset="0"/>
+                <a:cs typeface="Arial" pitchFamily="34" charset="0"/>
+              </a:rPr>
+              <a:t>Dimensionierung</a:t>
+            </a:r>
+          </a:p>
+          <a:p>
+            <a:pPr defTabSz="457189"/>
+            <a:r>
+              <a:rPr lang="de-CH" sz="1333" b="1" dirty="0">
+                <a:solidFill>
+                  <a:srgbClr val="482624">
+                    <a:lumMod val="75000"/>
+                  </a:srgbClr>
+                </a:solidFill>
+                <a:latin typeface="Arial" pitchFamily="34" charset="0"/>
+                <a:cs typeface="Arial" pitchFamily="34" charset="0"/>
+              </a:rPr>
+              <a:t>Planungsparameter</a:t>
+            </a:r>
+          </a:p>
+        </p:txBody>
+      </p:sp>
+      <p:sp>
+        <p:nvSpPr>
+          <p:cNvPr id="85" name="Textfeld 84">
+            <a:extLst>
+              <a:ext uri="{FF2B5EF4-FFF2-40B4-BE49-F238E27FC236}">
+                <a16:creationId xmlns:a16="http://schemas.microsoft.com/office/drawing/2014/main" id="{1527DBB5-1AC3-4FBE-A67C-473D1EC4AB1C}"/>
+              </a:ext>
+            </a:extLst>
+          </p:cNvPr>
+          <p:cNvSpPr txBox="1"/>
+          <p:nvPr/>
+        </p:nvSpPr>
+        <p:spPr>
+          <a:xfrm>
+            <a:off x="4554473" y="2682849"/>
+            <a:ext cx="1702031" cy="423995"/>
+          </a:xfrm>
+          <a:prstGeom prst="rect">
+            <a:avLst/>
+          </a:prstGeom>
+          <a:noFill/>
+        </p:spPr>
+        <p:txBody>
+          <a:bodyPr wrap="square" lIns="0" tIns="0" rIns="0" bIns="0" rtlCol="0" anchor="ctr">
+            <a:noAutofit/>
+          </a:bodyPr>
+          <a:lstStyle/>
+          <a:p>
+            <a:pPr defTabSz="457189"/>
+            <a:r>
+              <a:rPr lang="de-CH" sz="1333" b="1" dirty="0">
+                <a:solidFill>
+                  <a:srgbClr val="FFFFFF"/>
+                </a:solidFill>
+                <a:latin typeface="Arial" pitchFamily="34" charset="0"/>
+                <a:cs typeface="Arial" pitchFamily="34" charset="0"/>
+              </a:rPr>
+              <a:t>Kapazität zuteilen</a:t>
+            </a:r>
+          </a:p>
+          <a:p>
+            <a:pPr defTabSz="457189"/>
+            <a:r>
+              <a:rPr lang="de-CH" sz="1333" b="1" dirty="0">
+                <a:solidFill>
+                  <a:srgbClr val="482624">
+                    <a:lumMod val="75000"/>
+                  </a:srgbClr>
+                </a:solidFill>
+                <a:latin typeface="Arial" pitchFamily="34" charset="0"/>
+                <a:cs typeface="Arial" pitchFamily="34" charset="0"/>
+              </a:rPr>
+              <a:t>Kapazitätsplan </a:t>
+            </a:r>
+          </a:p>
+        </p:txBody>
+      </p:sp>
+      <p:sp>
+        <p:nvSpPr>
+          <p:cNvPr id="86" name="Textfeld 85">
+            <a:extLst>
+              <a:ext uri="{FF2B5EF4-FFF2-40B4-BE49-F238E27FC236}">
+                <a16:creationId xmlns:a16="http://schemas.microsoft.com/office/drawing/2014/main" id="{730EDF7E-8A21-4BE4-94E2-29D5EB306E27}"/>
+              </a:ext>
+            </a:extLst>
+          </p:cNvPr>
+          <p:cNvSpPr txBox="1"/>
+          <p:nvPr/>
+        </p:nvSpPr>
+        <p:spPr>
+          <a:xfrm>
+            <a:off x="4278529" y="5555355"/>
+            <a:ext cx="3992464" cy="388824"/>
+          </a:xfrm>
+          <a:prstGeom prst="rect">
+            <a:avLst/>
+          </a:prstGeom>
+          <a:noFill/>
+        </p:spPr>
+        <p:txBody>
+          <a:bodyPr wrap="square" lIns="0" tIns="0" rIns="0" bIns="0" rtlCol="0" anchor="b">
+            <a:noAutofit/>
+          </a:bodyPr>
+          <a:lstStyle/>
+          <a:p>
+            <a:pPr defTabSz="457189"/>
+            <a:r>
+              <a:rPr lang="de-CH" sz="1333" b="1" dirty="0">
+                <a:solidFill>
+                  <a:srgbClr val="FFFFFF"/>
+                </a:solidFill>
+                <a:latin typeface="Arial" pitchFamily="34" charset="0"/>
+                <a:cs typeface="Arial" pitchFamily="34" charset="0"/>
+              </a:rPr>
+              <a:t>Überwachen &amp; steuern</a:t>
+            </a:r>
+          </a:p>
+          <a:p>
+            <a:pPr defTabSz="457189"/>
+            <a:r>
+              <a:rPr lang="de-CH" sz="1333" b="1" dirty="0">
+                <a:solidFill>
+                  <a:srgbClr val="482624">
+                    <a:lumMod val="75000"/>
+                  </a:srgbClr>
+                </a:solidFill>
+                <a:latin typeface="Arial" pitchFamily="34" charset="0"/>
+                <a:cs typeface="Arial" pitchFamily="34" charset="0"/>
+              </a:rPr>
+              <a:t>Zustandsabbild</a:t>
+            </a:r>
+          </a:p>
+        </p:txBody>
+      </p:sp>
+      <p:sp>
+        <p:nvSpPr>
+          <p:cNvPr id="87" name="Textfeld 86">
+            <a:extLst>
+              <a:ext uri="{FF2B5EF4-FFF2-40B4-BE49-F238E27FC236}">
+                <a16:creationId xmlns:a16="http://schemas.microsoft.com/office/drawing/2014/main" id="{704EAEB4-91F3-4D37-A187-81C10A3AE6F3}"/>
+              </a:ext>
+            </a:extLst>
+          </p:cNvPr>
+          <p:cNvSpPr txBox="1"/>
+          <p:nvPr/>
+        </p:nvSpPr>
+        <p:spPr>
+          <a:xfrm>
+            <a:off x="10048200" y="1282037"/>
+            <a:ext cx="1776000" cy="423995"/>
+          </a:xfrm>
+          <a:prstGeom prst="rect">
+            <a:avLst/>
+          </a:prstGeom>
+          <a:noFill/>
+        </p:spPr>
+        <p:txBody>
+          <a:bodyPr wrap="square" lIns="0" tIns="0" rIns="0" bIns="0" rtlCol="0" anchor="ctr">
+            <a:noAutofit/>
+          </a:bodyPr>
+          <a:lstStyle/>
+          <a:p>
+            <a:pPr defTabSz="457189"/>
+            <a:r>
+              <a:rPr lang="de-CH" sz="1333" b="1" dirty="0">
+                <a:solidFill>
+                  <a:srgbClr val="FFFFFF"/>
+                </a:solidFill>
+                <a:latin typeface="Arial" pitchFamily="34" charset="0"/>
+                <a:cs typeface="Arial" pitchFamily="34" charset="0"/>
+              </a:rPr>
+              <a:t>Produzieren</a:t>
+            </a:r>
+            <a:br>
+              <a:rPr lang="de-CH" sz="1333" b="1" dirty="0">
+                <a:solidFill>
+                  <a:srgbClr val="FFFFFF"/>
+                </a:solidFill>
+                <a:latin typeface="Arial" pitchFamily="34" charset="0"/>
+                <a:cs typeface="Arial" pitchFamily="34" charset="0"/>
+              </a:rPr>
+            </a:br>
+            <a:r>
+              <a:rPr lang="de-CH" sz="1333" b="1" dirty="0">
+                <a:solidFill>
+                  <a:srgbClr val="482624">
+                    <a:lumMod val="75000"/>
+                  </a:srgbClr>
+                </a:solidFill>
+                <a:latin typeface="Arial" pitchFamily="34" charset="0"/>
+                <a:cs typeface="Arial" pitchFamily="34" charset="0"/>
+              </a:rPr>
+              <a:t>Produktionsabbild</a:t>
+            </a:r>
+          </a:p>
+        </p:txBody>
+      </p:sp>
+      <p:sp>
+        <p:nvSpPr>
+          <p:cNvPr id="88" name="Rechteck: abgerundete Ecken 87">
+            <a:extLst>
+              <a:ext uri="{FF2B5EF4-FFF2-40B4-BE49-F238E27FC236}">
+                <a16:creationId xmlns:a16="http://schemas.microsoft.com/office/drawing/2014/main" id="{B7C41F88-845A-4F8F-9A78-2C1C0BE872EF}"/>
+              </a:ext>
+            </a:extLst>
+          </p:cNvPr>
+          <p:cNvSpPr/>
+          <p:nvPr/>
+        </p:nvSpPr>
+        <p:spPr>
+          <a:xfrm>
+            <a:off x="1731097" y="1833997"/>
+            <a:ext cx="1674723" cy="331739"/>
+          </a:xfrm>
+          <a:prstGeom prst="roundRect">
+            <a:avLst/>
+          </a:prstGeom>
+          <a:solidFill>
+            <a:srgbClr val="0E121E">
+              <a:lumMod val="75000"/>
+              <a:lumOff val="25000"/>
+            </a:srgbClr>
+          </a:solidFill>
+          <a:ln w="12700" cap="flat" cmpd="sng" algn="ctr">
+            <a:noFill/>
+            <a:prstDash val="solid"/>
+            <a:miter lim="800000"/>
+          </a:ln>
+          <a:effectLst/>
+        </p:spPr>
+        <p:txBody>
+          <a:bodyPr rtlCol="0" anchor="ctr"/>
+          <a:lstStyle/>
+          <a:p>
+            <a:pPr marL="0" marR="0" lvl="0" indent="0" algn="ctr" defTabSz="457189" eaLnBrk="1" fontAlgn="auto" latinLnBrk="0" hangingPunct="1">
+              <a:lnSpc>
+                <a:spcPct val="100000"/>
+              </a:lnSpc>
+              <a:spcBef>
+                <a:spcPts val="0"/>
+              </a:spcBef>
+              <a:spcAft>
+                <a:spcPts val="0"/>
+              </a:spcAft>
+              <a:buClrTx/>
+              <a:buSzTx/>
+              <a:buFontTx/>
+              <a:buNone/>
+              <a:tabLst/>
+              <a:defRPr/>
+            </a:pPr>
+            <a:r>
+              <a:rPr kumimoji="0" lang="de-CH" sz="1000" b="0" i="0" u="none" strike="noStrike" kern="0" cap="none" spc="0" normalizeH="0" baseline="0" noProof="0" dirty="0">
+                <a:ln>
+                  <a:noFill/>
+                </a:ln>
+                <a:solidFill>
+                  <a:srgbClr val="FFFFFF"/>
+                </a:solidFill>
+                <a:effectLst/>
+                <a:uLnTx/>
+                <a:uFillTx/>
+                <a:latin typeface="Arial" panose="020B0604020202020204" pitchFamily="34" charset="0"/>
+                <a:ea typeface="+mn-ea"/>
+                <a:cs typeface="Arial" panose="020B0604020202020204" pitchFamily="34" charset="0"/>
+              </a:rPr>
+              <a:t>Flotte bereitstellen</a:t>
+            </a:r>
+          </a:p>
+        </p:txBody>
+      </p:sp>
+      <p:sp>
+        <p:nvSpPr>
+          <p:cNvPr id="89" name="Rechteck: abgerundete Ecken 88">
+            <a:extLst>
+              <a:ext uri="{FF2B5EF4-FFF2-40B4-BE49-F238E27FC236}">
+                <a16:creationId xmlns:a16="http://schemas.microsoft.com/office/drawing/2014/main" id="{2CC9B87C-4214-405E-8534-E70B997DF722}"/>
+              </a:ext>
+            </a:extLst>
+          </p:cNvPr>
+          <p:cNvSpPr/>
+          <p:nvPr/>
+        </p:nvSpPr>
+        <p:spPr>
+          <a:xfrm>
+            <a:off x="4504260" y="1005536"/>
+            <a:ext cx="2319913" cy="1291952"/>
+          </a:xfrm>
+          <a:prstGeom prst="roundRect">
+            <a:avLst/>
+          </a:prstGeom>
+          <a:solidFill>
+            <a:srgbClr val="0E121E">
+              <a:lumMod val="50000"/>
+              <a:lumOff val="50000"/>
+            </a:srgbClr>
+          </a:solidFill>
+          <a:ln w="12700" cap="flat" cmpd="sng" algn="ctr">
+            <a:noFill/>
+            <a:prstDash val="solid"/>
+            <a:miter lim="800000"/>
+          </a:ln>
+          <a:effectLst>
+            <a:outerShdw blurRad="50800" dist="38100" dir="2700000" algn="tl" rotWithShape="0">
+              <a:prstClr val="black">
+                <a:alpha val="40000"/>
+              </a:prstClr>
+            </a:outerShdw>
+          </a:effectLst>
+        </p:spPr>
+        <p:txBody>
+          <a:bodyPr rtlCol="0" anchor="ctr"/>
+          <a:lstStyle/>
+          <a:p>
+            <a:pPr marL="0" marR="0" lvl="0" indent="0" algn="ctr" defTabSz="457189" eaLnBrk="1" fontAlgn="auto" latinLnBrk="0" hangingPunct="1">
+              <a:lnSpc>
+                <a:spcPct val="100000"/>
+              </a:lnSpc>
+              <a:spcBef>
+                <a:spcPts val="0"/>
+              </a:spcBef>
+              <a:spcAft>
+                <a:spcPts val="0"/>
+              </a:spcAft>
+              <a:buClrTx/>
+              <a:buSzTx/>
+              <a:buFontTx/>
+              <a:buNone/>
+              <a:tabLst/>
+              <a:defRPr/>
+            </a:pPr>
+            <a:endParaRPr kumimoji="0" lang="de-CH" sz="1800" b="0" i="0" u="none" strike="noStrike" kern="0" cap="none" spc="0" normalizeH="0" baseline="0" noProof="0">
+              <a:ln>
+                <a:noFill/>
+              </a:ln>
+              <a:solidFill>
+                <a:srgbClr val="FFFFFF"/>
+              </a:solidFill>
+              <a:effectLst/>
+              <a:uLnTx/>
+              <a:uFillTx/>
+              <a:latin typeface="Calibri" panose="020F0502020204030204"/>
+              <a:ea typeface="+mn-ea"/>
+              <a:cs typeface="+mn-cs"/>
+            </a:endParaRPr>
+          </a:p>
+        </p:txBody>
+      </p:sp>
+      <p:sp>
+        <p:nvSpPr>
+          <p:cNvPr id="90" name="Textfeld 89">
+            <a:extLst>
+              <a:ext uri="{FF2B5EF4-FFF2-40B4-BE49-F238E27FC236}">
+                <a16:creationId xmlns:a16="http://schemas.microsoft.com/office/drawing/2014/main" id="{766D4860-0AEB-41F8-8132-A12431147591}"/>
+              </a:ext>
+            </a:extLst>
+          </p:cNvPr>
+          <p:cNvSpPr txBox="1"/>
+          <p:nvPr/>
+        </p:nvSpPr>
+        <p:spPr>
+          <a:xfrm>
+            <a:off x="4623879" y="1094329"/>
+            <a:ext cx="1982156" cy="423995"/>
+          </a:xfrm>
+          <a:prstGeom prst="rect">
+            <a:avLst/>
+          </a:prstGeom>
+          <a:noFill/>
+        </p:spPr>
+        <p:txBody>
+          <a:bodyPr wrap="square" lIns="0" tIns="0" rIns="0" bIns="0" rtlCol="0" anchor="t">
+            <a:noAutofit/>
+          </a:bodyPr>
+          <a:lstStyle/>
+          <a:p>
+            <a:pPr algn="ctr" defTabSz="457189"/>
+            <a:r>
+              <a:rPr lang="de-CH" sz="1333" b="1" dirty="0">
+                <a:solidFill>
+                  <a:srgbClr val="FFFFFF"/>
+                </a:solidFill>
+                <a:latin typeface="Arial" pitchFamily="34" charset="0"/>
+                <a:cs typeface="Arial" pitchFamily="34" charset="0"/>
+              </a:rPr>
+              <a:t>Nachbearbeitung</a:t>
+            </a:r>
+          </a:p>
+          <a:p>
+            <a:pPr algn="ctr" defTabSz="457189"/>
+            <a:r>
+              <a:rPr lang="de-CH" sz="1333" b="1" dirty="0">
+                <a:solidFill>
+                  <a:srgbClr val="482624">
+                    <a:lumMod val="75000"/>
+                  </a:srgbClr>
+                </a:solidFill>
+                <a:latin typeface="Arial" pitchFamily="34" charset="0"/>
+                <a:cs typeface="Arial" pitchFamily="34" charset="0"/>
+              </a:rPr>
+              <a:t>Verbesserungspotenzial</a:t>
+            </a:r>
+          </a:p>
+        </p:txBody>
+      </p:sp>
+      <p:sp>
+        <p:nvSpPr>
+          <p:cNvPr id="91" name="Rechteck: abgerundete Ecken 90">
+            <a:extLst>
+              <a:ext uri="{FF2B5EF4-FFF2-40B4-BE49-F238E27FC236}">
+                <a16:creationId xmlns:a16="http://schemas.microsoft.com/office/drawing/2014/main" id="{A6F14EEF-793A-4E7C-98C6-2BCB5015CA7D}"/>
+              </a:ext>
+            </a:extLst>
+          </p:cNvPr>
+          <p:cNvSpPr/>
+          <p:nvPr/>
+        </p:nvSpPr>
+        <p:spPr>
+          <a:xfrm>
+            <a:off x="4655255" y="1639103"/>
+            <a:ext cx="1989347" cy="540140"/>
+          </a:xfrm>
+          <a:prstGeom prst="roundRect">
+            <a:avLst/>
+          </a:prstGeom>
+          <a:solidFill>
+            <a:srgbClr val="0E121E">
+              <a:lumMod val="75000"/>
+              <a:lumOff val="25000"/>
+            </a:srgbClr>
+          </a:solidFill>
+          <a:ln w="12700" cap="flat" cmpd="sng" algn="ctr">
+            <a:noFill/>
+            <a:prstDash val="solid"/>
+            <a:miter lim="800000"/>
+          </a:ln>
+          <a:effectLst/>
+        </p:spPr>
+        <p:txBody>
+          <a:bodyPr rtlCol="0" anchor="ctr"/>
+          <a:lstStyle/>
+          <a:p>
+            <a:pPr marL="0" marR="0" lvl="0" indent="0" algn="ctr" defTabSz="457189" eaLnBrk="1" fontAlgn="auto" latinLnBrk="0" hangingPunct="1">
+              <a:lnSpc>
+                <a:spcPct val="100000"/>
+              </a:lnSpc>
+              <a:spcBef>
+                <a:spcPts val="0"/>
+              </a:spcBef>
+              <a:spcAft>
+                <a:spcPts val="0"/>
+              </a:spcAft>
+              <a:buClrTx/>
+              <a:buSzTx/>
+              <a:buFontTx/>
+              <a:buNone/>
+              <a:tabLst/>
+              <a:defRPr/>
+            </a:pPr>
+            <a:r>
+              <a:rPr kumimoji="0" lang="de-CH" sz="1000" b="0" i="0" u="none" strike="noStrike" kern="0" cap="none" spc="0" normalizeH="0" baseline="0" noProof="0" dirty="0">
+                <a:ln>
+                  <a:noFill/>
+                </a:ln>
+                <a:solidFill>
+                  <a:srgbClr val="FFFFFF"/>
+                </a:solidFill>
+                <a:effectLst/>
+                <a:uLnTx/>
+                <a:uFillTx/>
+                <a:latin typeface="Arial" panose="020B0604020202020204" pitchFamily="34" charset="0"/>
+                <a:ea typeface="+mn-ea"/>
+                <a:cs typeface="Arial" panose="020B0604020202020204" pitchFamily="34" charset="0"/>
+              </a:rPr>
+              <a:t>Nachbearbeitung / </a:t>
+            </a:r>
+            <a:br>
+              <a:rPr kumimoji="0" lang="de-CH" sz="1000" b="0" i="0" u="none" strike="noStrike" kern="0" cap="none" spc="0" normalizeH="0" baseline="0" noProof="0" dirty="0">
+                <a:ln>
+                  <a:noFill/>
+                </a:ln>
+                <a:solidFill>
+                  <a:srgbClr val="FFFFFF"/>
+                </a:solidFill>
+                <a:effectLst/>
+                <a:uLnTx/>
+                <a:uFillTx/>
+                <a:latin typeface="Arial" panose="020B0604020202020204" pitchFamily="34" charset="0"/>
+                <a:ea typeface="+mn-ea"/>
+                <a:cs typeface="Arial" panose="020B0604020202020204" pitchFamily="34" charset="0"/>
+              </a:rPr>
+            </a:br>
+            <a:r>
+              <a:rPr kumimoji="0" lang="de-CH" sz="1000" b="0" i="0" u="none" strike="noStrike" kern="0" cap="none" spc="0" normalizeH="0" baseline="0" noProof="0" dirty="0">
+                <a:ln>
+                  <a:noFill/>
+                </a:ln>
+                <a:solidFill>
+                  <a:srgbClr val="FFFFFF"/>
+                </a:solidFill>
+                <a:effectLst/>
+                <a:uLnTx/>
+                <a:uFillTx/>
+                <a:latin typeface="Arial" panose="020B0604020202020204" pitchFamily="34" charset="0"/>
+                <a:ea typeface="+mn-ea"/>
+                <a:cs typeface="Arial" panose="020B0604020202020204" pitchFamily="34" charset="0"/>
+              </a:rPr>
+              <a:t>Q-Verbesserung</a:t>
+            </a:r>
+          </a:p>
+        </p:txBody>
+      </p:sp>
+      <p:sp>
+        <p:nvSpPr>
+          <p:cNvPr id="92" name="Rechteck: abgerundete Ecken 91">
+            <a:extLst>
+              <a:ext uri="{FF2B5EF4-FFF2-40B4-BE49-F238E27FC236}">
+                <a16:creationId xmlns:a16="http://schemas.microsoft.com/office/drawing/2014/main" id="{A7A9BEBD-B4E0-4D09-B03B-B4031733FEB6}"/>
+              </a:ext>
+            </a:extLst>
+          </p:cNvPr>
+          <p:cNvSpPr/>
+          <p:nvPr/>
+        </p:nvSpPr>
+        <p:spPr>
+          <a:xfrm>
+            <a:off x="7396359" y="2235425"/>
+            <a:ext cx="1823187" cy="584951"/>
+          </a:xfrm>
+          <a:prstGeom prst="roundRect">
+            <a:avLst/>
+          </a:prstGeom>
+          <a:solidFill>
+            <a:srgbClr val="0E121E">
+              <a:lumMod val="75000"/>
+              <a:lumOff val="25000"/>
+            </a:srgbClr>
+          </a:solidFill>
+          <a:ln w="12700" cap="flat" cmpd="sng" algn="ctr">
+            <a:noFill/>
+            <a:prstDash val="solid"/>
+            <a:miter lim="800000"/>
+          </a:ln>
+          <a:effectLst/>
+        </p:spPr>
+        <p:txBody>
+          <a:bodyPr rtlCol="0" anchor="ctr"/>
+          <a:lstStyle/>
+          <a:p>
+            <a:pPr marL="0" marR="0" lvl="0" indent="0" algn="ctr" defTabSz="457189" eaLnBrk="1" fontAlgn="auto" latinLnBrk="0" hangingPunct="1">
+              <a:lnSpc>
+                <a:spcPct val="100000"/>
+              </a:lnSpc>
+              <a:spcBef>
+                <a:spcPts val="0"/>
+              </a:spcBef>
+              <a:spcAft>
+                <a:spcPts val="0"/>
+              </a:spcAft>
+              <a:buClrTx/>
+              <a:buSzTx/>
+              <a:buFontTx/>
+              <a:buNone/>
+              <a:tabLst/>
+              <a:defRPr/>
+            </a:pPr>
+            <a:r>
+              <a:rPr kumimoji="0" lang="de-CH" sz="951" b="0" i="0" u="none" strike="noStrike" kern="0" cap="none" spc="0" normalizeH="0" baseline="0" noProof="0" dirty="0">
+                <a:ln>
+                  <a:noFill/>
+                </a:ln>
+                <a:solidFill>
+                  <a:srgbClr val="FFFFFF"/>
+                </a:solidFill>
+                <a:effectLst/>
+                <a:uLnTx/>
+                <a:uFillTx/>
+                <a:latin typeface="Arial" panose="020B0604020202020204" pitchFamily="34" charset="0"/>
+                <a:ea typeface="+mn-ea"/>
+                <a:cs typeface="Arial" panose="020B0604020202020204" pitchFamily="34" charset="0"/>
+              </a:rPr>
+              <a:t>Ressourcen </a:t>
+            </a:r>
+            <a:r>
+              <a:rPr kumimoji="0" lang="de-CH" sz="951" b="0" i="0" u="none" strike="noStrike" kern="0" cap="none" spc="0" normalizeH="0" baseline="0" noProof="0" dirty="0" err="1">
+                <a:ln>
+                  <a:noFill/>
+                </a:ln>
+                <a:solidFill>
+                  <a:srgbClr val="FFFFFF"/>
+                </a:solidFill>
+                <a:effectLst/>
+                <a:uLnTx/>
+                <a:uFillTx/>
+                <a:latin typeface="Arial" panose="020B0604020202020204" pitchFamily="34" charset="0"/>
+                <a:ea typeface="+mn-ea"/>
+                <a:cs typeface="Arial" panose="020B0604020202020204" pitchFamily="34" charset="0"/>
+              </a:rPr>
+              <a:t>Bahnprod</a:t>
+            </a:r>
+            <a:r>
+              <a:rPr kumimoji="0" lang="de-CH" sz="951" b="0" i="0" u="none" strike="noStrike" kern="0" cap="none" spc="0" normalizeH="0" baseline="0" noProof="0" dirty="0">
+                <a:ln>
+                  <a:noFill/>
+                </a:ln>
+                <a:solidFill>
+                  <a:srgbClr val="FFFFFF"/>
+                </a:solidFill>
+                <a:effectLst/>
+                <a:uLnTx/>
+                <a:uFillTx/>
+                <a:latin typeface="Arial" panose="020B0604020202020204" pitchFamily="34" charset="0"/>
+                <a:ea typeface="+mn-ea"/>
+                <a:cs typeface="Arial" panose="020B0604020202020204" pitchFamily="34" charset="0"/>
+              </a:rPr>
+              <a:t>. (Fahrzeuge, Kundenbegleiter auf Zug, Lokpersonal</a:t>
+            </a:r>
+          </a:p>
+        </p:txBody>
+      </p:sp>
+      <p:sp>
+        <p:nvSpPr>
+          <p:cNvPr id="93" name="Rechteck: abgerundete Ecken 92">
+            <a:extLst>
+              <a:ext uri="{FF2B5EF4-FFF2-40B4-BE49-F238E27FC236}">
+                <a16:creationId xmlns:a16="http://schemas.microsoft.com/office/drawing/2014/main" id="{70FB40DD-C117-4380-9A13-D77DDEB62A2A}"/>
+              </a:ext>
+            </a:extLst>
+          </p:cNvPr>
+          <p:cNvSpPr/>
+          <p:nvPr/>
+        </p:nvSpPr>
+        <p:spPr>
+          <a:xfrm>
+            <a:off x="7409679" y="2888587"/>
+            <a:ext cx="1784352" cy="444989"/>
+          </a:xfrm>
+          <a:prstGeom prst="roundRect">
+            <a:avLst/>
+          </a:prstGeom>
+          <a:solidFill>
+            <a:srgbClr val="0E121E">
+              <a:lumMod val="75000"/>
+              <a:lumOff val="25000"/>
+            </a:srgbClr>
+          </a:solidFill>
+          <a:ln w="12700" cap="flat" cmpd="sng" algn="ctr">
+            <a:noFill/>
+            <a:prstDash val="solid"/>
+            <a:miter lim="800000"/>
+          </a:ln>
+          <a:effectLst/>
+        </p:spPr>
+        <p:txBody>
+          <a:bodyPr rtlCol="0" anchor="ctr"/>
+          <a:lstStyle/>
+          <a:p>
+            <a:pPr marL="0" marR="0" lvl="0" indent="0" algn="ctr" defTabSz="457189" eaLnBrk="1" fontAlgn="auto" latinLnBrk="0" hangingPunct="1">
+              <a:lnSpc>
+                <a:spcPct val="100000"/>
+              </a:lnSpc>
+              <a:spcBef>
+                <a:spcPts val="0"/>
+              </a:spcBef>
+              <a:spcAft>
+                <a:spcPts val="0"/>
+              </a:spcAft>
+              <a:buClrTx/>
+              <a:buSzTx/>
+              <a:buFontTx/>
+              <a:buNone/>
+              <a:tabLst/>
+              <a:defRPr/>
+            </a:pPr>
+            <a:r>
+              <a:rPr kumimoji="0" lang="de-CH" sz="951" b="0" i="0" u="none" strike="noStrike" kern="0" cap="none" spc="0" normalizeH="0" baseline="0" noProof="0" dirty="0">
+                <a:ln>
+                  <a:noFill/>
+                </a:ln>
+                <a:solidFill>
+                  <a:srgbClr val="FFFFFF"/>
+                </a:solidFill>
+                <a:effectLst/>
+                <a:uLnTx/>
+                <a:uFillTx/>
+                <a:latin typeface="Arial" panose="020B0604020202020204" pitchFamily="34" charset="0"/>
+                <a:ea typeface="+mn-ea"/>
+                <a:cs typeface="Arial" panose="020B0604020202020204" pitchFamily="34" charset="0"/>
+              </a:rPr>
+              <a:t>Lage führen und Ereignisse managen (inkl. BCM)</a:t>
+            </a:r>
+          </a:p>
+        </p:txBody>
+      </p:sp>
+      <p:sp>
+        <p:nvSpPr>
+          <p:cNvPr id="94" name="Rechteck: abgerundete Ecken 93">
+            <a:extLst>
+              <a:ext uri="{FF2B5EF4-FFF2-40B4-BE49-F238E27FC236}">
+                <a16:creationId xmlns:a16="http://schemas.microsoft.com/office/drawing/2014/main" id="{F949FD86-52C5-4E42-8342-3EC45CC37A49}"/>
+              </a:ext>
+            </a:extLst>
+          </p:cNvPr>
+          <p:cNvSpPr/>
+          <p:nvPr/>
+        </p:nvSpPr>
+        <p:spPr>
+          <a:xfrm>
+            <a:off x="7417634" y="3404603"/>
+            <a:ext cx="1783623" cy="474320"/>
+          </a:xfrm>
+          <a:prstGeom prst="roundRect">
+            <a:avLst/>
+          </a:prstGeom>
+          <a:solidFill>
+            <a:srgbClr val="0E121E">
+              <a:lumMod val="75000"/>
+              <a:lumOff val="25000"/>
+            </a:srgbClr>
+          </a:solidFill>
+          <a:ln w="12700" cap="flat" cmpd="sng" algn="ctr">
+            <a:noFill/>
+            <a:prstDash val="solid"/>
+            <a:miter lim="800000"/>
+          </a:ln>
+          <a:effectLst/>
+        </p:spPr>
+        <p:txBody>
+          <a:bodyPr rtlCol="0" anchor="ctr"/>
+          <a:lstStyle/>
+          <a:p>
+            <a:pPr marL="0" marR="0" lvl="0" indent="0" algn="ctr" defTabSz="457189" eaLnBrk="1" fontAlgn="auto" latinLnBrk="0" hangingPunct="1">
+              <a:lnSpc>
+                <a:spcPct val="100000"/>
+              </a:lnSpc>
+              <a:spcBef>
+                <a:spcPts val="0"/>
+              </a:spcBef>
+              <a:spcAft>
+                <a:spcPts val="0"/>
+              </a:spcAft>
+              <a:buClrTx/>
+              <a:buSzTx/>
+              <a:buFontTx/>
+              <a:buNone/>
+              <a:tabLst/>
+              <a:defRPr/>
+            </a:pPr>
+            <a:r>
+              <a:rPr kumimoji="0" lang="de-CH" sz="951" b="0" i="0" u="none" strike="noStrike" kern="0" cap="none" spc="0" normalizeH="0" baseline="0" noProof="0" dirty="0">
+                <a:ln>
+                  <a:noFill/>
+                </a:ln>
+                <a:solidFill>
+                  <a:srgbClr val="FFFFFF"/>
+                </a:solidFill>
+                <a:effectLst/>
+                <a:uLnTx/>
+                <a:uFillTx/>
+                <a:latin typeface="Arial" panose="020B0604020202020204" pitchFamily="34" charset="0"/>
+                <a:ea typeface="+mn-ea"/>
+                <a:cs typeface="Arial" panose="020B0604020202020204" pitchFamily="34" charset="0"/>
+              </a:rPr>
+              <a:t>Bewegung mit besonderen Eigenschaften</a:t>
+            </a:r>
+          </a:p>
+        </p:txBody>
+      </p:sp>
+      <p:sp>
+        <p:nvSpPr>
+          <p:cNvPr id="95" name="Rechteck: abgerundete Ecken 94">
+            <a:extLst>
+              <a:ext uri="{FF2B5EF4-FFF2-40B4-BE49-F238E27FC236}">
+                <a16:creationId xmlns:a16="http://schemas.microsoft.com/office/drawing/2014/main" id="{BDCF0D7F-9C71-4259-B39C-47FF91814359}"/>
+              </a:ext>
+            </a:extLst>
+          </p:cNvPr>
+          <p:cNvSpPr/>
+          <p:nvPr/>
+        </p:nvSpPr>
+        <p:spPr>
+          <a:xfrm>
+            <a:off x="7431399" y="3940346"/>
+            <a:ext cx="1762711" cy="466575"/>
+          </a:xfrm>
+          <a:prstGeom prst="roundRect">
+            <a:avLst/>
+          </a:prstGeom>
+          <a:solidFill>
+            <a:srgbClr val="0E121E">
+              <a:lumMod val="75000"/>
+              <a:lumOff val="25000"/>
+            </a:srgbClr>
+          </a:solidFill>
+          <a:ln w="12700" cap="flat" cmpd="sng" algn="ctr">
+            <a:noFill/>
+            <a:prstDash val="solid"/>
+            <a:miter lim="800000"/>
+          </a:ln>
+          <a:effectLst/>
+        </p:spPr>
+        <p:txBody>
+          <a:bodyPr rtlCol="0" anchor="ctr"/>
+          <a:lstStyle/>
+          <a:p>
+            <a:pPr marL="0" marR="0" lvl="0" indent="0" algn="ctr" defTabSz="457189" eaLnBrk="1" fontAlgn="auto" latinLnBrk="0" hangingPunct="1">
+              <a:lnSpc>
+                <a:spcPct val="100000"/>
+              </a:lnSpc>
+              <a:spcBef>
+                <a:spcPts val="0"/>
+              </a:spcBef>
+              <a:spcAft>
+                <a:spcPts val="0"/>
+              </a:spcAft>
+              <a:buClrTx/>
+              <a:buSzTx/>
+              <a:buFontTx/>
+              <a:buNone/>
+              <a:tabLst/>
+              <a:defRPr/>
+            </a:pPr>
+            <a:r>
+              <a:rPr kumimoji="0" lang="de-CH" sz="951" b="0" i="0" u="none" strike="noStrike" kern="0" cap="none" spc="0" normalizeH="0" baseline="0" noProof="0" dirty="0" err="1">
+                <a:ln>
+                  <a:noFill/>
+                </a:ln>
+                <a:solidFill>
+                  <a:srgbClr val="FFFFFF"/>
+                </a:solidFill>
+                <a:effectLst/>
+                <a:uLnTx/>
+                <a:uFillTx/>
+                <a:latin typeface="Arial" panose="020B0604020202020204" pitchFamily="34" charset="0"/>
+                <a:ea typeface="+mn-ea"/>
+                <a:cs typeface="Arial" panose="020B0604020202020204" pitchFamily="34" charset="0"/>
+              </a:rPr>
+              <a:t>Reisendenströme</a:t>
+            </a:r>
+            <a:r>
+              <a:rPr kumimoji="0" lang="de-CH" sz="951" b="0" i="0" u="none" strike="noStrike" kern="0" cap="none" spc="0" normalizeH="0" baseline="0" noProof="0" dirty="0">
+                <a:ln>
+                  <a:noFill/>
+                </a:ln>
+                <a:solidFill>
+                  <a:srgbClr val="FFFFFF"/>
+                </a:solidFill>
+                <a:effectLst/>
+                <a:uLnTx/>
+                <a:uFillTx/>
+                <a:latin typeface="Arial" panose="020B0604020202020204" pitchFamily="34" charset="0"/>
+                <a:ea typeface="+mn-ea"/>
+                <a:cs typeface="Arial" panose="020B0604020202020204" pitchFamily="34" charset="0"/>
+              </a:rPr>
+              <a:t> lenken</a:t>
+            </a:r>
+          </a:p>
+        </p:txBody>
+      </p:sp>
+      <p:sp>
+        <p:nvSpPr>
+          <p:cNvPr id="96" name="Rechteck: abgerundete Ecken 95">
+            <a:extLst>
+              <a:ext uri="{FF2B5EF4-FFF2-40B4-BE49-F238E27FC236}">
+                <a16:creationId xmlns:a16="http://schemas.microsoft.com/office/drawing/2014/main" id="{0EFC06C8-32A9-4CD2-BD41-EC6DDE4D8750}"/>
+              </a:ext>
+            </a:extLst>
+          </p:cNvPr>
+          <p:cNvSpPr/>
+          <p:nvPr/>
+        </p:nvSpPr>
+        <p:spPr>
+          <a:xfrm>
+            <a:off x="7410487" y="1636568"/>
+            <a:ext cx="1809059" cy="518939"/>
+          </a:xfrm>
+          <a:prstGeom prst="roundRect">
+            <a:avLst/>
+          </a:prstGeom>
+          <a:solidFill>
+            <a:srgbClr val="0E121E">
+              <a:lumMod val="75000"/>
+              <a:lumOff val="25000"/>
+            </a:srgbClr>
+          </a:solidFill>
+          <a:ln w="12700" cap="flat" cmpd="sng" algn="ctr">
+            <a:noFill/>
+            <a:prstDash val="solid"/>
+            <a:miter lim="800000"/>
+          </a:ln>
+          <a:effectLst/>
+        </p:spPr>
+        <p:txBody>
+          <a:bodyPr rtlCol="0" anchor="ctr"/>
+          <a:lstStyle/>
+          <a:p>
+            <a:pPr marL="0" marR="0" lvl="0" indent="0" algn="ctr" defTabSz="457189" eaLnBrk="1" fontAlgn="auto" latinLnBrk="0" hangingPunct="1">
+              <a:lnSpc>
+                <a:spcPct val="100000"/>
+              </a:lnSpc>
+              <a:spcBef>
+                <a:spcPts val="0"/>
+              </a:spcBef>
+              <a:spcAft>
+                <a:spcPts val="0"/>
+              </a:spcAft>
+              <a:buClrTx/>
+              <a:buSzTx/>
+              <a:buFontTx/>
+              <a:buNone/>
+              <a:tabLst/>
+              <a:defRPr/>
+            </a:pPr>
+            <a:r>
+              <a:rPr kumimoji="0" lang="de-CH" sz="951" b="0" i="0" u="none" strike="noStrike" kern="0" cap="none" spc="0" normalizeH="0" baseline="0" noProof="0" dirty="0">
+                <a:ln>
+                  <a:noFill/>
+                </a:ln>
+                <a:solidFill>
+                  <a:srgbClr val="FFFFFF"/>
+                </a:solidFill>
+                <a:effectLst/>
+                <a:uLnTx/>
+                <a:uFillTx/>
+                <a:latin typeface="Arial" panose="020B0604020202020204" pitchFamily="34" charset="0"/>
+                <a:ea typeface="+mn-ea"/>
+                <a:cs typeface="Arial" panose="020B0604020202020204" pitchFamily="34" charset="0"/>
+              </a:rPr>
+              <a:t>Abweichungen Produktionsvorgabe managen</a:t>
+            </a:r>
+          </a:p>
+        </p:txBody>
+      </p:sp>
+      <p:sp>
+        <p:nvSpPr>
+          <p:cNvPr id="97" name="Rechteck: abgerundete Ecken 96">
+            <a:extLst>
+              <a:ext uri="{FF2B5EF4-FFF2-40B4-BE49-F238E27FC236}">
+                <a16:creationId xmlns:a16="http://schemas.microsoft.com/office/drawing/2014/main" id="{82359EC8-ECEF-43DA-98F7-99044F99EF40}"/>
+              </a:ext>
+            </a:extLst>
+          </p:cNvPr>
+          <p:cNvSpPr/>
+          <p:nvPr/>
+        </p:nvSpPr>
+        <p:spPr>
+          <a:xfrm>
+            <a:off x="9948913" y="1692504"/>
+            <a:ext cx="1783623" cy="518939"/>
+          </a:xfrm>
+          <a:prstGeom prst="roundRect">
+            <a:avLst/>
+          </a:prstGeom>
+          <a:solidFill>
+            <a:srgbClr val="0E121E">
+              <a:lumMod val="75000"/>
+              <a:lumOff val="25000"/>
+            </a:srgbClr>
+          </a:solidFill>
+          <a:ln w="12700" cap="flat" cmpd="sng" algn="ctr">
+            <a:noFill/>
+            <a:prstDash val="solid"/>
+            <a:miter lim="800000"/>
+          </a:ln>
+          <a:effectLst/>
+        </p:spPr>
+        <p:txBody>
+          <a:bodyPr rtlCol="0" anchor="ctr"/>
+          <a:lstStyle/>
+          <a:p>
+            <a:pPr marL="0" marR="0" lvl="0" indent="0" algn="ctr" defTabSz="457189" eaLnBrk="1" fontAlgn="auto" latinLnBrk="0" hangingPunct="1">
+              <a:lnSpc>
+                <a:spcPct val="100000"/>
+              </a:lnSpc>
+              <a:spcBef>
+                <a:spcPts val="0"/>
+              </a:spcBef>
+              <a:spcAft>
+                <a:spcPts val="0"/>
+              </a:spcAft>
+              <a:buClrTx/>
+              <a:buSzTx/>
+              <a:buFontTx/>
+              <a:buNone/>
+              <a:tabLst/>
+              <a:defRPr/>
+            </a:pPr>
+            <a:r>
+              <a:rPr kumimoji="0" lang="de-CH" sz="951" b="0" i="0" u="none" strike="noStrike" kern="0" cap="none" spc="0" normalizeH="0" baseline="0" noProof="0" dirty="0">
+                <a:ln>
+                  <a:noFill/>
+                </a:ln>
+                <a:solidFill>
+                  <a:srgbClr val="FFFFFF"/>
+                </a:solidFill>
+                <a:effectLst/>
+                <a:uLnTx/>
+                <a:uFillTx/>
+                <a:latin typeface="Arial" panose="020B0604020202020204" pitchFamily="34" charset="0"/>
+                <a:ea typeface="+mn-ea"/>
+                <a:cs typeface="Arial" panose="020B0604020202020204" pitchFamily="34" charset="0"/>
+              </a:rPr>
+              <a:t>Gesicherte Bewegung (inkl. Trennen/kuppeln)</a:t>
+            </a:r>
+          </a:p>
+        </p:txBody>
+      </p:sp>
+      <p:sp>
+        <p:nvSpPr>
+          <p:cNvPr id="98" name="Rechteck: abgerundete Ecken 97">
+            <a:extLst>
+              <a:ext uri="{FF2B5EF4-FFF2-40B4-BE49-F238E27FC236}">
+                <a16:creationId xmlns:a16="http://schemas.microsoft.com/office/drawing/2014/main" id="{1363780E-DD84-4BD5-AC61-990290B7E4AD}"/>
+              </a:ext>
+            </a:extLst>
+          </p:cNvPr>
+          <p:cNvSpPr/>
+          <p:nvPr/>
+        </p:nvSpPr>
+        <p:spPr>
+          <a:xfrm>
+            <a:off x="9960294" y="2275765"/>
+            <a:ext cx="1783623" cy="518939"/>
+          </a:xfrm>
+          <a:prstGeom prst="roundRect">
+            <a:avLst/>
+          </a:prstGeom>
+          <a:solidFill>
+            <a:srgbClr val="0E121E">
+              <a:lumMod val="75000"/>
+              <a:lumOff val="25000"/>
+            </a:srgbClr>
+          </a:solidFill>
+          <a:ln w="12700" cap="flat" cmpd="sng" algn="ctr">
+            <a:noFill/>
+            <a:prstDash val="solid"/>
+            <a:miter lim="800000"/>
+          </a:ln>
+          <a:effectLst/>
+        </p:spPr>
+        <p:txBody>
+          <a:bodyPr rtlCol="0" anchor="ctr"/>
+          <a:lstStyle/>
+          <a:p>
+            <a:pPr marL="0" marR="0" lvl="0" indent="0" algn="ctr" defTabSz="457189" eaLnBrk="1" fontAlgn="auto" latinLnBrk="0" hangingPunct="1">
+              <a:lnSpc>
+                <a:spcPct val="100000"/>
+              </a:lnSpc>
+              <a:spcBef>
+                <a:spcPts val="0"/>
+              </a:spcBef>
+              <a:spcAft>
+                <a:spcPts val="0"/>
+              </a:spcAft>
+              <a:buClrTx/>
+              <a:buSzTx/>
+              <a:buFontTx/>
+              <a:buNone/>
+              <a:tabLst/>
+              <a:defRPr/>
+            </a:pPr>
+            <a:r>
+              <a:rPr kumimoji="0" lang="de-CH" sz="951" b="0" i="0" u="none" strike="noStrike" kern="0" cap="none" spc="0" normalizeH="0" baseline="0" noProof="0" dirty="0">
+                <a:ln>
+                  <a:noFill/>
+                </a:ln>
+                <a:solidFill>
+                  <a:srgbClr val="FFFFFF"/>
+                </a:solidFill>
+                <a:effectLst/>
+                <a:uLnTx/>
+                <a:uFillTx/>
+                <a:latin typeface="Arial" panose="020B0604020202020204" pitchFamily="34" charset="0"/>
+                <a:ea typeface="+mn-ea"/>
+                <a:cs typeface="Arial" panose="020B0604020202020204" pitchFamily="34" charset="0"/>
+              </a:rPr>
+              <a:t>Ungesicherte Bewegung (inkl. Trennen/kuppeln)</a:t>
+            </a:r>
+          </a:p>
+        </p:txBody>
+      </p:sp>
+      <p:sp>
+        <p:nvSpPr>
+          <p:cNvPr id="99" name="Rechteck: abgerundete Ecken 98">
+            <a:extLst>
+              <a:ext uri="{FF2B5EF4-FFF2-40B4-BE49-F238E27FC236}">
+                <a16:creationId xmlns:a16="http://schemas.microsoft.com/office/drawing/2014/main" id="{3A3FC67B-B9C3-4DB6-8AA3-13CB1666A333}"/>
+              </a:ext>
+            </a:extLst>
+          </p:cNvPr>
+          <p:cNvSpPr/>
+          <p:nvPr/>
+        </p:nvSpPr>
+        <p:spPr>
+          <a:xfrm>
+            <a:off x="9964658" y="2862299"/>
+            <a:ext cx="1783623" cy="518939"/>
+          </a:xfrm>
+          <a:prstGeom prst="roundRect">
+            <a:avLst/>
+          </a:prstGeom>
+          <a:solidFill>
+            <a:srgbClr val="0E121E">
+              <a:lumMod val="75000"/>
+              <a:lumOff val="25000"/>
+            </a:srgbClr>
+          </a:solidFill>
+          <a:ln w="12700" cap="flat" cmpd="sng" algn="ctr">
+            <a:noFill/>
+            <a:prstDash val="solid"/>
+            <a:miter lim="800000"/>
+          </a:ln>
+          <a:effectLst/>
+        </p:spPr>
+        <p:txBody>
+          <a:bodyPr rtlCol="0" anchor="ctr"/>
+          <a:lstStyle/>
+          <a:p>
+            <a:pPr marL="0" marR="0" lvl="0" indent="0" algn="ctr" defTabSz="457189" eaLnBrk="1" fontAlgn="auto" latinLnBrk="0" hangingPunct="1">
+              <a:lnSpc>
+                <a:spcPct val="100000"/>
+              </a:lnSpc>
+              <a:spcBef>
+                <a:spcPts val="0"/>
+              </a:spcBef>
+              <a:spcAft>
+                <a:spcPts val="0"/>
+              </a:spcAft>
+              <a:buClrTx/>
+              <a:buSzTx/>
+              <a:buFontTx/>
+              <a:buNone/>
+              <a:tabLst/>
+              <a:defRPr/>
+            </a:pPr>
+            <a:r>
+              <a:rPr kumimoji="0" lang="de-CH" sz="951" b="0" i="0" u="none" strike="noStrike" kern="0" cap="none" spc="0" normalizeH="0" baseline="0" noProof="0" dirty="0">
+                <a:ln>
+                  <a:noFill/>
+                </a:ln>
+                <a:solidFill>
+                  <a:srgbClr val="FFFFFF"/>
+                </a:solidFill>
+                <a:effectLst/>
+                <a:uLnTx/>
+                <a:uFillTx/>
+                <a:latin typeface="Arial" panose="020B0604020202020204" pitchFamily="34" charset="0"/>
+                <a:ea typeface="+mn-ea"/>
+                <a:cs typeface="Arial" panose="020B0604020202020204" pitchFamily="34" charset="0"/>
+              </a:rPr>
+              <a:t>Abstellungen und Zusatzleistungen abwickeln</a:t>
+            </a:r>
+          </a:p>
+        </p:txBody>
+      </p:sp>
+      <p:sp>
+        <p:nvSpPr>
+          <p:cNvPr id="100" name="Rechteck: abgerundete Ecken 99">
+            <a:extLst>
+              <a:ext uri="{FF2B5EF4-FFF2-40B4-BE49-F238E27FC236}">
+                <a16:creationId xmlns:a16="http://schemas.microsoft.com/office/drawing/2014/main" id="{48192B9B-7D2F-4A47-B027-7DFDFC6CD79D}"/>
+              </a:ext>
+            </a:extLst>
+          </p:cNvPr>
+          <p:cNvSpPr/>
+          <p:nvPr/>
+        </p:nvSpPr>
+        <p:spPr>
+          <a:xfrm>
+            <a:off x="9972682" y="3426505"/>
+            <a:ext cx="1783623" cy="382871"/>
+          </a:xfrm>
+          <a:prstGeom prst="roundRect">
+            <a:avLst/>
+          </a:prstGeom>
+          <a:solidFill>
+            <a:srgbClr val="0E121E">
+              <a:lumMod val="75000"/>
+              <a:lumOff val="25000"/>
+            </a:srgbClr>
+          </a:solidFill>
+          <a:ln w="12700" cap="flat" cmpd="sng" algn="ctr">
+            <a:noFill/>
+            <a:prstDash val="solid"/>
+            <a:miter lim="800000"/>
+          </a:ln>
+          <a:effectLst/>
+        </p:spPr>
+        <p:txBody>
+          <a:bodyPr rtlCol="0" anchor="ctr"/>
+          <a:lstStyle/>
+          <a:p>
+            <a:pPr marL="0" marR="0" lvl="0" indent="0" algn="ctr" defTabSz="457189" eaLnBrk="1" fontAlgn="auto" latinLnBrk="0" hangingPunct="1">
+              <a:lnSpc>
+                <a:spcPct val="100000"/>
+              </a:lnSpc>
+              <a:spcBef>
+                <a:spcPts val="0"/>
+              </a:spcBef>
+              <a:spcAft>
+                <a:spcPts val="0"/>
+              </a:spcAft>
+              <a:buClrTx/>
+              <a:buSzTx/>
+              <a:buFontTx/>
+              <a:buNone/>
+              <a:tabLst/>
+              <a:defRPr/>
+            </a:pPr>
+            <a:r>
+              <a:rPr kumimoji="0" lang="de-CH" sz="951" b="0" i="0" u="none" strike="noStrike" kern="0" cap="none" spc="0" normalizeH="0" baseline="0" noProof="0" dirty="0">
+                <a:ln>
+                  <a:noFill/>
+                </a:ln>
+                <a:solidFill>
+                  <a:srgbClr val="FFFFFF"/>
+                </a:solidFill>
+                <a:effectLst/>
+                <a:uLnTx/>
+                <a:uFillTx/>
+                <a:latin typeface="Arial" panose="020B0604020202020204" pitchFamily="34" charset="0"/>
+                <a:ea typeface="+mn-ea"/>
+                <a:cs typeface="Arial" panose="020B0604020202020204" pitchFamily="34" charset="0"/>
+              </a:rPr>
+              <a:t>Systemübergänge</a:t>
+            </a:r>
+          </a:p>
+        </p:txBody>
+      </p:sp>
+      <p:sp>
+        <p:nvSpPr>
+          <p:cNvPr id="101" name="Rechteck: abgerundete Ecken 100">
+            <a:extLst>
+              <a:ext uri="{FF2B5EF4-FFF2-40B4-BE49-F238E27FC236}">
+                <a16:creationId xmlns:a16="http://schemas.microsoft.com/office/drawing/2014/main" id="{33D5CABB-9791-40B4-BCE8-143DA59D2857}"/>
+              </a:ext>
+            </a:extLst>
+          </p:cNvPr>
+          <p:cNvSpPr/>
+          <p:nvPr/>
+        </p:nvSpPr>
+        <p:spPr>
+          <a:xfrm>
+            <a:off x="9965050" y="3880348"/>
+            <a:ext cx="1783623" cy="518939"/>
+          </a:xfrm>
+          <a:prstGeom prst="roundRect">
+            <a:avLst/>
+          </a:prstGeom>
+          <a:solidFill>
+            <a:srgbClr val="0E121E">
+              <a:lumMod val="75000"/>
+              <a:lumOff val="25000"/>
+            </a:srgbClr>
+          </a:solidFill>
+          <a:ln w="12700" cap="flat" cmpd="sng" algn="ctr">
+            <a:noFill/>
+            <a:prstDash val="solid"/>
+            <a:miter lim="800000"/>
+          </a:ln>
+          <a:effectLst/>
+        </p:spPr>
+        <p:txBody>
+          <a:bodyPr rtlCol="0" anchor="ctr"/>
+          <a:lstStyle/>
+          <a:p>
+            <a:pPr marL="0" marR="0" lvl="0" indent="0" algn="ctr" defTabSz="457189" eaLnBrk="1" fontAlgn="auto" latinLnBrk="0" hangingPunct="1">
+              <a:lnSpc>
+                <a:spcPct val="100000"/>
+              </a:lnSpc>
+              <a:spcBef>
+                <a:spcPts val="0"/>
+              </a:spcBef>
+              <a:spcAft>
+                <a:spcPts val="0"/>
+              </a:spcAft>
+              <a:buClrTx/>
+              <a:buSzTx/>
+              <a:buFontTx/>
+              <a:buNone/>
+              <a:tabLst/>
+              <a:defRPr/>
+            </a:pPr>
+            <a:r>
+              <a:rPr kumimoji="0" lang="de-CH" sz="951" b="0" i="0" u="none" strike="noStrike" kern="0" cap="none" spc="0" normalizeH="0" baseline="0" noProof="0" dirty="0">
+                <a:ln>
+                  <a:noFill/>
+                </a:ln>
+                <a:solidFill>
+                  <a:srgbClr val="FFFFFF"/>
+                </a:solidFill>
+                <a:effectLst/>
+                <a:uLnTx/>
+                <a:uFillTx/>
+                <a:latin typeface="Arial" panose="020B0604020202020204" pitchFamily="34" charset="0"/>
+                <a:ea typeface="+mn-ea"/>
+                <a:cs typeface="Arial" panose="020B0604020202020204" pitchFamily="34" charset="0"/>
+              </a:rPr>
+              <a:t>Reisende und Verladende Industrie informieren </a:t>
+            </a:r>
+          </a:p>
+        </p:txBody>
+      </p:sp>
+      <p:sp>
+        <p:nvSpPr>
+          <p:cNvPr id="102" name="Rechteck: abgerundete Ecken 101">
+            <a:extLst>
+              <a:ext uri="{FF2B5EF4-FFF2-40B4-BE49-F238E27FC236}">
+                <a16:creationId xmlns:a16="http://schemas.microsoft.com/office/drawing/2014/main" id="{BA14C017-6931-4ACB-8251-8DAAB929382D}"/>
+              </a:ext>
+            </a:extLst>
+          </p:cNvPr>
+          <p:cNvSpPr/>
+          <p:nvPr/>
+        </p:nvSpPr>
+        <p:spPr>
+          <a:xfrm>
+            <a:off x="9972682" y="4475069"/>
+            <a:ext cx="1783623" cy="424465"/>
+          </a:xfrm>
+          <a:prstGeom prst="roundRect">
+            <a:avLst/>
+          </a:prstGeom>
+          <a:solidFill>
+            <a:srgbClr val="0E121E">
+              <a:lumMod val="75000"/>
+              <a:lumOff val="25000"/>
+            </a:srgbClr>
+          </a:solidFill>
+          <a:ln w="12700" cap="flat" cmpd="sng" algn="ctr">
+            <a:noFill/>
+            <a:prstDash val="solid"/>
+            <a:miter lim="800000"/>
+          </a:ln>
+          <a:effectLst/>
+        </p:spPr>
+        <p:txBody>
+          <a:bodyPr rtlCol="0" anchor="ctr"/>
+          <a:lstStyle/>
+          <a:p>
+            <a:pPr marL="0" marR="0" lvl="0" indent="0" algn="ctr" defTabSz="457189" eaLnBrk="1" fontAlgn="auto" latinLnBrk="0" hangingPunct="1">
+              <a:lnSpc>
+                <a:spcPct val="100000"/>
+              </a:lnSpc>
+              <a:spcBef>
+                <a:spcPts val="0"/>
+              </a:spcBef>
+              <a:spcAft>
+                <a:spcPts val="0"/>
+              </a:spcAft>
+              <a:buClrTx/>
+              <a:buSzTx/>
+              <a:buFontTx/>
+              <a:buNone/>
+              <a:tabLst/>
+              <a:defRPr/>
+            </a:pPr>
+            <a:r>
+              <a:rPr kumimoji="0" lang="de-CH" sz="951" b="0" i="0" u="none" strike="noStrike" kern="0" cap="none" spc="0" normalizeH="0" baseline="0" noProof="0" dirty="0">
+                <a:ln>
+                  <a:noFill/>
+                </a:ln>
+                <a:solidFill>
+                  <a:srgbClr val="FFFFFF"/>
+                </a:solidFill>
+                <a:effectLst/>
+                <a:uLnTx/>
+                <a:uFillTx/>
+                <a:latin typeface="Arial" panose="020B0604020202020204" pitchFamily="34" charset="0"/>
+                <a:ea typeface="+mn-ea"/>
+                <a:cs typeface="Arial" panose="020B0604020202020204" pitchFamily="34" charset="0"/>
+              </a:rPr>
+              <a:t>Tätigkeit im Gleisbereich und auf Fahrzeugen abwickeln </a:t>
+            </a:r>
+          </a:p>
+        </p:txBody>
+      </p:sp>
+      <p:sp>
+        <p:nvSpPr>
+          <p:cNvPr id="103" name="Rechteck: abgerundete Ecken 102">
+            <a:extLst>
+              <a:ext uri="{FF2B5EF4-FFF2-40B4-BE49-F238E27FC236}">
+                <a16:creationId xmlns:a16="http://schemas.microsoft.com/office/drawing/2014/main" id="{43ED1057-3D56-4573-9F81-D2732800B990}"/>
+              </a:ext>
+            </a:extLst>
+          </p:cNvPr>
+          <p:cNvSpPr/>
+          <p:nvPr/>
+        </p:nvSpPr>
+        <p:spPr>
+          <a:xfrm>
+            <a:off x="1254621" y="3241927"/>
+            <a:ext cx="1795379" cy="527103"/>
+          </a:xfrm>
+          <a:prstGeom prst="roundRect">
+            <a:avLst/>
+          </a:prstGeom>
+          <a:solidFill>
+            <a:srgbClr val="0E121E">
+              <a:lumMod val="75000"/>
+              <a:lumOff val="25000"/>
+            </a:srgbClr>
+          </a:solidFill>
+          <a:ln w="12700" cap="flat" cmpd="sng" algn="ctr">
+            <a:noFill/>
+            <a:prstDash val="solid"/>
+            <a:miter lim="800000"/>
+          </a:ln>
+          <a:effectLst/>
+        </p:spPr>
+        <p:txBody>
+          <a:bodyPr rtlCol="0" anchor="ctr"/>
+          <a:lstStyle/>
+          <a:p>
+            <a:pPr marL="0" marR="0" lvl="0" indent="0" algn="ctr" defTabSz="457189" eaLnBrk="1" fontAlgn="auto" latinLnBrk="0" hangingPunct="1">
+              <a:lnSpc>
+                <a:spcPct val="100000"/>
+              </a:lnSpc>
+              <a:spcBef>
+                <a:spcPts val="0"/>
+              </a:spcBef>
+              <a:spcAft>
+                <a:spcPts val="0"/>
+              </a:spcAft>
+              <a:buClrTx/>
+              <a:buSzTx/>
+              <a:buFontTx/>
+              <a:buNone/>
+              <a:tabLst/>
+              <a:defRPr/>
+            </a:pPr>
+            <a:r>
+              <a:rPr kumimoji="0" lang="de-CH" sz="1000" b="0" i="0" u="none" strike="noStrike" kern="0" cap="none" spc="0" normalizeH="0" baseline="0" noProof="0" dirty="0">
+                <a:ln>
+                  <a:noFill/>
+                </a:ln>
+                <a:solidFill>
+                  <a:srgbClr val="FFFFFF"/>
+                </a:solidFill>
+                <a:effectLst/>
+                <a:uLnTx/>
+                <a:uFillTx/>
+                <a:latin typeface="Arial" panose="020B0604020202020204" pitchFamily="34" charset="0"/>
+                <a:ea typeface="+mn-ea"/>
+                <a:cs typeface="Arial" panose="020B0604020202020204" pitchFamily="34" charset="0"/>
+              </a:rPr>
+              <a:t>Netzzugang und Planungsparameter definieren</a:t>
+            </a:r>
+          </a:p>
+        </p:txBody>
+      </p:sp>
+      <p:sp>
+        <p:nvSpPr>
+          <p:cNvPr id="104" name="Rechteck: abgerundete Ecken 103">
+            <a:extLst>
+              <a:ext uri="{FF2B5EF4-FFF2-40B4-BE49-F238E27FC236}">
+                <a16:creationId xmlns:a16="http://schemas.microsoft.com/office/drawing/2014/main" id="{72E90280-D226-45DE-9EB9-99359A5B7B4F}"/>
+              </a:ext>
+            </a:extLst>
+          </p:cNvPr>
+          <p:cNvSpPr/>
+          <p:nvPr/>
+        </p:nvSpPr>
+        <p:spPr>
+          <a:xfrm>
+            <a:off x="1277696" y="3811738"/>
+            <a:ext cx="1804337" cy="527103"/>
+          </a:xfrm>
+          <a:prstGeom prst="roundRect">
+            <a:avLst/>
+          </a:prstGeom>
+          <a:solidFill>
+            <a:srgbClr val="0E121E">
+              <a:lumMod val="75000"/>
+              <a:lumOff val="25000"/>
+            </a:srgbClr>
+          </a:solidFill>
+          <a:ln w="12700" cap="flat" cmpd="sng" algn="ctr">
+            <a:noFill/>
+            <a:prstDash val="solid"/>
+            <a:miter lim="800000"/>
+          </a:ln>
+          <a:effectLst/>
+        </p:spPr>
+        <p:txBody>
+          <a:bodyPr rtlCol="0" anchor="ctr"/>
+          <a:lstStyle/>
+          <a:p>
+            <a:pPr marL="0" marR="0" lvl="0" indent="0" algn="ctr" defTabSz="457189" eaLnBrk="1" fontAlgn="auto" latinLnBrk="0" hangingPunct="1">
+              <a:lnSpc>
+                <a:spcPct val="100000"/>
+              </a:lnSpc>
+              <a:spcBef>
+                <a:spcPts val="0"/>
+              </a:spcBef>
+              <a:spcAft>
+                <a:spcPts val="0"/>
+              </a:spcAft>
+              <a:buClrTx/>
+              <a:buSzTx/>
+              <a:buFontTx/>
+              <a:buNone/>
+              <a:tabLst/>
+              <a:defRPr/>
+            </a:pPr>
+            <a:r>
+              <a:rPr kumimoji="0" lang="de-CH" sz="1000" b="0" i="0" u="none" strike="noStrike" kern="0" cap="none" spc="0" normalizeH="0" baseline="0" noProof="0" dirty="0">
+                <a:ln>
+                  <a:noFill/>
+                </a:ln>
+                <a:solidFill>
+                  <a:srgbClr val="FFFFFF"/>
+                </a:solidFill>
+                <a:effectLst/>
+                <a:uLnTx/>
+                <a:uFillTx/>
+                <a:latin typeface="Arial" panose="020B0604020202020204" pitchFamily="34" charset="0"/>
+                <a:ea typeface="+mn-ea"/>
+                <a:cs typeface="Arial" panose="020B0604020202020204" pitchFamily="34" charset="0"/>
+              </a:rPr>
+              <a:t>Bahnnetz, Angebot und Kapazität konzipieren</a:t>
+            </a:r>
+          </a:p>
+        </p:txBody>
+      </p:sp>
+      <p:sp>
+        <p:nvSpPr>
+          <p:cNvPr id="105" name="Textfeld 14">
+            <a:extLst>
+              <a:ext uri="{FF2B5EF4-FFF2-40B4-BE49-F238E27FC236}">
+                <a16:creationId xmlns:a16="http://schemas.microsoft.com/office/drawing/2014/main" id="{7F399234-BD32-4D23-A903-474AFE807801}"/>
+              </a:ext>
+            </a:extLst>
+          </p:cNvPr>
+          <p:cNvSpPr txBox="1"/>
+          <p:nvPr/>
+        </p:nvSpPr>
+        <p:spPr>
+          <a:xfrm>
+            <a:off x="1639759" y="4971213"/>
+            <a:ext cx="1776000" cy="441579"/>
+          </a:xfrm>
+          <a:prstGeom prst="rect">
+            <a:avLst/>
+          </a:prstGeom>
+          <a:noFill/>
+        </p:spPr>
+        <p:txBody>
+          <a:bodyPr wrap="square" lIns="0" tIns="0" rIns="0" bIns="0" rtlCol="0" anchor="t">
+            <a:noAutofit/>
+          </a:bodyPr>
+          <a:lstStyle/>
+          <a:p>
+            <a:pPr defTabSz="457189"/>
+            <a:r>
+              <a:rPr lang="de-CH" sz="1333" b="1" dirty="0">
+                <a:solidFill>
+                  <a:srgbClr val="FFFFFF"/>
+                </a:solidFill>
+                <a:latin typeface="Arial" pitchFamily="34" charset="0"/>
+                <a:cs typeface="Arial" pitchFamily="34" charset="0"/>
+              </a:rPr>
+              <a:t>Anlagen bereitstellen</a:t>
+            </a:r>
+          </a:p>
+          <a:p>
+            <a:pPr defTabSz="457189"/>
+            <a:r>
+              <a:rPr lang="de-CH" sz="1333" b="1" dirty="0">
+                <a:solidFill>
+                  <a:srgbClr val="482624">
+                    <a:lumMod val="75000"/>
+                  </a:srgbClr>
+                </a:solidFill>
+                <a:latin typeface="Arial" pitchFamily="34" charset="0"/>
+                <a:cs typeface="Arial" pitchFamily="34" charset="0"/>
+              </a:rPr>
+              <a:t>Bereitgestellte Anlage</a:t>
+            </a:r>
+          </a:p>
+        </p:txBody>
+      </p:sp>
+      <p:sp>
+        <p:nvSpPr>
+          <p:cNvPr id="106" name="Rechteck: abgerundete Ecken 105">
+            <a:extLst>
+              <a:ext uri="{FF2B5EF4-FFF2-40B4-BE49-F238E27FC236}">
+                <a16:creationId xmlns:a16="http://schemas.microsoft.com/office/drawing/2014/main" id="{DB614884-650F-42DB-A64B-2D99BDF75C05}"/>
+              </a:ext>
+            </a:extLst>
+          </p:cNvPr>
+          <p:cNvSpPr/>
+          <p:nvPr/>
+        </p:nvSpPr>
+        <p:spPr>
+          <a:xfrm>
+            <a:off x="1643453" y="5491757"/>
+            <a:ext cx="1817091" cy="527103"/>
+          </a:xfrm>
+          <a:prstGeom prst="roundRect">
+            <a:avLst/>
+          </a:prstGeom>
+          <a:solidFill>
+            <a:srgbClr val="0E121E">
+              <a:lumMod val="75000"/>
+              <a:lumOff val="25000"/>
+            </a:srgbClr>
+          </a:solidFill>
+          <a:ln w="12700" cap="flat" cmpd="sng" algn="ctr">
+            <a:noFill/>
+            <a:prstDash val="solid"/>
+            <a:miter lim="800000"/>
+          </a:ln>
+          <a:effectLst/>
+        </p:spPr>
+        <p:txBody>
+          <a:bodyPr rtlCol="0" anchor="ctr"/>
+          <a:lstStyle/>
+          <a:p>
+            <a:pPr marL="0" marR="0" lvl="0" indent="0" algn="ctr" defTabSz="457189" eaLnBrk="1" fontAlgn="auto" latinLnBrk="0" hangingPunct="1">
+              <a:lnSpc>
+                <a:spcPct val="100000"/>
+              </a:lnSpc>
+              <a:spcBef>
+                <a:spcPts val="0"/>
+              </a:spcBef>
+              <a:spcAft>
+                <a:spcPts val="0"/>
+              </a:spcAft>
+              <a:buClrTx/>
+              <a:buSzTx/>
+              <a:buFontTx/>
+              <a:buNone/>
+              <a:tabLst/>
+              <a:defRPr/>
+            </a:pPr>
+            <a:r>
+              <a:rPr kumimoji="0" lang="de-CH" sz="1000" b="0" i="0" u="none" strike="noStrike" kern="0" cap="none" spc="0" normalizeH="0" baseline="0" noProof="0" dirty="0">
+                <a:ln>
+                  <a:noFill/>
+                </a:ln>
+                <a:solidFill>
+                  <a:srgbClr val="FFFFFF"/>
+                </a:solidFill>
+                <a:effectLst/>
+                <a:uLnTx/>
+                <a:uFillTx/>
+                <a:latin typeface="Arial" panose="020B0604020202020204" pitchFamily="34" charset="0"/>
+                <a:ea typeface="+mn-ea"/>
+                <a:cs typeface="Arial" panose="020B0604020202020204" pitchFamily="34" charset="0"/>
+              </a:rPr>
+              <a:t>Anlagen bereitstellen</a:t>
+            </a:r>
+          </a:p>
+        </p:txBody>
+      </p:sp>
+      <p:sp>
+        <p:nvSpPr>
+          <p:cNvPr id="107" name="Rechteck: abgerundete Ecken 106">
+            <a:extLst>
+              <a:ext uri="{FF2B5EF4-FFF2-40B4-BE49-F238E27FC236}">
+                <a16:creationId xmlns:a16="http://schemas.microsoft.com/office/drawing/2014/main" id="{F9FE6608-FE23-4C24-9EC3-1D234CB31193}"/>
+              </a:ext>
+            </a:extLst>
+          </p:cNvPr>
+          <p:cNvSpPr/>
+          <p:nvPr/>
+        </p:nvSpPr>
+        <p:spPr>
+          <a:xfrm>
+            <a:off x="4266359" y="5994040"/>
+            <a:ext cx="1912484" cy="456565"/>
+          </a:xfrm>
+          <a:prstGeom prst="roundRect">
+            <a:avLst/>
+          </a:prstGeom>
+          <a:solidFill>
+            <a:srgbClr val="0E121E">
+              <a:lumMod val="75000"/>
+              <a:lumOff val="25000"/>
+            </a:srgbClr>
+          </a:solidFill>
+          <a:ln w="12700" cap="flat" cmpd="sng" algn="ctr">
+            <a:noFill/>
+            <a:prstDash val="solid"/>
+            <a:miter lim="800000"/>
+          </a:ln>
+          <a:effectLst/>
+        </p:spPr>
+        <p:txBody>
+          <a:bodyPr rtlCol="0" anchor="ctr"/>
+          <a:lstStyle/>
+          <a:p>
+            <a:pPr marL="0" marR="0" lvl="0" indent="0" algn="ctr" defTabSz="457189" eaLnBrk="1" fontAlgn="auto" latinLnBrk="0" hangingPunct="1">
+              <a:lnSpc>
+                <a:spcPct val="100000"/>
+              </a:lnSpc>
+              <a:spcBef>
+                <a:spcPts val="0"/>
+              </a:spcBef>
+              <a:spcAft>
+                <a:spcPts val="0"/>
+              </a:spcAft>
+              <a:buClrTx/>
+              <a:buSzTx/>
+              <a:buFontTx/>
+              <a:buNone/>
+              <a:tabLst/>
+              <a:defRPr/>
+            </a:pPr>
+            <a:r>
+              <a:rPr kumimoji="0" lang="de-CH" sz="1000" b="0" i="0" u="none" strike="noStrike" kern="0" cap="none" spc="0" normalizeH="0" baseline="0" noProof="0" dirty="0">
+                <a:ln>
+                  <a:noFill/>
+                </a:ln>
+                <a:solidFill>
+                  <a:srgbClr val="FFFFFF"/>
+                </a:solidFill>
+                <a:effectLst/>
+                <a:uLnTx/>
+                <a:uFillTx/>
+                <a:latin typeface="Arial" panose="020B0604020202020204" pitchFamily="34" charset="0"/>
+                <a:ea typeface="+mn-ea"/>
+                <a:cs typeface="Arial" panose="020B0604020202020204" pitchFamily="34" charset="0"/>
+              </a:rPr>
+              <a:t>Anlagenzustand überwachen + steuern (inkl. Schutz)</a:t>
+            </a:r>
+          </a:p>
+        </p:txBody>
+      </p:sp>
+      <p:sp>
+        <p:nvSpPr>
+          <p:cNvPr id="108" name="Rechteck: abgerundete Ecken 107">
+            <a:extLst>
+              <a:ext uri="{FF2B5EF4-FFF2-40B4-BE49-F238E27FC236}">
+                <a16:creationId xmlns:a16="http://schemas.microsoft.com/office/drawing/2014/main" id="{16D094B9-D03F-45ED-A8AB-3C9A67BD9B01}"/>
+              </a:ext>
+            </a:extLst>
+          </p:cNvPr>
+          <p:cNvSpPr/>
+          <p:nvPr/>
+        </p:nvSpPr>
+        <p:spPr>
+          <a:xfrm>
+            <a:off x="6347209" y="6025920"/>
+            <a:ext cx="1843089" cy="408275"/>
+          </a:xfrm>
+          <a:prstGeom prst="roundRect">
+            <a:avLst/>
+          </a:prstGeom>
+          <a:solidFill>
+            <a:srgbClr val="0E121E">
+              <a:lumMod val="75000"/>
+              <a:lumOff val="25000"/>
+            </a:srgbClr>
+          </a:solidFill>
+          <a:ln w="12700" cap="flat" cmpd="sng" algn="ctr">
+            <a:noFill/>
+            <a:prstDash val="solid"/>
+            <a:miter lim="800000"/>
+          </a:ln>
+          <a:effectLst/>
+        </p:spPr>
+        <p:txBody>
+          <a:bodyPr rtlCol="0" anchor="ctr"/>
+          <a:lstStyle/>
+          <a:p>
+            <a:pPr marL="0" marR="0" lvl="0" indent="0" algn="ctr" defTabSz="457189" eaLnBrk="1" fontAlgn="auto" latinLnBrk="0" hangingPunct="1">
+              <a:lnSpc>
+                <a:spcPct val="100000"/>
+              </a:lnSpc>
+              <a:spcBef>
+                <a:spcPts val="0"/>
+              </a:spcBef>
+              <a:spcAft>
+                <a:spcPts val="0"/>
+              </a:spcAft>
+              <a:buClrTx/>
+              <a:buSzTx/>
+              <a:buFontTx/>
+              <a:buNone/>
+              <a:tabLst/>
+              <a:defRPr/>
+            </a:pPr>
+            <a:r>
+              <a:rPr kumimoji="0" lang="de-CH" sz="1000" b="0" i="0" u="none" strike="noStrike" kern="0" cap="none" spc="0" normalizeH="0" baseline="0" noProof="0" dirty="0">
+                <a:ln>
+                  <a:noFill/>
+                </a:ln>
+                <a:solidFill>
+                  <a:srgbClr val="FFFFFF"/>
+                </a:solidFill>
+                <a:effectLst/>
+                <a:uLnTx/>
+                <a:uFillTx/>
+                <a:latin typeface="Arial" panose="020B0604020202020204" pitchFamily="34" charset="0"/>
+                <a:ea typeface="+mn-ea"/>
+                <a:cs typeface="Arial" panose="020B0604020202020204" pitchFamily="34" charset="0"/>
+              </a:rPr>
+              <a:t>Zentrale Systeme überwachen + steuern </a:t>
+            </a:r>
+          </a:p>
+        </p:txBody>
+      </p:sp>
+      <p:sp>
+        <p:nvSpPr>
+          <p:cNvPr id="109" name="Rechteck: abgerundete Ecken 108">
+            <a:extLst>
+              <a:ext uri="{FF2B5EF4-FFF2-40B4-BE49-F238E27FC236}">
+                <a16:creationId xmlns:a16="http://schemas.microsoft.com/office/drawing/2014/main" id="{98BFF1E9-AA23-4AE2-A91F-F22D0212419E}"/>
+              </a:ext>
+            </a:extLst>
+          </p:cNvPr>
+          <p:cNvSpPr/>
+          <p:nvPr/>
+        </p:nvSpPr>
+        <p:spPr>
+          <a:xfrm>
+            <a:off x="8342921" y="6009211"/>
+            <a:ext cx="2051436" cy="414687"/>
+          </a:xfrm>
+          <a:prstGeom prst="roundRect">
+            <a:avLst/>
+          </a:prstGeom>
+          <a:solidFill>
+            <a:srgbClr val="0E121E">
+              <a:lumMod val="75000"/>
+              <a:lumOff val="25000"/>
+            </a:srgbClr>
+          </a:solidFill>
+          <a:ln w="12700" cap="flat" cmpd="sng" algn="ctr">
+            <a:noFill/>
+            <a:prstDash val="solid"/>
+            <a:miter lim="800000"/>
+          </a:ln>
+          <a:effectLst/>
+        </p:spPr>
+        <p:txBody>
+          <a:bodyPr rtlCol="0" anchor="ctr"/>
+          <a:lstStyle/>
+          <a:p>
+            <a:pPr marL="0" marR="0" lvl="0" indent="0" algn="ctr" defTabSz="457189" eaLnBrk="1" fontAlgn="auto" latinLnBrk="0" hangingPunct="1">
+              <a:lnSpc>
+                <a:spcPct val="100000"/>
+              </a:lnSpc>
+              <a:spcBef>
+                <a:spcPts val="0"/>
+              </a:spcBef>
+              <a:spcAft>
+                <a:spcPts val="0"/>
+              </a:spcAft>
+              <a:buClrTx/>
+              <a:buSzTx/>
+              <a:buFontTx/>
+              <a:buNone/>
+              <a:tabLst/>
+              <a:defRPr/>
+            </a:pPr>
+            <a:r>
+              <a:rPr kumimoji="0" lang="de-CH" sz="1000" b="0" i="0" u="none" strike="noStrike" kern="0" cap="none" spc="0" normalizeH="0" baseline="0" noProof="0" dirty="0">
+                <a:ln>
+                  <a:noFill/>
+                </a:ln>
+                <a:solidFill>
+                  <a:srgbClr val="FFFFFF"/>
+                </a:solidFill>
+                <a:effectLst/>
+                <a:uLnTx/>
+                <a:uFillTx/>
+                <a:latin typeface="Arial" panose="020B0604020202020204" pitchFamily="34" charset="0"/>
+                <a:ea typeface="+mn-ea"/>
+                <a:cs typeface="Arial" panose="020B0604020202020204" pitchFamily="34" charset="0"/>
+              </a:rPr>
+              <a:t>Fahrzeugzustand überwachen + steuern (inkl. Ladegut)</a:t>
+            </a:r>
+          </a:p>
+        </p:txBody>
+      </p:sp>
+      <p:sp>
+        <p:nvSpPr>
+          <p:cNvPr id="110" name="Rechteck: abgerundete Ecken 109">
+            <a:extLst>
+              <a:ext uri="{FF2B5EF4-FFF2-40B4-BE49-F238E27FC236}">
+                <a16:creationId xmlns:a16="http://schemas.microsoft.com/office/drawing/2014/main" id="{2F3D25EB-BCDD-42FE-A02D-5ED4A1F2E693}"/>
+              </a:ext>
+            </a:extLst>
+          </p:cNvPr>
+          <p:cNvSpPr/>
+          <p:nvPr/>
+        </p:nvSpPr>
+        <p:spPr>
+          <a:xfrm>
+            <a:off x="4470558" y="3173239"/>
+            <a:ext cx="1887617" cy="540140"/>
+          </a:xfrm>
+          <a:prstGeom prst="roundRect">
+            <a:avLst/>
+          </a:prstGeom>
+          <a:solidFill>
+            <a:srgbClr val="0E121E">
+              <a:lumMod val="75000"/>
+              <a:lumOff val="25000"/>
+            </a:srgbClr>
+          </a:solidFill>
+          <a:ln w="12700" cap="flat" cmpd="sng" algn="ctr">
+            <a:noFill/>
+            <a:prstDash val="solid"/>
+            <a:miter lim="800000"/>
+          </a:ln>
+          <a:effectLst/>
+        </p:spPr>
+        <p:txBody>
+          <a:bodyPr rtlCol="0" anchor="ctr"/>
+          <a:lstStyle/>
+          <a:p>
+            <a:pPr marL="0" marR="0" lvl="0" indent="0" algn="ctr" defTabSz="457189" eaLnBrk="1" fontAlgn="auto" latinLnBrk="0" hangingPunct="1">
+              <a:lnSpc>
+                <a:spcPct val="100000"/>
+              </a:lnSpc>
+              <a:spcBef>
+                <a:spcPts val="0"/>
+              </a:spcBef>
+              <a:spcAft>
+                <a:spcPts val="0"/>
+              </a:spcAft>
+              <a:buClrTx/>
+              <a:buSzTx/>
+              <a:buFontTx/>
+              <a:buNone/>
+              <a:tabLst/>
+              <a:defRPr/>
+            </a:pPr>
+            <a:r>
+              <a:rPr kumimoji="0" lang="de-CH" sz="1000" b="0" i="0" u="none" strike="noStrike" kern="0" cap="none" spc="0" normalizeH="0" baseline="0" noProof="0" dirty="0">
+                <a:ln>
+                  <a:noFill/>
+                </a:ln>
+                <a:solidFill>
+                  <a:srgbClr val="FFFFFF"/>
+                </a:solidFill>
+                <a:effectLst/>
+                <a:uLnTx/>
+                <a:uFillTx/>
+                <a:latin typeface="Arial" panose="020B0604020202020204" pitchFamily="34" charset="0"/>
+                <a:ea typeface="+mn-ea"/>
+                <a:cs typeface="Arial" panose="020B0604020202020204" pitchFamily="34" charset="0"/>
+              </a:rPr>
+              <a:t>Kapazität sichern, bestellen, Konflikte lösen</a:t>
+            </a:r>
+          </a:p>
+        </p:txBody>
+      </p:sp>
+      <p:sp>
+        <p:nvSpPr>
+          <p:cNvPr id="111" name="Rechteck: abgerundete Ecken 110">
+            <a:extLst>
+              <a:ext uri="{FF2B5EF4-FFF2-40B4-BE49-F238E27FC236}">
+                <a16:creationId xmlns:a16="http://schemas.microsoft.com/office/drawing/2014/main" id="{5D6BC797-313C-4B0B-BA8C-A8F9EAD4C4E6}"/>
+              </a:ext>
+            </a:extLst>
+          </p:cNvPr>
+          <p:cNvSpPr/>
+          <p:nvPr/>
+        </p:nvSpPr>
+        <p:spPr>
+          <a:xfrm>
+            <a:off x="4483639" y="3786291"/>
+            <a:ext cx="1874536" cy="540140"/>
+          </a:xfrm>
+          <a:prstGeom prst="roundRect">
+            <a:avLst/>
+          </a:prstGeom>
+          <a:solidFill>
+            <a:srgbClr val="0E121E">
+              <a:lumMod val="50000"/>
+              <a:lumOff val="50000"/>
+            </a:srgbClr>
+          </a:solidFill>
+          <a:ln w="12700" cap="flat" cmpd="sng" algn="ctr">
+            <a:noFill/>
+            <a:prstDash val="solid"/>
+            <a:miter lim="800000"/>
+          </a:ln>
+          <a:effectLst/>
+        </p:spPr>
+        <p:txBody>
+          <a:bodyPr rtlCol="0" anchor="ctr"/>
+          <a:lstStyle/>
+          <a:p>
+            <a:pPr marL="0" marR="0" lvl="0" indent="0" algn="ctr" defTabSz="457189" eaLnBrk="1" fontAlgn="auto" latinLnBrk="0" hangingPunct="1">
+              <a:lnSpc>
+                <a:spcPct val="100000"/>
+              </a:lnSpc>
+              <a:spcBef>
+                <a:spcPts val="0"/>
+              </a:spcBef>
+              <a:spcAft>
+                <a:spcPts val="0"/>
+              </a:spcAft>
+              <a:buClrTx/>
+              <a:buSzTx/>
+              <a:buFontTx/>
+              <a:buNone/>
+              <a:tabLst/>
+              <a:defRPr/>
+            </a:pPr>
+            <a:r>
+              <a:rPr kumimoji="0" lang="de-CH" sz="1000" b="0" i="0" u="none" strike="noStrike" kern="0" cap="none" spc="0" normalizeH="0" baseline="0" noProof="0" dirty="0">
+                <a:ln>
+                  <a:noFill/>
+                </a:ln>
+                <a:solidFill>
+                  <a:srgbClr val="FFFFFF"/>
+                </a:solidFill>
+                <a:effectLst/>
+                <a:uLnTx/>
+                <a:uFillTx/>
+                <a:latin typeface="Arial" panose="020B0604020202020204" pitchFamily="34" charset="0"/>
+                <a:ea typeface="+mn-ea"/>
+                <a:cs typeface="Arial" panose="020B0604020202020204" pitchFamily="34" charset="0"/>
+              </a:rPr>
+              <a:t>Kapazität planen (FLUX)</a:t>
+            </a:r>
+          </a:p>
+        </p:txBody>
+      </p:sp>
+    </p:spTree>
+    <p:extLst>
+      <p:ext uri="{BB962C8B-B14F-4D97-AF65-F5344CB8AC3E}">
+        <p14:creationId xmlns:p14="http://schemas.microsoft.com/office/powerpoint/2010/main" val="1000340560"/>
+      </p:ext>
+    </p:extLst>
+  </p:cSld>
+  <p:clrMapOvr>
+    <a:masterClrMapping/>
+  </p:clrMapOvr>
+</p:sld>
+</file>
+
+<file path=ppt/slides/slide6.xml><?xml version="1.0" encoding="utf-8"?>
+<p:sld xmlns:a="http://schemas.openxmlformats.org/drawingml/2006/main" xmlns:r="http://schemas.openxmlformats.org/officeDocument/2006/relationships" xmlns:p="http://schemas.openxmlformats.org/presentationml/2006/main">
+  <p:cSld>
+    <p:spTree>
+      <p:nvGrpSpPr>
+        <p:cNvPr id="1" name=""/>
+        <p:cNvGrpSpPr/>
+        <p:nvPr/>
+      </p:nvGrpSpPr>
+      <p:grpSpPr>
+        <a:xfrm>
+          <a:off x="0" y="0"/>
+          <a:ext cx="0" cy="0"/>
+          <a:chOff x="0" y="0"/>
+          <a:chExt cx="0" cy="0"/>
+        </a:xfrm>
+      </p:grpSpPr>
+      <p:sp>
+        <p:nvSpPr>
+          <p:cNvPr id="2" name="Titel 1">
+            <a:extLst>
+              <a:ext uri="{FF2B5EF4-FFF2-40B4-BE49-F238E27FC236}">
+                <a16:creationId xmlns:a16="http://schemas.microsoft.com/office/drawing/2014/main" id="{52273754-FB7D-4E85-A03A-33879DB2A630}"/>
+              </a:ext>
+            </a:extLst>
+          </p:cNvPr>
+          <p:cNvSpPr>
+            <a:spLocks noGrp="1"/>
+          </p:cNvSpPr>
+          <p:nvPr>
+            <p:ph type="ctrTitle"/>
+          </p:nvPr>
+        </p:nvSpPr>
+        <p:spPr/>
+        <p:txBody>
+          <a:bodyPr/>
+          <a:lstStyle/>
+          <a:p>
+            <a:r>
+              <a:rPr lang="de-CH" dirty="0"/>
+              <a:t>«</a:t>
+            </a:r>
+            <a:r>
+              <a:rPr lang="de-CH" dirty="0" err="1"/>
+              <a:t>You</a:t>
+            </a:r>
+            <a:r>
+              <a:rPr lang="de-CH" dirty="0"/>
+              <a:t> </a:t>
+            </a:r>
+            <a:r>
+              <a:rPr lang="de-CH" dirty="0" err="1"/>
+              <a:t>build</a:t>
+            </a:r>
+            <a:r>
+              <a:rPr lang="de-CH" dirty="0"/>
+              <a:t> </a:t>
+            </a:r>
+            <a:r>
+              <a:rPr lang="de-CH" dirty="0" err="1"/>
+              <a:t>it</a:t>
+            </a:r>
+            <a:r>
+              <a:rPr lang="de-CH" dirty="0"/>
+              <a:t>, </a:t>
+            </a:r>
+            <a:r>
+              <a:rPr lang="de-CH" dirty="0" err="1"/>
+              <a:t>you</a:t>
+            </a:r>
+            <a:r>
+              <a:rPr lang="de-CH" dirty="0"/>
+              <a:t> </a:t>
+            </a:r>
+            <a:r>
+              <a:rPr lang="de-CH" dirty="0" err="1"/>
+              <a:t>run</a:t>
+            </a:r>
+            <a:r>
+              <a:rPr lang="de-CH" dirty="0"/>
+              <a:t> it.»</a:t>
+            </a:r>
+          </a:p>
+        </p:txBody>
+      </p:sp>
+      <p:sp>
+        <p:nvSpPr>
+          <p:cNvPr id="3" name="Untertitel 2">
+            <a:extLst>
+              <a:ext uri="{FF2B5EF4-FFF2-40B4-BE49-F238E27FC236}">
+                <a16:creationId xmlns:a16="http://schemas.microsoft.com/office/drawing/2014/main" id="{4C53D9D8-0283-4191-B231-A10D40991EEF}"/>
+              </a:ext>
+            </a:extLst>
+          </p:cNvPr>
+          <p:cNvSpPr>
+            <a:spLocks noGrp="1"/>
+          </p:cNvSpPr>
+          <p:nvPr>
+            <p:ph type="subTitle" idx="1"/>
+          </p:nvPr>
+        </p:nvSpPr>
+        <p:spPr/>
+        <p:txBody>
+          <a:bodyPr/>
+          <a:lstStyle/>
+          <a:p>
+            <a:r>
+              <a:rPr lang="de-CH" dirty="0"/>
+              <a:t>Werner Vogels, Amazon</a:t>
+            </a:r>
+          </a:p>
+        </p:txBody>
+      </p:sp>
+    </p:spTree>
+    <p:extLst>
+      <p:ext uri="{BB962C8B-B14F-4D97-AF65-F5344CB8AC3E}">
+        <p14:creationId xmlns:p14="http://schemas.microsoft.com/office/powerpoint/2010/main" val="3151860096"/>
+      </p:ext>
+    </p:extLst>
+  </p:cSld>
+  <p:clrMapOvr>
+    <a:masterClrMapping/>
+  </p:clrMapOvr>
+</p:sld>
+</file>
+
+<file path=ppt/slides/slide7.xml><?xml version="1.0" encoding="utf-8"?>
+<p:sld xmlns:a="http://schemas.openxmlformats.org/drawingml/2006/main" xmlns:r="http://schemas.openxmlformats.org/officeDocument/2006/relationships" xmlns:p="http://schemas.openxmlformats.org/presentationml/2006/main">
+  <p:cSld>
+    <p:spTree>
+      <p:nvGrpSpPr>
+        <p:cNvPr id="1" name=""/>
+        <p:cNvGrpSpPr/>
+        <p:nvPr/>
+      </p:nvGrpSpPr>
+      <p:grpSpPr>
+        <a:xfrm>
+          <a:off x="0" y="0"/>
+          <a:ext cx="0" cy="0"/>
+          <a:chOff x="0" y="0"/>
+          <a:chExt cx="0" cy="0"/>
+        </a:xfrm>
+      </p:grpSpPr>
+      <p:sp>
+        <p:nvSpPr>
+          <p:cNvPr id="5" name="Textplatzhalter 4">
+            <a:extLst>
+              <a:ext uri="{FF2B5EF4-FFF2-40B4-BE49-F238E27FC236}">
+                <a16:creationId xmlns:a16="http://schemas.microsoft.com/office/drawing/2014/main" id="{F196B2FD-D8DB-4192-95DF-7615D6FB48C2}"/>
+              </a:ext>
+            </a:extLst>
+          </p:cNvPr>
+          <p:cNvSpPr>
+            <a:spLocks noGrp="1"/>
+          </p:cNvSpPr>
+          <p:nvPr>
+            <p:ph type="body" sz="half" idx="2"/>
+          </p:nvPr>
+        </p:nvSpPr>
+        <p:spPr>
+          <a:xfrm>
+            <a:off x="1714500" y="4283869"/>
+            <a:ext cx="8763000" cy="1812131"/>
+          </a:xfrm>
+        </p:spPr>
+        <p:txBody>
+          <a:bodyPr>
+            <a:noAutofit/>
+          </a:bodyPr>
+          <a:lstStyle/>
+          <a:p>
+            <a:r>
+              <a:rPr lang="de-CH" sz="2500" dirty="0"/>
+              <a:t>End zu End Verantwortung in den Teams ermöglicht viel Entscheidungsspielraum innerhalb der dazugehörigen Domäne, so auch Entscheidungen wie Programmiersprache, Frameworks, Workflows etc.</a:t>
+            </a:r>
+          </a:p>
+        </p:txBody>
+      </p:sp>
+      <p:pic>
+        <p:nvPicPr>
+          <p:cNvPr id="6" name="Grafik 5">
+            <a:extLst>
+              <a:ext uri="{FF2B5EF4-FFF2-40B4-BE49-F238E27FC236}">
+                <a16:creationId xmlns:a16="http://schemas.microsoft.com/office/drawing/2014/main" id="{F1C5D048-605C-4768-9C09-9A1B5407C22C}"/>
+              </a:ext>
+            </a:extLst>
+          </p:cNvPr>
+          <p:cNvPicPr>
+            <a:picLocks noChangeAspect="1"/>
+          </p:cNvPicPr>
+          <p:nvPr/>
+        </p:nvPicPr>
+        <p:blipFill>
+          <a:blip r:embed="rId3"/>
+          <a:stretch>
+            <a:fillRect/>
+          </a:stretch>
+        </p:blipFill>
+        <p:spPr>
+          <a:xfrm>
+            <a:off x="1714500" y="762000"/>
+            <a:ext cx="8763000" cy="2950302"/>
+          </a:xfrm>
+          <a:prstGeom prst="rect">
+            <a:avLst/>
+          </a:prstGeom>
+        </p:spPr>
+      </p:pic>
+    </p:spTree>
+    <p:extLst>
+      <p:ext uri="{BB962C8B-B14F-4D97-AF65-F5344CB8AC3E}">
+        <p14:creationId xmlns:p14="http://schemas.microsoft.com/office/powerpoint/2010/main" val="4137199105"/>
+      </p:ext>
+    </p:extLst>
+  </p:cSld>
+  <p:clrMapOvr>
+    <a:masterClrMapping/>
+  </p:clrMapOvr>
+</p:sld>
+</file>
+
+<file path=ppt/slides/slide8.xml><?xml version="1.0" encoding="utf-8"?>
+<p:sld xmlns:a="http://schemas.openxmlformats.org/drawingml/2006/main" xmlns:r="http://schemas.openxmlformats.org/officeDocument/2006/relationships" xmlns:p="http://schemas.openxmlformats.org/presentationml/2006/main">
+  <p:cSld>
+    <p:spTree>
+      <p:nvGrpSpPr>
+        <p:cNvPr id="1" name=""/>
+        <p:cNvGrpSpPr/>
+        <p:nvPr/>
+      </p:nvGrpSpPr>
+      <p:grpSpPr>
+        <a:xfrm>
+          <a:off x="0" y="0"/>
+          <a:ext cx="0" cy="0"/>
+          <a:chOff x="0" y="0"/>
+          <a:chExt cx="0" cy="0"/>
+        </a:xfrm>
+      </p:grpSpPr>
+      <p:pic>
+        <p:nvPicPr>
+          <p:cNvPr id="2" name="Grafik 1">
+            <a:extLst>
+              <a:ext uri="{FF2B5EF4-FFF2-40B4-BE49-F238E27FC236}">
+                <a16:creationId xmlns:a16="http://schemas.microsoft.com/office/drawing/2014/main" id="{04D3FDB2-A88E-4FFF-B37D-335457C670C4}"/>
+              </a:ext>
+            </a:extLst>
+          </p:cNvPr>
+          <p:cNvPicPr>
+            <a:picLocks noChangeAspect="1"/>
+          </p:cNvPicPr>
+          <p:nvPr/>
+        </p:nvPicPr>
+        <p:blipFill>
+          <a:blip r:embed="rId3"/>
+          <a:stretch>
+            <a:fillRect/>
+          </a:stretch>
+        </p:blipFill>
+        <p:spPr>
+          <a:xfrm>
+            <a:off x="1752600" y="180303"/>
+            <a:ext cx="8534400" cy="6383404"/>
+          </a:xfrm>
+          <a:prstGeom prst="rect">
+            <a:avLst/>
+          </a:prstGeom>
+        </p:spPr>
+      </p:pic>
+    </p:spTree>
+    <p:extLst>
+      <p:ext uri="{BB962C8B-B14F-4D97-AF65-F5344CB8AC3E}">
+        <p14:creationId xmlns:p14="http://schemas.microsoft.com/office/powerpoint/2010/main" val="1792998895"/>
+      </p:ext>
+    </p:extLst>
+  </p:cSld>
+  <p:clrMapOvr>
+    <a:masterClrMapping/>
+  </p:clrMapOvr>
+</p:sld>
+</file>
+
+<file path=ppt/slides/slide9.xml><?xml version="1.0" encoding="utf-8"?>
+<p:sld xmlns:a="http://schemas.openxmlformats.org/drawingml/2006/main" xmlns:r="http://schemas.openxmlformats.org/officeDocument/2006/relationships" xmlns:p="http://schemas.openxmlformats.org/presentationml/2006/main">
+  <p:cSld>
+    <p:spTree>
+      <p:nvGrpSpPr>
+        <p:cNvPr id="1" name=""/>
+        <p:cNvGrpSpPr/>
+        <p:nvPr/>
+      </p:nvGrpSpPr>
+      <p:grpSpPr>
+        <a:xfrm>
+          <a:off x="0" y="0"/>
+          <a:ext cx="0" cy="0"/>
+          <a:chOff x="0" y="0"/>
+          <a:chExt cx="0" cy="0"/>
+        </a:xfrm>
+      </p:grpSpPr>
+      <p:sp>
+        <p:nvSpPr>
+          <p:cNvPr id="2" name="Titel 1">
+            <a:extLst>
+              <a:ext uri="{FF2B5EF4-FFF2-40B4-BE49-F238E27FC236}">
+                <a16:creationId xmlns:a16="http://schemas.microsoft.com/office/drawing/2014/main" id="{F04DC760-EB80-4D09-9ACE-F79953CC0906}"/>
               </a:ext>
             </a:extLst>
           </p:cNvPr>
@@ -4301,236 +9800,53 @@
             <p:ph type="title"/>
           </p:nvPr>
         </p:nvSpPr>
-        <p:spPr>
-          <a:xfrm>
-            <a:off x="1752600" y="2057400"/>
-            <a:ext cx="5791200" cy="2971800"/>
-          </a:xfrm>
-          <a:solidFill>
-            <a:srgbClr val="4FA557"/>
-          </a:solidFill>
-        </p:spPr>
-        <p:txBody>
-          <a:bodyPr>
-            <a:normAutofit/>
-          </a:bodyPr>
-          <a:lstStyle/>
-          <a:p>
-            <a:r>
-              <a:rPr lang="en-US" sz="9600" b="1" dirty="0">
-                <a:solidFill>
-                  <a:schemeClr val="bg1"/>
-                </a:solidFill>
-              </a:rPr>
-              <a:t>Merci.</a:t>
-            </a:r>
-            <a:endParaRPr lang="de-CH" sz="9600" b="1" dirty="0">
-              <a:solidFill>
-                <a:schemeClr val="bg1"/>
-              </a:solidFill>
-            </a:endParaRPr>
-          </a:p>
-        </p:txBody>
-      </p:sp>
-      <p:sp>
-        <p:nvSpPr>
-          <p:cNvPr id="7" name="TextBox 6">
+        <p:spPr/>
+        <p:txBody>
+          <a:bodyPr/>
+          <a:lstStyle/>
+          <a:p>
+            <a:r>
+              <a:rPr lang="de-CH" dirty="0"/>
+              <a:t>PLATZHALTER DANI</a:t>
+            </a:r>
+          </a:p>
+        </p:txBody>
+      </p:sp>
+      <p:sp>
+        <p:nvSpPr>
+          <p:cNvPr id="3" name="Inhaltsplatzhalter 2">
             <a:extLst>
               <a:ext uri="{FF2B5EF4-FFF2-40B4-BE49-F238E27FC236}">
-                <a16:creationId xmlns:a16="http://schemas.microsoft.com/office/drawing/2014/main" xmlns="" id="{28B311C4-70B0-4DA2-B0DA-39649793B11C}"/>
+                <a16:creationId xmlns:a16="http://schemas.microsoft.com/office/drawing/2014/main" id="{7B34B327-5CF1-4740-81E1-48CEFE8F9F28}"/>
               </a:ext>
             </a:extLst>
           </p:cNvPr>
-          <p:cNvSpPr txBox="1"/>
-          <p:nvPr/>
-        </p:nvSpPr>
-        <p:spPr>
-          <a:xfrm>
-            <a:off x="-1600200" y="457200"/>
-            <a:ext cx="184731" cy="369332"/>
-          </a:xfrm>
-          <a:prstGeom prst="rect">
-            <a:avLst/>
-          </a:prstGeom>
-          <a:noFill/>
-        </p:spPr>
-        <p:txBody>
-          <a:bodyPr wrap="none" rtlCol="0">
-            <a:spAutoFit/>
-          </a:bodyPr>
-          <a:lstStyle/>
-          <a:p>
-            <a:endParaRPr lang="de-CH" dirty="0"/>
-          </a:p>
-        </p:txBody>
-      </p:sp>
-      <p:sp>
-        <p:nvSpPr>
-          <p:cNvPr id="23" name="Rectangle 22">
-            <a:extLst>
-              <a:ext uri="{FF2B5EF4-FFF2-40B4-BE49-F238E27FC236}">
-                <a16:creationId xmlns:a16="http://schemas.microsoft.com/office/drawing/2014/main" xmlns="" id="{01BCD978-FC9C-40D6-8B5F-73FF208FD759}"/>
-              </a:ext>
-            </a:extLst>
-          </p:cNvPr>
-          <p:cNvSpPr/>
-          <p:nvPr/>
-        </p:nvSpPr>
-        <p:spPr>
-          <a:xfrm>
-            <a:off x="697344" y="5867400"/>
-            <a:ext cx="7525623" cy="400110"/>
-          </a:xfrm>
-          <a:prstGeom prst="rect">
-            <a:avLst/>
-          </a:prstGeom>
-        </p:spPr>
-        <p:txBody>
-          <a:bodyPr wrap="square">
-            <a:spAutoFit/>
-          </a:bodyPr>
-          <a:lstStyle/>
-          <a:p>
-            <a:pPr algn="ctr"/>
-            <a:r>
-              <a:rPr lang="de-CH" sz="2000" b="1" dirty="0">
-                <a:solidFill>
-                  <a:schemeClr val="bg1"/>
-                </a:solidFill>
-              </a:rPr>
-              <a:t>https://github.com/SchweizerischeBundesbahnen/scion-workbench</a:t>
-            </a:r>
-          </a:p>
-        </p:txBody>
-      </p:sp>
-      <p:pic>
-        <p:nvPicPr>
-          <p:cNvPr id="14" name="Picture 13">
-            <a:extLst>
-              <a:ext uri="{FF2B5EF4-FFF2-40B4-BE49-F238E27FC236}">
-                <a16:creationId xmlns:a16="http://schemas.microsoft.com/office/drawing/2014/main" xmlns="" id="{1F5D716C-E956-41A8-A7EE-85BD7550163A}"/>
-              </a:ext>
-            </a:extLst>
-          </p:cNvPr>
-          <p:cNvPicPr>
-            <a:picLocks noChangeAspect="1"/>
-          </p:cNvPicPr>
-          <p:nvPr/>
-        </p:nvPicPr>
-        <p:blipFill>
-          <a:blip r:embed="rId2">
-            <a:extLst>
-              <a:ext uri="{28A0092B-C50C-407E-A947-70E740481C1C}">
-                <a14:useLocalDpi xmlns:a14="http://schemas.microsoft.com/office/drawing/2010/main" val="0"/>
-              </a:ext>
-            </a:extLst>
-          </a:blip>
-          <a:stretch>
-            <a:fillRect/>
-          </a:stretch>
-        </p:blipFill>
-        <p:spPr>
-          <a:xfrm>
-            <a:off x="766452" y="621268"/>
-            <a:ext cx="7611095" cy="1092503"/>
-          </a:xfrm>
-          <a:prstGeom prst="rect">
-            <a:avLst/>
-          </a:prstGeom>
-        </p:spPr>
-      </p:pic>
-      <p:sp>
-        <p:nvSpPr>
-          <p:cNvPr id="15" name="Metadata">
-            <a:extLst>
-              <a:ext uri="{FF2B5EF4-FFF2-40B4-BE49-F238E27FC236}">
-                <a16:creationId xmlns:a16="http://schemas.microsoft.com/office/drawing/2014/main" xmlns="" id="{100224E2-AAC8-4529-B5F0-93696B2947CA}"/>
-              </a:ext>
-            </a:extLst>
-          </p:cNvPr>
-          <p:cNvSpPr/>
-          <p:nvPr/>
-        </p:nvSpPr>
-        <p:spPr>
-          <a:xfrm>
-            <a:off x="12700" y="6540500"/>
-            <a:ext cx="3810000" cy="317500"/>
-          </a:xfrm>
-          <a:prstGeom prst="rect">
-            <a:avLst/>
-          </a:prstGeom>
-          <a:noFill/>
-          <a:ln w="25400" cap="flat" cmpd="sng" algn="ctr">
-            <a:noFill/>
-            <a:prstDash val="solid"/>
-          </a:ln>
-          <a:effectLst/>
-          <a:extLst>
-            <a:ext uri="{909E8E84-426E-40dd-AFC4-6F175D3DCCD1}">
-              <a14:hiddenFill xmlns:a14="http://schemas.microsoft.com/office/drawing/2010/main">
-                <a:solidFill>
-                  <a:schemeClr val="accent1"/>
-                </a:solidFill>
-              </a14:hiddenFill>
-            </a:ext>
-            <a:ext uri="{91240B29-F687-4f45-9708-019B960494DF}">
-              <a14:hiddenLine xmlns:a14="http://schemas.microsoft.com/office/drawing/2010/main" w="25400" cap="flat" cmpd="sng" algn="ctr">
-                <a:solidFill>
-                  <a:schemeClr val="accent1">
-                    <a:shade val="50000"/>
-                  </a:schemeClr>
-                </a:solidFill>
-                <a:prstDash val="solid"/>
-              </a14:hiddenLine>
-            </a:ext>
-          </a:extLst>
-        </p:spPr>
-        <p:style>
-          <a:lnRef idx="2">
-            <a:schemeClr val="accent1">
-              <a:shade val="50000"/>
-            </a:schemeClr>
-          </a:lnRef>
-          <a:fillRef idx="1">
-            <a:schemeClr val="accent1"/>
-          </a:fillRef>
-          <a:effectRef idx="0">
-            <a:schemeClr val="accent1"/>
-          </a:effectRef>
-          <a:fontRef idx="minor">
-            <a:schemeClr val="lt1"/>
-          </a:fontRef>
-        </p:style>
-        <p:txBody>
-          <a:bodyPr rtlCol="0" anchor="ctr"/>
-          <a:lstStyle/>
-          <a:p>
-            <a:endParaRPr lang="de-CH" sz="800" b="1">
-              <a:solidFill>
-                <a:srgbClr val="000000"/>
-              </a:solidFill>
-              <a:latin typeface="Arial" panose="020B0604020202020204" pitchFamily="34" charset="0"/>
-            </a:endParaRPr>
+          <p:cNvSpPr>
+            <a:spLocks noGrp="1"/>
+          </p:cNvSpPr>
+          <p:nvPr>
+            <p:ph idx="1"/>
+          </p:nvPr>
+        </p:nvSpPr>
+        <p:spPr/>
+        <p:txBody>
+          <a:bodyPr/>
+          <a:lstStyle/>
+          <a:p>
+            <a:endParaRPr lang="de-CH"/>
           </a:p>
         </p:txBody>
       </p:sp>
     </p:spTree>
     <p:extLst>
       <p:ext uri="{BB962C8B-B14F-4D97-AF65-F5344CB8AC3E}">
-        <p14:creationId xmlns:p14="http://schemas.microsoft.com/office/powerpoint/2010/main" val="4003413228"/>
+        <p14:creationId xmlns:p14="http://schemas.microsoft.com/office/powerpoint/2010/main" val="3602585594"/>
       </p:ext>
     </p:extLst>
   </p:cSld>
   <p:clrMapOvr>
     <a:masterClrMapping/>
   </p:clrMapOvr>
-  <p:timing>
-    <p:tnLst>
-      <p:par>
-        <p:cTn xmlns:p14="http://schemas.microsoft.com/office/powerpoint/2010/main" id="1" dur="indefinite" restart="never" nodeType="tmRoot"/>
-      </p:par>
-    </p:tnLst>
-  </p:timing>
 </p:sld>
 </file>
 
@@ -5108,7 +10424,7 @@
   <a:extraClrSchemeLst/>
   <a:extLst>
     <a:ext uri="{05A4C25C-085E-4340-85A3-A5531E510DB2}">
-      <thm15:themeFamily xmlns:thm15="http://schemas.microsoft.com/office/thememl/2012/main" xmlns="" name="Office Theme" id="{62F939B6-93AF-4DB8-9C6B-D6C7DFDC589F}" vid="{4A3C46E8-61CC-4603-A589-7422A47A8E4A}"/>
+      <thm15:themeFamily xmlns:thm15="http://schemas.microsoft.com/office/thememl/2012/main" name="Office Theme" id="{62F939B6-93AF-4DB8-9C6B-D6C7DFDC589F}" vid="{4A3C46E8-61CC-4603-A589-7422A47A8E4A}"/>
     </a:ext>
   </a:extLst>
 </a:theme>

--- a/presentation-scion-workbench-bat42.pptx
+++ b/presentation-scion-workbench-bat42.pptx
@@ -915,7 +915,61 @@
             </a:r>
             <a:r>
               <a:rPr lang="de-CH" dirty="0"/>
-              <a:t> End Verantwortung</a:t>
+              <a:t> End Verantwortung in den Team</a:t>
+            </a:r>
+          </a:p>
+          <a:p>
+            <a:pPr marL="0" marR="0" lvl="0" indent="0" algn="l" defTabSz="914400" rtl="0" eaLnBrk="1" fontAlgn="auto" latinLnBrk="0" hangingPunct="1">
+              <a:lnSpc>
+                <a:spcPct val="100000"/>
+              </a:lnSpc>
+              <a:spcBef>
+                <a:spcPts val="0"/>
+              </a:spcBef>
+              <a:spcAft>
+                <a:spcPts val="0"/>
+              </a:spcAft>
+              <a:buClrTx/>
+              <a:buSzTx/>
+              <a:buFontTx/>
+              <a:buNone/>
+              <a:tabLst/>
+              <a:defRPr/>
+            </a:pPr>
+            <a:r>
+              <a:rPr lang="de-CH" dirty="0"/>
+              <a:t> - Möglichst wenig </a:t>
+            </a:r>
+            <a:r>
+              <a:rPr lang="de-CH" dirty="0" err="1"/>
+              <a:t>Handover</a:t>
+            </a:r>
+            <a:r>
+              <a:rPr lang="de-CH" dirty="0"/>
+              <a:t> / Schnittstelle zur Aussenwelt</a:t>
+            </a:r>
+          </a:p>
+          <a:p>
+            <a:pPr marL="0" marR="0" lvl="0" indent="0" algn="l" defTabSz="914400" rtl="0" eaLnBrk="1" fontAlgn="auto" latinLnBrk="0" hangingPunct="1">
+              <a:lnSpc>
+                <a:spcPct val="100000"/>
+              </a:lnSpc>
+              <a:spcBef>
+                <a:spcPts val="0"/>
+              </a:spcBef>
+              <a:spcAft>
+                <a:spcPts val="0"/>
+              </a:spcAft>
+              <a:buClrTx/>
+              <a:buSzTx/>
+              <a:buFontTx/>
+              <a:buNone/>
+              <a:tabLst/>
+              <a:defRPr/>
+            </a:pPr>
+            <a:r>
+              <a:rPr lang="de-CH" dirty="0"/>
+              <a:t> - Klare Daten- und damit UI Ownership</a:t>
             </a:r>
           </a:p>
           <a:p>

--- a/presentation-scion-workbench-bat42.pptx
+++ b/presentation-scion-workbench-bat42.pptx
@@ -541,15 +541,7 @@
           <a:p>
             <a:r>
               <a:rPr lang="de-CH" dirty="0"/>
-              <a:t>Komplexität erläutern, </a:t>
-            </a:r>
-            <a:r>
-              <a:rPr lang="de-CH" dirty="0" err="1"/>
-              <a:t>einführung</a:t>
-            </a:r>
-            <a:r>
-              <a:rPr lang="de-CH" dirty="0"/>
-              <a:t> über die Grösse des Systems / Projekts</a:t>
+              <a:t>Komplexität erläutern, Einführung über die Grösse des Systems / Projekts</a:t>
             </a:r>
           </a:p>
           <a:p>
@@ -916,6 +908,126 @@
             <a:r>
               <a:rPr lang="de-CH" dirty="0"/>
               <a:t> End Verantwortung in den Team</a:t>
+            </a:r>
+          </a:p>
+          <a:p>
+            <a:pPr marL="0" marR="0" lvl="0" indent="0" algn="l" defTabSz="914400" rtl="0" eaLnBrk="1" fontAlgn="auto" latinLnBrk="0" hangingPunct="1">
+              <a:lnSpc>
+                <a:spcPct val="100000"/>
+              </a:lnSpc>
+              <a:spcBef>
+                <a:spcPts val="0"/>
+              </a:spcBef>
+              <a:spcAft>
+                <a:spcPts val="0"/>
+              </a:spcAft>
+              <a:buClrTx/>
+              <a:buSzTx/>
+              <a:buFontTx/>
+              <a:buNone/>
+              <a:tabLst/>
+              <a:defRPr/>
+            </a:pPr>
+            <a:r>
+              <a:rPr lang="de-CH" dirty="0"/>
+              <a:t> - Teams bzw. Applikationen geschnitten nach Business </a:t>
+            </a:r>
+            <a:r>
+              <a:rPr lang="de-CH" dirty="0" err="1"/>
+              <a:t>Capabilities</a:t>
+            </a:r>
+            <a:endParaRPr lang="de-CH" dirty="0"/>
+          </a:p>
+          <a:p>
+            <a:pPr marL="0" marR="0" lvl="0" indent="0" algn="l" defTabSz="914400" rtl="0" eaLnBrk="1" fontAlgn="auto" latinLnBrk="0" hangingPunct="1">
+              <a:lnSpc>
+                <a:spcPct val="100000"/>
+              </a:lnSpc>
+              <a:spcBef>
+                <a:spcPts val="0"/>
+              </a:spcBef>
+              <a:spcAft>
+                <a:spcPts val="0"/>
+              </a:spcAft>
+              <a:buClrTx/>
+              <a:buSzTx/>
+              <a:buFontTx/>
+              <a:buNone/>
+              <a:tabLst/>
+              <a:defRPr/>
+            </a:pPr>
+            <a:r>
+              <a:rPr lang="de-CH" dirty="0"/>
+              <a:t>     - lose Kopplung und hohe Kohäsion</a:t>
+            </a:r>
+          </a:p>
+          <a:p>
+            <a:pPr marL="0" marR="0" lvl="0" indent="0" algn="l" defTabSz="914400" rtl="0" eaLnBrk="1" fontAlgn="auto" latinLnBrk="0" hangingPunct="1">
+              <a:lnSpc>
+                <a:spcPct val="100000"/>
+              </a:lnSpc>
+              <a:spcBef>
+                <a:spcPts val="0"/>
+              </a:spcBef>
+              <a:spcAft>
+                <a:spcPts val="0"/>
+              </a:spcAft>
+              <a:buClrTx/>
+              <a:buSzTx/>
+              <a:buFontTx/>
+              <a:buNone/>
+              <a:tabLst/>
+              <a:defRPr/>
+            </a:pPr>
+            <a:r>
+              <a:rPr lang="de-CH" dirty="0"/>
+              <a:t> - Alle Teams haben</a:t>
+            </a:r>
+          </a:p>
+          <a:p>
+            <a:pPr marL="0" marR="0" lvl="0" indent="0" algn="l" defTabSz="914400" rtl="0" eaLnBrk="1" fontAlgn="auto" latinLnBrk="0" hangingPunct="1">
+              <a:lnSpc>
+                <a:spcPct val="100000"/>
+              </a:lnSpc>
+              <a:spcBef>
+                <a:spcPts val="0"/>
+              </a:spcBef>
+              <a:spcAft>
+                <a:spcPts val="0"/>
+              </a:spcAft>
+              <a:buClrTx/>
+              <a:buSzTx/>
+              <a:buFontTx/>
+              <a:buNone/>
+              <a:tabLst/>
+              <a:defRPr/>
+            </a:pPr>
+            <a:r>
+              <a:rPr lang="de-CH" dirty="0"/>
+              <a:t>    - Die nötigen Skills</a:t>
+            </a:r>
+          </a:p>
+          <a:p>
+            <a:pPr marL="0" marR="0" lvl="0" indent="0" algn="l" defTabSz="914400" rtl="0" eaLnBrk="1" fontAlgn="auto" latinLnBrk="0" hangingPunct="1">
+              <a:lnSpc>
+                <a:spcPct val="100000"/>
+              </a:lnSpc>
+              <a:spcBef>
+                <a:spcPts val="0"/>
+              </a:spcBef>
+              <a:spcAft>
+                <a:spcPts val="0"/>
+              </a:spcAft>
+              <a:buClrTx/>
+              <a:buSzTx/>
+              <a:buFontTx/>
+              <a:buNone/>
+              <a:tabLst/>
+              <a:defRPr/>
+            </a:pPr>
+            <a:r>
+              <a:rPr lang="de-CH" dirty="0"/>
+              <a:t>    - die Entscheidungsgewalt</a:t>
             </a:r>
           </a:p>
           <a:p>
@@ -4737,7 +4849,15 @@
             </a:r>
             <a:r>
               <a:rPr lang="de-CH" dirty="0"/>
-              <a:t> / Ausblick</a:t>
+              <a:t> / Wrap-</a:t>
+            </a:r>
+            <a:r>
+              <a:rPr lang="de-CH"/>
+              <a:t>up </a:t>
+            </a:r>
+            <a:r>
+              <a:rPr lang="de-CH" dirty="0"/>
+              <a:t>/ Ausblick</a:t>
             </a:r>
           </a:p>
         </p:txBody>

--- a/presentation-scion-workbench-bat42.pptx
+++ b/presentation-scion-workbench-bat42.pptx
@@ -16,8 +16,8 @@
     <p:sldId id="275" r:id="rId7"/>
     <p:sldId id="276" r:id="rId8"/>
     <p:sldId id="274" r:id="rId9"/>
-    <p:sldId id="277" r:id="rId10"/>
-    <p:sldId id="278" r:id="rId11"/>
+    <p:sldId id="278" r:id="rId10"/>
+    <p:sldId id="277" r:id="rId11"/>
     <p:sldId id="268" r:id="rId12"/>
   </p:sldIdLst>
   <p:sldSz cx="12192000" cy="6858000"/>
@@ -119,7 +119,7 @@
   </p:defaultTextStyle>
   <p:extLst>
     <p:ext uri="{EFAFB233-063F-42B5-8137-9DF3F51BA10A}">
-      <p15:sldGuideLst xmlns:p15="http://schemas.microsoft.com/office/powerpoint/2012/main">
+      <p15:sldGuideLst xmlns:p15="http://schemas.microsoft.com/office/powerpoint/2012/main" xmlns="">
         <p15:guide id="1" orient="horz" pos="2160" userDrawn="1">
           <p15:clr>
             <a:srgbClr val="A4A3A4"/>
@@ -218,7 +218,7 @@
           <a:p>
             <a:fld id="{9AC092D3-F097-4195-95C4-3108A32EC641}" type="datetimeFigureOut">
               <a:rPr lang="de-CH" smtClean="0"/>
-              <a:t>04.03.2019</a:t>
+              <a:t>05.03.19</a:t>
             </a:fld>
             <a:endParaRPr lang="de-CH"/>
           </a:p>
@@ -1277,6 +1277,347 @@
 </p:notes>
 </file>
 
+<file path=ppt/notesSlides/notesSlide5.xml><?xml version="1.0" encoding="utf-8"?>
+<p:notes xmlns:a="http://schemas.openxmlformats.org/drawingml/2006/main" xmlns:r="http://schemas.openxmlformats.org/officeDocument/2006/relationships" xmlns:p="http://schemas.openxmlformats.org/presentationml/2006/main">
+  <p:cSld>
+    <p:spTree>
+      <p:nvGrpSpPr>
+        <p:cNvPr id="1" name=""/>
+        <p:cNvGrpSpPr/>
+        <p:nvPr/>
+      </p:nvGrpSpPr>
+      <p:grpSpPr>
+        <a:xfrm>
+          <a:off x="0" y="0"/>
+          <a:ext cx="0" cy="0"/>
+          <a:chOff x="0" y="0"/>
+          <a:chExt cx="0" cy="0"/>
+        </a:xfrm>
+      </p:grpSpPr>
+      <p:sp>
+        <p:nvSpPr>
+          <p:cNvPr id="2" name="Folienbildplatzhalter 1"/>
+          <p:cNvSpPr>
+            <a:spLocks noGrp="1" noRot="1" noChangeAspect="1"/>
+          </p:cNvSpPr>
+          <p:nvPr>
+            <p:ph type="sldImg"/>
+          </p:nvPr>
+        </p:nvSpPr>
+        <p:spPr/>
+      </p:sp>
+      <p:sp>
+        <p:nvSpPr>
+          <p:cNvPr id="3" name="Notizenplatzhalter 2"/>
+          <p:cNvSpPr>
+            <a:spLocks noGrp="1"/>
+          </p:cNvSpPr>
+          <p:nvPr>
+            <p:ph type="body" idx="1"/>
+          </p:nvPr>
+        </p:nvSpPr>
+        <p:spPr/>
+        <p:txBody>
+          <a:bodyPr/>
+          <a:lstStyle/>
+          <a:p>
+            <a:r>
+              <a:rPr lang="de-DE" dirty="0" smtClean="0"/>
+              <a:t>Welchen</a:t>
+            </a:r>
+            <a:r>
+              <a:rPr lang="de-DE" baseline="0" dirty="0" smtClean="0"/>
+              <a:t> Preis muss man bezahlen/Was gilt es zu beachten</a:t>
+            </a:r>
+          </a:p>
+          <a:p>
+            <a:endParaRPr lang="de-DE" baseline="0" dirty="0" smtClean="0"/>
+          </a:p>
+          <a:p>
+            <a:endParaRPr lang="de-DE" baseline="0" dirty="0" smtClean="0"/>
+          </a:p>
+          <a:p>
+            <a:pPr marL="342900" indent="-342900">
+              <a:lnSpc>
+                <a:spcPct val="200000"/>
+              </a:lnSpc>
+              <a:buFontTx/>
+              <a:buChar char="-"/>
+            </a:pPr>
+            <a:r>
+              <a:rPr lang="en-US" sz="1200" dirty="0" err="1" smtClean="0"/>
+              <a:t>Schnelle</a:t>
+            </a:r>
+            <a:r>
+              <a:rPr lang="en-US" sz="1200" dirty="0" smtClean="0"/>
+              <a:t> </a:t>
+            </a:r>
+            <a:r>
+              <a:rPr lang="en-US" sz="1200" dirty="0" err="1" smtClean="0"/>
+              <a:t>Aufstartzeit</a:t>
+            </a:r>
+            <a:r>
+              <a:rPr lang="en-US" sz="1200" dirty="0" smtClean="0"/>
+              <a:t> </a:t>
+            </a:r>
+            <a:r>
+              <a:rPr lang="en-US" sz="1200" dirty="0" err="1" smtClean="0"/>
+              <a:t>zwingend</a:t>
+            </a:r>
+            <a:endParaRPr lang="en-US" sz="1200" dirty="0" smtClean="0"/>
+          </a:p>
+          <a:p>
+            <a:pPr marL="342900" indent="-342900">
+              <a:lnSpc>
+                <a:spcPct val="200000"/>
+              </a:lnSpc>
+              <a:buFontTx/>
+              <a:buChar char="-"/>
+            </a:pPr>
+            <a:r>
+              <a:rPr lang="en-US" sz="1200" dirty="0" smtClean="0"/>
+              <a:t>Separates ‘DOCUMENT’ pro </a:t>
+            </a:r>
+            <a:r>
+              <a:rPr lang="en-US" sz="1200" dirty="0" err="1" smtClean="0"/>
+              <a:t>Applikationsinstanz</a:t>
+            </a:r>
+            <a:endParaRPr lang="en-US" sz="1200" dirty="0" smtClean="0"/>
+          </a:p>
+          <a:p>
+            <a:pPr marL="342900" indent="-342900">
+              <a:lnSpc>
+                <a:spcPct val="200000"/>
+              </a:lnSpc>
+              <a:buFontTx/>
+              <a:buChar char="-"/>
+            </a:pPr>
+            <a:r>
+              <a:rPr lang="en-US" sz="1200" dirty="0" err="1" smtClean="0"/>
+              <a:t>Iframe-Begrenzung</a:t>
+            </a:r>
+            <a:r>
+              <a:rPr lang="en-US" sz="1200" dirty="0" smtClean="0"/>
+              <a:t> </a:t>
+            </a:r>
+            <a:r>
+              <a:rPr lang="en-US" sz="1200" dirty="0" err="1" smtClean="0"/>
+              <a:t>kann</a:t>
+            </a:r>
+            <a:r>
+              <a:rPr lang="en-US" sz="1200" dirty="0" smtClean="0"/>
+              <a:t> </a:t>
+            </a:r>
+            <a:r>
+              <a:rPr lang="en-US" sz="1200" dirty="0" err="1" smtClean="0"/>
+              <a:t>nicht</a:t>
+            </a:r>
+            <a:r>
+              <a:rPr lang="en-US" sz="1200" dirty="0" smtClean="0"/>
+              <a:t> </a:t>
+            </a:r>
+            <a:r>
+              <a:rPr lang="en-US" sz="1200" dirty="0" err="1" smtClean="0"/>
+              <a:t>verlassen</a:t>
+            </a:r>
+            <a:r>
+              <a:rPr lang="en-US" sz="1200" dirty="0" smtClean="0"/>
+              <a:t> </a:t>
+            </a:r>
+            <a:r>
+              <a:rPr lang="en-US" sz="1200" dirty="0" err="1" smtClean="0"/>
+              <a:t>werden</a:t>
+            </a:r>
+            <a:endParaRPr lang="en-US" sz="1200" dirty="0" smtClean="0"/>
+          </a:p>
+          <a:p>
+            <a:pPr marL="342900" indent="-342900">
+              <a:lnSpc>
+                <a:spcPct val="200000"/>
+              </a:lnSpc>
+              <a:buFontTx/>
+              <a:buChar char="-"/>
+            </a:pPr>
+            <a:endParaRPr lang="en-US" sz="1200" dirty="0" smtClean="0"/>
+          </a:p>
+          <a:p>
+            <a:endParaRPr lang="de-DE" dirty="0"/>
+          </a:p>
+        </p:txBody>
+      </p:sp>
+      <p:sp>
+        <p:nvSpPr>
+          <p:cNvPr id="4" name="Foliennummernplatzhalter 3"/>
+          <p:cNvSpPr>
+            <a:spLocks noGrp="1"/>
+          </p:cNvSpPr>
+          <p:nvPr>
+            <p:ph type="sldNum" sz="quarter" idx="10"/>
+          </p:nvPr>
+        </p:nvSpPr>
+        <p:spPr/>
+        <p:txBody>
+          <a:bodyPr/>
+          <a:lstStyle/>
+          <a:p>
+            <a:fld id="{A04FDDDB-F8A1-4327-996A-5B7614E95790}" type="slidenum">
+              <a:rPr lang="de-CH" smtClean="0"/>
+              <a:t>9</a:t>
+            </a:fld>
+            <a:endParaRPr lang="de-CH"/>
+          </a:p>
+        </p:txBody>
+      </p:sp>
+    </p:spTree>
+    <p:extLst>
+      <p:ext uri="{BB962C8B-B14F-4D97-AF65-F5344CB8AC3E}">
+        <p14:creationId xmlns:p14="http://schemas.microsoft.com/office/powerpoint/2010/main" val="4243965458"/>
+      </p:ext>
+    </p:extLst>
+  </p:cSld>
+  <p:clrMapOvr>
+    <a:masterClrMapping/>
+  </p:clrMapOvr>
+</p:notes>
+</file>
+
+<file path=ppt/notesSlides/notesSlide6.xml><?xml version="1.0" encoding="utf-8"?>
+<p:notes xmlns:a="http://schemas.openxmlformats.org/drawingml/2006/main" xmlns:r="http://schemas.openxmlformats.org/officeDocument/2006/relationships" xmlns:p="http://schemas.openxmlformats.org/presentationml/2006/main">
+  <p:cSld>
+    <p:spTree>
+      <p:nvGrpSpPr>
+        <p:cNvPr id="1" name=""/>
+        <p:cNvGrpSpPr/>
+        <p:nvPr/>
+      </p:nvGrpSpPr>
+      <p:grpSpPr>
+        <a:xfrm>
+          <a:off x="0" y="0"/>
+          <a:ext cx="0" cy="0"/>
+          <a:chOff x="0" y="0"/>
+          <a:chExt cx="0" cy="0"/>
+        </a:xfrm>
+      </p:grpSpPr>
+      <p:sp>
+        <p:nvSpPr>
+          <p:cNvPr id="2" name="Folienbildplatzhalter 1"/>
+          <p:cNvSpPr>
+            <a:spLocks noGrp="1" noRot="1" noChangeAspect="1"/>
+          </p:cNvSpPr>
+          <p:nvPr>
+            <p:ph type="sldImg"/>
+          </p:nvPr>
+        </p:nvSpPr>
+        <p:spPr/>
+      </p:sp>
+      <p:sp>
+        <p:nvSpPr>
+          <p:cNvPr id="3" name="Notizenplatzhalter 2"/>
+          <p:cNvSpPr>
+            <a:spLocks noGrp="1"/>
+          </p:cNvSpPr>
+          <p:nvPr>
+            <p:ph type="body" idx="1"/>
+          </p:nvPr>
+        </p:nvSpPr>
+        <p:spPr/>
+        <p:txBody>
+          <a:bodyPr/>
+          <a:lstStyle/>
+          <a:p>
+            <a:pPr marL="0" indent="0">
+              <a:lnSpc>
+                <a:spcPct val="200000"/>
+              </a:lnSpc>
+              <a:buFontTx/>
+              <a:buNone/>
+            </a:pPr>
+            <a:r>
+              <a:rPr lang="en-US" sz="1200" dirty="0" err="1" smtClean="0"/>
+              <a:t>Ausblick</a:t>
+            </a:r>
+            <a:endParaRPr lang="en-US" sz="1200" dirty="0" smtClean="0"/>
+          </a:p>
+          <a:p>
+            <a:pPr marL="342900" indent="-342900">
+              <a:lnSpc>
+                <a:spcPct val="200000"/>
+              </a:lnSpc>
+              <a:buFontTx/>
+              <a:buChar char="-"/>
+            </a:pPr>
+            <a:r>
+              <a:rPr lang="en-US" sz="1200" dirty="0" smtClean="0"/>
+              <a:t>Responsive Design</a:t>
+            </a:r>
+          </a:p>
+          <a:p>
+            <a:pPr marL="342900" indent="-342900">
+              <a:lnSpc>
+                <a:spcPct val="200000"/>
+              </a:lnSpc>
+              <a:buFontTx/>
+              <a:buChar char="-"/>
+            </a:pPr>
+            <a:r>
+              <a:rPr lang="en-US" sz="1200" dirty="0" smtClean="0"/>
+              <a:t>Theming</a:t>
+            </a:r>
+          </a:p>
+          <a:p>
+            <a:pPr marL="342900" indent="-342900">
+              <a:lnSpc>
+                <a:spcPct val="200000"/>
+              </a:lnSpc>
+              <a:buFontTx/>
+              <a:buChar char="-"/>
+            </a:pPr>
+            <a:r>
+              <a:rPr lang="en-US" sz="1200" dirty="0" smtClean="0"/>
+              <a:t>Multi Browser</a:t>
+            </a:r>
+          </a:p>
+          <a:p>
+            <a:endParaRPr lang="de-DE" dirty="0"/>
+          </a:p>
+        </p:txBody>
+      </p:sp>
+      <p:sp>
+        <p:nvSpPr>
+          <p:cNvPr id="4" name="Foliennummernplatzhalter 3"/>
+          <p:cNvSpPr>
+            <a:spLocks noGrp="1"/>
+          </p:cNvSpPr>
+          <p:nvPr>
+            <p:ph type="sldNum" sz="quarter" idx="10"/>
+          </p:nvPr>
+        </p:nvSpPr>
+        <p:spPr/>
+        <p:txBody>
+          <a:bodyPr/>
+          <a:lstStyle/>
+          <a:p>
+            <a:fld id="{A04FDDDB-F8A1-4327-996A-5B7614E95790}" type="slidenum">
+              <a:rPr lang="de-CH" smtClean="0"/>
+              <a:t>10</a:t>
+            </a:fld>
+            <a:endParaRPr lang="de-CH"/>
+          </a:p>
+        </p:txBody>
+      </p:sp>
+    </p:spTree>
+    <p:extLst>
+      <p:ext uri="{BB962C8B-B14F-4D97-AF65-F5344CB8AC3E}">
+        <p14:creationId xmlns:p14="http://schemas.microsoft.com/office/powerpoint/2010/main" val="959512779"/>
+      </p:ext>
+    </p:extLst>
+  </p:cSld>
+  <p:clrMapOvr>
+    <a:masterClrMapping/>
+  </p:clrMapOvr>
+</p:notes>
+</file>
+
 <file path=ppt/slideLayouts/slideLayout1.xml><?xml version="1.0" encoding="utf-8"?>
 <p:sldLayout xmlns:a="http://schemas.openxmlformats.org/drawingml/2006/main" xmlns:r="http://schemas.openxmlformats.org/officeDocument/2006/relationships" xmlns:p="http://schemas.openxmlformats.org/presentationml/2006/main" type="title" preserve="1">
   <p:cSld name="Titelfolie">
@@ -1468,7 +1809,7 @@
           <a:p>
             <a:fld id="{CF5CC051-6514-4911-91AD-E136E366829A}" type="datetimeFigureOut">
               <a:rPr lang="de-CH" smtClean="0"/>
-              <a:t>04.03.2019</a:t>
+              <a:t>05.03.19</a:t>
             </a:fld>
             <a:endParaRPr lang="de-CH"/>
           </a:p>
@@ -1730,7 +2071,7 @@
           <a:p>
             <a:fld id="{CF5CC051-6514-4911-91AD-E136E366829A}" type="datetimeFigureOut">
               <a:rPr lang="de-CH" smtClean="0"/>
-              <a:t>04.03.2019</a:t>
+              <a:t>05.03.19</a:t>
             </a:fld>
             <a:endParaRPr lang="de-CH"/>
           </a:p>
@@ -1905,7 +2246,7 @@
           <a:p>
             <a:fld id="{CF5CC051-6514-4911-91AD-E136E366829A}" type="datetimeFigureOut">
               <a:rPr lang="de-CH" smtClean="0"/>
-              <a:t>04.03.2019</a:t>
+              <a:t>05.03.19</a:t>
             </a:fld>
             <a:endParaRPr lang="de-CH"/>
           </a:p>
@@ -2090,7 +2431,7 @@
           <a:p>
             <a:fld id="{CF5CC051-6514-4911-91AD-E136E366829A}" type="datetimeFigureOut">
               <a:rPr lang="de-CH" smtClean="0"/>
-              <a:t>04.03.2019</a:t>
+              <a:t>05.03.19</a:t>
             </a:fld>
             <a:endParaRPr lang="de-CH"/>
           </a:p>
@@ -2265,7 +2606,7 @@
           <a:p>
             <a:fld id="{CF5CC051-6514-4911-91AD-E136E366829A}" type="datetimeFigureOut">
               <a:rPr lang="de-CH" smtClean="0"/>
-              <a:t>04.03.2019</a:t>
+              <a:t>05.03.19</a:t>
             </a:fld>
             <a:endParaRPr lang="de-CH"/>
           </a:p>
@@ -2511,7 +2852,7 @@
           <a:p>
             <a:fld id="{CF5CC051-6514-4911-91AD-E136E366829A}" type="datetimeFigureOut">
               <a:rPr lang="de-CH" smtClean="0"/>
-              <a:t>04.03.2019</a:t>
+              <a:t>05.03.19</a:t>
             </a:fld>
             <a:endParaRPr lang="de-CH"/>
           </a:p>
@@ -2804,7 +3145,7 @@
           <a:p>
             <a:fld id="{CF5CC051-6514-4911-91AD-E136E366829A}" type="datetimeFigureOut">
               <a:rPr lang="de-CH" smtClean="0"/>
-              <a:t>04.03.2019</a:t>
+              <a:t>05.03.19</a:t>
             </a:fld>
             <a:endParaRPr lang="de-CH"/>
           </a:p>
@@ -3231,7 +3572,7 @@
           <a:p>
             <a:fld id="{CF5CC051-6514-4911-91AD-E136E366829A}" type="datetimeFigureOut">
               <a:rPr lang="de-CH" smtClean="0"/>
-              <a:t>04.03.2019</a:t>
+              <a:t>05.03.19</a:t>
             </a:fld>
             <a:endParaRPr lang="de-CH"/>
           </a:p>
@@ -3354,7 +3695,7 @@
           <a:p>
             <a:fld id="{CF5CC051-6514-4911-91AD-E136E366829A}" type="datetimeFigureOut">
               <a:rPr lang="de-CH" smtClean="0"/>
-              <a:t>04.03.2019</a:t>
+              <a:t>05.03.19</a:t>
             </a:fld>
             <a:endParaRPr lang="de-CH"/>
           </a:p>
@@ -3454,7 +3795,7 @@
           <a:p>
             <a:fld id="{CF5CC051-6514-4911-91AD-E136E366829A}" type="datetimeFigureOut">
               <a:rPr lang="de-CH" smtClean="0"/>
-              <a:t>04.03.2019</a:t>
+              <a:t>05.03.19</a:t>
             </a:fld>
             <a:endParaRPr lang="de-CH"/>
           </a:p>
@@ -3549,7 +3890,7 @@
           <a:p>
             <a:fld id="{CF5CC051-6514-4911-91AD-E136E366829A}" type="datetimeFigureOut">
               <a:rPr lang="de-CH" smtClean="0"/>
-              <a:t>04.03.2019</a:t>
+              <a:t>05.03.19</a:t>
             </a:fld>
             <a:endParaRPr lang="de-CH"/>
           </a:p>
@@ -3831,7 +4172,7 @@
           <a:p>
             <a:fld id="{CF5CC051-6514-4911-91AD-E136E366829A}" type="datetimeFigureOut">
               <a:rPr lang="de-CH" smtClean="0"/>
-              <a:t>04.03.2019</a:t>
+              <a:t>05.03.19</a:t>
             </a:fld>
             <a:endParaRPr lang="de-CH"/>
           </a:p>
@@ -4047,7 +4388,7 @@
           <a:p>
             <a:fld id="{CF5CC051-6514-4911-91AD-E136E366829A}" type="datetimeFigureOut">
               <a:rPr lang="de-CH" smtClean="0"/>
-              <a:t>04.03.2019</a:t>
+              <a:t>05.03.19</a:t>
             </a:fld>
             <a:endParaRPr lang="de-CH"/>
           </a:p>
@@ -4428,7 +4769,7 @@
           <p:cNvPr id="7" name="TextBox 6">
             <a:extLst>
               <a:ext uri="{FF2B5EF4-FFF2-40B4-BE49-F238E27FC236}">
-                <a16:creationId xmlns:a16="http://schemas.microsoft.com/office/drawing/2014/main" id="{28B311C4-70B0-4DA2-B0DA-39649793B11C}"/>
+                <a16:creationId xmlns:a16="http://schemas.microsoft.com/office/drawing/2014/main" xmlns="" id="{28B311C4-70B0-4DA2-B0DA-39649793B11C}"/>
               </a:ext>
             </a:extLst>
           </p:cNvPr>
@@ -4460,7 +4801,7 @@
           <p:cNvPr id="23" name="Rectangle 22">
             <a:extLst>
               <a:ext uri="{FF2B5EF4-FFF2-40B4-BE49-F238E27FC236}">
-                <a16:creationId xmlns:a16="http://schemas.microsoft.com/office/drawing/2014/main" id="{01BCD978-FC9C-40D6-8B5F-73FF208FD759}"/>
+                <a16:creationId xmlns:a16="http://schemas.microsoft.com/office/drawing/2014/main" xmlns="" id="{01BCD978-FC9C-40D6-8B5F-73FF208FD759}"/>
               </a:ext>
             </a:extLst>
           </p:cNvPr>
@@ -4577,7 +4918,7 @@
           <p:cNvPr id="14" name="Picture 13">
             <a:extLst>
               <a:ext uri="{FF2B5EF4-FFF2-40B4-BE49-F238E27FC236}">
-                <a16:creationId xmlns:a16="http://schemas.microsoft.com/office/drawing/2014/main" id="{1F5D716C-E956-41A8-A7EE-85BD7550163A}"/>
+                <a16:creationId xmlns:a16="http://schemas.microsoft.com/office/drawing/2014/main" xmlns="" id="{1F5D716C-E956-41A8-A7EE-85BD7550163A}"/>
               </a:ext>
             </a:extLst>
           </p:cNvPr>
@@ -4613,7 +4954,7 @@
           <p:cNvPr id="3" name="Metadata">
             <a:extLst>
               <a:ext uri="{FF2B5EF4-FFF2-40B4-BE49-F238E27FC236}">
-                <a16:creationId xmlns:a16="http://schemas.microsoft.com/office/drawing/2014/main" id="{F6E3BEB0-00E3-4678-BA6D-D0B1EBC16F4C}"/>
+                <a16:creationId xmlns:a16="http://schemas.microsoft.com/office/drawing/2014/main" xmlns="" id="{F6E3BEB0-00E3-4678-BA6D-D0B1EBC16F4C}"/>
               </a:ext>
             </a:extLst>
           </p:cNvPr>
@@ -4636,14 +4977,14 @@
           <a:effectLst/>
           <a:extLst>
             <a:ext uri="{909E8E84-426E-40dd-AFC4-6F175D3DCCD1}">
-              <a14:hiddenFill xmlns:a14="http://schemas.microsoft.com/office/drawing/2010/main" xmlns="">
+              <a14:hiddenFill xmlns:a14="http://schemas.microsoft.com/office/drawing/2010/main">
                 <a:solidFill>
                   <a:schemeClr val="accent1"/>
                 </a:solidFill>
               </a14:hiddenFill>
             </a:ext>
             <a:ext uri="{91240B29-F687-4f45-9708-019B960494DF}">
-              <a14:hiddenLine xmlns:a14="http://schemas.microsoft.com/office/drawing/2010/main" xmlns="" w="25400" cap="flat" cmpd="sng" algn="ctr">
+              <a14:hiddenLine xmlns:a14="http://schemas.microsoft.com/office/drawing/2010/main" w="25400" cap="flat" cmpd="sng" algn="ctr">
                 <a:solidFill>
                   <a:schemeClr val="accent1">
                     <a:shade val="50000"/>
@@ -4688,7 +5029,7 @@
           <p:cNvPr id="8" name="Rectangle 22">
             <a:extLst>
               <a:ext uri="{FF2B5EF4-FFF2-40B4-BE49-F238E27FC236}">
-                <a16:creationId xmlns:a16="http://schemas.microsoft.com/office/drawing/2014/main" id="{01BCD978-FC9C-40D6-8B5F-73FF208FD759}"/>
+                <a16:creationId xmlns:a16="http://schemas.microsoft.com/office/drawing/2014/main" xmlns="" id="{01BCD978-FC9C-40D6-8B5F-73FF208FD759}"/>
               </a:ext>
             </a:extLst>
           </p:cNvPr>
@@ -4822,81 +5163,53 @@
           <a:chExt cx="0" cy="0"/>
         </a:xfrm>
       </p:grpSpPr>
-      <p:sp>
-        <p:nvSpPr>
-          <p:cNvPr id="2" name="Titel 1">
+      <p:pic>
+        <p:nvPicPr>
+          <p:cNvPr id="5" name="Bild 4" descr="Outdated-Browsers_gdwxre.jpg"/>
+          <p:cNvPicPr>
+            <a:picLocks noChangeAspect="1"/>
+          </p:cNvPicPr>
+          <p:nvPr/>
+        </p:nvPicPr>
+        <p:blipFill>
+          <a:blip r:embed="rId3">
             <a:extLst>
-              <a:ext uri="{FF2B5EF4-FFF2-40B4-BE49-F238E27FC236}">
-                <a16:creationId xmlns:a16="http://schemas.microsoft.com/office/drawing/2014/main" id="{62AFEAE0-5E17-4D92-A6D9-25A8CF79DA8A}"/>
+              <a:ext uri="{28A0092B-C50C-407E-A947-70E740481C1C}">
+                <a14:useLocalDpi xmlns:a14="http://schemas.microsoft.com/office/drawing/2010/main" val="0"/>
               </a:ext>
             </a:extLst>
-          </p:cNvPr>
-          <p:cNvSpPr>
-            <a:spLocks noGrp="1"/>
-          </p:cNvSpPr>
-          <p:nvPr>
-            <p:ph type="title"/>
-          </p:nvPr>
-        </p:nvSpPr>
-        <p:spPr/>
-        <p:txBody>
-          <a:bodyPr/>
-          <a:lstStyle/>
-          <a:p>
-            <a:r>
-              <a:rPr lang="de-CH" dirty="0" err="1"/>
-              <a:t>Conclusion</a:t>
-            </a:r>
-            <a:r>
-              <a:rPr lang="de-CH" dirty="0"/>
-              <a:t> / Wrap-</a:t>
-            </a:r>
-            <a:r>
-              <a:rPr lang="de-CH"/>
-              <a:t>up </a:t>
-            </a:r>
-            <a:r>
-              <a:rPr lang="de-CH" dirty="0"/>
-              <a:t>/ Ausblick</a:t>
-            </a:r>
-          </a:p>
-        </p:txBody>
-      </p:sp>
-      <p:sp>
-        <p:nvSpPr>
-          <p:cNvPr id="3" name="Inhaltsplatzhalter 2">
-            <a:extLst>
-              <a:ext uri="{FF2B5EF4-FFF2-40B4-BE49-F238E27FC236}">
-                <a16:creationId xmlns:a16="http://schemas.microsoft.com/office/drawing/2014/main" id="{30751C6B-A28D-40F7-8A49-512ACED9C1B8}"/>
-              </a:ext>
-            </a:extLst>
-          </p:cNvPr>
-          <p:cNvSpPr>
-            <a:spLocks noGrp="1"/>
-          </p:cNvSpPr>
-          <p:nvPr>
-            <p:ph idx="1"/>
-          </p:nvPr>
-        </p:nvSpPr>
-        <p:spPr/>
-        <p:txBody>
-          <a:bodyPr/>
-          <a:lstStyle/>
-          <a:p>
-            <a:endParaRPr lang="de-CH"/>
-          </a:p>
-        </p:txBody>
-      </p:sp>
+          </a:blip>
+          <a:stretch>
+            <a:fillRect/>
+          </a:stretch>
+        </p:blipFill>
+        <p:spPr>
+          <a:xfrm>
+            <a:off x="0" y="0"/>
+            <a:ext cx="12192000" cy="6858000"/>
+          </a:xfrm>
+          <a:prstGeom prst="rect">
+            <a:avLst/>
+          </a:prstGeom>
+        </p:spPr>
+      </p:pic>
     </p:spTree>
     <p:extLst>
       <p:ext uri="{BB962C8B-B14F-4D97-AF65-F5344CB8AC3E}">
-        <p14:creationId xmlns:p14="http://schemas.microsoft.com/office/powerpoint/2010/main" val="2786924184"/>
+        <p14:creationId xmlns:p14="http://schemas.microsoft.com/office/powerpoint/2010/main" val="3602585594"/>
       </p:ext>
     </p:extLst>
   </p:cSld>
   <p:clrMapOvr>
     <a:masterClrMapping/>
   </p:clrMapOvr>
+  <p:timing>
+    <p:tnLst>
+      <p:par>
+        <p:cTn xmlns:p14="http://schemas.microsoft.com/office/powerpoint/2010/main" id="1" dur="indefinite" restart="never" nodeType="tmRoot"/>
+      </p:par>
+    </p:tnLst>
+  </p:timing>
 </p:sld>
 </file>
 
@@ -4922,7 +5235,7 @@
           <p:cNvPr id="5" name="Title 4">
             <a:extLst>
               <a:ext uri="{FF2B5EF4-FFF2-40B4-BE49-F238E27FC236}">
-                <a16:creationId xmlns:a16="http://schemas.microsoft.com/office/drawing/2014/main" id="{22BD9B8E-489D-4EA9-BDE1-3C1F5710E46C}"/>
+                <a16:creationId xmlns:a16="http://schemas.microsoft.com/office/drawing/2014/main" xmlns="" id="{22BD9B8E-489D-4EA9-BDE1-3C1F5710E46C}"/>
               </a:ext>
             </a:extLst>
           </p:cNvPr>
@@ -4969,7 +5282,7 @@
           <p:cNvPr id="7" name="TextBox 6">
             <a:extLst>
               <a:ext uri="{FF2B5EF4-FFF2-40B4-BE49-F238E27FC236}">
-                <a16:creationId xmlns:a16="http://schemas.microsoft.com/office/drawing/2014/main" id="{28B311C4-70B0-4DA2-B0DA-39649793B11C}"/>
+                <a16:creationId xmlns:a16="http://schemas.microsoft.com/office/drawing/2014/main" xmlns="" id="{28B311C4-70B0-4DA2-B0DA-39649793B11C}"/>
               </a:ext>
             </a:extLst>
           </p:cNvPr>
@@ -5001,7 +5314,7 @@
           <p:cNvPr id="23" name="Rectangle 22">
             <a:extLst>
               <a:ext uri="{FF2B5EF4-FFF2-40B4-BE49-F238E27FC236}">
-                <a16:creationId xmlns:a16="http://schemas.microsoft.com/office/drawing/2014/main" id="{01BCD978-FC9C-40D6-8B5F-73FF208FD759}"/>
+                <a16:creationId xmlns:a16="http://schemas.microsoft.com/office/drawing/2014/main" xmlns="" id="{01BCD978-FC9C-40D6-8B5F-73FF208FD759}"/>
               </a:ext>
             </a:extLst>
           </p:cNvPr>
@@ -5040,7 +5353,7 @@
           <p:cNvPr id="14" name="Picture 13">
             <a:extLst>
               <a:ext uri="{FF2B5EF4-FFF2-40B4-BE49-F238E27FC236}">
-                <a16:creationId xmlns:a16="http://schemas.microsoft.com/office/drawing/2014/main" id="{1F5D716C-E956-41A8-A7EE-85BD7550163A}"/>
+                <a16:creationId xmlns:a16="http://schemas.microsoft.com/office/drawing/2014/main" xmlns="" id="{1F5D716C-E956-41A8-A7EE-85BD7550163A}"/>
               </a:ext>
             </a:extLst>
           </p:cNvPr>
@@ -5076,7 +5389,7 @@
           <p:cNvPr id="15" name="Metadata">
             <a:extLst>
               <a:ext uri="{FF2B5EF4-FFF2-40B4-BE49-F238E27FC236}">
-                <a16:creationId xmlns:a16="http://schemas.microsoft.com/office/drawing/2014/main" id="{100224E2-AAC8-4529-B5F0-93696B2947CA}"/>
+                <a16:creationId xmlns:a16="http://schemas.microsoft.com/office/drawing/2014/main" xmlns="" id="{100224E2-AAC8-4529-B5F0-93696B2947CA}"/>
               </a:ext>
             </a:extLst>
           </p:cNvPr>
@@ -5099,14 +5412,14 @@
           <a:effectLst/>
           <a:extLst>
             <a:ext uri="{909E8E84-426E-40dd-AFC4-6F175D3DCCD1}">
-              <a14:hiddenFill xmlns:a14="http://schemas.microsoft.com/office/drawing/2010/main" xmlns="">
+              <a14:hiddenFill xmlns:a14="http://schemas.microsoft.com/office/drawing/2010/main">
                 <a:solidFill>
                   <a:schemeClr val="accent1"/>
                 </a:solidFill>
               </a14:hiddenFill>
             </a:ext>
             <a:ext uri="{91240B29-F687-4f45-9708-019B960494DF}">
-              <a14:hiddenLine xmlns:a14="http://schemas.microsoft.com/office/drawing/2010/main" xmlns="" w="25400" cap="flat" cmpd="sng" algn="ctr">
+              <a14:hiddenLine xmlns:a14="http://schemas.microsoft.com/office/drawing/2010/main" w="25400" cap="flat" cmpd="sng" algn="ctr">
                 <a:solidFill>
                   <a:schemeClr val="accent1">
                     <a:shade val="50000"/>
@@ -5156,6 +5469,13 @@
   <p:clrMapOvr>
     <a:masterClrMapping/>
   </p:clrMapOvr>
+  <p:timing>
+    <p:tnLst>
+      <p:par>
+        <p:cTn xmlns:p14="http://schemas.microsoft.com/office/powerpoint/2010/main" id="1" dur="indefinite" restart="never" nodeType="tmRoot"/>
+      </p:par>
+    </p:tnLst>
+  </p:timing>
 </p:sld>
 </file>
 
@@ -5539,7 +5859,7 @@
           <p:cNvPr id="59" name="Gebogener Pfeil 34">
             <a:extLst>
               <a:ext uri="{FF2B5EF4-FFF2-40B4-BE49-F238E27FC236}">
-                <a16:creationId xmlns:a16="http://schemas.microsoft.com/office/drawing/2014/main" id="{3B231C83-FAE7-4B2C-93DA-1EE5BD5E10B3}"/>
+                <a16:creationId xmlns:a16="http://schemas.microsoft.com/office/drawing/2014/main" xmlns="" id="{3B231C83-FAE7-4B2C-93DA-1EE5BD5E10B3}"/>
               </a:ext>
             </a:extLst>
           </p:cNvPr>
@@ -5624,7 +5944,7 @@
           <p:cNvPr id="60" name="Rechteck: abgerundete Ecken 59">
             <a:extLst>
               <a:ext uri="{FF2B5EF4-FFF2-40B4-BE49-F238E27FC236}">
-                <a16:creationId xmlns:a16="http://schemas.microsoft.com/office/drawing/2014/main" id="{ED555BFF-3274-4287-8E42-2F4D116B7F37}"/>
+                <a16:creationId xmlns:a16="http://schemas.microsoft.com/office/drawing/2014/main" xmlns="" id="{ED555BFF-3274-4287-8E42-2F4D116B7F37}"/>
               </a:ext>
             </a:extLst>
           </p:cNvPr>
@@ -5700,7 +6020,7 @@
           <p:cNvPr id="61" name="Pfeil nach unten 97">
             <a:extLst>
               <a:ext uri="{FF2B5EF4-FFF2-40B4-BE49-F238E27FC236}">
-                <a16:creationId xmlns:a16="http://schemas.microsoft.com/office/drawing/2014/main" id="{C5D770CC-07C9-49CE-871B-08EEDBFB529E}"/>
+                <a16:creationId xmlns:a16="http://schemas.microsoft.com/office/drawing/2014/main" xmlns="" id="{C5D770CC-07C9-49CE-871B-08EEDBFB529E}"/>
               </a:ext>
             </a:extLst>
           </p:cNvPr>
@@ -5772,7 +6092,7 @@
           <p:cNvPr id="62" name="Pfeil nach unten 98">
             <a:extLst>
               <a:ext uri="{FF2B5EF4-FFF2-40B4-BE49-F238E27FC236}">
-                <a16:creationId xmlns:a16="http://schemas.microsoft.com/office/drawing/2014/main" id="{F054E67E-86B7-4A2B-B568-9E63D4198E7D}"/>
+                <a16:creationId xmlns:a16="http://schemas.microsoft.com/office/drawing/2014/main" xmlns="" id="{F054E67E-86B7-4A2B-B568-9E63D4198E7D}"/>
               </a:ext>
             </a:extLst>
           </p:cNvPr>
@@ -5844,7 +6164,7 @@
           <p:cNvPr id="63" name="Pfeil nach unten 6">
             <a:extLst>
               <a:ext uri="{FF2B5EF4-FFF2-40B4-BE49-F238E27FC236}">
-                <a16:creationId xmlns:a16="http://schemas.microsoft.com/office/drawing/2014/main" id="{15D2EDDE-6743-4426-B928-4372F98114C2}"/>
+                <a16:creationId xmlns:a16="http://schemas.microsoft.com/office/drawing/2014/main" xmlns="" id="{15D2EDDE-6743-4426-B928-4372F98114C2}"/>
               </a:ext>
             </a:extLst>
           </p:cNvPr>
@@ -5916,7 +6236,7 @@
           <p:cNvPr id="64" name="Pfeil nach rechts 103">
             <a:extLst>
               <a:ext uri="{FF2B5EF4-FFF2-40B4-BE49-F238E27FC236}">
-                <a16:creationId xmlns:a16="http://schemas.microsoft.com/office/drawing/2014/main" id="{5AF17494-8475-47D2-BA3F-56FF05DC27B9}"/>
+                <a16:creationId xmlns:a16="http://schemas.microsoft.com/office/drawing/2014/main" xmlns="" id="{5AF17494-8475-47D2-BA3F-56FF05DC27B9}"/>
               </a:ext>
             </a:extLst>
           </p:cNvPr>
@@ -5991,7 +6311,7 @@
           <p:cNvPr id="65" name="Pfeil nach unten 94">
             <a:extLst>
               <a:ext uri="{FF2B5EF4-FFF2-40B4-BE49-F238E27FC236}">
-                <a16:creationId xmlns:a16="http://schemas.microsoft.com/office/drawing/2014/main" id="{A5742450-F6CB-4858-BC94-C4DB8CB02831}"/>
+                <a16:creationId xmlns:a16="http://schemas.microsoft.com/office/drawing/2014/main" xmlns="" id="{A5742450-F6CB-4858-BC94-C4DB8CB02831}"/>
               </a:ext>
             </a:extLst>
           </p:cNvPr>
@@ -6063,7 +6383,7 @@
           <p:cNvPr id="66" name="Pfeil nach unten 95">
             <a:extLst>
               <a:ext uri="{FF2B5EF4-FFF2-40B4-BE49-F238E27FC236}">
-                <a16:creationId xmlns:a16="http://schemas.microsoft.com/office/drawing/2014/main" id="{54274F57-60E0-4F35-BE24-10076172B408}"/>
+                <a16:creationId xmlns:a16="http://schemas.microsoft.com/office/drawing/2014/main" xmlns="" id="{54274F57-60E0-4F35-BE24-10076172B408}"/>
               </a:ext>
             </a:extLst>
           </p:cNvPr>
@@ -6135,7 +6455,7 @@
           <p:cNvPr id="67" name="Pfeil nach unten 96">
             <a:extLst>
               <a:ext uri="{FF2B5EF4-FFF2-40B4-BE49-F238E27FC236}">
-                <a16:creationId xmlns:a16="http://schemas.microsoft.com/office/drawing/2014/main" id="{D10FFE9E-4188-46D0-B65F-A1BDDC82FAFD}"/>
+                <a16:creationId xmlns:a16="http://schemas.microsoft.com/office/drawing/2014/main" xmlns="" id="{D10FFE9E-4188-46D0-B65F-A1BDDC82FAFD}"/>
               </a:ext>
             </a:extLst>
           </p:cNvPr>
@@ -6207,7 +6527,7 @@
           <p:cNvPr id="68" name="Freihandform 42">
             <a:extLst>
               <a:ext uri="{FF2B5EF4-FFF2-40B4-BE49-F238E27FC236}">
-                <a16:creationId xmlns:a16="http://schemas.microsoft.com/office/drawing/2014/main" id="{009D6529-B0F9-416C-AAD6-FF2FC3CD726D}"/>
+                <a16:creationId xmlns:a16="http://schemas.microsoft.com/office/drawing/2014/main" xmlns="" id="{009D6529-B0F9-416C-AAD6-FF2FC3CD726D}"/>
               </a:ext>
             </a:extLst>
           </p:cNvPr>
@@ -6366,7 +6686,7 @@
           <p:cNvPr id="69" name="Freihandform 72">
             <a:extLst>
               <a:ext uri="{FF2B5EF4-FFF2-40B4-BE49-F238E27FC236}">
-                <a16:creationId xmlns:a16="http://schemas.microsoft.com/office/drawing/2014/main" id="{C36E3232-A3E2-4E6A-A167-16832A85F340}"/>
+                <a16:creationId xmlns:a16="http://schemas.microsoft.com/office/drawing/2014/main" xmlns="" id="{C36E3232-A3E2-4E6A-A167-16832A85F340}"/>
               </a:ext>
             </a:extLst>
           </p:cNvPr>
@@ -6525,7 +6845,7 @@
           <p:cNvPr id="70" name="Freihandform 101">
             <a:extLst>
               <a:ext uri="{FF2B5EF4-FFF2-40B4-BE49-F238E27FC236}">
-                <a16:creationId xmlns:a16="http://schemas.microsoft.com/office/drawing/2014/main" id="{BCDEBFAC-F28B-4E7C-9A47-60174F7387F8}"/>
+                <a16:creationId xmlns:a16="http://schemas.microsoft.com/office/drawing/2014/main" xmlns="" id="{BCDEBFAC-F28B-4E7C-9A47-60174F7387F8}"/>
               </a:ext>
             </a:extLst>
           </p:cNvPr>
@@ -6684,7 +7004,7 @@
           <p:cNvPr id="71" name="Freihandform 106">
             <a:extLst>
               <a:ext uri="{FF2B5EF4-FFF2-40B4-BE49-F238E27FC236}">
-                <a16:creationId xmlns:a16="http://schemas.microsoft.com/office/drawing/2014/main" id="{7C05FDE7-A787-40BC-BF8A-62E5979174DD}"/>
+                <a16:creationId xmlns:a16="http://schemas.microsoft.com/office/drawing/2014/main" xmlns="" id="{7C05FDE7-A787-40BC-BF8A-62E5979174DD}"/>
               </a:ext>
             </a:extLst>
           </p:cNvPr>
@@ -6843,7 +7163,7 @@
           <p:cNvPr id="72" name="Textfeld 30">
             <a:extLst>
               <a:ext uri="{FF2B5EF4-FFF2-40B4-BE49-F238E27FC236}">
-                <a16:creationId xmlns:a16="http://schemas.microsoft.com/office/drawing/2014/main" id="{CFBAC377-7404-4028-B2B6-C78E50B0EF51}"/>
+                <a16:creationId xmlns:a16="http://schemas.microsoft.com/office/drawing/2014/main" xmlns="" id="{CFBAC377-7404-4028-B2B6-C78E50B0EF51}"/>
               </a:ext>
             </a:extLst>
           </p:cNvPr>
@@ -6902,6 +7222,16 @@
               </a:rPr>
               <a:t>Produktionsvorgabe </a:t>
             </a:r>
+            <a:r>
+              <a:rPr lang="de-CH" sz="1333" b="1" dirty="0">
+                <a:solidFill>
+                  <a:srgbClr val="DA0134"/>
+                </a:solidFill>
+                <a:latin typeface="Arial" pitchFamily="34" charset="0"/>
+                <a:cs typeface="Arial" pitchFamily="34" charset="0"/>
+              </a:rPr>
+              <a:t/>
+            </a:r>
             <a:br>
               <a:rPr lang="de-CH" sz="1333" b="1" dirty="0">
                 <a:solidFill>
@@ -6929,7 +7259,7 @@
           <p:cNvPr id="73" name="Pfeil nach unten 93">
             <a:extLst>
               <a:ext uri="{FF2B5EF4-FFF2-40B4-BE49-F238E27FC236}">
-                <a16:creationId xmlns:a16="http://schemas.microsoft.com/office/drawing/2014/main" id="{EEC879C7-8ADC-4EB9-B805-02D2D376C627}"/>
+                <a16:creationId xmlns:a16="http://schemas.microsoft.com/office/drawing/2014/main" xmlns="" id="{EEC879C7-8ADC-4EB9-B805-02D2D376C627}"/>
               </a:ext>
             </a:extLst>
           </p:cNvPr>
@@ -7001,7 +7331,7 @@
           <p:cNvPr id="74" name="Pfeil nach unten 99">
             <a:extLst>
               <a:ext uri="{FF2B5EF4-FFF2-40B4-BE49-F238E27FC236}">
-                <a16:creationId xmlns:a16="http://schemas.microsoft.com/office/drawing/2014/main" id="{D5525E4B-9FC5-493C-AE43-9E532A57C915}"/>
+                <a16:creationId xmlns:a16="http://schemas.microsoft.com/office/drawing/2014/main" xmlns="" id="{D5525E4B-9FC5-493C-AE43-9E532A57C915}"/>
               </a:ext>
             </a:extLst>
           </p:cNvPr>
@@ -7073,7 +7403,7 @@
           <p:cNvPr id="77" name="Rechteck: abgerundete Ecken 76">
             <a:extLst>
               <a:ext uri="{FF2B5EF4-FFF2-40B4-BE49-F238E27FC236}">
-                <a16:creationId xmlns:a16="http://schemas.microsoft.com/office/drawing/2014/main" id="{F4482077-752B-4536-9E23-23400FC0B042}"/>
+                <a16:creationId xmlns:a16="http://schemas.microsoft.com/office/drawing/2014/main" xmlns="" id="{F4482077-752B-4536-9E23-23400FC0B042}"/>
               </a:ext>
             </a:extLst>
           </p:cNvPr>
@@ -7149,7 +7479,7 @@
           <p:cNvPr id="78" name="Rechteck: abgerundete Ecken 77">
             <a:extLst>
               <a:ext uri="{FF2B5EF4-FFF2-40B4-BE49-F238E27FC236}">
-                <a16:creationId xmlns:a16="http://schemas.microsoft.com/office/drawing/2014/main" id="{DB463E25-AEF8-444D-B07E-BA3E4F7CB6C0}"/>
+                <a16:creationId xmlns:a16="http://schemas.microsoft.com/office/drawing/2014/main" xmlns="" id="{DB463E25-AEF8-444D-B07E-BA3E4F7CB6C0}"/>
               </a:ext>
             </a:extLst>
           </p:cNvPr>
@@ -7225,7 +7555,7 @@
           <p:cNvPr id="79" name="Rechteck: abgerundete Ecken 78">
             <a:extLst>
               <a:ext uri="{FF2B5EF4-FFF2-40B4-BE49-F238E27FC236}">
-                <a16:creationId xmlns:a16="http://schemas.microsoft.com/office/drawing/2014/main" id="{25155202-788F-41BA-A14F-A6FD6CFED579}"/>
+                <a16:creationId xmlns:a16="http://schemas.microsoft.com/office/drawing/2014/main" xmlns="" id="{25155202-788F-41BA-A14F-A6FD6CFED579}"/>
               </a:ext>
             </a:extLst>
           </p:cNvPr>
@@ -7301,7 +7631,7 @@
           <p:cNvPr id="80" name="Rechteck: abgerundete Ecken 79">
             <a:extLst>
               <a:ext uri="{FF2B5EF4-FFF2-40B4-BE49-F238E27FC236}">
-                <a16:creationId xmlns:a16="http://schemas.microsoft.com/office/drawing/2014/main" id="{8AA909E2-D6B6-40F3-B1EE-2955F18CC465}"/>
+                <a16:creationId xmlns:a16="http://schemas.microsoft.com/office/drawing/2014/main" xmlns="" id="{8AA909E2-D6B6-40F3-B1EE-2955F18CC465}"/>
               </a:ext>
             </a:extLst>
           </p:cNvPr>
@@ -7377,7 +7707,7 @@
           <p:cNvPr id="81" name="Rechteck: abgerundete Ecken 80">
             <a:extLst>
               <a:ext uri="{FF2B5EF4-FFF2-40B4-BE49-F238E27FC236}">
-                <a16:creationId xmlns:a16="http://schemas.microsoft.com/office/drawing/2014/main" id="{E672BD59-09D8-45D6-A9DB-F8F24AF6ECE2}"/>
+                <a16:creationId xmlns:a16="http://schemas.microsoft.com/office/drawing/2014/main" xmlns="" id="{E672BD59-09D8-45D6-A9DB-F8F24AF6ECE2}"/>
               </a:ext>
             </a:extLst>
           </p:cNvPr>
@@ -7453,7 +7783,7 @@
           <p:cNvPr id="82" name="Rechteck: abgerundete Ecken 81">
             <a:extLst>
               <a:ext uri="{FF2B5EF4-FFF2-40B4-BE49-F238E27FC236}">
-                <a16:creationId xmlns:a16="http://schemas.microsoft.com/office/drawing/2014/main" id="{0EC736D4-CD59-4A93-961F-796811588C34}"/>
+                <a16:creationId xmlns:a16="http://schemas.microsoft.com/office/drawing/2014/main" xmlns="" id="{0EC736D4-CD59-4A93-961F-796811588C34}"/>
               </a:ext>
             </a:extLst>
           </p:cNvPr>
@@ -7529,7 +7859,7 @@
           <p:cNvPr id="83" name="Textfeld 82">
             <a:extLst>
               <a:ext uri="{FF2B5EF4-FFF2-40B4-BE49-F238E27FC236}">
-                <a16:creationId xmlns:a16="http://schemas.microsoft.com/office/drawing/2014/main" id="{A55B2922-058A-4AC7-B73C-50D7F464CAC1}"/>
+                <a16:creationId xmlns:a16="http://schemas.microsoft.com/office/drawing/2014/main" xmlns="" id="{A55B2922-058A-4AC7-B73C-50D7F464CAC1}"/>
               </a:ext>
             </a:extLst>
           </p:cNvPr>
@@ -7589,7 +7919,7 @@
           <p:cNvPr id="84" name="Textfeld 83">
             <a:extLst>
               <a:ext uri="{FF2B5EF4-FFF2-40B4-BE49-F238E27FC236}">
-                <a16:creationId xmlns:a16="http://schemas.microsoft.com/office/drawing/2014/main" id="{5A2D31BF-702D-4FAC-92A9-4A69CF9DC8C5}"/>
+                <a16:creationId xmlns:a16="http://schemas.microsoft.com/office/drawing/2014/main" xmlns="" id="{5A2D31BF-702D-4FAC-92A9-4A69CF9DC8C5}"/>
               </a:ext>
             </a:extLst>
           </p:cNvPr>
@@ -7646,7 +7976,7 @@
           <p:cNvPr id="85" name="Textfeld 84">
             <a:extLst>
               <a:ext uri="{FF2B5EF4-FFF2-40B4-BE49-F238E27FC236}">
-                <a16:creationId xmlns:a16="http://schemas.microsoft.com/office/drawing/2014/main" id="{1527DBB5-1AC3-4FBE-A67C-473D1EC4AB1C}"/>
+                <a16:creationId xmlns:a16="http://schemas.microsoft.com/office/drawing/2014/main" xmlns="" id="{1527DBB5-1AC3-4FBE-A67C-473D1EC4AB1C}"/>
               </a:ext>
             </a:extLst>
           </p:cNvPr>
@@ -7703,7 +8033,7 @@
           <p:cNvPr id="86" name="Textfeld 85">
             <a:extLst>
               <a:ext uri="{FF2B5EF4-FFF2-40B4-BE49-F238E27FC236}">
-                <a16:creationId xmlns:a16="http://schemas.microsoft.com/office/drawing/2014/main" id="{730EDF7E-8A21-4BE4-94E2-29D5EB306E27}"/>
+                <a16:creationId xmlns:a16="http://schemas.microsoft.com/office/drawing/2014/main" xmlns="" id="{730EDF7E-8A21-4BE4-94E2-29D5EB306E27}"/>
               </a:ext>
             </a:extLst>
           </p:cNvPr>
@@ -7760,7 +8090,7 @@
           <p:cNvPr id="87" name="Textfeld 86">
             <a:extLst>
               <a:ext uri="{FF2B5EF4-FFF2-40B4-BE49-F238E27FC236}">
-                <a16:creationId xmlns:a16="http://schemas.microsoft.com/office/drawing/2014/main" id="{704EAEB4-91F3-4D37-A187-81C10A3AE6F3}"/>
+                <a16:creationId xmlns:a16="http://schemas.microsoft.com/office/drawing/2014/main" xmlns="" id="{704EAEB4-91F3-4D37-A187-81C10A3AE6F3}"/>
               </a:ext>
             </a:extLst>
           </p:cNvPr>
@@ -7823,7 +8153,7 @@
           <p:cNvPr id="88" name="Rechteck: abgerundete Ecken 87">
             <a:extLst>
               <a:ext uri="{FF2B5EF4-FFF2-40B4-BE49-F238E27FC236}">
-                <a16:creationId xmlns:a16="http://schemas.microsoft.com/office/drawing/2014/main" id="{B7C41F88-845A-4F8F-9A78-2C1C0BE872EF}"/>
+                <a16:creationId xmlns:a16="http://schemas.microsoft.com/office/drawing/2014/main" xmlns="" id="{B7C41F88-845A-4F8F-9A78-2C1C0BE872EF}"/>
               </a:ext>
             </a:extLst>
           </p:cNvPr>
@@ -7897,7 +8227,7 @@
           <p:cNvPr id="89" name="Rechteck: abgerundete Ecken 88">
             <a:extLst>
               <a:ext uri="{FF2B5EF4-FFF2-40B4-BE49-F238E27FC236}">
-                <a16:creationId xmlns:a16="http://schemas.microsoft.com/office/drawing/2014/main" id="{2CC9B87C-4214-405E-8534-E70B997DF722}"/>
+                <a16:creationId xmlns:a16="http://schemas.microsoft.com/office/drawing/2014/main" xmlns="" id="{2CC9B87C-4214-405E-8534-E70B997DF722}"/>
               </a:ext>
             </a:extLst>
           </p:cNvPr>
@@ -7974,7 +8304,7 @@
           <p:cNvPr id="90" name="Textfeld 89">
             <a:extLst>
               <a:ext uri="{FF2B5EF4-FFF2-40B4-BE49-F238E27FC236}">
-                <a16:creationId xmlns:a16="http://schemas.microsoft.com/office/drawing/2014/main" id="{766D4860-0AEB-41F8-8132-A12431147591}"/>
+                <a16:creationId xmlns:a16="http://schemas.microsoft.com/office/drawing/2014/main" xmlns="" id="{766D4860-0AEB-41F8-8132-A12431147591}"/>
               </a:ext>
             </a:extLst>
           </p:cNvPr>
@@ -8031,7 +8361,7 @@
           <p:cNvPr id="91" name="Rechteck: abgerundete Ecken 90">
             <a:extLst>
               <a:ext uri="{FF2B5EF4-FFF2-40B4-BE49-F238E27FC236}">
-                <a16:creationId xmlns:a16="http://schemas.microsoft.com/office/drawing/2014/main" id="{A6F14EEF-793A-4E7C-98C6-2BCB5015CA7D}"/>
+                <a16:creationId xmlns:a16="http://schemas.microsoft.com/office/drawing/2014/main" xmlns="" id="{A6F14EEF-793A-4E7C-98C6-2BCB5015CA7D}"/>
               </a:ext>
             </a:extLst>
           </p:cNvPr>
@@ -8138,7 +8468,7 @@
           <p:cNvPr id="92" name="Rechteck: abgerundete Ecken 91">
             <a:extLst>
               <a:ext uri="{FF2B5EF4-FFF2-40B4-BE49-F238E27FC236}">
-                <a16:creationId xmlns:a16="http://schemas.microsoft.com/office/drawing/2014/main" id="{A7A9BEBD-B4E0-4D09-B03B-B4031733FEB6}"/>
+                <a16:creationId xmlns:a16="http://schemas.microsoft.com/office/drawing/2014/main" xmlns="" id="{A7A9BEBD-B4E0-4D09-B03B-B4031733FEB6}"/>
               </a:ext>
             </a:extLst>
           </p:cNvPr>
@@ -8246,7 +8576,7 @@
           <p:cNvPr id="93" name="Rechteck: abgerundete Ecken 92">
             <a:extLst>
               <a:ext uri="{FF2B5EF4-FFF2-40B4-BE49-F238E27FC236}">
-                <a16:creationId xmlns:a16="http://schemas.microsoft.com/office/drawing/2014/main" id="{70FB40DD-C117-4380-9A13-D77DDEB62A2A}"/>
+                <a16:creationId xmlns:a16="http://schemas.microsoft.com/office/drawing/2014/main" xmlns="" id="{70FB40DD-C117-4380-9A13-D77DDEB62A2A}"/>
               </a:ext>
             </a:extLst>
           </p:cNvPr>
@@ -8320,7 +8650,7 @@
           <p:cNvPr id="94" name="Rechteck: abgerundete Ecken 93">
             <a:extLst>
               <a:ext uri="{FF2B5EF4-FFF2-40B4-BE49-F238E27FC236}">
-                <a16:creationId xmlns:a16="http://schemas.microsoft.com/office/drawing/2014/main" id="{F949FD86-52C5-4E42-8342-3EC45CC37A49}"/>
+                <a16:creationId xmlns:a16="http://schemas.microsoft.com/office/drawing/2014/main" xmlns="" id="{F949FD86-52C5-4E42-8342-3EC45CC37A49}"/>
               </a:ext>
             </a:extLst>
           </p:cNvPr>
@@ -8394,7 +8724,7 @@
           <p:cNvPr id="95" name="Rechteck: abgerundete Ecken 94">
             <a:extLst>
               <a:ext uri="{FF2B5EF4-FFF2-40B4-BE49-F238E27FC236}">
-                <a16:creationId xmlns:a16="http://schemas.microsoft.com/office/drawing/2014/main" id="{BDCF0D7F-9C71-4259-B39C-47FF91814359}"/>
+                <a16:creationId xmlns:a16="http://schemas.microsoft.com/office/drawing/2014/main" xmlns="" id="{BDCF0D7F-9C71-4259-B39C-47FF91814359}"/>
               </a:ext>
             </a:extLst>
           </p:cNvPr>
@@ -8485,7 +8815,7 @@
           <p:cNvPr id="96" name="Rechteck: abgerundete Ecken 95">
             <a:extLst>
               <a:ext uri="{FF2B5EF4-FFF2-40B4-BE49-F238E27FC236}">
-                <a16:creationId xmlns:a16="http://schemas.microsoft.com/office/drawing/2014/main" id="{0EFC06C8-32A9-4CD2-BD41-EC6DDE4D8750}"/>
+                <a16:creationId xmlns:a16="http://schemas.microsoft.com/office/drawing/2014/main" xmlns="" id="{0EFC06C8-32A9-4CD2-BD41-EC6DDE4D8750}"/>
               </a:ext>
             </a:extLst>
           </p:cNvPr>
@@ -8559,7 +8889,7 @@
           <p:cNvPr id="97" name="Rechteck: abgerundete Ecken 96">
             <a:extLst>
               <a:ext uri="{FF2B5EF4-FFF2-40B4-BE49-F238E27FC236}">
-                <a16:creationId xmlns:a16="http://schemas.microsoft.com/office/drawing/2014/main" id="{82359EC8-ECEF-43DA-98F7-99044F99EF40}"/>
+                <a16:creationId xmlns:a16="http://schemas.microsoft.com/office/drawing/2014/main" xmlns="" id="{82359EC8-ECEF-43DA-98F7-99044F99EF40}"/>
               </a:ext>
             </a:extLst>
           </p:cNvPr>
@@ -8633,7 +8963,7 @@
           <p:cNvPr id="98" name="Rechteck: abgerundete Ecken 97">
             <a:extLst>
               <a:ext uri="{FF2B5EF4-FFF2-40B4-BE49-F238E27FC236}">
-                <a16:creationId xmlns:a16="http://schemas.microsoft.com/office/drawing/2014/main" id="{1363780E-DD84-4BD5-AC61-990290B7E4AD}"/>
+                <a16:creationId xmlns:a16="http://schemas.microsoft.com/office/drawing/2014/main" xmlns="" id="{1363780E-DD84-4BD5-AC61-990290B7E4AD}"/>
               </a:ext>
             </a:extLst>
           </p:cNvPr>
@@ -8707,7 +9037,7 @@
           <p:cNvPr id="99" name="Rechteck: abgerundete Ecken 98">
             <a:extLst>
               <a:ext uri="{FF2B5EF4-FFF2-40B4-BE49-F238E27FC236}">
-                <a16:creationId xmlns:a16="http://schemas.microsoft.com/office/drawing/2014/main" id="{3A3FC67B-B9C3-4DB6-8AA3-13CB1666A333}"/>
+                <a16:creationId xmlns:a16="http://schemas.microsoft.com/office/drawing/2014/main" xmlns="" id="{3A3FC67B-B9C3-4DB6-8AA3-13CB1666A333}"/>
               </a:ext>
             </a:extLst>
           </p:cNvPr>
@@ -8781,7 +9111,7 @@
           <p:cNvPr id="100" name="Rechteck: abgerundete Ecken 99">
             <a:extLst>
               <a:ext uri="{FF2B5EF4-FFF2-40B4-BE49-F238E27FC236}">
-                <a16:creationId xmlns:a16="http://schemas.microsoft.com/office/drawing/2014/main" id="{48192B9B-7D2F-4A47-B027-7DFDFC6CD79D}"/>
+                <a16:creationId xmlns:a16="http://schemas.microsoft.com/office/drawing/2014/main" xmlns="" id="{48192B9B-7D2F-4A47-B027-7DFDFC6CD79D}"/>
               </a:ext>
             </a:extLst>
           </p:cNvPr>
@@ -8855,7 +9185,7 @@
           <p:cNvPr id="101" name="Rechteck: abgerundete Ecken 100">
             <a:extLst>
               <a:ext uri="{FF2B5EF4-FFF2-40B4-BE49-F238E27FC236}">
-                <a16:creationId xmlns:a16="http://schemas.microsoft.com/office/drawing/2014/main" id="{33D5CABB-9791-40B4-BCE8-143DA59D2857}"/>
+                <a16:creationId xmlns:a16="http://schemas.microsoft.com/office/drawing/2014/main" xmlns="" id="{33D5CABB-9791-40B4-BCE8-143DA59D2857}"/>
               </a:ext>
             </a:extLst>
           </p:cNvPr>
@@ -8929,7 +9259,7 @@
           <p:cNvPr id="102" name="Rechteck: abgerundete Ecken 101">
             <a:extLst>
               <a:ext uri="{FF2B5EF4-FFF2-40B4-BE49-F238E27FC236}">
-                <a16:creationId xmlns:a16="http://schemas.microsoft.com/office/drawing/2014/main" id="{BA14C017-6931-4ACB-8251-8DAAB929382D}"/>
+                <a16:creationId xmlns:a16="http://schemas.microsoft.com/office/drawing/2014/main" xmlns="" id="{BA14C017-6931-4ACB-8251-8DAAB929382D}"/>
               </a:ext>
             </a:extLst>
           </p:cNvPr>
@@ -9003,7 +9333,7 @@
           <p:cNvPr id="103" name="Rechteck: abgerundete Ecken 102">
             <a:extLst>
               <a:ext uri="{FF2B5EF4-FFF2-40B4-BE49-F238E27FC236}">
-                <a16:creationId xmlns:a16="http://schemas.microsoft.com/office/drawing/2014/main" id="{43ED1057-3D56-4573-9F81-D2732800B990}"/>
+                <a16:creationId xmlns:a16="http://schemas.microsoft.com/office/drawing/2014/main" xmlns="" id="{43ED1057-3D56-4573-9F81-D2732800B990}"/>
               </a:ext>
             </a:extLst>
           </p:cNvPr>
@@ -9077,7 +9407,7 @@
           <p:cNvPr id="104" name="Rechteck: abgerundete Ecken 103">
             <a:extLst>
               <a:ext uri="{FF2B5EF4-FFF2-40B4-BE49-F238E27FC236}">
-                <a16:creationId xmlns:a16="http://schemas.microsoft.com/office/drawing/2014/main" id="{72E90280-D226-45DE-9EB9-99359A5B7B4F}"/>
+                <a16:creationId xmlns:a16="http://schemas.microsoft.com/office/drawing/2014/main" xmlns="" id="{72E90280-D226-45DE-9EB9-99359A5B7B4F}"/>
               </a:ext>
             </a:extLst>
           </p:cNvPr>
@@ -9151,7 +9481,7 @@
           <p:cNvPr id="105" name="Textfeld 14">
             <a:extLst>
               <a:ext uri="{FF2B5EF4-FFF2-40B4-BE49-F238E27FC236}">
-                <a16:creationId xmlns:a16="http://schemas.microsoft.com/office/drawing/2014/main" id="{7F399234-BD32-4D23-A903-474AFE807801}"/>
+                <a16:creationId xmlns:a16="http://schemas.microsoft.com/office/drawing/2014/main" xmlns="" id="{7F399234-BD32-4D23-A903-474AFE807801}"/>
               </a:ext>
             </a:extLst>
           </p:cNvPr>
@@ -9208,7 +9538,7 @@
           <p:cNvPr id="106" name="Rechteck: abgerundete Ecken 105">
             <a:extLst>
               <a:ext uri="{FF2B5EF4-FFF2-40B4-BE49-F238E27FC236}">
-                <a16:creationId xmlns:a16="http://schemas.microsoft.com/office/drawing/2014/main" id="{DB614884-650F-42DB-A64B-2D99BDF75C05}"/>
+                <a16:creationId xmlns:a16="http://schemas.microsoft.com/office/drawing/2014/main" xmlns="" id="{DB614884-650F-42DB-A64B-2D99BDF75C05}"/>
               </a:ext>
             </a:extLst>
           </p:cNvPr>
@@ -9282,7 +9612,7 @@
           <p:cNvPr id="107" name="Rechteck: abgerundete Ecken 106">
             <a:extLst>
               <a:ext uri="{FF2B5EF4-FFF2-40B4-BE49-F238E27FC236}">
-                <a16:creationId xmlns:a16="http://schemas.microsoft.com/office/drawing/2014/main" id="{F9FE6608-FE23-4C24-9EC3-1D234CB31193}"/>
+                <a16:creationId xmlns:a16="http://schemas.microsoft.com/office/drawing/2014/main" xmlns="" id="{F9FE6608-FE23-4C24-9EC3-1D234CB31193}"/>
               </a:ext>
             </a:extLst>
           </p:cNvPr>
@@ -9356,7 +9686,7 @@
           <p:cNvPr id="108" name="Rechteck: abgerundete Ecken 107">
             <a:extLst>
               <a:ext uri="{FF2B5EF4-FFF2-40B4-BE49-F238E27FC236}">
-                <a16:creationId xmlns:a16="http://schemas.microsoft.com/office/drawing/2014/main" id="{16D094B9-D03F-45ED-A8AB-3C9A67BD9B01}"/>
+                <a16:creationId xmlns:a16="http://schemas.microsoft.com/office/drawing/2014/main" xmlns="" id="{16D094B9-D03F-45ED-A8AB-3C9A67BD9B01}"/>
               </a:ext>
             </a:extLst>
           </p:cNvPr>
@@ -9430,7 +9760,7 @@
           <p:cNvPr id="109" name="Rechteck: abgerundete Ecken 108">
             <a:extLst>
               <a:ext uri="{FF2B5EF4-FFF2-40B4-BE49-F238E27FC236}">
-                <a16:creationId xmlns:a16="http://schemas.microsoft.com/office/drawing/2014/main" id="{98BFF1E9-AA23-4AE2-A91F-F22D0212419E}"/>
+                <a16:creationId xmlns:a16="http://schemas.microsoft.com/office/drawing/2014/main" xmlns="" id="{98BFF1E9-AA23-4AE2-A91F-F22D0212419E}"/>
               </a:ext>
             </a:extLst>
           </p:cNvPr>
@@ -9504,7 +9834,7 @@
           <p:cNvPr id="110" name="Rechteck: abgerundete Ecken 109">
             <a:extLst>
               <a:ext uri="{FF2B5EF4-FFF2-40B4-BE49-F238E27FC236}">
-                <a16:creationId xmlns:a16="http://schemas.microsoft.com/office/drawing/2014/main" id="{2F3D25EB-BCDD-42FE-A02D-5ED4A1F2E693}"/>
+                <a16:creationId xmlns:a16="http://schemas.microsoft.com/office/drawing/2014/main" xmlns="" id="{2F3D25EB-BCDD-42FE-A02D-5ED4A1F2E693}"/>
               </a:ext>
             </a:extLst>
           </p:cNvPr>
@@ -9578,7 +9908,7 @@
           <p:cNvPr id="111" name="Rechteck: abgerundete Ecken 110">
             <a:extLst>
               <a:ext uri="{FF2B5EF4-FFF2-40B4-BE49-F238E27FC236}">
-                <a16:creationId xmlns:a16="http://schemas.microsoft.com/office/drawing/2014/main" id="{5D6BC797-313C-4B0B-BA8C-A8F9EAD4C4E6}"/>
+                <a16:creationId xmlns:a16="http://schemas.microsoft.com/office/drawing/2014/main" xmlns="" id="{5D6BC797-313C-4B0B-BA8C-A8F9EAD4C4E6}"/>
               </a:ext>
             </a:extLst>
           </p:cNvPr>
@@ -9682,7 +10012,7 @@
           <p:cNvPr id="2" name="Titel 1">
             <a:extLst>
               <a:ext uri="{FF2B5EF4-FFF2-40B4-BE49-F238E27FC236}">
-                <a16:creationId xmlns:a16="http://schemas.microsoft.com/office/drawing/2014/main" id="{52273754-FB7D-4E85-A03A-33879DB2A630}"/>
+                <a16:creationId xmlns:a16="http://schemas.microsoft.com/office/drawing/2014/main" xmlns="" id="{52273754-FB7D-4E85-A03A-33879DB2A630}"/>
               </a:ext>
             </a:extLst>
           </p:cNvPr>
@@ -9750,7 +10080,7 @@
           <p:cNvPr id="3" name="Untertitel 2">
             <a:extLst>
               <a:ext uri="{FF2B5EF4-FFF2-40B4-BE49-F238E27FC236}">
-                <a16:creationId xmlns:a16="http://schemas.microsoft.com/office/drawing/2014/main" id="{4C53D9D8-0283-4191-B231-A10D40991EEF}"/>
+                <a16:creationId xmlns:a16="http://schemas.microsoft.com/office/drawing/2014/main" xmlns="" id="{4C53D9D8-0283-4191-B231-A10D40991EEF}"/>
               </a:ext>
             </a:extLst>
           </p:cNvPr>
@@ -9808,7 +10138,7 @@
           <p:cNvPr id="5" name="Textplatzhalter 4">
             <a:extLst>
               <a:ext uri="{FF2B5EF4-FFF2-40B4-BE49-F238E27FC236}">
-                <a16:creationId xmlns:a16="http://schemas.microsoft.com/office/drawing/2014/main" id="{F196B2FD-D8DB-4192-95DF-7615D6FB48C2}"/>
+                <a16:creationId xmlns:a16="http://schemas.microsoft.com/office/drawing/2014/main" xmlns="" id="{F196B2FD-D8DB-4192-95DF-7615D6FB48C2}"/>
               </a:ext>
             </a:extLst>
           </p:cNvPr>
@@ -9843,7 +10173,7 @@
           <p:cNvPr id="6" name="Grafik 5">
             <a:extLst>
               <a:ext uri="{FF2B5EF4-FFF2-40B4-BE49-F238E27FC236}">
-                <a16:creationId xmlns:a16="http://schemas.microsoft.com/office/drawing/2014/main" id="{F1C5D048-605C-4768-9C09-9A1B5407C22C}"/>
+                <a16:creationId xmlns:a16="http://schemas.microsoft.com/office/drawing/2014/main" xmlns="" id="{F1C5D048-605C-4768-9C09-9A1B5407C22C}"/>
               </a:ext>
             </a:extLst>
           </p:cNvPr>
@@ -9903,7 +10233,7 @@
           <p:cNvPr id="2" name="Grafik 1">
             <a:extLst>
               <a:ext uri="{FF2B5EF4-FFF2-40B4-BE49-F238E27FC236}">
-                <a16:creationId xmlns:a16="http://schemas.microsoft.com/office/drawing/2014/main" id="{04D3FDB2-A88E-4FFF-B37D-335457C670C4}"/>
+                <a16:creationId xmlns:a16="http://schemas.microsoft.com/office/drawing/2014/main" xmlns="" id="{04D3FDB2-A88E-4FFF-B37D-335457C670C4}"/>
               </a:ext>
             </a:extLst>
           </p:cNvPr>
@@ -9938,6 +10268,13 @@
   <p:clrMapOvr>
     <a:masterClrMapping/>
   </p:clrMapOvr>
+  <p:timing>
+    <p:tnLst>
+      <p:par>
+        <p:cTn xmlns:p14="http://schemas.microsoft.com/office/powerpoint/2010/main" id="1" dur="indefinite" restart="never" nodeType="tmRoot"/>
+      </p:par>
+    </p:tnLst>
+  </p:timing>
 </p:sld>
 </file>
 
@@ -9958,69 +10295,256 @@
           <a:chExt cx="0" cy="0"/>
         </a:xfrm>
       </p:grpSpPr>
-      <p:sp>
-        <p:nvSpPr>
-          <p:cNvPr id="2" name="Titel 1">
-            <a:extLst>
-              <a:ext uri="{FF2B5EF4-FFF2-40B4-BE49-F238E27FC236}">
-                <a16:creationId xmlns:a16="http://schemas.microsoft.com/office/drawing/2014/main" id="{F04DC760-EB80-4D09-9ACE-F79953CC0906}"/>
-              </a:ext>
-            </a:extLst>
-          </p:cNvPr>
-          <p:cNvSpPr>
-            <a:spLocks noGrp="1"/>
-          </p:cNvSpPr>
-          <p:nvPr>
-            <p:ph type="title"/>
-          </p:nvPr>
-        </p:nvSpPr>
-        <p:spPr/>
-        <p:txBody>
-          <a:bodyPr/>
-          <a:lstStyle/>
-          <a:p>
-            <a:r>
-              <a:rPr lang="de-CH" dirty="0"/>
-              <a:t>PLATZHALTER DANI</a:t>
-            </a:r>
-          </a:p>
-        </p:txBody>
-      </p:sp>
-      <p:sp>
-        <p:nvSpPr>
-          <p:cNvPr id="3" name="Inhaltsplatzhalter 2">
-            <a:extLst>
-              <a:ext uri="{FF2B5EF4-FFF2-40B4-BE49-F238E27FC236}">
-                <a16:creationId xmlns:a16="http://schemas.microsoft.com/office/drawing/2014/main" id="{7B34B327-5CF1-4740-81E1-48CEFE8F9F28}"/>
-              </a:ext>
-            </a:extLst>
-          </p:cNvPr>
-          <p:cNvSpPr>
-            <a:spLocks noGrp="1"/>
-          </p:cNvSpPr>
-          <p:nvPr>
-            <p:ph idx="1"/>
-          </p:nvPr>
-        </p:nvSpPr>
-        <p:spPr/>
-        <p:txBody>
-          <a:bodyPr/>
-          <a:lstStyle/>
-          <a:p>
-            <a:endParaRPr lang="de-CH"/>
-          </a:p>
-        </p:txBody>
-      </p:sp>
+      <p:grpSp>
+        <p:nvGrpSpPr>
+          <p:cNvPr id="13" name="Gruppierung 12"/>
+          <p:cNvGrpSpPr/>
+          <p:nvPr/>
+        </p:nvGrpSpPr>
+        <p:grpSpPr>
+          <a:xfrm>
+            <a:off x="3200400" y="-457200"/>
+            <a:ext cx="5590688" cy="7924800"/>
+            <a:chOff x="3200400" y="-457200"/>
+            <a:chExt cx="5590688" cy="7924800"/>
+          </a:xfrm>
+        </p:grpSpPr>
+        <p:pic>
+          <p:nvPicPr>
+            <p:cNvPr id="7" name="Bild 6" descr="6a00d8341d3df553ef0115709e234d970b-800wi.jpg"/>
+            <p:cNvPicPr>
+              <a:picLocks noChangeAspect="1"/>
+            </p:cNvPicPr>
+            <p:nvPr/>
+          </p:nvPicPr>
+          <p:blipFill>
+            <a:blip r:embed="rId3" cstate="print">
+              <a:extLst>
+                <a:ext uri="{28A0092B-C50C-407E-A947-70E740481C1C}">
+                  <a14:useLocalDpi xmlns:a14="http://schemas.microsoft.com/office/drawing/2010/main" val="0"/>
+                </a:ext>
+              </a:extLst>
+            </a:blip>
+            <a:stretch>
+              <a:fillRect/>
+            </a:stretch>
+          </p:blipFill>
+          <p:spPr>
+            <a:xfrm>
+              <a:off x="3200400" y="-457200"/>
+              <a:ext cx="5590688" cy="7924800"/>
+            </a:xfrm>
+            <a:prstGeom prst="rect">
+              <a:avLst/>
+            </a:prstGeom>
+          </p:spPr>
+        </p:pic>
+        <p:sp>
+          <p:nvSpPr>
+            <p:cNvPr id="8" name="Multiplizieren 7"/>
+            <p:cNvSpPr/>
+            <p:nvPr/>
+          </p:nvSpPr>
+          <p:spPr>
+            <a:xfrm>
+              <a:off x="6400800" y="6172200"/>
+              <a:ext cx="2145317" cy="214532"/>
+            </a:xfrm>
+            <a:prstGeom prst="mathMultiply">
+              <a:avLst/>
+            </a:prstGeom>
+          </p:spPr>
+          <p:style>
+            <a:lnRef idx="1">
+              <a:schemeClr val="accent1"/>
+            </a:lnRef>
+            <a:fillRef idx="3">
+              <a:schemeClr val="accent1"/>
+            </a:fillRef>
+            <a:effectRef idx="2">
+              <a:schemeClr val="accent1"/>
+            </a:effectRef>
+            <a:fontRef idx="minor">
+              <a:schemeClr val="lt1"/>
+            </a:fontRef>
+          </p:style>
+          <p:txBody>
+            <a:bodyPr rtlCol="0" anchor="ctr"/>
+            <a:lstStyle/>
+            <a:p>
+              <a:pPr algn="ctr"/>
+              <a:endParaRPr lang="de-DE"/>
+            </a:p>
+          </p:txBody>
+        </p:sp>
+        <p:sp>
+          <p:nvSpPr>
+            <p:cNvPr id="9" name="Textfeld 8"/>
+            <p:cNvSpPr txBox="1"/>
+            <p:nvPr/>
+          </p:nvSpPr>
+          <p:spPr>
+            <a:xfrm>
+              <a:off x="6952192" y="6324600"/>
+              <a:ext cx="1201208" cy="369332"/>
+            </a:xfrm>
+            <a:prstGeom prst="rect">
+              <a:avLst/>
+            </a:prstGeom>
+            <a:noFill/>
+          </p:spPr>
+          <p:txBody>
+            <a:bodyPr wrap="none" rtlCol="0">
+              <a:spAutoFit/>
+            </a:bodyPr>
+            <a:lstStyle/>
+            <a:p>
+              <a:r>
+                <a:rPr lang="de-DE" dirty="0" smtClean="0">
+                  <a:solidFill>
+                    <a:schemeClr val="accent1"/>
+                  </a:solidFill>
+                  <a:latin typeface="Mistral"/>
+                  <a:cs typeface="Mistral"/>
+                </a:rPr>
+                <a:t>DECOUPLING</a:t>
+              </a:r>
+              <a:endParaRPr lang="de-DE" dirty="0">
+                <a:solidFill>
+                  <a:schemeClr val="accent1"/>
+                </a:solidFill>
+                <a:latin typeface="Mistral"/>
+                <a:cs typeface="Mistral"/>
+              </a:endParaRPr>
+            </a:p>
+          </p:txBody>
+        </p:sp>
+        <p:sp>
+          <p:nvSpPr>
+            <p:cNvPr id="10" name="Multiplizieren 9"/>
+            <p:cNvSpPr/>
+            <p:nvPr/>
+          </p:nvSpPr>
+          <p:spPr>
+            <a:xfrm rot="20778829">
+              <a:off x="5837364" y="4292492"/>
+              <a:ext cx="2145317" cy="412570"/>
+            </a:xfrm>
+            <a:prstGeom prst="mathMultiply">
+              <a:avLst/>
+            </a:prstGeom>
+          </p:spPr>
+          <p:style>
+            <a:lnRef idx="1">
+              <a:schemeClr val="accent1"/>
+            </a:lnRef>
+            <a:fillRef idx="3">
+              <a:schemeClr val="accent1"/>
+            </a:fillRef>
+            <a:effectRef idx="2">
+              <a:schemeClr val="accent1"/>
+            </a:effectRef>
+            <a:fontRef idx="minor">
+              <a:schemeClr val="lt1"/>
+            </a:fontRef>
+          </p:style>
+          <p:txBody>
+            <a:bodyPr rtlCol="0" anchor="ctr"/>
+            <a:lstStyle/>
+            <a:p>
+              <a:pPr algn="ctr"/>
+              <a:endParaRPr lang="de-DE"/>
+            </a:p>
+          </p:txBody>
+        </p:sp>
+        <p:sp>
+          <p:nvSpPr>
+            <p:cNvPr id="11" name="Textfeld 10"/>
+            <p:cNvSpPr txBox="1"/>
+            <p:nvPr/>
+          </p:nvSpPr>
+          <p:spPr>
+            <a:xfrm>
+              <a:off x="6858000" y="3581400"/>
+              <a:ext cx="1047132" cy="369332"/>
+            </a:xfrm>
+            <a:prstGeom prst="rect">
+              <a:avLst/>
+            </a:prstGeom>
+            <a:noFill/>
+          </p:spPr>
+          <p:txBody>
+            <a:bodyPr wrap="none" rtlCol="0">
+              <a:spAutoFit/>
+            </a:bodyPr>
+            <a:lstStyle/>
+            <a:p>
+              <a:r>
+                <a:rPr lang="de-DE" dirty="0" smtClean="0">
+                  <a:solidFill>
+                    <a:schemeClr val="accent1"/>
+                  </a:solidFill>
+                  <a:latin typeface="Mistral"/>
+                  <a:cs typeface="Mistral"/>
+                </a:rPr>
+                <a:t>MICRO-GUI</a:t>
+              </a:r>
+            </a:p>
+          </p:txBody>
+        </p:sp>
+        <p:sp>
+          <p:nvSpPr>
+            <p:cNvPr id="12" name="Textfeld 11"/>
+            <p:cNvSpPr txBox="1"/>
+            <p:nvPr/>
+          </p:nvSpPr>
+          <p:spPr>
+            <a:xfrm>
+              <a:off x="6723142" y="4645223"/>
+              <a:ext cx="287258" cy="307777"/>
+            </a:xfrm>
+            <a:prstGeom prst="rect">
+              <a:avLst/>
+            </a:prstGeom>
+            <a:noFill/>
+          </p:spPr>
+          <p:txBody>
+            <a:bodyPr wrap="none" rtlCol="0">
+              <a:spAutoFit/>
+            </a:bodyPr>
+            <a:lstStyle/>
+            <a:p>
+              <a:r>
+                <a:rPr lang="de-DE" sz="1400" dirty="0" smtClean="0">
+                  <a:solidFill>
+                    <a:schemeClr val="accent1"/>
+                  </a:solidFill>
+                  <a:latin typeface="Mistral"/>
+                  <a:cs typeface="Mistral"/>
+                </a:rPr>
+                <a:t>IS</a:t>
+              </a:r>
+            </a:p>
+          </p:txBody>
+        </p:sp>
+      </p:grpSp>
     </p:spTree>
     <p:extLst>
       <p:ext uri="{BB962C8B-B14F-4D97-AF65-F5344CB8AC3E}">
-        <p14:creationId xmlns:p14="http://schemas.microsoft.com/office/powerpoint/2010/main" val="3602585594"/>
+        <p14:creationId xmlns:p14="http://schemas.microsoft.com/office/powerpoint/2010/main" val="2786924184"/>
       </p:ext>
     </p:extLst>
   </p:cSld>
   <p:clrMapOvr>
     <a:masterClrMapping/>
   </p:clrMapOvr>
+  <p:timing>
+    <p:tnLst>
+      <p:par>
+        <p:cTn xmlns:p14="http://schemas.microsoft.com/office/powerpoint/2010/main" id="1" dur="indefinite" restart="never" nodeType="tmRoot"/>
+      </p:par>
+    </p:tnLst>
+  </p:timing>
 </p:sld>
 </file>
 
@@ -10598,7 +11122,7 @@
   <a:extraClrSchemeLst/>
   <a:extLst>
     <a:ext uri="{05A4C25C-085E-4340-85A3-A5531E510DB2}">
-      <thm15:themeFamily xmlns:thm15="http://schemas.microsoft.com/office/thememl/2012/main" name="Office Theme" id="{62F939B6-93AF-4DB8-9C6B-D6C7DFDC589F}" vid="{4A3C46E8-61CC-4603-A589-7422A47A8E4A}"/>
+      <thm15:themeFamily xmlns:thm15="http://schemas.microsoft.com/office/thememl/2012/main" xmlns="" name="Office Theme" id="{62F939B6-93AF-4DB8-9C6B-D6C7DFDC589F}" vid="{4A3C46E8-61CC-4603-A589-7422A47A8E4A}"/>
     </a:ext>
   </a:extLst>
 </a:theme>

--- a/presentation-scion-workbench-bat42.pptx
+++ b/presentation-scion-workbench-bat42.pptx
@@ -5193,6 +5193,62 @@
           </a:prstGeom>
         </p:spPr>
       </p:pic>
+      <p:sp>
+        <p:nvSpPr>
+          <p:cNvPr id="6" name="Textfeld 5"/>
+          <p:cNvSpPr txBox="1"/>
+          <p:nvPr/>
+        </p:nvSpPr>
+        <p:spPr>
+          <a:xfrm rot="16200000">
+            <a:off x="8795144" y="3424656"/>
+            <a:ext cx="6607558" cy="215444"/>
+          </a:xfrm>
+          <a:prstGeom prst="rect">
+            <a:avLst/>
+          </a:prstGeom>
+          <a:noFill/>
+        </p:spPr>
+        <p:txBody>
+          <a:bodyPr wrap="square" rtlCol="0">
+            <a:spAutoFit/>
+          </a:bodyPr>
+          <a:lstStyle/>
+          <a:p>
+            <a:r>
+              <a:rPr lang="de-DE" sz="800" dirty="0"/>
+              <a:t>https://</a:t>
+            </a:r>
+            <a:r>
+              <a:rPr lang="de-DE" sz="800" dirty="0" err="1"/>
+              <a:t>responsivedesign.is</a:t>
+            </a:r>
+            <a:r>
+              <a:rPr lang="de-DE" sz="800" dirty="0"/>
+              <a:t>/</a:t>
+            </a:r>
+            <a:r>
+              <a:rPr lang="de-DE" sz="800" dirty="0" err="1"/>
+              <a:t>examples</a:t>
+            </a:r>
+            <a:r>
+              <a:rPr lang="de-DE" sz="800" dirty="0"/>
+              <a:t>/</a:t>
+            </a:r>
+            <a:r>
+              <a:rPr lang="de-DE" sz="800" dirty="0" err="1"/>
+              <a:t>outdated</a:t>
+            </a:r>
+            <a:r>
+              <a:rPr lang="de-DE" sz="800" dirty="0"/>
+              <a:t>-browsers/</a:t>
+            </a:r>
+            <a:endParaRPr lang="de-DE" sz="800" dirty="0">
+              <a:hlinkClick r:id="rId4"/>
+            </a:endParaRPr>
+          </a:p>
+        </p:txBody>
+      </p:sp>
     </p:spTree>
     <p:extLst>
       <p:ext uri="{BB962C8B-B14F-4D97-AF65-F5344CB8AC3E}">
@@ -5606,6 +5662,115 @@
           </a:prstGeom>
         </p:spPr>
       </p:pic>
+      <p:sp>
+        <p:nvSpPr>
+          <p:cNvPr id="2" name="Textfeld 1"/>
+          <p:cNvSpPr txBox="1"/>
+          <p:nvPr/>
+        </p:nvSpPr>
+        <p:spPr>
+          <a:xfrm rot="16200000">
+            <a:off x="8795144" y="3363101"/>
+            <a:ext cx="6607558" cy="338554"/>
+          </a:xfrm>
+          <a:prstGeom prst="rect">
+            <a:avLst/>
+          </a:prstGeom>
+          <a:noFill/>
+        </p:spPr>
+        <p:txBody>
+          <a:bodyPr wrap="square" rtlCol="0">
+            <a:spAutoFit/>
+          </a:bodyPr>
+          <a:lstStyle/>
+          <a:p>
+            <a:r>
+              <a:rPr lang="de-CH" sz="800" dirty="0">
+                <a:solidFill>
+                  <a:srgbClr val="FFFFFF"/>
+                </a:solidFill>
+              </a:rPr>
+              <a:t>https://www.davidalison.com/2013/05/hard-disk-clicking-and-time-</a:t>
+            </a:r>
+            <a:r>
+              <a:rPr lang="de-CH" sz="800" dirty="0" smtClean="0">
+                <a:solidFill>
+                  <a:srgbClr val="FFFFFF"/>
+                </a:solidFill>
+              </a:rPr>
+              <a:t>machine.htm</a:t>
+            </a:r>
+            <a:r>
+              <a:rPr lang="de-CH" sz="800" dirty="0">
+                <a:solidFill>
+                  <a:srgbClr val="FFFFFF"/>
+                </a:solidFill>
+              </a:rPr>
+              <a:t>, http://</a:t>
+            </a:r>
+            <a:r>
+              <a:rPr lang="de-CH" sz="800" dirty="0" err="1">
+                <a:solidFill>
+                  <a:srgbClr val="FFFFFF"/>
+                </a:solidFill>
+              </a:rPr>
+              <a:t>www.berner</a:t>
+            </a:r>
+            <a:r>
+              <a:rPr lang="de-CH" sz="800" dirty="0">
+                <a:solidFill>
+                  <a:srgbClr val="FFFFFF"/>
+                </a:solidFill>
+              </a:rPr>
+              <a:t>-architekten-</a:t>
+            </a:r>
+            <a:r>
+              <a:rPr lang="de-CH" sz="800" dirty="0" err="1">
+                <a:solidFill>
+                  <a:srgbClr val="FFFFFF"/>
+                </a:solidFill>
+              </a:rPr>
+              <a:t>treffen.ch</a:t>
+            </a:r>
+            <a:r>
+              <a:rPr lang="de-CH" sz="800" dirty="0">
+                <a:solidFill>
+                  <a:srgbClr val="FFFFFF"/>
+                </a:solidFill>
+              </a:rPr>
+              <a:t>/</a:t>
+            </a:r>
+            <a:r>
+              <a:rPr lang="de-CH" sz="800" dirty="0" err="1">
+                <a:solidFill>
+                  <a:srgbClr val="FFFFFF"/>
+                </a:solidFill>
+              </a:rPr>
+              <a:t>event</a:t>
+            </a:r>
+            <a:r>
+              <a:rPr lang="de-CH" sz="800" dirty="0">
+                <a:solidFill>
+                  <a:srgbClr val="FFFFFF"/>
+                </a:solidFill>
+              </a:rPr>
+              <a:t>/1l</a:t>
+            </a:r>
+            <a:endParaRPr lang="de-CH" sz="800" dirty="0">
+              <a:solidFill>
+                <a:srgbClr val="FFFFFF"/>
+              </a:solidFill>
+            </a:endParaRPr>
+          </a:p>
+          <a:p>
+            <a:endParaRPr lang="de-DE" sz="800" dirty="0">
+              <a:solidFill>
+                <a:srgbClr val="FFFFFF"/>
+              </a:solidFill>
+            </a:endParaRPr>
+          </a:p>
+        </p:txBody>
+      </p:sp>
     </p:spTree>
     <p:extLst>
       <p:ext uri="{BB962C8B-B14F-4D97-AF65-F5344CB8AC3E}">
@@ -5674,6 +5839,46 @@
           </a:prstGeom>
         </p:spPr>
       </p:pic>
+      <p:sp>
+        <p:nvSpPr>
+          <p:cNvPr id="3" name="Textfeld 2"/>
+          <p:cNvSpPr txBox="1"/>
+          <p:nvPr/>
+        </p:nvSpPr>
+        <p:spPr>
+          <a:xfrm rot="16200000">
+            <a:off x="8795144" y="3363101"/>
+            <a:ext cx="6607558" cy="338554"/>
+          </a:xfrm>
+          <a:prstGeom prst="rect">
+            <a:avLst/>
+          </a:prstGeom>
+          <a:noFill/>
+        </p:spPr>
+        <p:txBody>
+          <a:bodyPr wrap="square" rtlCol="0">
+            <a:spAutoFit/>
+          </a:bodyPr>
+          <a:lstStyle/>
+          <a:p>
+            <a:r>
+              <a:rPr lang="de-CH" sz="800" dirty="0">
+                <a:solidFill>
+                  <a:srgbClr val="FFFFFF"/>
+                </a:solidFill>
+              </a:rPr>
+              <a:t>https://imgur.com/gallery/LGAZEqu</a:t>
+            </a:r>
+          </a:p>
+          <a:p>
+            <a:endParaRPr lang="de-DE" sz="800" dirty="0">
+              <a:solidFill>
+                <a:srgbClr val="FFFFFF"/>
+              </a:solidFill>
+            </a:endParaRPr>
+          </a:p>
+        </p:txBody>
+      </p:sp>
     </p:spTree>
     <p:extLst>
       <p:ext uri="{BB962C8B-B14F-4D97-AF65-F5344CB8AC3E}">
@@ -5824,6 +6029,38 @@
           </p:txBody>
         </p:sp>
       </p:grpSp>
+      <p:sp>
+        <p:nvSpPr>
+          <p:cNvPr id="7" name="Textfeld 6"/>
+          <p:cNvSpPr txBox="1"/>
+          <p:nvPr/>
+        </p:nvSpPr>
+        <p:spPr>
+          <a:xfrm rot="16200000">
+            <a:off x="8795144" y="3424656"/>
+            <a:ext cx="6607558" cy="215444"/>
+          </a:xfrm>
+          <a:prstGeom prst="rect">
+            <a:avLst/>
+          </a:prstGeom>
+          <a:noFill/>
+        </p:spPr>
+        <p:txBody>
+          <a:bodyPr wrap="square" rtlCol="0">
+            <a:spAutoFit/>
+          </a:bodyPr>
+          <a:lstStyle/>
+          <a:p>
+            <a:r>
+              <a:rPr lang="de-DE" sz="800" dirty="0"/>
+              <a:t>http://geek-and-poke.com</a:t>
+            </a:r>
+            <a:endParaRPr lang="de-DE" sz="800" dirty="0">
+              <a:hlinkClick r:id="rId3"/>
+            </a:endParaRPr>
+          </a:p>
+        </p:txBody>
+      </p:sp>
     </p:spTree>
     <p:extLst>
       <p:ext uri="{BB962C8B-B14F-4D97-AF65-F5344CB8AC3E}">
@@ -10528,6 +10765,38 @@
           </p:txBody>
         </p:sp>
       </p:grpSp>
+      <p:sp>
+        <p:nvSpPr>
+          <p:cNvPr id="14" name="Textfeld 13"/>
+          <p:cNvSpPr txBox="1"/>
+          <p:nvPr/>
+        </p:nvSpPr>
+        <p:spPr>
+          <a:xfrm rot="16200000">
+            <a:off x="8795144" y="3424656"/>
+            <a:ext cx="6607558" cy="215444"/>
+          </a:xfrm>
+          <a:prstGeom prst="rect">
+            <a:avLst/>
+          </a:prstGeom>
+          <a:noFill/>
+        </p:spPr>
+        <p:txBody>
+          <a:bodyPr wrap="square" rtlCol="0">
+            <a:spAutoFit/>
+          </a:bodyPr>
+          <a:lstStyle/>
+          <a:p>
+            <a:r>
+              <a:rPr lang="de-DE" sz="800" dirty="0"/>
+              <a:t>http://geek-and-poke.com</a:t>
+            </a:r>
+            <a:endParaRPr lang="de-DE" sz="800" dirty="0">
+              <a:hlinkClick r:id="rId4"/>
+            </a:endParaRPr>
+          </a:p>
+        </p:txBody>
+      </p:sp>
     </p:spTree>
     <p:extLst>
       <p:ext uri="{BB962C8B-B14F-4D97-AF65-F5344CB8AC3E}">

--- a/presentation-scion-workbench-bat42.pptx
+++ b/presentation-scion-workbench-bat42.pptx
@@ -382,7 +382,7 @@
           <a:p>
             <a:fld id="{A04FDDDB-F8A1-4327-996A-5B7614E95790}" type="slidenum">
               <a:rPr lang="de-CH" smtClean="0"/>
-              <a:t>‹#›</a:t>
+              <a:t>‹Nr.›</a:t>
             </a:fld>
             <a:endParaRPr lang="de-CH"/>
           </a:p>
@@ -1360,15 +1360,7 @@
             </a:pPr>
             <a:r>
               <a:rPr lang="de-CH" dirty="0"/>
-              <a:t> - Möglichst wenig </a:t>
-            </a:r>
-            <a:r>
-              <a:rPr lang="de-CH" dirty="0" err="1"/>
-              <a:t>Handover</a:t>
-            </a:r>
-            <a:r>
-              <a:rPr lang="de-CH" dirty="0"/>
-              <a:t> / Schnittstelle zur Aussenwelt</a:t>
+              <a:t> - Klare Daten- und damit UI Ownership</a:t>
             </a:r>
           </a:p>
           <a:p>
@@ -1391,7 +1383,15 @@
             </a:pPr>
             <a:r>
               <a:rPr lang="de-CH" dirty="0"/>
-              <a:t> - Klare Daten- und damit UI Ownership</a:t>
+              <a:t> - Möglichst wenig </a:t>
+            </a:r>
+            <a:r>
+              <a:rPr lang="de-CH" dirty="0" err="1"/>
+              <a:t>Handover</a:t>
+            </a:r>
+            <a:r>
+              <a:rPr lang="de-CH" dirty="0"/>
+              <a:t> / Schnittstelle zur Aussenwelt</a:t>
             </a:r>
           </a:p>
           <a:p>
@@ -2192,7 +2192,7 @@
           <a:p>
             <a:fld id="{854B9615-CEBF-477C-A913-05C05A1CEB6B}" type="slidenum">
               <a:rPr lang="de-CH" smtClean="0"/>
-              <a:t>‹#›</a:t>
+              <a:t>‹Nr.›</a:t>
             </a:fld>
             <a:endParaRPr lang="de-CH"/>
           </a:p>
@@ -2454,7 +2454,7 @@
           <a:p>
             <a:fld id="{854B9615-CEBF-477C-A913-05C05A1CEB6B}" type="slidenum">
               <a:rPr lang="de-CH" smtClean="0"/>
-              <a:t>‹#›</a:t>
+              <a:t>‹Nr.›</a:t>
             </a:fld>
             <a:endParaRPr lang="de-CH"/>
           </a:p>
@@ -2665,7 +2665,7 @@
           <a:p>
             <a:fld id="{854B9615-CEBF-477C-A913-05C05A1CEB6B}" type="slidenum">
               <a:rPr lang="de-CH" smtClean="0"/>
-              <a:t>‹#›</a:t>
+              <a:t>‹Nr.›</a:t>
             </a:fld>
             <a:endParaRPr lang="de-CH"/>
           </a:p>
@@ -2850,7 +2850,7 @@
           <a:p>
             <a:fld id="{854B9615-CEBF-477C-A913-05C05A1CEB6B}" type="slidenum">
               <a:rPr lang="de-CH" smtClean="0"/>
-              <a:t>‹#›</a:t>
+              <a:t>‹Nr.›</a:t>
             </a:fld>
             <a:endParaRPr lang="de-CH"/>
           </a:p>
@@ -3025,7 +3025,7 @@
           <a:p>
             <a:fld id="{854B9615-CEBF-477C-A913-05C05A1CEB6B}" type="slidenum">
               <a:rPr lang="de-CH" smtClean="0"/>
-              <a:t>‹#›</a:t>
+              <a:t>‹Nr.›</a:t>
             </a:fld>
             <a:endParaRPr lang="de-CH"/>
           </a:p>
@@ -3307,7 +3307,7 @@
           <a:p>
             <a:fld id="{854B9615-CEBF-477C-A913-05C05A1CEB6B}" type="slidenum">
               <a:rPr lang="de-CH" smtClean="0"/>
-              <a:t>‹#›</a:t>
+              <a:t>‹Nr.›</a:t>
             </a:fld>
             <a:endParaRPr lang="de-CH"/>
           </a:p>
@@ -3600,7 +3600,7 @@
           <a:p>
             <a:fld id="{854B9615-CEBF-477C-A913-05C05A1CEB6B}" type="slidenum">
               <a:rPr lang="de-CH" smtClean="0"/>
-              <a:t>‹#›</a:t>
+              <a:t>‹Nr.›</a:t>
             </a:fld>
             <a:endParaRPr lang="de-CH"/>
           </a:p>
@@ -4063,7 +4063,7 @@
           <a:p>
             <a:fld id="{854B9615-CEBF-477C-A913-05C05A1CEB6B}" type="slidenum">
               <a:rPr lang="de-CH" smtClean="0"/>
-              <a:t>‹#›</a:t>
+              <a:t>‹Nr.›</a:t>
             </a:fld>
             <a:endParaRPr lang="de-CH"/>
           </a:p>
@@ -4222,7 +4222,7 @@
           <a:p>
             <a:fld id="{854B9615-CEBF-477C-A913-05C05A1CEB6B}" type="slidenum">
               <a:rPr lang="de-CH" smtClean="0"/>
-              <a:t>‹#›</a:t>
+              <a:t>‹Nr.›</a:t>
             </a:fld>
             <a:endParaRPr lang="de-CH"/>
           </a:p>
@@ -4358,7 +4358,7 @@
           <a:p>
             <a:fld id="{854B9615-CEBF-477C-A913-05C05A1CEB6B}" type="slidenum">
               <a:rPr lang="de-CH" smtClean="0"/>
-              <a:t>‹#›</a:t>
+              <a:t>‹Nr.›</a:t>
             </a:fld>
             <a:endParaRPr lang="de-CH"/>
           </a:p>
@@ -4489,7 +4489,7 @@
           <a:p>
             <a:fld id="{854B9615-CEBF-477C-A913-05C05A1CEB6B}" type="slidenum">
               <a:rPr lang="de-CH" smtClean="0"/>
-              <a:t>‹#›</a:t>
+              <a:t>‹Nr.›</a:t>
             </a:fld>
             <a:endParaRPr lang="de-CH"/>
           </a:p>
@@ -4771,7 +4771,7 @@
           <a:p>
             <a:fld id="{854B9615-CEBF-477C-A913-05C05A1CEB6B}" type="slidenum">
               <a:rPr lang="de-CH" smtClean="0"/>
-              <a:t>‹#›</a:t>
+              <a:t>‹Nr.›</a:t>
             </a:fld>
             <a:endParaRPr lang="de-CH"/>
           </a:p>
@@ -5059,7 +5059,7 @@
           <a:p>
             <a:fld id="{854B9615-CEBF-477C-A913-05C05A1CEB6B}" type="slidenum">
               <a:rPr lang="de-CH" smtClean="0"/>
-              <a:t>‹#›</a:t>
+              <a:t>‹Nr.›</a:t>
             </a:fld>
             <a:endParaRPr lang="de-CH"/>
           </a:p>
@@ -5573,14 +5573,14 @@
           <a:effectLst/>
           <a:extLst>
             <a:ext uri="{909E8E84-426E-40dd-AFC4-6F175D3DCCD1}">
-              <a14:hiddenFill xmlns:a14="http://schemas.microsoft.com/office/drawing/2010/main" xmlns="">
+              <a14:hiddenFill xmlns="" xmlns:a14="http://schemas.microsoft.com/office/drawing/2010/main">
                 <a:solidFill>
                   <a:schemeClr val="accent1"/>
                 </a:solidFill>
               </a14:hiddenFill>
             </a:ext>
             <a:ext uri="{91240B29-F687-4f45-9708-019B960494DF}">
-              <a14:hiddenLine xmlns:a14="http://schemas.microsoft.com/office/drawing/2010/main" xmlns="" w="25400" cap="flat" cmpd="sng" algn="ctr">
+              <a14:hiddenLine xmlns="" xmlns:a14="http://schemas.microsoft.com/office/drawing/2010/main" w="25400" cap="flat" cmpd="sng" algn="ctr">
                 <a:solidFill>
                   <a:schemeClr val="accent1">
                     <a:shade val="50000"/>
@@ -10656,14 +10656,14 @@
           <a:effectLst/>
           <a:extLst>
             <a:ext uri="{909E8E84-426E-40dd-AFC4-6F175D3DCCD1}">
-              <a14:hiddenFill xmlns:a14="http://schemas.microsoft.com/office/drawing/2010/main" xmlns="">
+              <a14:hiddenFill xmlns="" xmlns:a14="http://schemas.microsoft.com/office/drawing/2010/main">
                 <a:solidFill>
                   <a:schemeClr val="accent1"/>
                 </a:solidFill>
               </a14:hiddenFill>
             </a:ext>
             <a:ext uri="{91240B29-F687-4f45-9708-019B960494DF}">
-              <a14:hiddenLine xmlns:a14="http://schemas.microsoft.com/office/drawing/2010/main" xmlns="" w="25400" cap="flat" cmpd="sng" algn="ctr">
+              <a14:hiddenLine xmlns="" xmlns:a14="http://schemas.microsoft.com/office/drawing/2010/main" w="25400" cap="flat" cmpd="sng" algn="ctr">
                 <a:solidFill>
                   <a:schemeClr val="accent1">
                     <a:shade val="50000"/>
@@ -15524,41 +15524,6 @@
           <a:chExt cx="0" cy="0"/>
         </a:xfrm>
       </p:grpSpPr>
-      <p:sp>
-        <p:nvSpPr>
-          <p:cNvPr id="5" name="Textplatzhalter 4">
-            <a:extLst>
-              <a:ext uri="{FF2B5EF4-FFF2-40B4-BE49-F238E27FC236}">
-                <a16:creationId xmlns:a16="http://schemas.microsoft.com/office/drawing/2014/main" id="{F196B2FD-D8DB-4192-95DF-7615D6FB48C2}"/>
-              </a:ext>
-            </a:extLst>
-          </p:cNvPr>
-          <p:cNvSpPr>
-            <a:spLocks noGrp="1"/>
-          </p:cNvSpPr>
-          <p:nvPr>
-            <p:ph type="body" sz="half" idx="2"/>
-          </p:nvPr>
-        </p:nvSpPr>
-        <p:spPr>
-          <a:xfrm>
-            <a:off x="1714500" y="4283869"/>
-            <a:ext cx="8763000" cy="1812131"/>
-          </a:xfrm>
-        </p:spPr>
-        <p:txBody>
-          <a:bodyPr>
-            <a:noAutofit/>
-          </a:bodyPr>
-          <a:lstStyle/>
-          <a:p>
-            <a:r>
-              <a:rPr lang="de-CH" sz="2500" dirty="0"/>
-              <a:t>End zu End Verantwortung in den Teams ermöglicht viel Entscheidungsspielraum innerhalb der dazugehörigen Domäne, so auch Entscheidungen wie Programmiersprache, Frameworks, Workflows etc.</a:t>
-            </a:r>
-          </a:p>
-        </p:txBody>
-      </p:sp>
       <p:pic>
         <p:nvPicPr>
           <p:cNvPr id="6" name="Grafik 5">
@@ -15581,8 +15546,8 @@
         </p:blipFill>
         <p:spPr>
           <a:xfrm>
-            <a:off x="1714500" y="762000"/>
-            <a:ext cx="8763000" cy="2950302"/>
+            <a:off x="130193" y="1447800"/>
+            <a:ext cx="11769138" cy="3962400"/>
           </a:xfrm>
           <a:prstGeom prst="rect">
             <a:avLst/>
@@ -15621,32 +15586,96 @@
       </p:grpSpPr>
       <p:pic>
         <p:nvPicPr>
-          <p:cNvPr id="2" name="Grafik 1">
+          <p:cNvPr id="1025" name="Picture 1" descr="C:\Users\chrig\AppData\Local\Packages\Microsoft.Office.OneNote_8wekyb3d8bbwe\TempState\msohtmlclip\clip_image001.png">
             <a:extLst>
               <a:ext uri="{FF2B5EF4-FFF2-40B4-BE49-F238E27FC236}">
-                <a16:creationId xmlns:a16="http://schemas.microsoft.com/office/drawing/2014/main" id="{04D3FDB2-A88E-4FFF-B37D-335457C670C4}"/>
+                <a16:creationId xmlns:a16="http://schemas.microsoft.com/office/drawing/2014/main" id="{D2FDF445-801E-4E7A-9F72-FFAE1AC504B2}"/>
               </a:ext>
             </a:extLst>
           </p:cNvPr>
           <p:cNvPicPr>
-            <a:picLocks noChangeAspect="1"/>
+            <a:picLocks noChangeAspect="1" noChangeArrowheads="1"/>
           </p:cNvPicPr>
           <p:nvPr/>
         </p:nvPicPr>
         <p:blipFill>
-          <a:blip r:embed="rId3"/>
+          <a:blip r:embed="rId3">
+            <a:extLst>
+              <a:ext uri="{28A0092B-C50C-407E-A947-70E740481C1C}">
+                <a14:useLocalDpi xmlns:a14="http://schemas.microsoft.com/office/drawing/2010/main" val="0"/>
+              </a:ext>
+            </a:extLst>
+          </a:blip>
+          <a:srcRect/>
           <a:stretch>
             <a:fillRect/>
           </a:stretch>
         </p:blipFill>
-        <p:spPr>
+        <p:spPr bwMode="auto">
           <a:xfrm>
-            <a:off x="1752600" y="180303"/>
-            <a:ext cx="8534400" cy="6383404"/>
+            <a:off x="1600200" y="401813"/>
+            <a:ext cx="9261281" cy="3789187"/>
           </a:xfrm>
           <a:prstGeom prst="rect">
             <a:avLst/>
           </a:prstGeom>
+          <a:noFill/>
+          <a:extLst>
+            <a:ext uri="{909E8E84-426E-40DD-AFC4-6F175D3DCCD1}">
+              <a14:hiddenFill xmlns:a14="http://schemas.microsoft.com/office/drawing/2010/main">
+                <a:solidFill>
+                  <a:srgbClr val="FFFFFF"/>
+                </a:solidFill>
+              </a14:hiddenFill>
+            </a:ext>
+          </a:extLst>
+        </p:spPr>
+      </p:pic>
+      <p:pic>
+        <p:nvPicPr>
+          <p:cNvPr id="1026" name="Picture 2" descr="C:\Users\chrig\AppData\Local\Packages\Microsoft.Office.OneNote_8wekyb3d8bbwe\TempState\msohtmlclip\clip_image002.png">
+            <a:extLst>
+              <a:ext uri="{FF2B5EF4-FFF2-40B4-BE49-F238E27FC236}">
+                <a16:creationId xmlns:a16="http://schemas.microsoft.com/office/drawing/2014/main" id="{E5967C38-AF20-4D35-9DEB-BEF8FF030484}"/>
+              </a:ext>
+            </a:extLst>
+          </p:cNvPr>
+          <p:cNvPicPr>
+            <a:picLocks noChangeAspect="1" noChangeArrowheads="1"/>
+          </p:cNvPicPr>
+          <p:nvPr/>
+        </p:nvPicPr>
+        <p:blipFill>
+          <a:blip r:embed="rId4">
+            <a:extLst>
+              <a:ext uri="{28A0092B-C50C-407E-A947-70E740481C1C}">
+                <a14:useLocalDpi xmlns:a14="http://schemas.microsoft.com/office/drawing/2010/main" val="0"/>
+              </a:ext>
+            </a:extLst>
+          </a:blip>
+          <a:srcRect/>
+          <a:stretch>
+            <a:fillRect/>
+          </a:stretch>
+        </p:blipFill>
+        <p:spPr bwMode="auto">
+          <a:xfrm>
+            <a:off x="1600200" y="4495800"/>
+            <a:ext cx="9261282" cy="2221456"/>
+          </a:xfrm>
+          <a:prstGeom prst="rect">
+            <a:avLst/>
+          </a:prstGeom>
+          <a:noFill/>
+          <a:extLst>
+            <a:ext uri="{909E8E84-426E-40DD-AFC4-6F175D3DCCD1}">
+              <a14:hiddenFill xmlns:a14="http://schemas.microsoft.com/office/drawing/2010/main">
+                <a:solidFill>
+                  <a:srgbClr val="FFFFFF"/>
+                </a:solidFill>
+              </a14:hiddenFill>
+            </a:ext>
+          </a:extLst>
         </p:spPr>
       </p:pic>
     </p:spTree>
